--- a/sample-app/bulletinboard-in-k8s_exercises.pptx
+++ b/sample-app/bulletinboard-in-k8s_exercises.pptx
@@ -19654,7 +19654,9 @@
               <a:prstGeom prst="roundRect">
                 <a:avLst/>
               </a:prstGeom>
-              <a:grpFill/>
+              <a:solidFill>
+                <a:srgbClr val="4CC5FF"/>
+              </a:solidFill>
               <a:ln>
                 <a:solidFill>
                   <a:schemeClr val="tx1"/>
@@ -19878,7 +19880,7 @@
                     <a:ea typeface="Arial Unicode MS" pitchFamily="34" charset="-128"/>
                     <a:cs typeface="Arial Unicode MS" pitchFamily="34" charset="-128"/>
                   </a:rPr>
-                  <a:t>cm</a:t>
+                  <a:t>sec</a:t>
                 </a:r>
               </a:p>
             </p:txBody>
@@ -21469,6 +21471,299 @@
             </a:fontRef>
           </p:style>
         </p:cxnSp>
+      </p:grpSp>
+      <p:grpSp>
+        <p:nvGrpSpPr>
+          <p:cNvPr id="110" name="Group 109">
+            <a:extLst>
+              <a:ext uri="{FF2B5EF4-FFF2-40B4-BE49-F238E27FC236}">
+                <a16:creationId xmlns:a16="http://schemas.microsoft.com/office/drawing/2014/main" id="{5049C088-7F76-463B-B39E-CA39305B464B}"/>
+              </a:ext>
+            </a:extLst>
+          </p:cNvPr>
+          <p:cNvGrpSpPr/>
+          <p:nvPr/>
+        </p:nvGrpSpPr>
+        <p:grpSpPr>
+          <a:xfrm>
+            <a:off x="8361345" y="5460150"/>
+            <a:ext cx="643122" cy="358399"/>
+            <a:chOff x="2819071" y="4941991"/>
+            <a:chExt cx="643122" cy="358399"/>
+          </a:xfrm>
+        </p:grpSpPr>
+        <p:cxnSp>
+          <p:nvCxnSpPr>
+            <p:cNvPr id="111" name="Straight Connector 110">
+              <a:extLst>
+                <a:ext uri="{FF2B5EF4-FFF2-40B4-BE49-F238E27FC236}">
+                  <a16:creationId xmlns:a16="http://schemas.microsoft.com/office/drawing/2014/main" id="{E6C0D9E3-B7BE-4847-AF62-82E6032A01C9}"/>
+                </a:ext>
+              </a:extLst>
+            </p:cNvPr>
+            <p:cNvCxnSpPr>
+              <a:cxnSpLocks/>
+            </p:cNvCxnSpPr>
+            <p:nvPr/>
+          </p:nvCxnSpPr>
+          <p:spPr>
+            <a:xfrm>
+              <a:off x="3362585" y="5142991"/>
+              <a:ext cx="99608" cy="0"/>
+            </a:xfrm>
+            <a:prstGeom prst="line">
+              <a:avLst/>
+            </a:prstGeom>
+            <a:ln w="9525">
+              <a:solidFill>
+                <a:schemeClr val="tx1"/>
+              </a:solidFill>
+              <a:headEnd type="none" w="med" len="med"/>
+              <a:tailEnd type="none" w="med" len="med"/>
+            </a:ln>
+          </p:spPr>
+          <p:style>
+            <a:lnRef idx="1">
+              <a:schemeClr val="accent1"/>
+            </a:lnRef>
+            <a:fillRef idx="0">
+              <a:schemeClr val="accent1"/>
+            </a:fillRef>
+            <a:effectRef idx="0">
+              <a:schemeClr val="accent1"/>
+            </a:effectRef>
+            <a:fontRef idx="minor">
+              <a:schemeClr val="tx1"/>
+            </a:fontRef>
+          </p:style>
+        </p:cxnSp>
+        <p:sp>
+          <p:nvSpPr>
+            <p:cNvPr id="112" name="Rounded Rectangle 14">
+              <a:extLst>
+                <a:ext uri="{FF2B5EF4-FFF2-40B4-BE49-F238E27FC236}">
+                  <a16:creationId xmlns:a16="http://schemas.microsoft.com/office/drawing/2014/main" id="{13E54437-5B1F-424F-8630-CD1E3FAEB69F}"/>
+                </a:ext>
+              </a:extLst>
+            </p:cNvPr>
+            <p:cNvSpPr/>
+            <p:nvPr/>
+          </p:nvSpPr>
+          <p:spPr bwMode="gray">
+            <a:xfrm>
+              <a:off x="2819071" y="5005920"/>
+              <a:ext cx="548827" cy="294470"/>
+            </a:xfrm>
+            <a:prstGeom prst="roundRect">
+              <a:avLst/>
+            </a:prstGeom>
+            <a:solidFill>
+              <a:schemeClr val="accent3">
+                <a:lumMod val="20000"/>
+                <a:lumOff val="80000"/>
+              </a:schemeClr>
+            </a:solidFill>
+            <a:ln>
+              <a:solidFill>
+                <a:schemeClr val="tx1"/>
+              </a:solidFill>
+              <a:headEnd/>
+              <a:tailEnd/>
+            </a:ln>
+            <a:effectLst/>
+          </p:spPr>
+          <p:style>
+            <a:lnRef idx="1">
+              <a:schemeClr val="accent1"/>
+            </a:lnRef>
+            <a:fillRef idx="3">
+              <a:schemeClr val="accent1"/>
+            </a:fillRef>
+            <a:effectRef idx="2">
+              <a:schemeClr val="accent1"/>
+            </a:effectRef>
+            <a:fontRef idx="minor">
+              <a:schemeClr val="lt1"/>
+            </a:fontRef>
+          </p:style>
+          <p:txBody>
+            <a:bodyPr lIns="107138" tIns="85710" rIns="107138" bIns="85710" rtlCol="0" anchor="t" anchorCtr="0"/>
+            <a:lstStyle>
+              <a:defPPr>
+                <a:defRPr lang="de-DE"/>
+              </a:defPPr>
+              <a:lvl1pPr marL="0" algn="l" defTabSz="1088776" rtl="0" eaLnBrk="1" latinLnBrk="0" hangingPunct="1">
+                <a:defRPr lang="de-DE" sz="2100" kern="1200">
+                  <a:solidFill>
+                    <a:schemeClr val="lt1"/>
+                  </a:solidFill>
+                  <a:latin typeface="+mn-lt"/>
+                  <a:ea typeface="+mn-ea"/>
+                  <a:cs typeface="+mn-cs"/>
+                </a:defRPr>
+              </a:lvl1pPr>
+              <a:lvl2pPr marL="544388" algn="l" defTabSz="1088776" rtl="0" eaLnBrk="1" latinLnBrk="0" hangingPunct="1">
+                <a:buClr>
+                  <a:srgbClr val="FDB913"/>
+                </a:buClr>
+                <a:buSzPct val="100000"/>
+                <a:buFont typeface="wingdings"/>
+                <a:buChar char=""/>
+                <a:defRPr lang="de-DE" sz="2100" kern="1200">
+                  <a:solidFill>
+                    <a:schemeClr val="lt1"/>
+                  </a:solidFill>
+                  <a:latin typeface="+mn-lt"/>
+                  <a:ea typeface="+mn-ea"/>
+                  <a:cs typeface="+mn-cs"/>
+                </a:defRPr>
+              </a:lvl2pPr>
+              <a:lvl3pPr marL="1088776" algn="l" defTabSz="1088776" rtl="0" eaLnBrk="1" latinLnBrk="0" hangingPunct="1">
+                <a:buClr>
+                  <a:srgbClr val="666666"/>
+                </a:buClr>
+                <a:buSzPct val="80000"/>
+                <a:buFont typeface="Wingdings"/>
+                <a:buChar char="n"/>
+                <a:defRPr lang="de-DE" sz="1700" kern="1200">
+                  <a:solidFill>
+                    <a:schemeClr val="lt1"/>
+                  </a:solidFill>
+                  <a:latin typeface="+mn-lt"/>
+                  <a:ea typeface="+mn-ea"/>
+                  <a:cs typeface="+mn-cs"/>
+                </a:defRPr>
+              </a:lvl3pPr>
+              <a:lvl4pPr marL="1633164" algn="l" defTabSz="1088776" rtl="0" eaLnBrk="1" latinLnBrk="0" hangingPunct="1">
+                <a:buClr>
+                  <a:srgbClr val="666666"/>
+                </a:buClr>
+                <a:buSzPct val="80000"/>
+                <a:buFont typeface="Arial"/>
+                <a:buChar char=""/>
+                <a:defRPr lang="de-DE" sz="1400" kern="1200">
+                  <a:solidFill>
+                    <a:schemeClr val="lt1"/>
+                  </a:solidFill>
+                  <a:latin typeface="+mn-lt"/>
+                  <a:ea typeface="+mn-ea"/>
+                  <a:cs typeface="+mn-cs"/>
+                </a:defRPr>
+              </a:lvl4pPr>
+              <a:lvl5pPr marL="2177552" algn="l" defTabSz="1088776" rtl="0" eaLnBrk="1" latinLnBrk="0" hangingPunct="1">
+                <a:buClr>
+                  <a:srgbClr val="666666"/>
+                </a:buClr>
+                <a:buSzPct val="80000"/>
+                <a:buFont typeface="Arial"/>
+                <a:buChar char=""/>
+                <a:defRPr lang="de-DE" sz="1200" kern="1200">
+                  <a:solidFill>
+                    <a:schemeClr val="lt1"/>
+                  </a:solidFill>
+                  <a:latin typeface="+mn-lt"/>
+                  <a:ea typeface="+mn-ea"/>
+                  <a:cs typeface="+mn-cs"/>
+                </a:defRPr>
+              </a:lvl5pPr>
+              <a:lvl6pPr marL="2721940" algn="l" defTabSz="1088776" rtl="0" eaLnBrk="1" latinLnBrk="0" hangingPunct="1">
+                <a:defRPr sz="2100" kern="1200">
+                  <a:solidFill>
+                    <a:schemeClr val="lt1"/>
+                  </a:solidFill>
+                  <a:latin typeface="+mn-lt"/>
+                  <a:ea typeface="+mn-ea"/>
+                  <a:cs typeface="+mn-cs"/>
+                </a:defRPr>
+              </a:lvl6pPr>
+              <a:lvl7pPr marL="3266328" algn="l" defTabSz="1088776" rtl="0" eaLnBrk="1" latinLnBrk="0" hangingPunct="1">
+                <a:defRPr sz="2100" kern="1200">
+                  <a:solidFill>
+                    <a:schemeClr val="lt1"/>
+                  </a:solidFill>
+                  <a:latin typeface="+mn-lt"/>
+                  <a:ea typeface="+mn-ea"/>
+                  <a:cs typeface="+mn-cs"/>
+                </a:defRPr>
+              </a:lvl7pPr>
+              <a:lvl8pPr marL="3810716" algn="l" defTabSz="1088776" rtl="0" eaLnBrk="1" latinLnBrk="0" hangingPunct="1">
+                <a:defRPr sz="2100" kern="1200">
+                  <a:solidFill>
+                    <a:schemeClr val="lt1"/>
+                  </a:solidFill>
+                  <a:latin typeface="+mn-lt"/>
+                  <a:ea typeface="+mn-ea"/>
+                  <a:cs typeface="+mn-cs"/>
+                </a:defRPr>
+              </a:lvl8pPr>
+              <a:lvl9pPr marL="4355104" algn="l" defTabSz="1088776" rtl="0" eaLnBrk="1" latinLnBrk="0" hangingPunct="1">
+                <a:defRPr sz="2100" kern="1200">
+                  <a:solidFill>
+                    <a:schemeClr val="lt1"/>
+                  </a:solidFill>
+                  <a:latin typeface="+mn-lt"/>
+                  <a:ea typeface="+mn-ea"/>
+                  <a:cs typeface="+mn-cs"/>
+                </a:defRPr>
+              </a:lvl9pPr>
+            </a:lstStyle>
+            <a:p>
+              <a:pPr algn="ctr" defTabSz="1088558" fontAlgn="base">
+                <a:spcBef>
+                  <a:spcPct val="50000"/>
+                </a:spcBef>
+                <a:spcAft>
+                  <a:spcPct val="0"/>
+                </a:spcAft>
+                <a:buClr>
+                  <a:srgbClr val="F0AB00"/>
+                </a:buClr>
+                <a:buSzPct val="80000"/>
+              </a:pPr>
+              <a:r>
+                <a:rPr lang="en-US" sz="1000" kern="0" dirty="0">
+                  <a:solidFill>
+                    <a:srgbClr val="000000"/>
+                  </a:solidFill>
+                  <a:latin typeface="Arial"/>
+                  <a:ea typeface="Arial Unicode MS" pitchFamily="34" charset="-128"/>
+                  <a:cs typeface="Arial Unicode MS" pitchFamily="34" charset="-128"/>
+                </a:rPr>
+                <a:t>sec</a:t>
+              </a:r>
+            </a:p>
+          </p:txBody>
+        </p:sp>
+        <p:pic>
+          <p:nvPicPr>
+            <p:cNvPr id="114" name="Picture 113">
+              <a:extLst>
+                <a:ext uri="{FF2B5EF4-FFF2-40B4-BE49-F238E27FC236}">
+                  <a16:creationId xmlns:a16="http://schemas.microsoft.com/office/drawing/2014/main" id="{1D68ABF0-C50F-4A05-8EE1-AFD371C9A2E7}"/>
+                </a:ext>
+              </a:extLst>
+            </p:cNvPr>
+            <p:cNvPicPr>
+              <a:picLocks noChangeAspect="1"/>
+            </p:cNvPicPr>
+            <p:nvPr/>
+          </p:nvPicPr>
+          <p:blipFill>
+            <a:blip r:embed="rId3"/>
+            <a:stretch>
+              <a:fillRect/>
+            </a:stretch>
+          </p:blipFill>
+          <p:spPr>
+            <a:xfrm>
+              <a:off x="3290175" y="4941991"/>
+              <a:ext cx="150305" cy="146304"/>
+            </a:xfrm>
+            <a:prstGeom prst="rect">
+              <a:avLst/>
+            </a:prstGeom>
+          </p:spPr>
+        </p:pic>
       </p:grpSp>
     </p:spTree>
     <p:extLst>
@@ -25323,7 +25618,9 @@
             <a:prstGeom prst="roundRect">
               <a:avLst/>
             </a:prstGeom>
-            <a:grpFill/>
+            <a:solidFill>
+              <a:srgbClr val="4CC5FF"/>
+            </a:solidFill>
             <a:ln>
               <a:solidFill>
                 <a:schemeClr val="tx1"/>
@@ -25547,7 +25844,7 @@
                   <a:ea typeface="Arial Unicode MS" pitchFamily="34" charset="-128"/>
                   <a:cs typeface="Arial Unicode MS" pitchFamily="34" charset="-128"/>
                 </a:rPr>
-                <a:t>cm</a:t>
+                <a:t>sec</a:t>
               </a:r>
             </a:p>
           </p:txBody>
@@ -27399,6 +27696,299 @@
           </a:p>
         </p:txBody>
       </p:sp>
+      <p:grpSp>
+        <p:nvGrpSpPr>
+          <p:cNvPr id="115" name="Group 114">
+            <a:extLst>
+              <a:ext uri="{FF2B5EF4-FFF2-40B4-BE49-F238E27FC236}">
+                <a16:creationId xmlns:a16="http://schemas.microsoft.com/office/drawing/2014/main" id="{BFD75DAC-6AD6-4057-B83A-8E4BA0193D66}"/>
+              </a:ext>
+            </a:extLst>
+          </p:cNvPr>
+          <p:cNvGrpSpPr/>
+          <p:nvPr/>
+        </p:nvGrpSpPr>
+        <p:grpSpPr>
+          <a:xfrm>
+            <a:off x="8361345" y="5466728"/>
+            <a:ext cx="643122" cy="358399"/>
+            <a:chOff x="2819071" y="4941991"/>
+            <a:chExt cx="643122" cy="358399"/>
+          </a:xfrm>
+        </p:grpSpPr>
+        <p:cxnSp>
+          <p:nvCxnSpPr>
+            <p:cNvPr id="117" name="Straight Connector 116">
+              <a:extLst>
+                <a:ext uri="{FF2B5EF4-FFF2-40B4-BE49-F238E27FC236}">
+                  <a16:creationId xmlns:a16="http://schemas.microsoft.com/office/drawing/2014/main" id="{2536B654-40EB-4FD9-A960-2DC1F36B8BA1}"/>
+                </a:ext>
+              </a:extLst>
+            </p:cNvPr>
+            <p:cNvCxnSpPr>
+              <a:cxnSpLocks/>
+            </p:cNvCxnSpPr>
+            <p:nvPr/>
+          </p:nvCxnSpPr>
+          <p:spPr>
+            <a:xfrm>
+              <a:off x="3362585" y="5142991"/>
+              <a:ext cx="99608" cy="0"/>
+            </a:xfrm>
+            <a:prstGeom prst="line">
+              <a:avLst/>
+            </a:prstGeom>
+            <a:ln w="9525">
+              <a:solidFill>
+                <a:schemeClr val="tx1"/>
+              </a:solidFill>
+              <a:headEnd type="none" w="med" len="med"/>
+              <a:tailEnd type="none" w="med" len="med"/>
+            </a:ln>
+          </p:spPr>
+          <p:style>
+            <a:lnRef idx="1">
+              <a:schemeClr val="accent1"/>
+            </a:lnRef>
+            <a:fillRef idx="0">
+              <a:schemeClr val="accent1"/>
+            </a:fillRef>
+            <a:effectRef idx="0">
+              <a:schemeClr val="accent1"/>
+            </a:effectRef>
+            <a:fontRef idx="minor">
+              <a:schemeClr val="tx1"/>
+            </a:fontRef>
+          </p:style>
+        </p:cxnSp>
+        <p:sp>
+          <p:nvSpPr>
+            <p:cNvPr id="122" name="Rounded Rectangle 14">
+              <a:extLst>
+                <a:ext uri="{FF2B5EF4-FFF2-40B4-BE49-F238E27FC236}">
+                  <a16:creationId xmlns:a16="http://schemas.microsoft.com/office/drawing/2014/main" id="{37467063-03BE-43E4-A648-108302D1E15A}"/>
+                </a:ext>
+              </a:extLst>
+            </p:cNvPr>
+            <p:cNvSpPr/>
+            <p:nvPr/>
+          </p:nvSpPr>
+          <p:spPr bwMode="gray">
+            <a:xfrm>
+              <a:off x="2819071" y="5005920"/>
+              <a:ext cx="548827" cy="294470"/>
+            </a:xfrm>
+            <a:prstGeom prst="roundRect">
+              <a:avLst/>
+            </a:prstGeom>
+            <a:solidFill>
+              <a:schemeClr val="accent3">
+                <a:lumMod val="20000"/>
+                <a:lumOff val="80000"/>
+              </a:schemeClr>
+            </a:solidFill>
+            <a:ln>
+              <a:solidFill>
+                <a:schemeClr val="tx1"/>
+              </a:solidFill>
+              <a:headEnd/>
+              <a:tailEnd/>
+            </a:ln>
+            <a:effectLst/>
+          </p:spPr>
+          <p:style>
+            <a:lnRef idx="1">
+              <a:schemeClr val="accent1"/>
+            </a:lnRef>
+            <a:fillRef idx="3">
+              <a:schemeClr val="accent1"/>
+            </a:fillRef>
+            <a:effectRef idx="2">
+              <a:schemeClr val="accent1"/>
+            </a:effectRef>
+            <a:fontRef idx="minor">
+              <a:schemeClr val="lt1"/>
+            </a:fontRef>
+          </p:style>
+          <p:txBody>
+            <a:bodyPr lIns="107138" tIns="85710" rIns="107138" bIns="85710" rtlCol="0" anchor="t" anchorCtr="0"/>
+            <a:lstStyle>
+              <a:defPPr>
+                <a:defRPr lang="de-DE"/>
+              </a:defPPr>
+              <a:lvl1pPr marL="0" algn="l" defTabSz="1088776" rtl="0" eaLnBrk="1" latinLnBrk="0" hangingPunct="1">
+                <a:defRPr lang="de-DE" sz="2100" kern="1200">
+                  <a:solidFill>
+                    <a:schemeClr val="lt1"/>
+                  </a:solidFill>
+                  <a:latin typeface="+mn-lt"/>
+                  <a:ea typeface="+mn-ea"/>
+                  <a:cs typeface="+mn-cs"/>
+                </a:defRPr>
+              </a:lvl1pPr>
+              <a:lvl2pPr marL="544388" algn="l" defTabSz="1088776" rtl="0" eaLnBrk="1" latinLnBrk="0" hangingPunct="1">
+                <a:buClr>
+                  <a:srgbClr val="FDB913"/>
+                </a:buClr>
+                <a:buSzPct val="100000"/>
+                <a:buFont typeface="wingdings"/>
+                <a:buChar char=""/>
+                <a:defRPr lang="de-DE" sz="2100" kern="1200">
+                  <a:solidFill>
+                    <a:schemeClr val="lt1"/>
+                  </a:solidFill>
+                  <a:latin typeface="+mn-lt"/>
+                  <a:ea typeface="+mn-ea"/>
+                  <a:cs typeface="+mn-cs"/>
+                </a:defRPr>
+              </a:lvl2pPr>
+              <a:lvl3pPr marL="1088776" algn="l" defTabSz="1088776" rtl="0" eaLnBrk="1" latinLnBrk="0" hangingPunct="1">
+                <a:buClr>
+                  <a:srgbClr val="666666"/>
+                </a:buClr>
+                <a:buSzPct val="80000"/>
+                <a:buFont typeface="Wingdings"/>
+                <a:buChar char="n"/>
+                <a:defRPr lang="de-DE" sz="1700" kern="1200">
+                  <a:solidFill>
+                    <a:schemeClr val="lt1"/>
+                  </a:solidFill>
+                  <a:latin typeface="+mn-lt"/>
+                  <a:ea typeface="+mn-ea"/>
+                  <a:cs typeface="+mn-cs"/>
+                </a:defRPr>
+              </a:lvl3pPr>
+              <a:lvl4pPr marL="1633164" algn="l" defTabSz="1088776" rtl="0" eaLnBrk="1" latinLnBrk="0" hangingPunct="1">
+                <a:buClr>
+                  <a:srgbClr val="666666"/>
+                </a:buClr>
+                <a:buSzPct val="80000"/>
+                <a:buFont typeface="Arial"/>
+                <a:buChar char=""/>
+                <a:defRPr lang="de-DE" sz="1400" kern="1200">
+                  <a:solidFill>
+                    <a:schemeClr val="lt1"/>
+                  </a:solidFill>
+                  <a:latin typeface="+mn-lt"/>
+                  <a:ea typeface="+mn-ea"/>
+                  <a:cs typeface="+mn-cs"/>
+                </a:defRPr>
+              </a:lvl4pPr>
+              <a:lvl5pPr marL="2177552" algn="l" defTabSz="1088776" rtl="0" eaLnBrk="1" latinLnBrk="0" hangingPunct="1">
+                <a:buClr>
+                  <a:srgbClr val="666666"/>
+                </a:buClr>
+                <a:buSzPct val="80000"/>
+                <a:buFont typeface="Arial"/>
+                <a:buChar char=""/>
+                <a:defRPr lang="de-DE" sz="1200" kern="1200">
+                  <a:solidFill>
+                    <a:schemeClr val="lt1"/>
+                  </a:solidFill>
+                  <a:latin typeface="+mn-lt"/>
+                  <a:ea typeface="+mn-ea"/>
+                  <a:cs typeface="+mn-cs"/>
+                </a:defRPr>
+              </a:lvl5pPr>
+              <a:lvl6pPr marL="2721940" algn="l" defTabSz="1088776" rtl="0" eaLnBrk="1" latinLnBrk="0" hangingPunct="1">
+                <a:defRPr sz="2100" kern="1200">
+                  <a:solidFill>
+                    <a:schemeClr val="lt1"/>
+                  </a:solidFill>
+                  <a:latin typeface="+mn-lt"/>
+                  <a:ea typeface="+mn-ea"/>
+                  <a:cs typeface="+mn-cs"/>
+                </a:defRPr>
+              </a:lvl6pPr>
+              <a:lvl7pPr marL="3266328" algn="l" defTabSz="1088776" rtl="0" eaLnBrk="1" latinLnBrk="0" hangingPunct="1">
+                <a:defRPr sz="2100" kern="1200">
+                  <a:solidFill>
+                    <a:schemeClr val="lt1"/>
+                  </a:solidFill>
+                  <a:latin typeface="+mn-lt"/>
+                  <a:ea typeface="+mn-ea"/>
+                  <a:cs typeface="+mn-cs"/>
+                </a:defRPr>
+              </a:lvl7pPr>
+              <a:lvl8pPr marL="3810716" algn="l" defTabSz="1088776" rtl="0" eaLnBrk="1" latinLnBrk="0" hangingPunct="1">
+                <a:defRPr sz="2100" kern="1200">
+                  <a:solidFill>
+                    <a:schemeClr val="lt1"/>
+                  </a:solidFill>
+                  <a:latin typeface="+mn-lt"/>
+                  <a:ea typeface="+mn-ea"/>
+                  <a:cs typeface="+mn-cs"/>
+                </a:defRPr>
+              </a:lvl8pPr>
+              <a:lvl9pPr marL="4355104" algn="l" defTabSz="1088776" rtl="0" eaLnBrk="1" latinLnBrk="0" hangingPunct="1">
+                <a:defRPr sz="2100" kern="1200">
+                  <a:solidFill>
+                    <a:schemeClr val="lt1"/>
+                  </a:solidFill>
+                  <a:latin typeface="+mn-lt"/>
+                  <a:ea typeface="+mn-ea"/>
+                  <a:cs typeface="+mn-cs"/>
+                </a:defRPr>
+              </a:lvl9pPr>
+            </a:lstStyle>
+            <a:p>
+              <a:pPr algn="ctr" defTabSz="1088558" fontAlgn="base">
+                <a:spcBef>
+                  <a:spcPct val="50000"/>
+                </a:spcBef>
+                <a:spcAft>
+                  <a:spcPct val="0"/>
+                </a:spcAft>
+                <a:buClr>
+                  <a:srgbClr val="F0AB00"/>
+                </a:buClr>
+                <a:buSzPct val="80000"/>
+              </a:pPr>
+              <a:r>
+                <a:rPr lang="en-US" sz="1000" kern="0" dirty="0">
+                  <a:solidFill>
+                    <a:srgbClr val="000000"/>
+                  </a:solidFill>
+                  <a:latin typeface="Arial"/>
+                  <a:ea typeface="Arial Unicode MS" pitchFamily="34" charset="-128"/>
+                  <a:cs typeface="Arial Unicode MS" pitchFamily="34" charset="-128"/>
+                </a:rPr>
+                <a:t>sec</a:t>
+              </a:r>
+            </a:p>
+          </p:txBody>
+        </p:sp>
+        <p:pic>
+          <p:nvPicPr>
+            <p:cNvPr id="125" name="Picture 124">
+              <a:extLst>
+                <a:ext uri="{FF2B5EF4-FFF2-40B4-BE49-F238E27FC236}">
+                  <a16:creationId xmlns:a16="http://schemas.microsoft.com/office/drawing/2014/main" id="{2DCCAAB7-D199-4A4E-BD49-017292F659A6}"/>
+                </a:ext>
+              </a:extLst>
+            </p:cNvPr>
+            <p:cNvPicPr>
+              <a:picLocks noChangeAspect="1"/>
+            </p:cNvPicPr>
+            <p:nvPr/>
+          </p:nvPicPr>
+          <p:blipFill>
+            <a:blip r:embed="rId3"/>
+            <a:stretch>
+              <a:fillRect/>
+            </a:stretch>
+          </p:blipFill>
+          <p:spPr>
+            <a:xfrm>
+              <a:off x="3290175" y="4941991"/>
+              <a:ext cx="150305" cy="146304"/>
+            </a:xfrm>
+            <a:prstGeom prst="rect">
+              <a:avLst/>
+            </a:prstGeom>
+          </p:spPr>
+        </p:pic>
+      </p:grpSp>
     </p:spTree>
     <p:extLst>
       <p:ext uri="{BB962C8B-B14F-4D97-AF65-F5344CB8AC3E}">
@@ -37675,7 +38265,7 @@
                     <a:ea typeface="Arial Unicode MS" pitchFamily="34" charset="-128"/>
                     <a:cs typeface="Arial Unicode MS" pitchFamily="34" charset="-128"/>
                   </a:rPr>
-                  <a:t>cm</a:t>
+                  <a:t>sec</a:t>
                 </a:r>
               </a:p>
             </p:txBody>
@@ -38852,6 +39442,301 @@
             </a:fontRef>
           </p:style>
         </p:cxnSp>
+      </p:grpSp>
+      <p:grpSp>
+        <p:nvGrpSpPr>
+          <p:cNvPr id="106" name="Group 105">
+            <a:extLst>
+              <a:ext uri="{FF2B5EF4-FFF2-40B4-BE49-F238E27FC236}">
+                <a16:creationId xmlns:a16="http://schemas.microsoft.com/office/drawing/2014/main" id="{DEA569BE-4D63-4125-B5AC-6AD793C2CE20}"/>
+              </a:ext>
+            </a:extLst>
+          </p:cNvPr>
+          <p:cNvGrpSpPr/>
+          <p:nvPr/>
+        </p:nvGrpSpPr>
+        <p:grpSpPr>
+          <a:xfrm>
+            <a:off x="8367923" y="5466728"/>
+            <a:ext cx="643122" cy="358399"/>
+            <a:chOff x="2819071" y="4941991"/>
+            <a:chExt cx="643122" cy="358399"/>
+          </a:xfrm>
+          <a:solidFill>
+            <a:schemeClr val="bg1">
+              <a:lumMod val="50000"/>
+            </a:schemeClr>
+          </a:solidFill>
+        </p:grpSpPr>
+        <p:cxnSp>
+          <p:nvCxnSpPr>
+            <p:cNvPr id="108" name="Straight Connector 107">
+              <a:extLst>
+                <a:ext uri="{FF2B5EF4-FFF2-40B4-BE49-F238E27FC236}">
+                  <a16:creationId xmlns:a16="http://schemas.microsoft.com/office/drawing/2014/main" id="{77105893-ACA7-4D99-AFF1-79B2B626D608}"/>
+                </a:ext>
+              </a:extLst>
+            </p:cNvPr>
+            <p:cNvCxnSpPr>
+              <a:cxnSpLocks/>
+            </p:cNvCxnSpPr>
+            <p:nvPr/>
+          </p:nvCxnSpPr>
+          <p:spPr>
+            <a:xfrm>
+              <a:off x="3362585" y="5142991"/>
+              <a:ext cx="99608" cy="0"/>
+            </a:xfrm>
+            <a:prstGeom prst="line">
+              <a:avLst/>
+            </a:prstGeom>
+            <a:grpFill/>
+            <a:ln w="9525">
+              <a:solidFill>
+                <a:schemeClr val="tx1"/>
+              </a:solidFill>
+              <a:headEnd type="none" w="med" len="med"/>
+              <a:tailEnd type="none" w="med" len="med"/>
+            </a:ln>
+          </p:spPr>
+          <p:style>
+            <a:lnRef idx="1">
+              <a:schemeClr val="accent1"/>
+            </a:lnRef>
+            <a:fillRef idx="0">
+              <a:schemeClr val="accent1"/>
+            </a:fillRef>
+            <a:effectRef idx="0">
+              <a:schemeClr val="accent1"/>
+            </a:effectRef>
+            <a:fontRef idx="minor">
+              <a:schemeClr val="tx1"/>
+            </a:fontRef>
+          </p:style>
+        </p:cxnSp>
+        <p:sp>
+          <p:nvSpPr>
+            <p:cNvPr id="109" name="Rounded Rectangle 14">
+              <a:extLst>
+                <a:ext uri="{FF2B5EF4-FFF2-40B4-BE49-F238E27FC236}">
+                  <a16:creationId xmlns:a16="http://schemas.microsoft.com/office/drawing/2014/main" id="{88C93575-DAEB-43C3-A906-CDF2545FA19D}"/>
+                </a:ext>
+              </a:extLst>
+            </p:cNvPr>
+            <p:cNvSpPr/>
+            <p:nvPr/>
+          </p:nvSpPr>
+          <p:spPr bwMode="gray">
+            <a:xfrm>
+              <a:off x="2819071" y="5005920"/>
+              <a:ext cx="548827" cy="294470"/>
+            </a:xfrm>
+            <a:prstGeom prst="roundRect">
+              <a:avLst/>
+            </a:prstGeom>
+            <a:grpFill/>
+            <a:ln>
+              <a:solidFill>
+                <a:schemeClr val="tx1"/>
+              </a:solidFill>
+              <a:headEnd/>
+              <a:tailEnd/>
+            </a:ln>
+            <a:effectLst/>
+          </p:spPr>
+          <p:style>
+            <a:lnRef idx="1">
+              <a:schemeClr val="accent1"/>
+            </a:lnRef>
+            <a:fillRef idx="3">
+              <a:schemeClr val="accent1"/>
+            </a:fillRef>
+            <a:effectRef idx="2">
+              <a:schemeClr val="accent1"/>
+            </a:effectRef>
+            <a:fontRef idx="minor">
+              <a:schemeClr val="lt1"/>
+            </a:fontRef>
+          </p:style>
+          <p:txBody>
+            <a:bodyPr lIns="107138" tIns="85710" rIns="107138" bIns="85710" rtlCol="0" anchor="t" anchorCtr="0"/>
+            <a:lstStyle>
+              <a:defPPr>
+                <a:defRPr lang="de-DE"/>
+              </a:defPPr>
+              <a:lvl1pPr marL="0" algn="l" defTabSz="1088776" rtl="0" eaLnBrk="1" latinLnBrk="0" hangingPunct="1">
+                <a:defRPr lang="de-DE" sz="2100" kern="1200">
+                  <a:solidFill>
+                    <a:schemeClr val="lt1"/>
+                  </a:solidFill>
+                  <a:latin typeface="+mn-lt"/>
+                  <a:ea typeface="+mn-ea"/>
+                  <a:cs typeface="+mn-cs"/>
+                </a:defRPr>
+              </a:lvl1pPr>
+              <a:lvl2pPr marL="544388" algn="l" defTabSz="1088776" rtl="0" eaLnBrk="1" latinLnBrk="0" hangingPunct="1">
+                <a:buClr>
+                  <a:srgbClr val="FDB913"/>
+                </a:buClr>
+                <a:buSzPct val="100000"/>
+                <a:buFont typeface="wingdings"/>
+                <a:buChar char=""/>
+                <a:defRPr lang="de-DE" sz="2100" kern="1200">
+                  <a:solidFill>
+                    <a:schemeClr val="lt1"/>
+                  </a:solidFill>
+                  <a:latin typeface="+mn-lt"/>
+                  <a:ea typeface="+mn-ea"/>
+                  <a:cs typeface="+mn-cs"/>
+                </a:defRPr>
+              </a:lvl2pPr>
+              <a:lvl3pPr marL="1088776" algn="l" defTabSz="1088776" rtl="0" eaLnBrk="1" latinLnBrk="0" hangingPunct="1">
+                <a:buClr>
+                  <a:srgbClr val="666666"/>
+                </a:buClr>
+                <a:buSzPct val="80000"/>
+                <a:buFont typeface="Wingdings"/>
+                <a:buChar char="n"/>
+                <a:defRPr lang="de-DE" sz="1700" kern="1200">
+                  <a:solidFill>
+                    <a:schemeClr val="lt1"/>
+                  </a:solidFill>
+                  <a:latin typeface="+mn-lt"/>
+                  <a:ea typeface="+mn-ea"/>
+                  <a:cs typeface="+mn-cs"/>
+                </a:defRPr>
+              </a:lvl3pPr>
+              <a:lvl4pPr marL="1633164" algn="l" defTabSz="1088776" rtl="0" eaLnBrk="1" latinLnBrk="0" hangingPunct="1">
+                <a:buClr>
+                  <a:srgbClr val="666666"/>
+                </a:buClr>
+                <a:buSzPct val="80000"/>
+                <a:buFont typeface="Arial"/>
+                <a:buChar char=""/>
+                <a:defRPr lang="de-DE" sz="1400" kern="1200">
+                  <a:solidFill>
+                    <a:schemeClr val="lt1"/>
+                  </a:solidFill>
+                  <a:latin typeface="+mn-lt"/>
+                  <a:ea typeface="+mn-ea"/>
+                  <a:cs typeface="+mn-cs"/>
+                </a:defRPr>
+              </a:lvl4pPr>
+              <a:lvl5pPr marL="2177552" algn="l" defTabSz="1088776" rtl="0" eaLnBrk="1" latinLnBrk="0" hangingPunct="1">
+                <a:buClr>
+                  <a:srgbClr val="666666"/>
+                </a:buClr>
+                <a:buSzPct val="80000"/>
+                <a:buFont typeface="Arial"/>
+                <a:buChar char=""/>
+                <a:defRPr lang="de-DE" sz="1200" kern="1200">
+                  <a:solidFill>
+                    <a:schemeClr val="lt1"/>
+                  </a:solidFill>
+                  <a:latin typeface="+mn-lt"/>
+                  <a:ea typeface="+mn-ea"/>
+                  <a:cs typeface="+mn-cs"/>
+                </a:defRPr>
+              </a:lvl5pPr>
+              <a:lvl6pPr marL="2721940" algn="l" defTabSz="1088776" rtl="0" eaLnBrk="1" latinLnBrk="0" hangingPunct="1">
+                <a:defRPr sz="2100" kern="1200">
+                  <a:solidFill>
+                    <a:schemeClr val="lt1"/>
+                  </a:solidFill>
+                  <a:latin typeface="+mn-lt"/>
+                  <a:ea typeface="+mn-ea"/>
+                  <a:cs typeface="+mn-cs"/>
+                </a:defRPr>
+              </a:lvl6pPr>
+              <a:lvl7pPr marL="3266328" algn="l" defTabSz="1088776" rtl="0" eaLnBrk="1" latinLnBrk="0" hangingPunct="1">
+                <a:defRPr sz="2100" kern="1200">
+                  <a:solidFill>
+                    <a:schemeClr val="lt1"/>
+                  </a:solidFill>
+                  <a:latin typeface="+mn-lt"/>
+                  <a:ea typeface="+mn-ea"/>
+                  <a:cs typeface="+mn-cs"/>
+                </a:defRPr>
+              </a:lvl7pPr>
+              <a:lvl8pPr marL="3810716" algn="l" defTabSz="1088776" rtl="0" eaLnBrk="1" latinLnBrk="0" hangingPunct="1">
+                <a:defRPr sz="2100" kern="1200">
+                  <a:solidFill>
+                    <a:schemeClr val="lt1"/>
+                  </a:solidFill>
+                  <a:latin typeface="+mn-lt"/>
+                  <a:ea typeface="+mn-ea"/>
+                  <a:cs typeface="+mn-cs"/>
+                </a:defRPr>
+              </a:lvl8pPr>
+              <a:lvl9pPr marL="4355104" algn="l" defTabSz="1088776" rtl="0" eaLnBrk="1" latinLnBrk="0" hangingPunct="1">
+                <a:defRPr sz="2100" kern="1200">
+                  <a:solidFill>
+                    <a:schemeClr val="lt1"/>
+                  </a:solidFill>
+                  <a:latin typeface="+mn-lt"/>
+                  <a:ea typeface="+mn-ea"/>
+                  <a:cs typeface="+mn-cs"/>
+                </a:defRPr>
+              </a:lvl9pPr>
+            </a:lstStyle>
+            <a:p>
+              <a:pPr algn="ctr" defTabSz="1088558" fontAlgn="base">
+                <a:spcBef>
+                  <a:spcPct val="50000"/>
+                </a:spcBef>
+                <a:spcAft>
+                  <a:spcPct val="0"/>
+                </a:spcAft>
+                <a:buClr>
+                  <a:srgbClr val="F0AB00"/>
+                </a:buClr>
+                <a:buSzPct val="80000"/>
+              </a:pPr>
+              <a:r>
+                <a:rPr lang="en-US" sz="1000" kern="0" dirty="0">
+                  <a:solidFill>
+                    <a:srgbClr val="000000"/>
+                  </a:solidFill>
+                  <a:latin typeface="Arial"/>
+                  <a:ea typeface="Arial Unicode MS" pitchFamily="34" charset="-128"/>
+                  <a:cs typeface="Arial Unicode MS" pitchFamily="34" charset="-128"/>
+                </a:rPr>
+                <a:t>sec</a:t>
+              </a:r>
+            </a:p>
+          </p:txBody>
+        </p:sp>
+        <p:pic>
+          <p:nvPicPr>
+            <p:cNvPr id="110" name="Picture 109">
+              <a:extLst>
+                <a:ext uri="{FF2B5EF4-FFF2-40B4-BE49-F238E27FC236}">
+                  <a16:creationId xmlns:a16="http://schemas.microsoft.com/office/drawing/2014/main" id="{30E236B8-F8AD-43B0-AC19-4852E09A4BA6}"/>
+                </a:ext>
+              </a:extLst>
+            </p:cNvPr>
+            <p:cNvPicPr>
+              <a:picLocks noChangeAspect="1"/>
+            </p:cNvPicPr>
+            <p:nvPr/>
+          </p:nvPicPr>
+          <p:blipFill>
+            <a:blip r:embed="rId7"/>
+            <a:stretch>
+              <a:fillRect/>
+            </a:stretch>
+          </p:blipFill>
+          <p:spPr>
+            <a:xfrm>
+              <a:off x="3290175" y="4941991"/>
+              <a:ext cx="150305" cy="146304"/>
+            </a:xfrm>
+            <a:prstGeom prst="rect">
+              <a:avLst/>
+            </a:prstGeom>
+            <a:noFill/>
+          </p:spPr>
+        </p:pic>
       </p:grpSp>
     </p:spTree>
     <p:extLst>
@@ -45067,7 +45952,9 @@
               <a:prstGeom prst="roundRect">
                 <a:avLst/>
               </a:prstGeom>
-              <a:grpFill/>
+              <a:solidFill>
+                <a:srgbClr val="4CC5FF"/>
+              </a:solidFill>
               <a:ln>
                 <a:solidFill>
                   <a:schemeClr val="tx1"/>
@@ -45293,7 +46180,7 @@
                     <a:ea typeface="Arial Unicode MS" pitchFamily="34" charset="-128"/>
                     <a:cs typeface="Arial Unicode MS" pitchFamily="34" charset="-128"/>
                   </a:rPr>
-                  <a:t>cm</a:t>
+                  <a:t>sec</a:t>
                 </a:r>
               </a:p>
             </p:txBody>
@@ -46670,6 +47557,298 @@
             </a:fontRef>
           </p:style>
         </p:cxnSp>
+      </p:grpSp>
+      <p:grpSp>
+        <p:nvGrpSpPr>
+          <p:cNvPr id="107" name="Group 106">
+            <a:extLst>
+              <a:ext uri="{FF2B5EF4-FFF2-40B4-BE49-F238E27FC236}">
+                <a16:creationId xmlns:a16="http://schemas.microsoft.com/office/drawing/2014/main" id="{26BC45FE-4B01-4D7C-B1F5-A3D50B95CDE0}"/>
+              </a:ext>
+            </a:extLst>
+          </p:cNvPr>
+          <p:cNvGrpSpPr/>
+          <p:nvPr/>
+        </p:nvGrpSpPr>
+        <p:grpSpPr>
+          <a:xfrm>
+            <a:off x="8341611" y="5466728"/>
+            <a:ext cx="643122" cy="358399"/>
+            <a:chOff x="2819071" y="4941991"/>
+            <a:chExt cx="643122" cy="358399"/>
+          </a:xfrm>
+        </p:grpSpPr>
+        <p:cxnSp>
+          <p:nvCxnSpPr>
+            <p:cNvPr id="113" name="Straight Connector 112">
+              <a:extLst>
+                <a:ext uri="{FF2B5EF4-FFF2-40B4-BE49-F238E27FC236}">
+                  <a16:creationId xmlns:a16="http://schemas.microsoft.com/office/drawing/2014/main" id="{6DE12B0D-FB91-45F3-BE82-70D39F87662B}"/>
+                </a:ext>
+              </a:extLst>
+            </p:cNvPr>
+            <p:cNvCxnSpPr>
+              <a:cxnSpLocks/>
+            </p:cNvCxnSpPr>
+            <p:nvPr/>
+          </p:nvCxnSpPr>
+          <p:spPr>
+            <a:xfrm>
+              <a:off x="3362585" y="5142991"/>
+              <a:ext cx="99608" cy="0"/>
+            </a:xfrm>
+            <a:prstGeom prst="line">
+              <a:avLst/>
+            </a:prstGeom>
+            <a:ln w="9525">
+              <a:solidFill>
+                <a:schemeClr val="tx1"/>
+              </a:solidFill>
+              <a:headEnd type="none" w="med" len="med"/>
+              <a:tailEnd type="none" w="med" len="med"/>
+            </a:ln>
+          </p:spPr>
+          <p:style>
+            <a:lnRef idx="1">
+              <a:schemeClr val="accent1"/>
+            </a:lnRef>
+            <a:fillRef idx="0">
+              <a:schemeClr val="accent1"/>
+            </a:fillRef>
+            <a:effectRef idx="0">
+              <a:schemeClr val="accent1"/>
+            </a:effectRef>
+            <a:fontRef idx="minor">
+              <a:schemeClr val="tx1"/>
+            </a:fontRef>
+          </p:style>
+        </p:cxnSp>
+        <p:sp>
+          <p:nvSpPr>
+            <p:cNvPr id="115" name="Rounded Rectangle 14">
+              <a:extLst>
+                <a:ext uri="{FF2B5EF4-FFF2-40B4-BE49-F238E27FC236}">
+                  <a16:creationId xmlns:a16="http://schemas.microsoft.com/office/drawing/2014/main" id="{CA610347-F30B-4406-A90D-BE2CED2809A4}"/>
+                </a:ext>
+              </a:extLst>
+            </p:cNvPr>
+            <p:cNvSpPr/>
+            <p:nvPr/>
+          </p:nvSpPr>
+          <p:spPr bwMode="gray">
+            <a:xfrm>
+              <a:off x="2819071" y="5005920"/>
+              <a:ext cx="548827" cy="294470"/>
+            </a:xfrm>
+            <a:prstGeom prst="roundRect">
+              <a:avLst/>
+            </a:prstGeom>
+            <a:solidFill>
+              <a:schemeClr val="bg1">
+                <a:lumMod val="50000"/>
+              </a:schemeClr>
+            </a:solidFill>
+            <a:ln>
+              <a:solidFill>
+                <a:schemeClr val="tx1"/>
+              </a:solidFill>
+              <a:headEnd/>
+              <a:tailEnd/>
+            </a:ln>
+            <a:effectLst/>
+          </p:spPr>
+          <p:style>
+            <a:lnRef idx="1">
+              <a:schemeClr val="accent1"/>
+            </a:lnRef>
+            <a:fillRef idx="3">
+              <a:schemeClr val="accent1"/>
+            </a:fillRef>
+            <a:effectRef idx="2">
+              <a:schemeClr val="accent1"/>
+            </a:effectRef>
+            <a:fontRef idx="minor">
+              <a:schemeClr val="lt1"/>
+            </a:fontRef>
+          </p:style>
+          <p:txBody>
+            <a:bodyPr lIns="107138" tIns="85710" rIns="107138" bIns="85710" rtlCol="0" anchor="t" anchorCtr="0"/>
+            <a:lstStyle>
+              <a:defPPr>
+                <a:defRPr lang="de-DE"/>
+              </a:defPPr>
+              <a:lvl1pPr marL="0" algn="l" defTabSz="1088776" rtl="0" eaLnBrk="1" latinLnBrk="0" hangingPunct="1">
+                <a:defRPr lang="de-DE" sz="2100" kern="1200">
+                  <a:solidFill>
+                    <a:schemeClr val="lt1"/>
+                  </a:solidFill>
+                  <a:latin typeface="+mn-lt"/>
+                  <a:ea typeface="+mn-ea"/>
+                  <a:cs typeface="+mn-cs"/>
+                </a:defRPr>
+              </a:lvl1pPr>
+              <a:lvl2pPr marL="544388" algn="l" defTabSz="1088776" rtl="0" eaLnBrk="1" latinLnBrk="0" hangingPunct="1">
+                <a:buClr>
+                  <a:srgbClr val="FDB913"/>
+                </a:buClr>
+                <a:buSzPct val="100000"/>
+                <a:buFont typeface="wingdings"/>
+                <a:buChar char=""/>
+                <a:defRPr lang="de-DE" sz="2100" kern="1200">
+                  <a:solidFill>
+                    <a:schemeClr val="lt1"/>
+                  </a:solidFill>
+                  <a:latin typeface="+mn-lt"/>
+                  <a:ea typeface="+mn-ea"/>
+                  <a:cs typeface="+mn-cs"/>
+                </a:defRPr>
+              </a:lvl2pPr>
+              <a:lvl3pPr marL="1088776" algn="l" defTabSz="1088776" rtl="0" eaLnBrk="1" latinLnBrk="0" hangingPunct="1">
+                <a:buClr>
+                  <a:srgbClr val="666666"/>
+                </a:buClr>
+                <a:buSzPct val="80000"/>
+                <a:buFont typeface="Wingdings"/>
+                <a:buChar char="n"/>
+                <a:defRPr lang="de-DE" sz="1700" kern="1200">
+                  <a:solidFill>
+                    <a:schemeClr val="lt1"/>
+                  </a:solidFill>
+                  <a:latin typeface="+mn-lt"/>
+                  <a:ea typeface="+mn-ea"/>
+                  <a:cs typeface="+mn-cs"/>
+                </a:defRPr>
+              </a:lvl3pPr>
+              <a:lvl4pPr marL="1633164" algn="l" defTabSz="1088776" rtl="0" eaLnBrk="1" latinLnBrk="0" hangingPunct="1">
+                <a:buClr>
+                  <a:srgbClr val="666666"/>
+                </a:buClr>
+                <a:buSzPct val="80000"/>
+                <a:buFont typeface="Arial"/>
+                <a:buChar char=""/>
+                <a:defRPr lang="de-DE" sz="1400" kern="1200">
+                  <a:solidFill>
+                    <a:schemeClr val="lt1"/>
+                  </a:solidFill>
+                  <a:latin typeface="+mn-lt"/>
+                  <a:ea typeface="+mn-ea"/>
+                  <a:cs typeface="+mn-cs"/>
+                </a:defRPr>
+              </a:lvl4pPr>
+              <a:lvl5pPr marL="2177552" algn="l" defTabSz="1088776" rtl="0" eaLnBrk="1" latinLnBrk="0" hangingPunct="1">
+                <a:buClr>
+                  <a:srgbClr val="666666"/>
+                </a:buClr>
+                <a:buSzPct val="80000"/>
+                <a:buFont typeface="Arial"/>
+                <a:buChar char=""/>
+                <a:defRPr lang="de-DE" sz="1200" kern="1200">
+                  <a:solidFill>
+                    <a:schemeClr val="lt1"/>
+                  </a:solidFill>
+                  <a:latin typeface="+mn-lt"/>
+                  <a:ea typeface="+mn-ea"/>
+                  <a:cs typeface="+mn-cs"/>
+                </a:defRPr>
+              </a:lvl5pPr>
+              <a:lvl6pPr marL="2721940" algn="l" defTabSz="1088776" rtl="0" eaLnBrk="1" latinLnBrk="0" hangingPunct="1">
+                <a:defRPr sz="2100" kern="1200">
+                  <a:solidFill>
+                    <a:schemeClr val="lt1"/>
+                  </a:solidFill>
+                  <a:latin typeface="+mn-lt"/>
+                  <a:ea typeface="+mn-ea"/>
+                  <a:cs typeface="+mn-cs"/>
+                </a:defRPr>
+              </a:lvl6pPr>
+              <a:lvl7pPr marL="3266328" algn="l" defTabSz="1088776" rtl="0" eaLnBrk="1" latinLnBrk="0" hangingPunct="1">
+                <a:defRPr sz="2100" kern="1200">
+                  <a:solidFill>
+                    <a:schemeClr val="lt1"/>
+                  </a:solidFill>
+                  <a:latin typeface="+mn-lt"/>
+                  <a:ea typeface="+mn-ea"/>
+                  <a:cs typeface="+mn-cs"/>
+                </a:defRPr>
+              </a:lvl7pPr>
+              <a:lvl8pPr marL="3810716" algn="l" defTabSz="1088776" rtl="0" eaLnBrk="1" latinLnBrk="0" hangingPunct="1">
+                <a:defRPr sz="2100" kern="1200">
+                  <a:solidFill>
+                    <a:schemeClr val="lt1"/>
+                  </a:solidFill>
+                  <a:latin typeface="+mn-lt"/>
+                  <a:ea typeface="+mn-ea"/>
+                  <a:cs typeface="+mn-cs"/>
+                </a:defRPr>
+              </a:lvl8pPr>
+              <a:lvl9pPr marL="4355104" algn="l" defTabSz="1088776" rtl="0" eaLnBrk="1" latinLnBrk="0" hangingPunct="1">
+                <a:defRPr sz="2100" kern="1200">
+                  <a:solidFill>
+                    <a:schemeClr val="lt1"/>
+                  </a:solidFill>
+                  <a:latin typeface="+mn-lt"/>
+                  <a:ea typeface="+mn-ea"/>
+                  <a:cs typeface="+mn-cs"/>
+                </a:defRPr>
+              </a:lvl9pPr>
+            </a:lstStyle>
+            <a:p>
+              <a:pPr algn="ctr" defTabSz="1088558" fontAlgn="base">
+                <a:spcBef>
+                  <a:spcPct val="50000"/>
+                </a:spcBef>
+                <a:spcAft>
+                  <a:spcPct val="0"/>
+                </a:spcAft>
+                <a:buClr>
+                  <a:srgbClr val="F0AB00"/>
+                </a:buClr>
+                <a:buSzPct val="80000"/>
+              </a:pPr>
+              <a:r>
+                <a:rPr lang="en-US" sz="1000" kern="0" dirty="0">
+                  <a:solidFill>
+                    <a:srgbClr val="000000"/>
+                  </a:solidFill>
+                  <a:latin typeface="Arial"/>
+                  <a:ea typeface="Arial Unicode MS" pitchFamily="34" charset="-128"/>
+                  <a:cs typeface="Arial Unicode MS" pitchFamily="34" charset="-128"/>
+                </a:rPr>
+                <a:t>sec</a:t>
+              </a:r>
+            </a:p>
+          </p:txBody>
+        </p:sp>
+        <p:pic>
+          <p:nvPicPr>
+            <p:cNvPr id="117" name="Picture 116">
+              <a:extLst>
+                <a:ext uri="{FF2B5EF4-FFF2-40B4-BE49-F238E27FC236}">
+                  <a16:creationId xmlns:a16="http://schemas.microsoft.com/office/drawing/2014/main" id="{AF5BDA71-0969-4A14-A9C0-3BA75D9D6BED}"/>
+                </a:ext>
+              </a:extLst>
+            </p:cNvPr>
+            <p:cNvPicPr>
+              <a:picLocks noChangeAspect="1"/>
+            </p:cNvPicPr>
+            <p:nvPr/>
+          </p:nvPicPr>
+          <p:blipFill>
+            <a:blip r:embed="rId3"/>
+            <a:stretch>
+              <a:fillRect/>
+            </a:stretch>
+          </p:blipFill>
+          <p:spPr>
+            <a:xfrm>
+              <a:off x="3290175" y="4941991"/>
+              <a:ext cx="150305" cy="146304"/>
+            </a:xfrm>
+            <a:prstGeom prst="rect">
+              <a:avLst/>
+            </a:prstGeom>
+          </p:spPr>
+        </p:pic>
       </p:grpSp>
     </p:spTree>
     <p:extLst>

--- a/sample-app/bulletinboard-in-k8s_exercises.pptx
+++ b/sample-app/bulletinboard-in-k8s_exercises.pptx
@@ -1423,7 +1423,50 @@
           <a:bodyPr/>
           <a:lstStyle/>
           <a:p>
-            <a:endParaRPr lang="en-US" dirty="0"/>
+            <a:r>
+              <a:rPr lang="en-US" dirty="0"/>
+              <a:t>Reviews can be targeted directly or via the ingress.</a:t>
+            </a:r>
+            <a:br>
+              <a:rPr lang="en-US" dirty="0"/>
+            </a:br>
+            <a:r>
+              <a:rPr lang="en-US" dirty="0" err="1"/>
+              <a:t>Bulletinboard</a:t>
+            </a:r>
+            <a:r>
+              <a:rPr lang="en-US" dirty="0"/>
+              <a:t>-Ads needs to know both addresses. </a:t>
+            </a:r>
+            <a:br>
+              <a:rPr lang="en-US" dirty="0"/>
+            </a:br>
+            <a:r>
+              <a:rPr lang="en-US" dirty="0"/>
+              <a:t>One for accessing the content. -&gt; internal connection, passed through </a:t>
+            </a:r>
+            <a:r>
+              <a:rPr lang="en-US" dirty="0" err="1"/>
+              <a:t>envvar</a:t>
+            </a:r>
+            <a:r>
+              <a:rPr lang="en-US" dirty="0"/>
+              <a:t> 'REVIEWS_HOST_INTERNAL'</a:t>
+            </a:r>
+          </a:p>
+          <a:p>
+            <a:r>
+              <a:rPr lang="en-US" dirty="0"/>
+              <a:t>One for providing a redirect for a user -&gt; external connection, passed through </a:t>
+            </a:r>
+            <a:r>
+              <a:rPr lang="en-US" dirty="0" err="1"/>
+              <a:t>envvar</a:t>
+            </a:r>
+            <a:r>
+              <a:rPr lang="en-US" dirty="0"/>
+              <a:t> 'REVIEWS_HOST'</a:t>
+            </a:r>
           </a:p>
         </p:txBody>
       </p:sp>
@@ -21765,6 +21808,56 @@
           </p:spPr>
         </p:pic>
       </p:grpSp>
+      <p:cxnSp>
+        <p:nvCxnSpPr>
+          <p:cNvPr id="116" name="Connector: Elbow 115">
+            <a:extLst>
+              <a:ext uri="{FF2B5EF4-FFF2-40B4-BE49-F238E27FC236}">
+                <a16:creationId xmlns:a16="http://schemas.microsoft.com/office/drawing/2014/main" id="{9D9F1F35-3AF6-4190-8D4F-63D8875FD27D}"/>
+              </a:ext>
+            </a:extLst>
+          </p:cNvPr>
+          <p:cNvCxnSpPr>
+            <a:cxnSpLocks/>
+            <a:stCxn id="295" idx="3"/>
+            <a:endCxn id="195" idx="1"/>
+          </p:cNvCxnSpPr>
+          <p:nvPr/>
+        </p:nvCxnSpPr>
+        <p:spPr>
+          <a:xfrm flipV="1">
+            <a:off x="6797428" y="1793525"/>
+            <a:ext cx="3091953" cy="16483"/>
+          </a:xfrm>
+          <a:prstGeom prst="straightConnector1">
+            <a:avLst/>
+          </a:prstGeom>
+          <a:solidFill>
+            <a:srgbClr val="F0AB00"/>
+          </a:solidFill>
+          <a:ln w="44450">
+            <a:solidFill>
+              <a:schemeClr val="accent1"/>
+            </a:solidFill>
+            <a:headEnd type="none" w="med" len="med"/>
+            <a:tailEnd type="triangle"/>
+          </a:ln>
+        </p:spPr>
+        <p:style>
+          <a:lnRef idx="1">
+            <a:schemeClr val="accent1"/>
+          </a:lnRef>
+          <a:fillRef idx="0">
+            <a:schemeClr val="accent1"/>
+          </a:fillRef>
+          <a:effectRef idx="0">
+            <a:schemeClr val="accent1"/>
+          </a:effectRef>
+          <a:fontRef idx="minor">
+            <a:schemeClr val="tx1"/>
+          </a:fontRef>
+        </p:style>
+      </p:cxnSp>
     </p:spTree>
     <p:extLst>
       <p:ext uri="{BB962C8B-B14F-4D97-AF65-F5344CB8AC3E}">
@@ -27989,6 +28082,54 @@
           </p:spPr>
         </p:pic>
       </p:grpSp>
+      <p:cxnSp>
+        <p:nvCxnSpPr>
+          <p:cNvPr id="127" name="Connector: Elbow 115">
+            <a:extLst>
+              <a:ext uri="{FF2B5EF4-FFF2-40B4-BE49-F238E27FC236}">
+                <a16:creationId xmlns:a16="http://schemas.microsoft.com/office/drawing/2014/main" id="{5AF293B1-3FAA-4901-A40C-693CFB0F8FBC}"/>
+              </a:ext>
+            </a:extLst>
+          </p:cNvPr>
+          <p:cNvCxnSpPr>
+            <a:cxnSpLocks/>
+          </p:cNvCxnSpPr>
+          <p:nvPr/>
+        </p:nvCxnSpPr>
+        <p:spPr>
+          <a:xfrm flipV="1">
+            <a:off x="6797428" y="1793525"/>
+            <a:ext cx="3091953" cy="16483"/>
+          </a:xfrm>
+          <a:prstGeom prst="straightConnector1">
+            <a:avLst/>
+          </a:prstGeom>
+          <a:solidFill>
+            <a:srgbClr val="F0AB00"/>
+          </a:solidFill>
+          <a:ln w="44450">
+            <a:solidFill>
+              <a:schemeClr val="accent1"/>
+            </a:solidFill>
+            <a:headEnd type="none" w="med" len="med"/>
+            <a:tailEnd type="triangle"/>
+          </a:ln>
+        </p:spPr>
+        <p:style>
+          <a:lnRef idx="1">
+            <a:schemeClr val="accent1"/>
+          </a:lnRef>
+          <a:fillRef idx="0">
+            <a:schemeClr val="accent1"/>
+          </a:fillRef>
+          <a:effectRef idx="0">
+            <a:schemeClr val="accent1"/>
+          </a:effectRef>
+          <a:fontRef idx="minor">
+            <a:schemeClr val="tx1"/>
+          </a:fontRef>
+        </p:style>
+      </p:cxnSp>
     </p:spTree>
     <p:extLst>
       <p:ext uri="{BB962C8B-B14F-4D97-AF65-F5344CB8AC3E}">
@@ -33086,7 +33227,7 @@
           <p:spPr>
             <a:xfrm>
               <a:off x="7547956" y="302885"/>
-              <a:ext cx="4206240" cy="553998"/>
+              <a:ext cx="4206240" cy="276999"/>
             </a:xfrm>
             <a:prstGeom prst="rect">
               <a:avLst/>
@@ -33120,65 +33261,6 @@
                   <a:cs typeface="Arial Unicode MS" pitchFamily="34" charset="-128"/>
                 </a:rPr>
                 <a:t>Request to Reviews</a:t>
-              </a:r>
-              <a:br>
-                <a:rPr lang="en-US" sz="1800" kern="0" dirty="0">
-                  <a:solidFill>
-                    <a:srgbClr val="E35500"/>
-                  </a:solidFill>
-                  <a:ea typeface="Arial Unicode MS" pitchFamily="34" charset="-128"/>
-                  <a:cs typeface="Arial Unicode MS" pitchFamily="34" charset="-128"/>
-                </a:rPr>
-              </a:br>
-              <a:r>
-                <a:rPr lang="en-US" sz="1800" kern="0" dirty="0">
-                  <a:solidFill>
-                    <a:srgbClr val="E35500"/>
-                  </a:solidFill>
-                  <a:ea typeface="Arial Unicode MS" pitchFamily="34" charset="-128"/>
-                  <a:cs typeface="Arial Unicode MS" pitchFamily="34" charset="-128"/>
-                </a:rPr>
-                <a:t>(IP of </a:t>
-              </a:r>
-              <a:r>
-                <a:rPr lang="en-US" sz="1800" kern="0" dirty="0" err="1">
-                  <a:solidFill>
-                    <a:srgbClr val="E35500"/>
-                  </a:solidFill>
-                  <a:ea typeface="Arial Unicode MS" pitchFamily="34" charset="-128"/>
-                  <a:cs typeface="Arial Unicode MS" pitchFamily="34" charset="-128"/>
-                </a:rPr>
-                <a:t>LoadBalancer</a:t>
-              </a:r>
-              <a:r>
-                <a:rPr lang="en-US" sz="1800" kern="0" dirty="0">
-                  <a:solidFill>
-                    <a:srgbClr val="E35500"/>
-                  </a:solidFill>
-                  <a:ea typeface="Arial Unicode MS" pitchFamily="34" charset="-128"/>
-                  <a:cs typeface="Arial Unicode MS" pitchFamily="34" charset="-128"/>
-                </a:rPr>
-                <a:t> of </a:t>
-              </a:r>
-              <a:r>
-                <a:rPr lang="en-US" sz="1800" kern="0" dirty="0" err="1">
-                  <a:solidFill>
-                    <a:srgbClr val="E35500"/>
-                  </a:solidFill>
-                  <a:ea typeface="Arial Unicode MS" pitchFamily="34" charset="-128"/>
-                  <a:cs typeface="Arial Unicode MS" pitchFamily="34" charset="-128"/>
-                </a:rPr>
-                <a:t>IngressController</a:t>
-              </a:r>
-              <a:r>
-                <a:rPr lang="en-US" sz="1800" kern="0" dirty="0">
-                  <a:solidFill>
-                    <a:srgbClr val="E35500"/>
-                  </a:solidFill>
-                  <a:ea typeface="Arial Unicode MS" pitchFamily="34" charset="-128"/>
-                  <a:cs typeface="Arial Unicode MS" pitchFamily="34" charset="-128"/>
-                </a:rPr>
-                <a:t>)</a:t>
               </a:r>
             </a:p>
           </p:txBody>
@@ -33502,7 +33584,7 @@
         <p:spPr>
           <a:xfrm>
             <a:off x="10048078" y="1143000"/>
-            <a:ext cx="1954779" cy="4570482"/>
+            <a:ext cx="1954779" cy="4293483"/>
           </a:xfrm>
           <a:prstGeom prst="rect">
             <a:avLst/>
@@ -33684,7 +33766,7 @@
                 <a:ea typeface="Arial Unicode MS" pitchFamily="34" charset="-128"/>
                 <a:cs typeface="Arial Unicode MS" pitchFamily="34" charset="-128"/>
               </a:rPr>
-              <a:t>Allow traffic to IP Address of Reviews</a:t>
+              <a:t>Allow traffic to Reviews</a:t>
             </a:r>
           </a:p>
         </p:txBody>
@@ -46315,8 +46397,8 @@
           </p:nvCxnSpPr>
           <p:spPr>
             <a:xfrm>
-              <a:off x="8144221" y="1367965"/>
-              <a:ext cx="987" cy="340038"/>
+              <a:off x="8144221" y="1384897"/>
+              <a:ext cx="987" cy="323106"/>
             </a:xfrm>
             <a:prstGeom prst="line">
               <a:avLst/>
@@ -46527,9 +46609,9 @@
           <p:grpSpPr>
             <a:xfrm>
               <a:off x="7654207" y="662510"/>
-              <a:ext cx="806291" cy="705455"/>
+              <a:ext cx="806291" cy="722387"/>
               <a:chOff x="7663732" y="662510"/>
-              <a:chExt cx="806291" cy="705455"/>
+              <a:chExt cx="806291" cy="722387"/>
             </a:xfrm>
           </p:grpSpPr>
           <p:sp>
@@ -46546,7 +46628,7 @@
             </p:nvSpPr>
             <p:spPr bwMode="gray">
               <a:xfrm>
-                <a:off x="7879332" y="903401"/>
+                <a:off x="7879332" y="920333"/>
                 <a:ext cx="548827" cy="464564"/>
               </a:xfrm>
               <a:prstGeom prst="roundRect">
@@ -47193,7 +47275,12 @@
             <p:ph type="title"/>
           </p:nvPr>
         </p:nvSpPr>
-        <p:spPr/>
+        <p:spPr>
+          <a:xfrm>
+            <a:off x="504001" y="504000"/>
+            <a:ext cx="11186476" cy="369332"/>
+          </a:xfrm>
+        </p:spPr>
         <p:txBody>
           <a:bodyPr/>
           <a:lstStyle/>
@@ -47281,10 +47368,10 @@
         </p:nvGrpSpPr>
         <p:grpSpPr>
           <a:xfrm>
-            <a:off x="2939177" y="1055539"/>
-            <a:ext cx="7226311" cy="1588244"/>
-            <a:chOff x="2939177" y="1055539"/>
-            <a:chExt cx="7226311" cy="1588244"/>
+            <a:off x="2939177" y="1054100"/>
+            <a:ext cx="7208123" cy="1589683"/>
+            <a:chOff x="2939177" y="1054100"/>
+            <a:chExt cx="7208123" cy="1589683"/>
           </a:xfrm>
         </p:grpSpPr>
         <p:grpSp>
@@ -47477,8 +47564,8 @@
           </p:nvCxnSpPr>
           <p:spPr>
             <a:xfrm flipH="1">
-              <a:off x="3968133" y="1069889"/>
-              <a:ext cx="6197355" cy="0"/>
+              <a:off x="3968134" y="1069889"/>
+              <a:ext cx="6179166" cy="0"/>
             </a:xfrm>
             <a:prstGeom prst="line">
               <a:avLst/>
@@ -47525,8 +47612,8 @@
           </p:nvCxnSpPr>
           <p:spPr>
             <a:xfrm>
-              <a:off x="10153811" y="1055539"/>
-              <a:ext cx="0" cy="494683"/>
+              <a:off x="10145078" y="1054100"/>
+              <a:ext cx="0" cy="530650"/>
             </a:xfrm>
             <a:prstGeom prst="straightConnector1">
               <a:avLst/>
@@ -47850,6 +47937,156 @@
           </p:spPr>
         </p:pic>
       </p:grpSp>
+      <p:cxnSp>
+        <p:nvCxnSpPr>
+          <p:cNvPr id="122" name="Connector: Elbow 121">
+            <a:extLst>
+              <a:ext uri="{FF2B5EF4-FFF2-40B4-BE49-F238E27FC236}">
+                <a16:creationId xmlns:a16="http://schemas.microsoft.com/office/drawing/2014/main" id="{DDC3496F-588B-4705-9D29-759415C00498}"/>
+              </a:ext>
+            </a:extLst>
+          </p:cNvPr>
+          <p:cNvCxnSpPr>
+            <a:cxnSpLocks/>
+            <a:stCxn id="290" idx="3"/>
+            <a:endCxn id="261" idx="1"/>
+          </p:cNvCxnSpPr>
+          <p:nvPr/>
+        </p:nvCxnSpPr>
+        <p:spPr>
+          <a:xfrm>
+            <a:off x="6778711" y="1816583"/>
+            <a:ext cx="3091953" cy="449"/>
+          </a:xfrm>
+          <a:prstGeom prst="straightConnector1">
+            <a:avLst/>
+          </a:prstGeom>
+          <a:ln w="44450">
+            <a:solidFill>
+              <a:schemeClr val="tx1">
+                <a:lumMod val="65000"/>
+                <a:lumOff val="35000"/>
+              </a:schemeClr>
+            </a:solidFill>
+            <a:headEnd type="none" w="med" len="med"/>
+            <a:tailEnd type="triangle"/>
+          </a:ln>
+        </p:spPr>
+        <p:style>
+          <a:lnRef idx="1">
+            <a:schemeClr val="accent1"/>
+          </a:lnRef>
+          <a:fillRef idx="0">
+            <a:schemeClr val="accent1"/>
+          </a:fillRef>
+          <a:effectRef idx="0">
+            <a:schemeClr val="accent1"/>
+          </a:effectRef>
+          <a:fontRef idx="minor">
+            <a:schemeClr val="tx1"/>
+          </a:fontRef>
+        </p:style>
+      </p:cxnSp>
+      <p:sp>
+        <p:nvSpPr>
+          <p:cNvPr id="12" name="TextBox 11">
+            <a:extLst>
+              <a:ext uri="{FF2B5EF4-FFF2-40B4-BE49-F238E27FC236}">
+                <a16:creationId xmlns:a16="http://schemas.microsoft.com/office/drawing/2014/main" id="{89B262A2-090D-4FC4-82D2-15F47D994E99}"/>
+              </a:ext>
+            </a:extLst>
+          </p:cNvPr>
+          <p:cNvSpPr txBox="1"/>
+          <p:nvPr/>
+        </p:nvSpPr>
+        <p:spPr>
+          <a:xfrm>
+            <a:off x="7170821" y="750771"/>
+            <a:ext cx="1905802" cy="215444"/>
+          </a:xfrm>
+          <a:prstGeom prst="rect">
+            <a:avLst/>
+          </a:prstGeom>
+          <a:noFill/>
+        </p:spPr>
+        <p:txBody>
+          <a:bodyPr wrap="square" lIns="0" tIns="0" rIns="0" bIns="0" rtlCol="0">
+            <a:spAutoFit/>
+          </a:bodyPr>
+          <a:lstStyle/>
+          <a:p>
+            <a:pPr fontAlgn="base">
+              <a:spcBef>
+                <a:spcPct val="50000"/>
+              </a:spcBef>
+              <a:spcAft>
+                <a:spcPct val="0"/>
+              </a:spcAft>
+              <a:buClr>
+                <a:srgbClr val="F0AB00"/>
+              </a:buClr>
+              <a:buSzPct val="80000"/>
+            </a:pPr>
+            <a:r>
+              <a:rPr lang="en-US" sz="1400" kern="0" dirty="0">
+                <a:ea typeface="Arial Unicode MS" pitchFamily="34" charset="-128"/>
+                <a:cs typeface="Arial Unicode MS" pitchFamily="34" charset="-128"/>
+              </a:rPr>
+              <a:t>REVIEWS_HOST</a:t>
+            </a:r>
+          </a:p>
+        </p:txBody>
+      </p:sp>
+      <p:sp>
+        <p:nvSpPr>
+          <p:cNvPr id="125" name="TextBox 124">
+            <a:extLst>
+              <a:ext uri="{FF2B5EF4-FFF2-40B4-BE49-F238E27FC236}">
+                <a16:creationId xmlns:a16="http://schemas.microsoft.com/office/drawing/2014/main" id="{8F3A1877-D2D9-4497-8840-B25B99BD031D}"/>
+              </a:ext>
+            </a:extLst>
+          </p:cNvPr>
+          <p:cNvSpPr txBox="1"/>
+          <p:nvPr/>
+        </p:nvSpPr>
+        <p:spPr>
+          <a:xfrm>
+            <a:off x="7063337" y="1567313"/>
+            <a:ext cx="3110565" cy="215444"/>
+          </a:xfrm>
+          <a:prstGeom prst="rect">
+            <a:avLst/>
+          </a:prstGeom>
+          <a:noFill/>
+        </p:spPr>
+        <p:txBody>
+          <a:bodyPr wrap="square" lIns="0" tIns="0" rIns="0" bIns="0" rtlCol="0">
+            <a:spAutoFit/>
+          </a:bodyPr>
+          <a:lstStyle/>
+          <a:p>
+            <a:pPr fontAlgn="base">
+              <a:spcBef>
+                <a:spcPct val="50000"/>
+              </a:spcBef>
+              <a:spcAft>
+                <a:spcPct val="0"/>
+              </a:spcAft>
+              <a:buClr>
+                <a:srgbClr val="F0AB00"/>
+              </a:buClr>
+              <a:buSzPct val="80000"/>
+            </a:pPr>
+            <a:r>
+              <a:rPr lang="en-US" sz="1400" kern="0" dirty="0">
+                <a:ea typeface="Arial Unicode MS" pitchFamily="34" charset="-128"/>
+                <a:cs typeface="Arial Unicode MS" pitchFamily="34" charset="-128"/>
+              </a:rPr>
+              <a:t>REVIEWS_HOST_INTERNAL</a:t>
+            </a:r>
+          </a:p>
+        </p:txBody>
+      </p:sp>
     </p:spTree>
     <p:extLst>
       <p:ext uri="{BB962C8B-B14F-4D97-AF65-F5344CB8AC3E}">
@@ -47904,7 +48141,7 @@
         </p:spPr>
         <p:txBody>
           <a:bodyPr>
-            <a:normAutofit fontScale="92500" lnSpcReduction="20000"/>
+            <a:normAutofit fontScale="85000" lnSpcReduction="20000"/>
           </a:bodyPr>
           <a:lstStyle/>
           <a:p>
@@ -47963,7 +48200,22 @@
             </a:r>
             <a:r>
               <a:rPr lang="en-US" dirty="0"/>
-              <a:t>-Reviews</a:t>
+              <a:t>-Reviews Ingress</a:t>
+            </a:r>
+          </a:p>
+          <a:p>
+            <a:pPr lvl="2"/>
+            <a:r>
+              <a:rPr lang="en-US" dirty="0"/>
+              <a:t>URL of </a:t>
+            </a:r>
+            <a:r>
+              <a:rPr lang="en-US" dirty="0" err="1"/>
+              <a:t>Bulletinboard</a:t>
+            </a:r>
+            <a:r>
+              <a:rPr lang="en-US" dirty="0"/>
+              <a:t>-Reviews Service</a:t>
             </a:r>
           </a:p>
           <a:p>

--- a/sample-app/bulletinboard-in-k8s_exercises.pptx
+++ b/sample-app/bulletinboard-in-k8s_exercises.pptx
@@ -21808,56 +21808,6 @@
           </p:spPr>
         </p:pic>
       </p:grpSp>
-      <p:cxnSp>
-        <p:nvCxnSpPr>
-          <p:cNvPr id="116" name="Connector: Elbow 115">
-            <a:extLst>
-              <a:ext uri="{FF2B5EF4-FFF2-40B4-BE49-F238E27FC236}">
-                <a16:creationId xmlns:a16="http://schemas.microsoft.com/office/drawing/2014/main" id="{9D9F1F35-3AF6-4190-8D4F-63D8875FD27D}"/>
-              </a:ext>
-            </a:extLst>
-          </p:cNvPr>
-          <p:cNvCxnSpPr>
-            <a:cxnSpLocks/>
-            <a:stCxn id="295" idx="3"/>
-            <a:endCxn id="195" idx="1"/>
-          </p:cNvCxnSpPr>
-          <p:nvPr/>
-        </p:nvCxnSpPr>
-        <p:spPr>
-          <a:xfrm flipV="1">
-            <a:off x="6797428" y="1793525"/>
-            <a:ext cx="3091953" cy="16483"/>
-          </a:xfrm>
-          <a:prstGeom prst="straightConnector1">
-            <a:avLst/>
-          </a:prstGeom>
-          <a:solidFill>
-            <a:srgbClr val="F0AB00"/>
-          </a:solidFill>
-          <a:ln w="44450">
-            <a:solidFill>
-              <a:schemeClr val="accent1"/>
-            </a:solidFill>
-            <a:headEnd type="none" w="med" len="med"/>
-            <a:tailEnd type="triangle"/>
-          </a:ln>
-        </p:spPr>
-        <p:style>
-          <a:lnRef idx="1">
-            <a:schemeClr val="accent1"/>
-          </a:lnRef>
-          <a:fillRef idx="0">
-            <a:schemeClr val="accent1"/>
-          </a:fillRef>
-          <a:effectRef idx="0">
-            <a:schemeClr val="accent1"/>
-          </a:effectRef>
-          <a:fontRef idx="minor">
-            <a:schemeClr val="tx1"/>
-          </a:fontRef>
-        </p:style>
-      </p:cxnSp>
     </p:spTree>
     <p:extLst>
       <p:ext uri="{BB962C8B-B14F-4D97-AF65-F5344CB8AC3E}">
@@ -28082,54 +28032,6 @@
           </p:spPr>
         </p:pic>
       </p:grpSp>
-      <p:cxnSp>
-        <p:nvCxnSpPr>
-          <p:cNvPr id="127" name="Connector: Elbow 115">
-            <a:extLst>
-              <a:ext uri="{FF2B5EF4-FFF2-40B4-BE49-F238E27FC236}">
-                <a16:creationId xmlns:a16="http://schemas.microsoft.com/office/drawing/2014/main" id="{5AF293B1-3FAA-4901-A40C-693CFB0F8FBC}"/>
-              </a:ext>
-            </a:extLst>
-          </p:cNvPr>
-          <p:cNvCxnSpPr>
-            <a:cxnSpLocks/>
-          </p:cNvCxnSpPr>
-          <p:nvPr/>
-        </p:nvCxnSpPr>
-        <p:spPr>
-          <a:xfrm flipV="1">
-            <a:off x="6797428" y="1793525"/>
-            <a:ext cx="3091953" cy="16483"/>
-          </a:xfrm>
-          <a:prstGeom prst="straightConnector1">
-            <a:avLst/>
-          </a:prstGeom>
-          <a:solidFill>
-            <a:srgbClr val="F0AB00"/>
-          </a:solidFill>
-          <a:ln w="44450">
-            <a:solidFill>
-              <a:schemeClr val="accent1"/>
-            </a:solidFill>
-            <a:headEnd type="none" w="med" len="med"/>
-            <a:tailEnd type="triangle"/>
-          </a:ln>
-        </p:spPr>
-        <p:style>
-          <a:lnRef idx="1">
-            <a:schemeClr val="accent1"/>
-          </a:lnRef>
-          <a:fillRef idx="0">
-            <a:schemeClr val="accent1"/>
-          </a:fillRef>
-          <a:effectRef idx="0">
-            <a:schemeClr val="accent1"/>
-          </a:effectRef>
-          <a:fontRef idx="minor">
-            <a:schemeClr val="tx1"/>
-          </a:fontRef>
-        </p:style>
-      </p:cxnSp>
     </p:spTree>
     <p:extLst>
       <p:ext uri="{BB962C8B-B14F-4D97-AF65-F5344CB8AC3E}">
@@ -42638,12 +42540,91 @@
           <a:chExt cx="0" cy="0"/>
         </a:xfrm>
       </p:grpSpPr>
+      <p:sp>
+        <p:nvSpPr>
+          <p:cNvPr id="108" name="Rounded Rectangle 5">
+            <a:extLst>
+              <a:ext uri="{FF2B5EF4-FFF2-40B4-BE49-F238E27FC236}">
+                <a16:creationId xmlns:a16="http://schemas.microsoft.com/office/drawing/2014/main" id="{D669D779-EDC4-496F-BF86-A153A33E12EA}"/>
+              </a:ext>
+            </a:extLst>
+          </p:cNvPr>
+          <p:cNvSpPr/>
+          <p:nvPr/>
+        </p:nvSpPr>
+        <p:spPr bwMode="gray">
+          <a:xfrm>
+            <a:off x="4095991" y="1341926"/>
+            <a:ext cx="7768091" cy="5231504"/>
+          </a:xfrm>
+          <a:prstGeom prst="roundRect">
+            <a:avLst/>
+          </a:prstGeom>
+          <a:solidFill>
+            <a:schemeClr val="bg1">
+              <a:lumMod val="65000"/>
+              <a:alpha val="97000"/>
+            </a:schemeClr>
+          </a:solidFill>
+          <a:ln>
+            <a:solidFill>
+              <a:schemeClr val="tx1"/>
+            </a:solidFill>
+            <a:prstDash val="dash"/>
+            <a:headEnd/>
+            <a:tailEnd/>
+          </a:ln>
+          <a:effectLst/>
+        </p:spPr>
+        <p:style>
+          <a:lnRef idx="2">
+            <a:schemeClr val="accent3">
+              <a:shade val="50000"/>
+            </a:schemeClr>
+          </a:lnRef>
+          <a:fillRef idx="1">
+            <a:schemeClr val="accent3"/>
+          </a:fillRef>
+          <a:effectRef idx="0">
+            <a:schemeClr val="accent3"/>
+          </a:effectRef>
+          <a:fontRef idx="minor">
+            <a:schemeClr val="lt1"/>
+          </a:fontRef>
+        </p:style>
+        <p:txBody>
+          <a:bodyPr lIns="89979" tIns="0" rIns="89979" bIns="71983" rtlCol="0" anchor="t" anchorCtr="0"/>
+          <a:lstStyle/>
+          <a:p>
+            <a:pPr algn="ctr" defTabSz="914217" fontAlgn="base">
+              <a:spcBef>
+                <a:spcPct val="50000"/>
+              </a:spcBef>
+              <a:spcAft>
+                <a:spcPct val="0"/>
+              </a:spcAft>
+              <a:buClr>
+                <a:srgbClr val="F0AB00"/>
+              </a:buClr>
+              <a:buSzPct val="80000"/>
+            </a:pPr>
+            <a:endParaRPr lang="de-DE" kern="0" dirty="0">
+              <a:solidFill>
+                <a:srgbClr val="002060"/>
+              </a:solidFill>
+              <a:latin typeface="Arial"/>
+              <a:ea typeface="Arial Unicode MS" pitchFamily="34" charset="-128"/>
+              <a:cs typeface="Arial Unicode MS" pitchFamily="34" charset="-128"/>
+            </a:endParaRPr>
+          </a:p>
+        </p:txBody>
+      </p:sp>
       <p:grpSp>
         <p:nvGrpSpPr>
-          <p:cNvPr id="106" name="Group 105">
+          <p:cNvPr id="109" name="Group 108">
             <a:extLst>
               <a:ext uri="{FF2B5EF4-FFF2-40B4-BE49-F238E27FC236}">
-                <a16:creationId xmlns:a16="http://schemas.microsoft.com/office/drawing/2014/main" id="{05FAB258-2ED5-41C1-A32B-BD62C7C80013}"/>
+                <a16:creationId xmlns:a16="http://schemas.microsoft.com/office/drawing/2014/main" id="{42BB196F-0064-485C-87D7-53C6286EE2CC}"/>
               </a:ext>
             </a:extLst>
           </p:cNvPr>
@@ -42652,18 +42633,23 @@
         </p:nvGrpSpPr>
         <p:grpSpPr>
           <a:xfrm>
-            <a:off x="4095991" y="1326927"/>
-            <a:ext cx="7768091" cy="5246503"/>
-            <a:chOff x="2095134" y="662510"/>
-            <a:chExt cx="7768091" cy="5246503"/>
+            <a:off x="5345492" y="4706006"/>
+            <a:ext cx="2306841" cy="1567299"/>
+            <a:chOff x="5344701" y="4706006"/>
+            <a:chExt cx="2306841" cy="1567299"/>
           </a:xfrm>
+          <a:solidFill>
+            <a:schemeClr val="bg1">
+              <a:lumMod val="95000"/>
+            </a:schemeClr>
+          </a:solidFill>
         </p:grpSpPr>
         <p:sp>
           <p:nvSpPr>
-            <p:cNvPr id="108" name="Rounded Rectangle 5">
+            <p:cNvPr id="292" name="Rounded Rectangle 14">
               <a:extLst>
                 <a:ext uri="{FF2B5EF4-FFF2-40B4-BE49-F238E27FC236}">
-                  <a16:creationId xmlns:a16="http://schemas.microsoft.com/office/drawing/2014/main" id="{D669D779-EDC4-496F-BF86-A153A33E12EA}"/>
+                  <a16:creationId xmlns:a16="http://schemas.microsoft.com/office/drawing/2014/main" id="{37C53255-437F-44FD-9835-244421AEEBBA}"/>
                 </a:ext>
               </a:extLst>
             </p:cNvPr>
@@ -42672,49 +42658,41 @@
           </p:nvSpPr>
           <p:spPr bwMode="gray">
             <a:xfrm>
-              <a:off x="2095134" y="677509"/>
-              <a:ext cx="7768091" cy="5231504"/>
+              <a:off x="5344701" y="4706006"/>
+              <a:ext cx="2306841" cy="1567299"/>
             </a:xfrm>
             <a:prstGeom prst="roundRect">
               <a:avLst/>
             </a:prstGeom>
-            <a:solidFill>
-              <a:schemeClr val="bg1">
-                <a:lumMod val="65000"/>
-                <a:alpha val="97000"/>
-              </a:schemeClr>
-            </a:solidFill>
+            <a:grpFill/>
             <a:ln>
               <a:solidFill>
                 <a:schemeClr val="tx1"/>
               </a:solidFill>
-              <a:prstDash val="dash"/>
               <a:headEnd/>
               <a:tailEnd/>
             </a:ln>
             <a:effectLst/>
           </p:spPr>
           <p:style>
-            <a:lnRef idx="2">
-              <a:schemeClr val="accent3">
-                <a:shade val="50000"/>
-              </a:schemeClr>
+            <a:lnRef idx="1">
+              <a:schemeClr val="accent1"/>
             </a:lnRef>
-            <a:fillRef idx="1">
-              <a:schemeClr val="accent3"/>
+            <a:fillRef idx="3">
+              <a:schemeClr val="accent1"/>
             </a:fillRef>
-            <a:effectRef idx="0">
-              <a:schemeClr val="accent3"/>
+            <a:effectRef idx="2">
+              <a:schemeClr val="accent1"/>
             </a:effectRef>
             <a:fontRef idx="minor">
               <a:schemeClr val="lt1"/>
             </a:fontRef>
           </p:style>
           <p:txBody>
-            <a:bodyPr lIns="89979" tIns="0" rIns="89979" bIns="71983" rtlCol="0" anchor="t" anchorCtr="0"/>
+            <a:bodyPr lIns="107138" tIns="85710" rIns="107138" bIns="85710" rtlCol="0" anchor="t" anchorCtr="0"/>
             <a:lstStyle/>
             <a:p>
-              <a:pPr algn="ctr" defTabSz="914217" fontAlgn="base">
+              <a:pPr algn="ctr" defTabSz="1088558" fontAlgn="base">
                 <a:spcBef>
                   <a:spcPct val="50000"/>
                 </a:spcBef>
@@ -42726,9 +42704,14 @@
                 </a:buClr>
                 <a:buSzPct val="80000"/>
               </a:pPr>
-              <a:endParaRPr lang="de-DE" kern="0" dirty="0">
+              <a:endParaRPr lang="en-US" sz="1800" kern="0" dirty="0">
+                <a:ln>
+                  <a:solidFill>
+                    <a:schemeClr val="bg1"/>
+                  </a:solidFill>
+                </a:ln>
                 <a:solidFill>
-                  <a:srgbClr val="002060"/>
+                  <a:srgbClr val="000000"/>
                 </a:solidFill>
                 <a:latin typeface="Arial"/>
                 <a:ea typeface="Arial Unicode MS" pitchFamily="34" charset="-128"/>
@@ -42737,171 +42720,319 @@
             </a:p>
           </p:txBody>
         </p:sp>
-        <p:grpSp>
-          <p:nvGrpSpPr>
-            <p:cNvPr id="109" name="Group 108">
+        <p:sp>
+          <p:nvSpPr>
+            <p:cNvPr id="293" name="TextBox 292">
               <a:extLst>
                 <a:ext uri="{FF2B5EF4-FFF2-40B4-BE49-F238E27FC236}">
-                  <a16:creationId xmlns:a16="http://schemas.microsoft.com/office/drawing/2014/main" id="{42BB196F-0064-485C-87D7-53C6286EE2CC}"/>
+                  <a16:creationId xmlns:a16="http://schemas.microsoft.com/office/drawing/2014/main" id="{C907B3A4-EA7C-4BE5-AD41-B3D0E72110EB}"/>
                 </a:ext>
               </a:extLst>
             </p:cNvPr>
-            <p:cNvGrpSpPr/>
+            <p:cNvSpPr txBox="1"/>
             <p:nvPr/>
-          </p:nvGrpSpPr>
-          <p:grpSpPr>
+          </p:nvSpPr>
+          <p:spPr>
             <a:xfrm>
-              <a:off x="3344635" y="4041589"/>
-              <a:ext cx="2306841" cy="1567299"/>
-              <a:chOff x="5344701" y="4706006"/>
-              <a:chExt cx="2306841" cy="1567299"/>
+              <a:off x="5635995" y="6066976"/>
+              <a:ext cx="1040525" cy="184666"/>
             </a:xfrm>
-            <a:solidFill>
-              <a:schemeClr val="bg1">
-                <a:lumMod val="95000"/>
-              </a:schemeClr>
-            </a:solidFill>
-          </p:grpSpPr>
-          <p:sp>
-            <p:nvSpPr>
-              <p:cNvPr id="292" name="Rounded Rectangle 14">
-                <a:extLst>
-                  <a:ext uri="{FF2B5EF4-FFF2-40B4-BE49-F238E27FC236}">
-                    <a16:creationId xmlns:a16="http://schemas.microsoft.com/office/drawing/2014/main" id="{37C53255-437F-44FD-9835-244421AEEBBA}"/>
-                  </a:ext>
-                </a:extLst>
-              </p:cNvPr>
-              <p:cNvSpPr/>
-              <p:nvPr/>
-            </p:nvSpPr>
-            <p:spPr bwMode="gray">
-              <a:xfrm>
-                <a:off x="5344701" y="4706006"/>
-                <a:ext cx="2306841" cy="1567299"/>
-              </a:xfrm>
-              <a:prstGeom prst="roundRect">
-                <a:avLst/>
-              </a:prstGeom>
-              <a:grpFill/>
-              <a:ln>
-                <a:solidFill>
-                  <a:schemeClr val="tx1"/>
-                </a:solidFill>
-                <a:headEnd/>
-                <a:tailEnd/>
-              </a:ln>
-              <a:effectLst/>
-            </p:spPr>
-            <p:style>
-              <a:lnRef idx="1">
-                <a:schemeClr val="accent1"/>
-              </a:lnRef>
-              <a:fillRef idx="3">
-                <a:schemeClr val="accent1"/>
-              </a:fillRef>
-              <a:effectRef idx="2">
-                <a:schemeClr val="accent1"/>
-              </a:effectRef>
-              <a:fontRef idx="minor">
-                <a:schemeClr val="lt1"/>
-              </a:fontRef>
-            </p:style>
-            <p:txBody>
-              <a:bodyPr lIns="107138" tIns="85710" rIns="107138" bIns="85710" rtlCol="0" anchor="t" anchorCtr="0"/>
-              <a:lstStyle/>
-              <a:p>
-                <a:pPr algn="ctr" defTabSz="1088558" fontAlgn="base">
-                  <a:spcBef>
-                    <a:spcPct val="50000"/>
-                  </a:spcBef>
-                  <a:spcAft>
-                    <a:spcPct val="0"/>
-                  </a:spcAft>
-                  <a:buClr>
-                    <a:srgbClr val="F0AB00"/>
-                  </a:buClr>
-                  <a:buSzPct val="80000"/>
-                </a:pPr>
-                <a:endParaRPr lang="en-US" sz="1800" kern="0" dirty="0">
-                  <a:ln>
-                    <a:solidFill>
-                      <a:schemeClr val="bg1"/>
-                    </a:solidFill>
-                  </a:ln>
+            <a:prstGeom prst="rect">
+              <a:avLst/>
+            </a:prstGeom>
+            <a:grpFill/>
+            <a:ln>
+              <a:noFill/>
+            </a:ln>
+          </p:spPr>
+          <p:txBody>
+            <a:bodyPr wrap="square" lIns="0" tIns="0" rIns="0" bIns="0" rtlCol="0">
+              <a:spAutoFit/>
+            </a:bodyPr>
+            <a:lstStyle/>
+            <a:p>
+              <a:pPr fontAlgn="base">
+                <a:spcBef>
+                  <a:spcPct val="50000"/>
+                </a:spcBef>
+                <a:spcAft>
+                  <a:spcPct val="0"/>
+                </a:spcAft>
+                <a:buClr>
+                  <a:srgbClr val="F0AB00"/>
+                </a:buClr>
+                <a:buSzPct val="80000"/>
+              </a:pPr>
+              <a:r>
+                <a:rPr lang="de-DE" sz="1200" kern="0" dirty="0" err="1">
+                  <a:ea typeface="Arial Unicode MS" pitchFamily="34" charset="-128"/>
+                  <a:cs typeface="Arial Unicode MS" pitchFamily="34" charset="-128"/>
+                </a:rPr>
+                <a:t>statefulset</a:t>
+              </a:r>
+              <a:endParaRPr lang="de-DE" sz="1200" kern="0" dirty="0">
+                <a:ea typeface="Arial Unicode MS" pitchFamily="34" charset="-128"/>
+                <a:cs typeface="Arial Unicode MS" pitchFamily="34" charset="-128"/>
+              </a:endParaRPr>
+            </a:p>
+          </p:txBody>
+        </p:sp>
+      </p:grpSp>
+      <p:pic>
+        <p:nvPicPr>
+          <p:cNvPr id="110" name="Picture 109">
+            <a:extLst>
+              <a:ext uri="{FF2B5EF4-FFF2-40B4-BE49-F238E27FC236}">
+                <a16:creationId xmlns:a16="http://schemas.microsoft.com/office/drawing/2014/main" id="{95F75F6E-65F9-48DC-BA85-B64E5DDBF758}"/>
+              </a:ext>
+            </a:extLst>
+          </p:cNvPr>
+          <p:cNvPicPr>
+            <a:picLocks noChangeAspect="1"/>
+          </p:cNvPicPr>
+          <p:nvPr/>
+        </p:nvPicPr>
+        <p:blipFill>
+          <a:blip r:embed="rId3"/>
+          <a:stretch>
+            <a:fillRect/>
+          </a:stretch>
+        </p:blipFill>
+        <p:spPr>
+          <a:xfrm>
+            <a:off x="11313891" y="1341926"/>
+            <a:ext cx="501015" cy="487680"/>
+          </a:xfrm>
+          <a:prstGeom prst="rect">
+            <a:avLst/>
+          </a:prstGeom>
+        </p:spPr>
+      </p:pic>
+      <p:pic>
+        <p:nvPicPr>
+          <p:cNvPr id="111" name="Picture 110">
+            <a:extLst>
+              <a:ext uri="{FF2B5EF4-FFF2-40B4-BE49-F238E27FC236}">
+                <a16:creationId xmlns:a16="http://schemas.microsoft.com/office/drawing/2014/main" id="{3FA6A74B-28AF-4DC9-A279-405070A4B77E}"/>
+              </a:ext>
+            </a:extLst>
+          </p:cNvPr>
+          <p:cNvPicPr>
+            <a:picLocks noChangeAspect="1"/>
+          </p:cNvPicPr>
+          <p:nvPr/>
+        </p:nvPicPr>
+        <p:blipFill>
+          <a:blip r:embed="rId3"/>
+          <a:stretch>
+            <a:fillRect/>
+          </a:stretch>
+        </p:blipFill>
+        <p:spPr>
+          <a:xfrm>
+            <a:off x="7449561" y="4646656"/>
+            <a:ext cx="250508" cy="243840"/>
+          </a:xfrm>
+          <a:prstGeom prst="rect">
+            <a:avLst/>
+          </a:prstGeom>
+        </p:spPr>
+      </p:pic>
+      <p:grpSp>
+        <p:nvGrpSpPr>
+          <p:cNvPr id="114" name="Group 113">
+            <a:extLst>
+              <a:ext uri="{FF2B5EF4-FFF2-40B4-BE49-F238E27FC236}">
+                <a16:creationId xmlns:a16="http://schemas.microsoft.com/office/drawing/2014/main" id="{848618BA-4A4E-4635-B570-868DEA7EDB3F}"/>
+              </a:ext>
+            </a:extLst>
+          </p:cNvPr>
+          <p:cNvGrpSpPr/>
+          <p:nvPr/>
+        </p:nvGrpSpPr>
+        <p:grpSpPr>
+          <a:xfrm>
+            <a:off x="8312268" y="2073444"/>
+            <a:ext cx="677593" cy="760946"/>
+            <a:chOff x="8310706" y="2257284"/>
+            <a:chExt cx="677593" cy="760946"/>
+          </a:xfrm>
+          <a:solidFill>
+            <a:schemeClr val="tx1">
+              <a:lumMod val="50000"/>
+              <a:lumOff val="50000"/>
+            </a:schemeClr>
+          </a:solidFill>
+        </p:grpSpPr>
+        <p:sp>
+          <p:nvSpPr>
+            <p:cNvPr id="286" name="Rounded Rectangle 14">
+              <a:extLst>
+                <a:ext uri="{FF2B5EF4-FFF2-40B4-BE49-F238E27FC236}">
+                  <a16:creationId xmlns:a16="http://schemas.microsoft.com/office/drawing/2014/main" id="{3DF8ED54-6313-449B-BD7E-01B2D8E2F03E}"/>
+                </a:ext>
+              </a:extLst>
+            </p:cNvPr>
+            <p:cNvSpPr/>
+            <p:nvPr/>
+          </p:nvSpPr>
+          <p:spPr bwMode="gray">
+            <a:xfrm>
+              <a:off x="8310706" y="2553666"/>
+              <a:ext cx="548827" cy="464564"/>
+            </a:xfrm>
+            <a:prstGeom prst="roundRect">
+              <a:avLst/>
+            </a:prstGeom>
+            <a:grpFill/>
+            <a:ln>
+              <a:solidFill>
+                <a:schemeClr val="tx1"/>
+              </a:solidFill>
+              <a:headEnd/>
+              <a:tailEnd/>
+            </a:ln>
+            <a:effectLst/>
+          </p:spPr>
+          <p:style>
+            <a:lnRef idx="1">
+              <a:schemeClr val="accent1"/>
+            </a:lnRef>
+            <a:fillRef idx="3">
+              <a:schemeClr val="accent1"/>
+            </a:fillRef>
+            <a:effectRef idx="2">
+              <a:schemeClr val="accent1"/>
+            </a:effectRef>
+            <a:fontRef idx="minor">
+              <a:schemeClr val="lt1"/>
+            </a:fontRef>
+          </p:style>
+          <p:txBody>
+            <a:bodyPr lIns="107138" tIns="85710" rIns="107138" bIns="85710" rtlCol="0" anchor="t" anchorCtr="0"/>
+            <a:lstStyle/>
+            <a:p>
+              <a:pPr algn="ctr" defTabSz="1088558" fontAlgn="base">
+                <a:spcBef>
+                  <a:spcPct val="50000"/>
+                </a:spcBef>
+                <a:spcAft>
+                  <a:spcPct val="0"/>
+                </a:spcAft>
+                <a:buClr>
+                  <a:srgbClr val="F0AB00"/>
+                </a:buClr>
+                <a:buSzPct val="80000"/>
+              </a:pPr>
+              <a:r>
+                <a:rPr lang="en-US" sz="1000" kern="0">
                   <a:solidFill>
                     <a:srgbClr val="000000"/>
                   </a:solidFill>
                   <a:latin typeface="Arial"/>
                   <a:ea typeface="Arial Unicode MS" pitchFamily="34" charset="-128"/>
                   <a:cs typeface="Arial Unicode MS" pitchFamily="34" charset="-128"/>
-                </a:endParaRPr>
-              </a:p>
-            </p:txBody>
-          </p:sp>
-          <p:sp>
-            <p:nvSpPr>
-              <p:cNvPr id="293" name="TextBox 292">
-                <a:extLst>
-                  <a:ext uri="{FF2B5EF4-FFF2-40B4-BE49-F238E27FC236}">
-                    <a16:creationId xmlns:a16="http://schemas.microsoft.com/office/drawing/2014/main" id="{C907B3A4-EA7C-4BE5-AD41-B3D0E72110EB}"/>
-                  </a:ext>
-                </a:extLst>
-              </p:cNvPr>
-              <p:cNvSpPr txBox="1"/>
-              <p:nvPr/>
-            </p:nvSpPr>
-            <p:spPr>
-              <a:xfrm>
-                <a:off x="5635995" y="6066976"/>
-                <a:ext cx="1040525" cy="184666"/>
-              </a:xfrm>
-              <a:prstGeom prst="rect">
-                <a:avLst/>
-              </a:prstGeom>
-              <a:grpFill/>
-              <a:ln>
-                <a:noFill/>
-              </a:ln>
-            </p:spPr>
-            <p:txBody>
-              <a:bodyPr wrap="square" lIns="0" tIns="0" rIns="0" bIns="0" rtlCol="0">
-                <a:spAutoFit/>
-              </a:bodyPr>
-              <a:lstStyle/>
-              <a:p>
-                <a:pPr fontAlgn="base">
-                  <a:spcBef>
-                    <a:spcPct val="50000"/>
-                  </a:spcBef>
-                  <a:spcAft>
-                    <a:spcPct val="0"/>
-                  </a:spcAft>
-                  <a:buClr>
-                    <a:srgbClr val="F0AB00"/>
-                  </a:buClr>
-                  <a:buSzPct val="80000"/>
-                </a:pPr>
-                <a:r>
-                  <a:rPr lang="de-DE" sz="1200" kern="0" dirty="0" err="1">
-                    <a:ea typeface="Arial Unicode MS" pitchFamily="34" charset="-128"/>
-                    <a:cs typeface="Arial Unicode MS" pitchFamily="34" charset="-128"/>
-                  </a:rPr>
-                  <a:t>statefulset</a:t>
-                </a:r>
-                <a:endParaRPr lang="de-DE" sz="1200" kern="0" dirty="0">
-                  <a:ea typeface="Arial Unicode MS" pitchFamily="34" charset="-128"/>
-                  <a:cs typeface="Arial Unicode MS" pitchFamily="34" charset="-128"/>
-                </a:endParaRPr>
-              </a:p>
-            </p:txBody>
-          </p:sp>
-        </p:grpSp>
+                </a:rPr>
+                <a:t>nwp</a:t>
+              </a:r>
+              <a:endParaRPr lang="en-US" sz="1000" kern="0" dirty="0">
+                <a:solidFill>
+                  <a:srgbClr val="000000"/>
+                </a:solidFill>
+                <a:latin typeface="Arial"/>
+                <a:ea typeface="Arial Unicode MS" pitchFamily="34" charset="-128"/>
+                <a:cs typeface="Arial Unicode MS" pitchFamily="34" charset="-128"/>
+              </a:endParaRPr>
+            </a:p>
+          </p:txBody>
+        </p:sp>
+        <p:cxnSp>
+          <p:nvCxnSpPr>
+            <p:cNvPr id="287" name="Straight Connector 286">
+              <a:extLst>
+                <a:ext uri="{FF2B5EF4-FFF2-40B4-BE49-F238E27FC236}">
+                  <a16:creationId xmlns:a16="http://schemas.microsoft.com/office/drawing/2014/main" id="{CAFD0BE1-7CE4-49A4-8B10-CF722872373E}"/>
+                </a:ext>
+              </a:extLst>
+            </p:cNvPr>
+            <p:cNvCxnSpPr/>
+            <p:nvPr/>
+          </p:nvCxnSpPr>
+          <p:spPr>
+            <a:xfrm>
+              <a:off x="8859533" y="2810876"/>
+              <a:ext cx="128766" cy="0"/>
+            </a:xfrm>
+            <a:prstGeom prst="line">
+              <a:avLst/>
+            </a:prstGeom>
+            <a:grpFill/>
+            <a:ln w="9525">
+              <a:solidFill>
+                <a:schemeClr val="tx1"/>
+              </a:solidFill>
+              <a:headEnd type="none" w="med" len="med"/>
+              <a:tailEnd type="none" w="med" len="med"/>
+            </a:ln>
+          </p:spPr>
+          <p:style>
+            <a:lnRef idx="1">
+              <a:schemeClr val="accent1"/>
+            </a:lnRef>
+            <a:fillRef idx="0">
+              <a:schemeClr val="accent1"/>
+            </a:fillRef>
+            <a:effectRef idx="0">
+              <a:schemeClr val="accent1"/>
+            </a:effectRef>
+            <a:fontRef idx="minor">
+              <a:schemeClr val="tx1"/>
+            </a:fontRef>
+          </p:style>
+        </p:cxnSp>
         <p:pic>
           <p:nvPicPr>
-            <p:cNvPr id="110" name="Picture 109">
+            <p:cNvPr id="288" name="Graphic 287" descr="Fence">
               <a:extLst>
                 <a:ext uri="{FF2B5EF4-FFF2-40B4-BE49-F238E27FC236}">
-                  <a16:creationId xmlns:a16="http://schemas.microsoft.com/office/drawing/2014/main" id="{95F75F6E-65F9-48DC-BA85-B64E5DDBF758}"/>
+                  <a16:creationId xmlns:a16="http://schemas.microsoft.com/office/drawing/2014/main" id="{13F908A0-44DD-42BC-BBE4-9AF525B80F0F}"/>
+                </a:ext>
+              </a:extLst>
+            </p:cNvPr>
+            <p:cNvPicPr>
+              <a:picLocks noChangeAspect="1"/>
+            </p:cNvPicPr>
+            <p:nvPr/>
+          </p:nvPicPr>
+          <p:blipFill>
+            <a:blip r:embed="rId4">
+              <a:extLst>
+                <a:ext uri="{96DAC541-7B7A-43D3-8B79-37D633B846F1}">
+                  <asvg:svgBlip xmlns:asvg="http://schemas.microsoft.com/office/drawing/2016/SVG/main" r:embed="rId5"/>
+                </a:ext>
+              </a:extLst>
+            </a:blip>
+            <a:stretch>
+              <a:fillRect/>
+            </a:stretch>
+          </p:blipFill>
+          <p:spPr>
+            <a:xfrm>
+              <a:off x="8357237" y="2257284"/>
+              <a:ext cx="473701" cy="473701"/>
+            </a:xfrm>
+            <a:prstGeom prst="rect">
+              <a:avLst/>
+            </a:prstGeom>
+            <a:effectLst/>
+          </p:spPr>
+        </p:pic>
+        <p:pic>
+          <p:nvPicPr>
+            <p:cNvPr id="289" name="Picture 288">
+              <a:extLst>
+                <a:ext uri="{FF2B5EF4-FFF2-40B4-BE49-F238E27FC236}">
+                  <a16:creationId xmlns:a16="http://schemas.microsoft.com/office/drawing/2014/main" id="{ACB57E7C-101A-49E7-AB1A-CB36F5D25E5E}"/>
                 </a:ext>
               </a:extLst>
             </p:cNvPr>
@@ -42918,8 +43049,198 @@
           </p:blipFill>
           <p:spPr>
             <a:xfrm>
-              <a:off x="9313034" y="677509"/>
-              <a:ext cx="501015" cy="487680"/>
+              <a:off x="8788195" y="2483258"/>
+              <a:ext cx="150305" cy="146304"/>
+            </a:xfrm>
+            <a:prstGeom prst="rect">
+              <a:avLst/>
+            </a:prstGeom>
+            <a:noFill/>
+          </p:spPr>
+        </p:pic>
+      </p:grpSp>
+      <p:grpSp>
+        <p:nvGrpSpPr>
+          <p:cNvPr id="116" name="Group 115">
+            <a:extLst>
+              <a:ext uri="{FF2B5EF4-FFF2-40B4-BE49-F238E27FC236}">
+                <a16:creationId xmlns:a16="http://schemas.microsoft.com/office/drawing/2014/main" id="{92E45F96-B324-46F5-928A-C754BB4DCBDB}"/>
+              </a:ext>
+            </a:extLst>
+          </p:cNvPr>
+          <p:cNvGrpSpPr/>
+          <p:nvPr/>
+        </p:nvGrpSpPr>
+        <p:grpSpPr>
+          <a:xfrm>
+            <a:off x="4667301" y="2062219"/>
+            <a:ext cx="677593" cy="760946"/>
+            <a:chOff x="4666510" y="2246408"/>
+            <a:chExt cx="677593" cy="760946"/>
+          </a:xfrm>
+          <a:solidFill>
+            <a:schemeClr val="tx1">
+              <a:lumMod val="50000"/>
+              <a:lumOff val="50000"/>
+            </a:schemeClr>
+          </a:solidFill>
+        </p:grpSpPr>
+        <p:cxnSp>
+          <p:nvCxnSpPr>
+            <p:cNvPr id="282" name="Straight Connector 281">
+              <a:extLst>
+                <a:ext uri="{FF2B5EF4-FFF2-40B4-BE49-F238E27FC236}">
+                  <a16:creationId xmlns:a16="http://schemas.microsoft.com/office/drawing/2014/main" id="{C99B9765-A400-40C2-A500-D219602C5293}"/>
+                </a:ext>
+              </a:extLst>
+            </p:cNvPr>
+            <p:cNvCxnSpPr/>
+            <p:nvPr/>
+          </p:nvCxnSpPr>
+          <p:spPr>
+            <a:xfrm>
+              <a:off x="5215337" y="2800000"/>
+              <a:ext cx="128766" cy="0"/>
+            </a:xfrm>
+            <a:prstGeom prst="line">
+              <a:avLst/>
+            </a:prstGeom>
+            <a:grpFill/>
+            <a:ln w="9525">
+              <a:solidFill>
+                <a:schemeClr val="tx1"/>
+              </a:solidFill>
+              <a:headEnd type="none" w="med" len="med"/>
+              <a:tailEnd type="none" w="med" len="med"/>
+            </a:ln>
+          </p:spPr>
+          <p:style>
+            <a:lnRef idx="1">
+              <a:schemeClr val="accent1"/>
+            </a:lnRef>
+            <a:fillRef idx="0">
+              <a:schemeClr val="accent1"/>
+            </a:fillRef>
+            <a:effectRef idx="0">
+              <a:schemeClr val="accent1"/>
+            </a:effectRef>
+            <a:fontRef idx="minor">
+              <a:schemeClr val="tx1"/>
+            </a:fontRef>
+          </p:style>
+        </p:cxnSp>
+        <p:sp>
+          <p:nvSpPr>
+            <p:cNvPr id="283" name="Rounded Rectangle 14">
+              <a:extLst>
+                <a:ext uri="{FF2B5EF4-FFF2-40B4-BE49-F238E27FC236}">
+                  <a16:creationId xmlns:a16="http://schemas.microsoft.com/office/drawing/2014/main" id="{1C4C446E-350D-4E7D-AB8C-DB616B7587CE}"/>
+                </a:ext>
+              </a:extLst>
+            </p:cNvPr>
+            <p:cNvSpPr/>
+            <p:nvPr/>
+          </p:nvSpPr>
+          <p:spPr bwMode="gray">
+            <a:xfrm>
+              <a:off x="4666510" y="2542790"/>
+              <a:ext cx="548827" cy="464564"/>
+            </a:xfrm>
+            <a:prstGeom prst="roundRect">
+              <a:avLst/>
+            </a:prstGeom>
+            <a:grpFill/>
+            <a:ln>
+              <a:solidFill>
+                <a:schemeClr val="tx1"/>
+              </a:solidFill>
+              <a:headEnd/>
+              <a:tailEnd/>
+            </a:ln>
+            <a:effectLst/>
+          </p:spPr>
+          <p:style>
+            <a:lnRef idx="1">
+              <a:schemeClr val="accent1"/>
+            </a:lnRef>
+            <a:fillRef idx="3">
+              <a:schemeClr val="accent1"/>
+            </a:fillRef>
+            <a:effectRef idx="2">
+              <a:schemeClr val="accent1"/>
+            </a:effectRef>
+            <a:fontRef idx="minor">
+              <a:schemeClr val="lt1"/>
+            </a:fontRef>
+          </p:style>
+          <p:txBody>
+            <a:bodyPr lIns="107138" tIns="85710" rIns="107138" bIns="85710" rtlCol="0" anchor="t" anchorCtr="0"/>
+            <a:lstStyle/>
+            <a:p>
+              <a:pPr algn="ctr" defTabSz="1088558" fontAlgn="base">
+                <a:spcBef>
+                  <a:spcPct val="50000"/>
+                </a:spcBef>
+                <a:spcAft>
+                  <a:spcPct val="0"/>
+                </a:spcAft>
+                <a:buClr>
+                  <a:srgbClr val="F0AB00"/>
+                </a:buClr>
+                <a:buSzPct val="80000"/>
+              </a:pPr>
+              <a:r>
+                <a:rPr lang="en-US" sz="1000" kern="0" dirty="0" err="1">
+                  <a:solidFill>
+                    <a:srgbClr val="000000"/>
+                  </a:solidFill>
+                  <a:latin typeface="Arial"/>
+                  <a:ea typeface="Arial Unicode MS" pitchFamily="34" charset="-128"/>
+                  <a:cs typeface="Arial Unicode MS" pitchFamily="34" charset="-128"/>
+                </a:rPr>
+                <a:t>nwp</a:t>
+              </a:r>
+              <a:endParaRPr lang="en-US" sz="1000" kern="0" dirty="0">
+                <a:solidFill>
+                  <a:srgbClr val="000000"/>
+                </a:solidFill>
+                <a:latin typeface="Arial"/>
+                <a:ea typeface="Arial Unicode MS" pitchFamily="34" charset="-128"/>
+                <a:cs typeface="Arial Unicode MS" pitchFamily="34" charset="-128"/>
+              </a:endParaRPr>
+            </a:p>
+          </p:txBody>
+        </p:sp>
+        <p:pic>
+          <p:nvPicPr>
+            <p:cNvPr id="284" name="Graphic 283" descr="Fence">
+              <a:extLst>
+                <a:ext uri="{FF2B5EF4-FFF2-40B4-BE49-F238E27FC236}">
+                  <a16:creationId xmlns:a16="http://schemas.microsoft.com/office/drawing/2014/main" id="{2A731563-A64C-4F72-8C47-1D8EC83E73D2}"/>
+                </a:ext>
+              </a:extLst>
+            </p:cNvPr>
+            <p:cNvPicPr>
+              <a:picLocks noChangeAspect="1"/>
+            </p:cNvPicPr>
+            <p:nvPr/>
+          </p:nvPicPr>
+          <p:blipFill>
+            <a:blip r:embed="rId4">
+              <a:extLst>
+                <a:ext uri="{96DAC541-7B7A-43D3-8B79-37D633B846F1}">
+                  <asvg:svgBlip xmlns:asvg="http://schemas.microsoft.com/office/drawing/2016/SVG/main" r:embed="rId5"/>
+                </a:ext>
+              </a:extLst>
+            </a:blip>
+            <a:stretch>
+              <a:fillRect/>
+            </a:stretch>
+          </p:blipFill>
+          <p:spPr>
+            <a:xfrm>
+              <a:off x="4713041" y="2246408"/>
+              <a:ext cx="473701" cy="473701"/>
             </a:xfrm>
             <a:prstGeom prst="rect">
               <a:avLst/>
@@ -42928,10 +43249,10 @@
         </p:pic>
         <p:pic>
           <p:nvPicPr>
-            <p:cNvPr id="111" name="Picture 110">
+            <p:cNvPr id="285" name="Picture 284">
               <a:extLst>
                 <a:ext uri="{FF2B5EF4-FFF2-40B4-BE49-F238E27FC236}">
-                  <a16:creationId xmlns:a16="http://schemas.microsoft.com/office/drawing/2014/main" id="{3FA6A74B-28AF-4DC9-A279-405070A4B77E}"/>
+                  <a16:creationId xmlns:a16="http://schemas.microsoft.com/office/drawing/2014/main" id="{1C318C59-3AE4-4172-826B-C13498FCECDE}"/>
                 </a:ext>
               </a:extLst>
             </p:cNvPr>
@@ -42948,20 +43269,48 @@
           </p:blipFill>
           <p:spPr>
             <a:xfrm>
-              <a:off x="5448704" y="3982239"/>
-              <a:ext cx="250508" cy="243840"/>
+              <a:off x="5134122" y="2503349"/>
+              <a:ext cx="150305" cy="146304"/>
             </a:xfrm>
             <a:prstGeom prst="rect">
               <a:avLst/>
             </a:prstGeom>
+            <a:noFill/>
           </p:spPr>
         </p:pic>
+      </p:grpSp>
+      <p:grpSp>
+        <p:nvGrpSpPr>
+          <p:cNvPr id="118" name="Group 117">
+            <a:extLst>
+              <a:ext uri="{FF2B5EF4-FFF2-40B4-BE49-F238E27FC236}">
+                <a16:creationId xmlns:a16="http://schemas.microsoft.com/office/drawing/2014/main" id="{89A787E6-D0A2-4281-B426-CF1D858D8CF1}"/>
+              </a:ext>
+            </a:extLst>
+          </p:cNvPr>
+          <p:cNvGrpSpPr/>
+          <p:nvPr/>
+        </p:nvGrpSpPr>
+        <p:grpSpPr>
+          <a:xfrm>
+            <a:off x="4662100" y="4657581"/>
+            <a:ext cx="677593" cy="760946"/>
+            <a:chOff x="4661309" y="4490033"/>
+            <a:chExt cx="677593" cy="760946"/>
+          </a:xfrm>
+          <a:solidFill>
+            <a:schemeClr val="tx1">
+              <a:lumMod val="50000"/>
+              <a:lumOff val="50000"/>
+            </a:schemeClr>
+          </a:solidFill>
+        </p:grpSpPr>
         <p:grpSp>
           <p:nvGrpSpPr>
-            <p:cNvPr id="112" name="Group 111">
+            <p:cNvPr id="277" name="Group 276">
               <a:extLst>
                 <a:ext uri="{FF2B5EF4-FFF2-40B4-BE49-F238E27FC236}">
-                  <a16:creationId xmlns:a16="http://schemas.microsoft.com/office/drawing/2014/main" id="{E57F1706-7F14-415F-8F19-E13337BFE23E}"/>
+                  <a16:creationId xmlns:a16="http://schemas.microsoft.com/office/drawing/2014/main" id="{B27C7F15-6A42-4BF4-A9F9-E30651BB5B95}"/>
                 </a:ext>
               </a:extLst>
             </p:cNvPr>
@@ -42970,21 +43319,19 @@
           </p:nvGrpSpPr>
           <p:grpSpPr>
             <a:xfrm>
-              <a:off x="4229027" y="870005"/>
-              <a:ext cx="618593" cy="514443"/>
-              <a:chOff x="6229093" y="1534422"/>
-              <a:chExt cx="618593" cy="514443"/>
+              <a:off x="4661309" y="4490033"/>
+              <a:ext cx="677593" cy="760946"/>
+              <a:chOff x="4661309" y="4490033"/>
+              <a:chExt cx="677593" cy="760946"/>
             </a:xfrm>
-            <a:solidFill>
-              <a:srgbClr val="4FB81C"/>
-            </a:solidFill>
+            <a:grpFill/>
           </p:grpSpPr>
           <p:sp>
             <p:nvSpPr>
-              <p:cNvPr id="290" name="Rounded Rectangle 14">
+              <p:cNvPr id="279" name="Rounded Rectangle 14">
                 <a:extLst>
                   <a:ext uri="{FF2B5EF4-FFF2-40B4-BE49-F238E27FC236}">
-                    <a16:creationId xmlns:a16="http://schemas.microsoft.com/office/drawing/2014/main" id="{8CB5D465-ABD6-4981-8676-618A002BBA62}"/>
+                    <a16:creationId xmlns:a16="http://schemas.microsoft.com/office/drawing/2014/main" id="{BD2E3232-F7CE-491A-8642-ABA77E6B14FA}"/>
                   </a:ext>
                 </a:extLst>
               </p:cNvPr>
@@ -42993,436 +43340,7 @@
             </p:nvSpPr>
             <p:spPr bwMode="gray">
               <a:xfrm>
-                <a:off x="6229093" y="1584301"/>
-                <a:ext cx="548827" cy="464564"/>
-              </a:xfrm>
-              <a:prstGeom prst="roundRect">
-                <a:avLst/>
-              </a:prstGeom>
-              <a:grpFill/>
-              <a:ln>
-                <a:solidFill>
-                  <a:schemeClr val="tx1"/>
-                </a:solidFill>
-                <a:headEnd/>
-                <a:tailEnd/>
-              </a:ln>
-              <a:effectLst/>
-            </p:spPr>
-            <p:style>
-              <a:lnRef idx="1">
-                <a:schemeClr val="accent1"/>
-              </a:lnRef>
-              <a:fillRef idx="3">
-                <a:schemeClr val="accent1"/>
-              </a:fillRef>
-              <a:effectRef idx="2">
-                <a:schemeClr val="accent1"/>
-              </a:effectRef>
-              <a:fontRef idx="minor">
-                <a:schemeClr val="lt1"/>
-              </a:fontRef>
-            </p:style>
-            <p:txBody>
-              <a:bodyPr lIns="107138" tIns="85710" rIns="107138" bIns="85710" rtlCol="0" anchor="t" anchorCtr="0"/>
-              <a:lstStyle/>
-              <a:p>
-                <a:pPr algn="ctr" defTabSz="1088558" fontAlgn="base">
-                  <a:spcBef>
-                    <a:spcPct val="50000"/>
-                  </a:spcBef>
-                  <a:spcAft>
-                    <a:spcPct val="0"/>
-                  </a:spcAft>
-                  <a:buClr>
-                    <a:srgbClr val="F0AB00"/>
-                  </a:buClr>
-                  <a:buSzPct val="80000"/>
-                </a:pPr>
-                <a:r>
-                  <a:rPr lang="en-US" sz="1000" kern="0" dirty="0" err="1">
-                    <a:solidFill>
-                      <a:srgbClr val="000000"/>
-                    </a:solidFill>
-                    <a:latin typeface="Arial"/>
-                    <a:ea typeface="Arial Unicode MS" pitchFamily="34" charset="-128"/>
-                    <a:cs typeface="Arial Unicode MS" pitchFamily="34" charset="-128"/>
-                  </a:rPr>
-                  <a:t>ingr</a:t>
-                </a:r>
-                <a:r>
-                  <a:rPr lang="en-US" sz="1000" kern="0" dirty="0">
-                    <a:solidFill>
-                      <a:srgbClr val="000000"/>
-                    </a:solidFill>
-                    <a:latin typeface="Arial"/>
-                    <a:ea typeface="Arial Unicode MS" pitchFamily="34" charset="-128"/>
-                    <a:cs typeface="Arial Unicode MS" pitchFamily="34" charset="-128"/>
-                  </a:rPr>
-                  <a:t>/</a:t>
-                </a:r>
-                <a:br>
-                  <a:rPr lang="en-US" sz="1000" kern="0" dirty="0">
-                    <a:solidFill>
-                      <a:srgbClr val="000000"/>
-                    </a:solidFill>
-                    <a:latin typeface="Arial"/>
-                    <a:ea typeface="Arial Unicode MS" pitchFamily="34" charset="-128"/>
-                    <a:cs typeface="Arial Unicode MS" pitchFamily="34" charset="-128"/>
-                  </a:rPr>
-                </a:br>
-                <a:r>
-                  <a:rPr lang="en-US" sz="1000" kern="0" dirty="0">
-                    <a:solidFill>
-                      <a:srgbClr val="000000"/>
-                    </a:solidFill>
-                    <a:latin typeface="Arial"/>
-                    <a:ea typeface="Arial Unicode MS" pitchFamily="34" charset="-128"/>
-                    <a:cs typeface="Arial Unicode MS" pitchFamily="34" charset="-128"/>
-                  </a:rPr>
-                  <a:t>svc</a:t>
-                </a:r>
-              </a:p>
-            </p:txBody>
-          </p:sp>
-          <p:pic>
-            <p:nvPicPr>
-              <p:cNvPr id="291" name="Picture 290">
-                <a:extLst>
-                  <a:ext uri="{FF2B5EF4-FFF2-40B4-BE49-F238E27FC236}">
-                    <a16:creationId xmlns:a16="http://schemas.microsoft.com/office/drawing/2014/main" id="{B5857530-9F4D-4678-8D93-CD32BE0743C9}"/>
-                  </a:ext>
-                </a:extLst>
-              </p:cNvPr>
-              <p:cNvPicPr>
-                <a:picLocks noChangeAspect="1"/>
-              </p:cNvPicPr>
-              <p:nvPr/>
-            </p:nvPicPr>
-            <p:blipFill>
-              <a:blip r:embed="rId3"/>
-              <a:stretch>
-                <a:fillRect/>
-              </a:stretch>
-            </p:blipFill>
-            <p:spPr>
-              <a:xfrm>
-                <a:off x="6697381" y="1534422"/>
-                <a:ext cx="150305" cy="146304"/>
-              </a:xfrm>
-              <a:prstGeom prst="rect">
-                <a:avLst/>
-              </a:prstGeom>
-              <a:noFill/>
-            </p:spPr>
-          </p:pic>
-        </p:grpSp>
-        <p:grpSp>
-          <p:nvGrpSpPr>
-            <p:cNvPr id="114" name="Group 113">
-              <a:extLst>
-                <a:ext uri="{FF2B5EF4-FFF2-40B4-BE49-F238E27FC236}">
-                  <a16:creationId xmlns:a16="http://schemas.microsoft.com/office/drawing/2014/main" id="{848618BA-4A4E-4635-B570-868DEA7EDB3F}"/>
-                </a:ext>
-              </a:extLst>
-            </p:cNvPr>
-            <p:cNvGrpSpPr/>
-            <p:nvPr/>
-          </p:nvGrpSpPr>
-          <p:grpSpPr>
-            <a:xfrm>
-              <a:off x="6311411" y="1409027"/>
-              <a:ext cx="677593" cy="760946"/>
-              <a:chOff x="8310706" y="2257284"/>
-              <a:chExt cx="677593" cy="760946"/>
-            </a:xfrm>
-            <a:solidFill>
-              <a:schemeClr val="tx1">
-                <a:lumMod val="50000"/>
-                <a:lumOff val="50000"/>
-              </a:schemeClr>
-            </a:solidFill>
-          </p:grpSpPr>
-          <p:sp>
-            <p:nvSpPr>
-              <p:cNvPr id="286" name="Rounded Rectangle 14">
-                <a:extLst>
-                  <a:ext uri="{FF2B5EF4-FFF2-40B4-BE49-F238E27FC236}">
-                    <a16:creationId xmlns:a16="http://schemas.microsoft.com/office/drawing/2014/main" id="{3DF8ED54-6313-449B-BD7E-01B2D8E2F03E}"/>
-                  </a:ext>
-                </a:extLst>
-              </p:cNvPr>
-              <p:cNvSpPr/>
-              <p:nvPr/>
-            </p:nvSpPr>
-            <p:spPr bwMode="gray">
-              <a:xfrm>
-                <a:off x="8310706" y="2553666"/>
-                <a:ext cx="548827" cy="464564"/>
-              </a:xfrm>
-              <a:prstGeom prst="roundRect">
-                <a:avLst/>
-              </a:prstGeom>
-              <a:grpFill/>
-              <a:ln>
-                <a:solidFill>
-                  <a:schemeClr val="tx1"/>
-                </a:solidFill>
-                <a:headEnd/>
-                <a:tailEnd/>
-              </a:ln>
-              <a:effectLst/>
-            </p:spPr>
-            <p:style>
-              <a:lnRef idx="1">
-                <a:schemeClr val="accent1"/>
-              </a:lnRef>
-              <a:fillRef idx="3">
-                <a:schemeClr val="accent1"/>
-              </a:fillRef>
-              <a:effectRef idx="2">
-                <a:schemeClr val="accent1"/>
-              </a:effectRef>
-              <a:fontRef idx="minor">
-                <a:schemeClr val="lt1"/>
-              </a:fontRef>
-            </p:style>
-            <p:txBody>
-              <a:bodyPr lIns="107138" tIns="85710" rIns="107138" bIns="85710" rtlCol="0" anchor="t" anchorCtr="0"/>
-              <a:lstStyle/>
-              <a:p>
-                <a:pPr algn="ctr" defTabSz="1088558" fontAlgn="base">
-                  <a:spcBef>
-                    <a:spcPct val="50000"/>
-                  </a:spcBef>
-                  <a:spcAft>
-                    <a:spcPct val="0"/>
-                  </a:spcAft>
-                  <a:buClr>
-                    <a:srgbClr val="F0AB00"/>
-                  </a:buClr>
-                  <a:buSzPct val="80000"/>
-                </a:pPr>
-                <a:r>
-                  <a:rPr lang="en-US" sz="1000" kern="0">
-                    <a:solidFill>
-                      <a:srgbClr val="000000"/>
-                    </a:solidFill>
-                    <a:latin typeface="Arial"/>
-                    <a:ea typeface="Arial Unicode MS" pitchFamily="34" charset="-128"/>
-                    <a:cs typeface="Arial Unicode MS" pitchFamily="34" charset="-128"/>
-                  </a:rPr>
-                  <a:t>nwp</a:t>
-                </a:r>
-                <a:endParaRPr lang="en-US" sz="1000" kern="0" dirty="0">
-                  <a:solidFill>
-                    <a:srgbClr val="000000"/>
-                  </a:solidFill>
-                  <a:latin typeface="Arial"/>
-                  <a:ea typeface="Arial Unicode MS" pitchFamily="34" charset="-128"/>
-                  <a:cs typeface="Arial Unicode MS" pitchFamily="34" charset="-128"/>
-                </a:endParaRPr>
-              </a:p>
-            </p:txBody>
-          </p:sp>
-          <p:cxnSp>
-            <p:nvCxnSpPr>
-              <p:cNvPr id="287" name="Straight Connector 286">
-                <a:extLst>
-                  <a:ext uri="{FF2B5EF4-FFF2-40B4-BE49-F238E27FC236}">
-                    <a16:creationId xmlns:a16="http://schemas.microsoft.com/office/drawing/2014/main" id="{CAFD0BE1-7CE4-49A4-8B10-CF722872373E}"/>
-                  </a:ext>
-                </a:extLst>
-              </p:cNvPr>
-              <p:cNvCxnSpPr/>
-              <p:nvPr/>
-            </p:nvCxnSpPr>
-            <p:spPr>
-              <a:xfrm>
-                <a:off x="8859533" y="2810876"/>
-                <a:ext cx="128766" cy="0"/>
-              </a:xfrm>
-              <a:prstGeom prst="line">
-                <a:avLst/>
-              </a:prstGeom>
-              <a:grpFill/>
-              <a:ln w="9525">
-                <a:solidFill>
-                  <a:schemeClr val="tx1"/>
-                </a:solidFill>
-                <a:headEnd type="none" w="med" len="med"/>
-                <a:tailEnd type="none" w="med" len="med"/>
-              </a:ln>
-            </p:spPr>
-            <p:style>
-              <a:lnRef idx="1">
-                <a:schemeClr val="accent1"/>
-              </a:lnRef>
-              <a:fillRef idx="0">
-                <a:schemeClr val="accent1"/>
-              </a:fillRef>
-              <a:effectRef idx="0">
-                <a:schemeClr val="accent1"/>
-              </a:effectRef>
-              <a:fontRef idx="minor">
-                <a:schemeClr val="tx1"/>
-              </a:fontRef>
-            </p:style>
-          </p:cxnSp>
-          <p:pic>
-            <p:nvPicPr>
-              <p:cNvPr id="288" name="Graphic 287" descr="Fence">
-                <a:extLst>
-                  <a:ext uri="{FF2B5EF4-FFF2-40B4-BE49-F238E27FC236}">
-                    <a16:creationId xmlns:a16="http://schemas.microsoft.com/office/drawing/2014/main" id="{13F908A0-44DD-42BC-BBE4-9AF525B80F0F}"/>
-                  </a:ext>
-                </a:extLst>
-              </p:cNvPr>
-              <p:cNvPicPr>
-                <a:picLocks noChangeAspect="1"/>
-              </p:cNvPicPr>
-              <p:nvPr/>
-            </p:nvPicPr>
-            <p:blipFill>
-              <a:blip r:embed="rId4">
-                <a:extLst>
-                  <a:ext uri="{96DAC541-7B7A-43D3-8B79-37D633B846F1}">
-                    <asvg:svgBlip xmlns:asvg="http://schemas.microsoft.com/office/drawing/2016/SVG/main" r:embed="rId5"/>
-                  </a:ext>
-                </a:extLst>
-              </a:blip>
-              <a:stretch>
-                <a:fillRect/>
-              </a:stretch>
-            </p:blipFill>
-            <p:spPr>
-              <a:xfrm>
-                <a:off x="8357237" y="2257284"/>
-                <a:ext cx="473701" cy="473701"/>
-              </a:xfrm>
-              <a:prstGeom prst="rect">
-                <a:avLst/>
-              </a:prstGeom>
-              <a:effectLst/>
-            </p:spPr>
-          </p:pic>
-          <p:pic>
-            <p:nvPicPr>
-              <p:cNvPr id="289" name="Picture 288">
-                <a:extLst>
-                  <a:ext uri="{FF2B5EF4-FFF2-40B4-BE49-F238E27FC236}">
-                    <a16:creationId xmlns:a16="http://schemas.microsoft.com/office/drawing/2014/main" id="{ACB57E7C-101A-49E7-AB1A-CB36F5D25E5E}"/>
-                  </a:ext>
-                </a:extLst>
-              </p:cNvPr>
-              <p:cNvPicPr>
-                <a:picLocks noChangeAspect="1"/>
-              </p:cNvPicPr>
-              <p:nvPr/>
-            </p:nvPicPr>
-            <p:blipFill>
-              <a:blip r:embed="rId3"/>
-              <a:stretch>
-                <a:fillRect/>
-              </a:stretch>
-            </p:blipFill>
-            <p:spPr>
-              <a:xfrm>
-                <a:off x="8788195" y="2483258"/>
-                <a:ext cx="150305" cy="146304"/>
-              </a:xfrm>
-              <a:prstGeom prst="rect">
-                <a:avLst/>
-              </a:prstGeom>
-              <a:noFill/>
-            </p:spPr>
-          </p:pic>
-        </p:grpSp>
-        <p:grpSp>
-          <p:nvGrpSpPr>
-            <p:cNvPr id="116" name="Group 115">
-              <a:extLst>
-                <a:ext uri="{FF2B5EF4-FFF2-40B4-BE49-F238E27FC236}">
-                  <a16:creationId xmlns:a16="http://schemas.microsoft.com/office/drawing/2014/main" id="{92E45F96-B324-46F5-928A-C754BB4DCBDB}"/>
-                </a:ext>
-              </a:extLst>
-            </p:cNvPr>
-            <p:cNvGrpSpPr/>
-            <p:nvPr/>
-          </p:nvGrpSpPr>
-          <p:grpSpPr>
-            <a:xfrm>
-              <a:off x="2666444" y="1397802"/>
-              <a:ext cx="677593" cy="760946"/>
-              <a:chOff x="4666510" y="2246408"/>
-              <a:chExt cx="677593" cy="760946"/>
-            </a:xfrm>
-            <a:solidFill>
-              <a:schemeClr val="tx1">
-                <a:lumMod val="50000"/>
-                <a:lumOff val="50000"/>
-              </a:schemeClr>
-            </a:solidFill>
-          </p:grpSpPr>
-          <p:cxnSp>
-            <p:nvCxnSpPr>
-              <p:cNvPr id="282" name="Straight Connector 281">
-                <a:extLst>
-                  <a:ext uri="{FF2B5EF4-FFF2-40B4-BE49-F238E27FC236}">
-                    <a16:creationId xmlns:a16="http://schemas.microsoft.com/office/drawing/2014/main" id="{C99B9765-A400-40C2-A500-D219602C5293}"/>
-                  </a:ext>
-                </a:extLst>
-              </p:cNvPr>
-              <p:cNvCxnSpPr/>
-              <p:nvPr/>
-            </p:nvCxnSpPr>
-            <p:spPr>
-              <a:xfrm>
-                <a:off x="5215337" y="2800000"/>
-                <a:ext cx="128766" cy="0"/>
-              </a:xfrm>
-              <a:prstGeom prst="line">
-                <a:avLst/>
-              </a:prstGeom>
-              <a:grpFill/>
-              <a:ln w="9525">
-                <a:solidFill>
-                  <a:schemeClr val="tx1"/>
-                </a:solidFill>
-                <a:headEnd type="none" w="med" len="med"/>
-                <a:tailEnd type="none" w="med" len="med"/>
-              </a:ln>
-            </p:spPr>
-            <p:style>
-              <a:lnRef idx="1">
-                <a:schemeClr val="accent1"/>
-              </a:lnRef>
-              <a:fillRef idx="0">
-                <a:schemeClr val="accent1"/>
-              </a:fillRef>
-              <a:effectRef idx="0">
-                <a:schemeClr val="accent1"/>
-              </a:effectRef>
-              <a:fontRef idx="minor">
-                <a:schemeClr val="tx1"/>
-              </a:fontRef>
-            </p:style>
-          </p:cxnSp>
-          <p:sp>
-            <p:nvSpPr>
-              <p:cNvPr id="283" name="Rounded Rectangle 14">
-                <a:extLst>
-                  <a:ext uri="{FF2B5EF4-FFF2-40B4-BE49-F238E27FC236}">
-                    <a16:creationId xmlns:a16="http://schemas.microsoft.com/office/drawing/2014/main" id="{1C4C446E-350D-4E7D-AB8C-DB616B7587CE}"/>
-                  </a:ext>
-                </a:extLst>
-              </p:cNvPr>
-              <p:cNvSpPr/>
-              <p:nvPr/>
-            </p:nvSpPr>
-            <p:spPr bwMode="gray">
-              <a:xfrm>
-                <a:off x="4666510" y="2542790"/>
+                <a:off x="4661309" y="4786415"/>
                 <a:ext cx="548827" cy="464564"/>
               </a:xfrm>
               <a:prstGeom prst="roundRect">
@@ -43490,12 +43408,56 @@
               </a:p>
             </p:txBody>
           </p:sp>
+          <p:cxnSp>
+            <p:nvCxnSpPr>
+              <p:cNvPr id="280" name="Straight Connector 279">
+                <a:extLst>
+                  <a:ext uri="{FF2B5EF4-FFF2-40B4-BE49-F238E27FC236}">
+                    <a16:creationId xmlns:a16="http://schemas.microsoft.com/office/drawing/2014/main" id="{9221AAA9-45F3-4216-8E34-F02406120B90}"/>
+                  </a:ext>
+                </a:extLst>
+              </p:cNvPr>
+              <p:cNvCxnSpPr/>
+              <p:nvPr/>
+            </p:nvCxnSpPr>
+            <p:spPr>
+              <a:xfrm>
+                <a:off x="5210136" y="5043625"/>
+                <a:ext cx="128766" cy="0"/>
+              </a:xfrm>
+              <a:prstGeom prst="line">
+                <a:avLst/>
+              </a:prstGeom>
+              <a:grpFill/>
+              <a:ln w="9525">
+                <a:solidFill>
+                  <a:schemeClr val="tx1"/>
+                </a:solidFill>
+                <a:headEnd type="none" w="med" len="med"/>
+                <a:tailEnd type="none" w="med" len="med"/>
+              </a:ln>
+            </p:spPr>
+            <p:style>
+              <a:lnRef idx="1">
+                <a:schemeClr val="accent1"/>
+              </a:lnRef>
+              <a:fillRef idx="0">
+                <a:schemeClr val="accent1"/>
+              </a:fillRef>
+              <a:effectRef idx="0">
+                <a:schemeClr val="accent1"/>
+              </a:effectRef>
+              <a:fontRef idx="minor">
+                <a:schemeClr val="tx1"/>
+              </a:fontRef>
+            </p:style>
+          </p:cxnSp>
           <p:pic>
             <p:nvPicPr>
-              <p:cNvPr id="284" name="Graphic 283" descr="Fence">
+              <p:cNvPr id="281" name="Graphic 280" descr="Fence">
                 <a:extLst>
                   <a:ext uri="{FF2B5EF4-FFF2-40B4-BE49-F238E27FC236}">
-                    <a16:creationId xmlns:a16="http://schemas.microsoft.com/office/drawing/2014/main" id="{2A731563-A64C-4F72-8C47-1D8EC83E73D2}"/>
+                    <a16:creationId xmlns:a16="http://schemas.microsoft.com/office/drawing/2014/main" id="{C396AC25-6C42-4387-840B-CA9270FE75BF}"/>
                   </a:ext>
                 </a:extLst>
               </p:cNvPr>
@@ -43518,7 +43480,7 @@
             </p:blipFill>
             <p:spPr>
               <a:xfrm>
-                <a:off x="4713041" y="2246408"/>
+                <a:off x="4707840" y="4490033"/>
                 <a:ext cx="473701" cy="473701"/>
               </a:xfrm>
               <a:prstGeom prst="rect">
@@ -43526,44 +43488,3180 @@
               </a:prstGeom>
             </p:spPr>
           </p:pic>
-          <p:pic>
-            <p:nvPicPr>
-              <p:cNvPr id="285" name="Picture 284">
-                <a:extLst>
-                  <a:ext uri="{FF2B5EF4-FFF2-40B4-BE49-F238E27FC236}">
-                    <a16:creationId xmlns:a16="http://schemas.microsoft.com/office/drawing/2014/main" id="{1C318C59-3AE4-4172-826B-C13498FCECDE}"/>
-                  </a:ext>
-                </a:extLst>
-              </p:cNvPr>
-              <p:cNvPicPr>
-                <a:picLocks noChangeAspect="1"/>
-              </p:cNvPicPr>
-              <p:nvPr/>
-            </p:nvPicPr>
-            <p:blipFill>
-              <a:blip r:embed="rId3"/>
-              <a:stretch>
-                <a:fillRect/>
-              </a:stretch>
-            </p:blipFill>
-            <p:spPr>
-              <a:xfrm>
-                <a:off x="5134122" y="2503349"/>
-                <a:ext cx="150305" cy="146304"/>
-              </a:xfrm>
-              <a:prstGeom prst="rect">
-                <a:avLst/>
-              </a:prstGeom>
+        </p:grpSp>
+        <p:pic>
+          <p:nvPicPr>
+            <p:cNvPr id="278" name="Picture 277">
+              <a:extLst>
+                <a:ext uri="{FF2B5EF4-FFF2-40B4-BE49-F238E27FC236}">
+                  <a16:creationId xmlns:a16="http://schemas.microsoft.com/office/drawing/2014/main" id="{027D7C5A-7481-431C-B65B-86B771E4F8DD}"/>
+                </a:ext>
+              </a:extLst>
+            </p:cNvPr>
+            <p:cNvPicPr>
+              <a:picLocks noChangeAspect="1"/>
+            </p:cNvPicPr>
+            <p:nvPr/>
+          </p:nvPicPr>
+          <p:blipFill>
+            <a:blip r:embed="rId3"/>
+            <a:stretch>
+              <a:fillRect/>
+            </a:stretch>
+          </p:blipFill>
+          <p:spPr>
+            <a:xfrm>
+              <a:off x="5119243" y="4738192"/>
+              <a:ext cx="150305" cy="146304"/>
+            </a:xfrm>
+            <a:prstGeom prst="rect">
+              <a:avLst/>
+            </a:prstGeom>
+            <a:noFill/>
+            <a:ln>
               <a:noFill/>
-            </p:spPr>
-          </p:pic>
-        </p:grpSp>
+            </a:ln>
+          </p:spPr>
+        </p:pic>
+      </p:grpSp>
+      <p:sp>
+        <p:nvSpPr>
+          <p:cNvPr id="119" name="Rounded Rectangle 14">
+            <a:extLst>
+              <a:ext uri="{FF2B5EF4-FFF2-40B4-BE49-F238E27FC236}">
+                <a16:creationId xmlns:a16="http://schemas.microsoft.com/office/drawing/2014/main" id="{D57AD9D5-B9CB-40E7-85B0-1ED58500A3F9}"/>
+              </a:ext>
+            </a:extLst>
+          </p:cNvPr>
+          <p:cNvSpPr/>
+          <p:nvPr/>
+        </p:nvSpPr>
+        <p:spPr bwMode="gray">
+          <a:xfrm>
+            <a:off x="5345494" y="2145614"/>
+            <a:ext cx="2306840" cy="1681404"/>
+          </a:xfrm>
+          <a:prstGeom prst="roundRect">
+            <a:avLst/>
+          </a:prstGeom>
+          <a:solidFill>
+            <a:schemeClr val="bg1">
+              <a:lumMod val="85000"/>
+            </a:schemeClr>
+          </a:solidFill>
+          <a:ln>
+            <a:solidFill>
+              <a:schemeClr val="tx1"/>
+            </a:solidFill>
+            <a:headEnd/>
+            <a:tailEnd/>
+          </a:ln>
+          <a:effectLst/>
+        </p:spPr>
+        <p:style>
+          <a:lnRef idx="1">
+            <a:schemeClr val="accent1"/>
+          </a:lnRef>
+          <a:fillRef idx="3">
+            <a:schemeClr val="accent1"/>
+          </a:fillRef>
+          <a:effectRef idx="2">
+            <a:schemeClr val="accent1"/>
+          </a:effectRef>
+          <a:fontRef idx="minor">
+            <a:schemeClr val="lt1"/>
+          </a:fontRef>
+        </p:style>
+        <p:txBody>
+          <a:bodyPr lIns="107138" tIns="85710" rIns="107138" bIns="85710" rtlCol="0" anchor="t" anchorCtr="0"/>
+          <a:lstStyle/>
+          <a:p>
+            <a:pPr algn="ctr" defTabSz="1088558" fontAlgn="base">
+              <a:spcBef>
+                <a:spcPct val="50000"/>
+              </a:spcBef>
+              <a:spcAft>
+                <a:spcPct val="0"/>
+              </a:spcAft>
+              <a:buClr>
+                <a:srgbClr val="F0AB00"/>
+              </a:buClr>
+              <a:buSzPct val="80000"/>
+            </a:pPr>
+            <a:endParaRPr lang="en-US" sz="1800" kern="0" dirty="0">
+              <a:solidFill>
+                <a:srgbClr val="000000"/>
+              </a:solidFill>
+              <a:latin typeface="Arial"/>
+              <a:ea typeface="Arial Unicode MS" pitchFamily="34" charset="-128"/>
+              <a:cs typeface="Arial Unicode MS" pitchFamily="34" charset="-128"/>
+            </a:endParaRPr>
+          </a:p>
+        </p:txBody>
+      </p:sp>
+      <p:sp>
+        <p:nvSpPr>
+          <p:cNvPr id="120" name="TextBox 119">
+            <a:extLst>
+              <a:ext uri="{FF2B5EF4-FFF2-40B4-BE49-F238E27FC236}">
+                <a16:creationId xmlns:a16="http://schemas.microsoft.com/office/drawing/2014/main" id="{FAF11D10-B0BD-442B-BC13-3AD1EC6242D8}"/>
+              </a:ext>
+            </a:extLst>
+          </p:cNvPr>
+          <p:cNvSpPr txBox="1"/>
+          <p:nvPr/>
+        </p:nvSpPr>
+        <p:spPr>
+          <a:xfrm>
+            <a:off x="5617052" y="3607087"/>
+            <a:ext cx="1040525" cy="184666"/>
+          </a:xfrm>
+          <a:prstGeom prst="rect">
+            <a:avLst/>
+          </a:prstGeom>
+          <a:noFill/>
+          <a:ln>
+            <a:noFill/>
+          </a:ln>
+        </p:spPr>
+        <p:txBody>
+          <a:bodyPr wrap="square" lIns="0" tIns="0" rIns="0" bIns="0" rtlCol="0">
+            <a:spAutoFit/>
+          </a:bodyPr>
+          <a:lstStyle/>
+          <a:p>
+            <a:pPr fontAlgn="base">
+              <a:spcBef>
+                <a:spcPct val="50000"/>
+              </a:spcBef>
+              <a:spcAft>
+                <a:spcPct val="0"/>
+              </a:spcAft>
+              <a:buClr>
+                <a:srgbClr val="F0AB00"/>
+              </a:buClr>
+              <a:buSzPct val="80000"/>
+            </a:pPr>
+            <a:r>
+              <a:rPr lang="de-DE" sz="1200" kern="0" dirty="0" err="1">
+                <a:ea typeface="Arial Unicode MS" pitchFamily="34" charset="-128"/>
+                <a:cs typeface="Arial Unicode MS" pitchFamily="34" charset="-128"/>
+              </a:rPr>
+              <a:t>deployment</a:t>
+            </a:r>
+            <a:endParaRPr lang="de-DE" sz="1200" kern="0" dirty="0">
+              <a:ea typeface="Arial Unicode MS" pitchFamily="34" charset="-128"/>
+              <a:cs typeface="Arial Unicode MS" pitchFamily="34" charset="-128"/>
+            </a:endParaRPr>
+          </a:p>
+        </p:txBody>
+      </p:sp>
+      <p:pic>
+        <p:nvPicPr>
+          <p:cNvPr id="121" name="Picture 120">
+            <a:extLst>
+              <a:ext uri="{FF2B5EF4-FFF2-40B4-BE49-F238E27FC236}">
+                <a16:creationId xmlns:a16="http://schemas.microsoft.com/office/drawing/2014/main" id="{14BDAAF9-1018-441B-A8B1-0543F6EEA25C}"/>
+              </a:ext>
+            </a:extLst>
+          </p:cNvPr>
+          <p:cNvPicPr>
+            <a:picLocks noChangeAspect="1"/>
+          </p:cNvPicPr>
+          <p:nvPr/>
+        </p:nvPicPr>
+        <p:blipFill>
+          <a:blip r:embed="rId3"/>
+          <a:stretch>
+            <a:fillRect/>
+          </a:stretch>
+        </p:blipFill>
+        <p:spPr>
+          <a:xfrm>
+            <a:off x="7422801" y="2049738"/>
+            <a:ext cx="250508" cy="243840"/>
+          </a:xfrm>
+          <a:prstGeom prst="rect">
+            <a:avLst/>
+          </a:prstGeom>
+        </p:spPr>
+      </p:pic>
+      <p:sp>
+        <p:nvSpPr>
+          <p:cNvPr id="123" name="Rounded Rectangle 14">
+            <a:extLst>
+              <a:ext uri="{FF2B5EF4-FFF2-40B4-BE49-F238E27FC236}">
+                <a16:creationId xmlns:a16="http://schemas.microsoft.com/office/drawing/2014/main" id="{D2A83CC6-52D4-472D-85D4-97E8FFE6977F}"/>
+              </a:ext>
+            </a:extLst>
+          </p:cNvPr>
+          <p:cNvSpPr/>
+          <p:nvPr/>
+        </p:nvSpPr>
+        <p:spPr bwMode="gray">
+          <a:xfrm>
+            <a:off x="8984690" y="4706006"/>
+            <a:ext cx="2306840" cy="1567299"/>
+          </a:xfrm>
+          <a:prstGeom prst="roundRect">
+            <a:avLst/>
+          </a:prstGeom>
+          <a:solidFill>
+            <a:schemeClr val="bg1">
+              <a:lumMod val="50000"/>
+            </a:schemeClr>
+          </a:solidFill>
+          <a:ln>
+            <a:solidFill>
+              <a:schemeClr val="tx1"/>
+            </a:solidFill>
+            <a:headEnd/>
+            <a:tailEnd/>
+          </a:ln>
+          <a:effectLst/>
+        </p:spPr>
+        <p:style>
+          <a:lnRef idx="1">
+            <a:schemeClr val="accent1"/>
+          </a:lnRef>
+          <a:fillRef idx="3">
+            <a:schemeClr val="accent1"/>
+          </a:fillRef>
+          <a:effectRef idx="2">
+            <a:schemeClr val="accent1"/>
+          </a:effectRef>
+          <a:fontRef idx="minor">
+            <a:schemeClr val="lt1"/>
+          </a:fontRef>
+        </p:style>
+        <p:txBody>
+          <a:bodyPr lIns="107138" tIns="85710" rIns="107138" bIns="85710" rtlCol="0" anchor="t" anchorCtr="0"/>
+          <a:lstStyle/>
+          <a:p>
+            <a:pPr algn="ctr" defTabSz="1088558" fontAlgn="base">
+              <a:spcBef>
+                <a:spcPct val="50000"/>
+              </a:spcBef>
+              <a:spcAft>
+                <a:spcPct val="0"/>
+              </a:spcAft>
+              <a:buClr>
+                <a:srgbClr val="F0AB00"/>
+              </a:buClr>
+              <a:buSzPct val="80000"/>
+            </a:pPr>
+            <a:endParaRPr lang="en-US" sz="1800" kern="0" dirty="0">
+              <a:solidFill>
+                <a:srgbClr val="000000"/>
+              </a:solidFill>
+              <a:latin typeface="Arial"/>
+              <a:ea typeface="Arial Unicode MS" pitchFamily="34" charset="-128"/>
+              <a:cs typeface="Arial Unicode MS" pitchFamily="34" charset="-128"/>
+            </a:endParaRPr>
+          </a:p>
+        </p:txBody>
+      </p:sp>
+      <p:sp>
+        <p:nvSpPr>
+          <p:cNvPr id="124" name="TextBox 123">
+            <a:extLst>
+              <a:ext uri="{FF2B5EF4-FFF2-40B4-BE49-F238E27FC236}">
+                <a16:creationId xmlns:a16="http://schemas.microsoft.com/office/drawing/2014/main" id="{99D805EF-B202-486C-A7E8-3507EE26AFB6}"/>
+              </a:ext>
+            </a:extLst>
+          </p:cNvPr>
+          <p:cNvSpPr txBox="1"/>
+          <p:nvPr/>
+        </p:nvSpPr>
+        <p:spPr>
+          <a:xfrm>
+            <a:off x="9271235" y="6068925"/>
+            <a:ext cx="1040525" cy="184666"/>
+          </a:xfrm>
+          <a:prstGeom prst="rect">
+            <a:avLst/>
+          </a:prstGeom>
+          <a:noFill/>
+          <a:ln>
+            <a:noFill/>
+          </a:ln>
+        </p:spPr>
+        <p:txBody>
+          <a:bodyPr wrap="square" lIns="0" tIns="0" rIns="0" bIns="0" rtlCol="0">
+            <a:spAutoFit/>
+          </a:bodyPr>
+          <a:lstStyle/>
+          <a:p>
+            <a:pPr fontAlgn="base">
+              <a:spcBef>
+                <a:spcPct val="50000"/>
+              </a:spcBef>
+              <a:spcAft>
+                <a:spcPct val="0"/>
+              </a:spcAft>
+              <a:buClr>
+                <a:srgbClr val="F0AB00"/>
+              </a:buClr>
+              <a:buSzPct val="80000"/>
+            </a:pPr>
+            <a:r>
+              <a:rPr lang="de-DE" sz="1200" kern="0" dirty="0" err="1">
+                <a:solidFill>
+                  <a:schemeClr val="bg1"/>
+                </a:solidFill>
+                <a:ea typeface="Arial Unicode MS" pitchFamily="34" charset="-128"/>
+                <a:cs typeface="Arial Unicode MS" pitchFamily="34" charset="-128"/>
+              </a:rPr>
+              <a:t>statefulset</a:t>
+            </a:r>
+            <a:endParaRPr lang="de-DE" sz="1200" kern="0" dirty="0">
+              <a:solidFill>
+                <a:schemeClr val="bg1"/>
+              </a:solidFill>
+              <a:ea typeface="Arial Unicode MS" pitchFamily="34" charset="-128"/>
+              <a:cs typeface="Arial Unicode MS" pitchFamily="34" charset="-128"/>
+            </a:endParaRPr>
+          </a:p>
+        </p:txBody>
+      </p:sp>
+      <p:pic>
+        <p:nvPicPr>
+          <p:cNvPr id="126" name="Picture 125">
+            <a:extLst>
+              <a:ext uri="{FF2B5EF4-FFF2-40B4-BE49-F238E27FC236}">
+                <a16:creationId xmlns:a16="http://schemas.microsoft.com/office/drawing/2014/main" id="{1C62FF52-A5A4-4B78-9E9E-B30B607C9B95}"/>
+              </a:ext>
+            </a:extLst>
+          </p:cNvPr>
+          <p:cNvPicPr>
+            <a:picLocks noChangeAspect="1"/>
+          </p:cNvPicPr>
+          <p:nvPr/>
+        </p:nvPicPr>
+        <p:blipFill>
+          <a:blip r:embed="rId3"/>
+          <a:stretch>
+            <a:fillRect/>
+          </a:stretch>
+        </p:blipFill>
+        <p:spPr>
+          <a:xfrm>
+            <a:off x="11094377" y="4624533"/>
+            <a:ext cx="250508" cy="243840"/>
+          </a:xfrm>
+          <a:prstGeom prst="rect">
+            <a:avLst/>
+          </a:prstGeom>
+        </p:spPr>
+      </p:pic>
+      <p:sp>
+        <p:nvSpPr>
+          <p:cNvPr id="128" name="Rounded Rectangle 14">
+            <a:extLst>
+              <a:ext uri="{FF2B5EF4-FFF2-40B4-BE49-F238E27FC236}">
+                <a16:creationId xmlns:a16="http://schemas.microsoft.com/office/drawing/2014/main" id="{3531ACA5-806A-4435-8742-E2934F4166E1}"/>
+              </a:ext>
+            </a:extLst>
+          </p:cNvPr>
+          <p:cNvSpPr/>
+          <p:nvPr/>
+        </p:nvSpPr>
+        <p:spPr bwMode="gray">
+          <a:xfrm>
+            <a:off x="8984690" y="2149621"/>
+            <a:ext cx="2306840" cy="1681404"/>
+          </a:xfrm>
+          <a:prstGeom prst="roundRect">
+            <a:avLst/>
+          </a:prstGeom>
+          <a:solidFill>
+            <a:schemeClr val="tx1">
+              <a:lumMod val="50000"/>
+              <a:lumOff val="50000"/>
+            </a:schemeClr>
+          </a:solidFill>
+          <a:ln>
+            <a:solidFill>
+              <a:schemeClr val="tx1"/>
+            </a:solidFill>
+            <a:headEnd/>
+            <a:tailEnd/>
+          </a:ln>
+          <a:effectLst/>
+        </p:spPr>
+        <p:style>
+          <a:lnRef idx="1">
+            <a:schemeClr val="accent1"/>
+          </a:lnRef>
+          <a:fillRef idx="3">
+            <a:schemeClr val="accent1"/>
+          </a:fillRef>
+          <a:effectRef idx="2">
+            <a:schemeClr val="accent1"/>
+          </a:effectRef>
+          <a:fontRef idx="minor">
+            <a:schemeClr val="lt1"/>
+          </a:fontRef>
+        </p:style>
+        <p:txBody>
+          <a:bodyPr lIns="107138" tIns="85710" rIns="107138" bIns="85710" rtlCol="0" anchor="t" anchorCtr="0"/>
+          <a:lstStyle/>
+          <a:p>
+            <a:pPr algn="ctr" defTabSz="1088558" fontAlgn="base">
+              <a:spcBef>
+                <a:spcPct val="50000"/>
+              </a:spcBef>
+              <a:spcAft>
+                <a:spcPct val="0"/>
+              </a:spcAft>
+              <a:buClr>
+                <a:srgbClr val="F0AB00"/>
+              </a:buClr>
+              <a:buSzPct val="80000"/>
+            </a:pPr>
+            <a:endParaRPr lang="en-US" sz="1800" kern="0" dirty="0">
+              <a:solidFill>
+                <a:srgbClr val="000000"/>
+              </a:solidFill>
+              <a:latin typeface="Arial"/>
+              <a:ea typeface="Arial Unicode MS" pitchFamily="34" charset="-128"/>
+              <a:cs typeface="Arial Unicode MS" pitchFamily="34" charset="-128"/>
+            </a:endParaRPr>
+          </a:p>
+        </p:txBody>
+      </p:sp>
+      <p:sp>
+        <p:nvSpPr>
+          <p:cNvPr id="129" name="Rounded Rectangle 14">
+            <a:extLst>
+              <a:ext uri="{FF2B5EF4-FFF2-40B4-BE49-F238E27FC236}">
+                <a16:creationId xmlns:a16="http://schemas.microsoft.com/office/drawing/2014/main" id="{1AA13A4B-69B8-487A-BDC4-C7DF788C0F69}"/>
+              </a:ext>
+            </a:extLst>
+          </p:cNvPr>
+          <p:cNvSpPr/>
+          <p:nvPr/>
+        </p:nvSpPr>
+        <p:spPr bwMode="gray">
+          <a:xfrm>
+            <a:off x="9275727" y="2299889"/>
+            <a:ext cx="1857337" cy="1197304"/>
+          </a:xfrm>
+          <a:prstGeom prst="roundRect">
+            <a:avLst/>
+          </a:prstGeom>
+          <a:solidFill>
+            <a:schemeClr val="tx1">
+              <a:lumMod val="65000"/>
+              <a:lumOff val="35000"/>
+            </a:schemeClr>
+          </a:solidFill>
+          <a:ln>
+            <a:solidFill>
+              <a:schemeClr val="tx1"/>
+            </a:solidFill>
+            <a:headEnd/>
+            <a:tailEnd/>
+          </a:ln>
+          <a:effectLst/>
+        </p:spPr>
+        <p:style>
+          <a:lnRef idx="1">
+            <a:schemeClr val="accent1"/>
+          </a:lnRef>
+          <a:fillRef idx="3">
+            <a:schemeClr val="accent1"/>
+          </a:fillRef>
+          <a:effectRef idx="2">
+            <a:schemeClr val="accent1"/>
+          </a:effectRef>
+          <a:fontRef idx="minor">
+            <a:schemeClr val="lt1"/>
+          </a:fontRef>
+        </p:style>
+        <p:txBody>
+          <a:bodyPr lIns="107138" tIns="85710" rIns="107138" bIns="85710" rtlCol="0" anchor="t" anchorCtr="0"/>
+          <a:lstStyle/>
+          <a:p>
+            <a:pPr algn="ctr" defTabSz="1088558" fontAlgn="base">
+              <a:spcBef>
+                <a:spcPct val="50000"/>
+              </a:spcBef>
+              <a:spcAft>
+                <a:spcPct val="0"/>
+              </a:spcAft>
+              <a:buClr>
+                <a:srgbClr val="F0AB00"/>
+              </a:buClr>
+              <a:buSzPct val="80000"/>
+            </a:pPr>
+            <a:endParaRPr lang="en-US" sz="1800" kern="0" dirty="0">
+              <a:solidFill>
+                <a:srgbClr val="000000"/>
+              </a:solidFill>
+              <a:latin typeface="Arial"/>
+              <a:ea typeface="Arial Unicode MS" pitchFamily="34" charset="-128"/>
+              <a:cs typeface="Arial Unicode MS" pitchFamily="34" charset="-128"/>
+            </a:endParaRPr>
+          </a:p>
+        </p:txBody>
+      </p:sp>
+      <p:sp>
+        <p:nvSpPr>
+          <p:cNvPr id="131" name="TextBox 130">
+            <a:extLst>
+              <a:ext uri="{FF2B5EF4-FFF2-40B4-BE49-F238E27FC236}">
+                <a16:creationId xmlns:a16="http://schemas.microsoft.com/office/drawing/2014/main" id="{513395F4-4940-4888-B826-8E5F19FFE98D}"/>
+              </a:ext>
+            </a:extLst>
+          </p:cNvPr>
+          <p:cNvSpPr txBox="1"/>
+          <p:nvPr/>
+        </p:nvSpPr>
+        <p:spPr>
+          <a:xfrm>
+            <a:off x="9251786" y="3611669"/>
+            <a:ext cx="1040525" cy="184666"/>
+          </a:xfrm>
+          <a:prstGeom prst="rect">
+            <a:avLst/>
+          </a:prstGeom>
+          <a:noFill/>
+          <a:ln>
+            <a:noFill/>
+          </a:ln>
+        </p:spPr>
+        <p:txBody>
+          <a:bodyPr wrap="square" lIns="0" tIns="0" rIns="0" bIns="0" rtlCol="0">
+            <a:spAutoFit/>
+          </a:bodyPr>
+          <a:lstStyle/>
+          <a:p>
+            <a:pPr fontAlgn="base">
+              <a:spcBef>
+                <a:spcPct val="50000"/>
+              </a:spcBef>
+              <a:spcAft>
+                <a:spcPct val="0"/>
+              </a:spcAft>
+              <a:buClr>
+                <a:srgbClr val="F0AB00"/>
+              </a:buClr>
+              <a:buSzPct val="80000"/>
+            </a:pPr>
+            <a:r>
+              <a:rPr lang="de-DE" sz="1200" kern="0" dirty="0" err="1">
+                <a:solidFill>
+                  <a:schemeClr val="bg1"/>
+                </a:solidFill>
+                <a:ea typeface="Arial Unicode MS" pitchFamily="34" charset="-128"/>
+                <a:cs typeface="Arial Unicode MS" pitchFamily="34" charset="-128"/>
+              </a:rPr>
+              <a:t>deployment</a:t>
+            </a:r>
+            <a:endParaRPr lang="de-DE" sz="1200" kern="0" dirty="0">
+              <a:solidFill>
+                <a:schemeClr val="bg1"/>
+              </a:solidFill>
+              <a:ea typeface="Arial Unicode MS" pitchFamily="34" charset="-128"/>
+              <a:cs typeface="Arial Unicode MS" pitchFamily="34" charset="-128"/>
+            </a:endParaRPr>
+          </a:p>
+        </p:txBody>
+      </p:sp>
+      <p:pic>
+        <p:nvPicPr>
+          <p:cNvPr id="133" name="Picture 132">
+            <a:extLst>
+              <a:ext uri="{FF2B5EF4-FFF2-40B4-BE49-F238E27FC236}">
+                <a16:creationId xmlns:a16="http://schemas.microsoft.com/office/drawing/2014/main" id="{CAD7646D-AC07-4C2B-B232-6318B4441752}"/>
+              </a:ext>
+            </a:extLst>
+          </p:cNvPr>
+          <p:cNvPicPr>
+            <a:picLocks noChangeAspect="1"/>
+          </p:cNvPicPr>
+          <p:nvPr/>
+        </p:nvPicPr>
+        <p:blipFill>
+          <a:blip r:embed="rId3"/>
+          <a:stretch>
+            <a:fillRect/>
+          </a:stretch>
+        </p:blipFill>
+        <p:spPr>
+          <a:xfrm>
+            <a:off x="11055042" y="2060500"/>
+            <a:ext cx="250508" cy="243840"/>
+          </a:xfrm>
+          <a:prstGeom prst="rect">
+            <a:avLst/>
+          </a:prstGeom>
+        </p:spPr>
+      </p:pic>
+      <p:sp>
+        <p:nvSpPr>
+          <p:cNvPr id="142" name="Rounded Rectangle 14">
+            <a:extLst>
+              <a:ext uri="{FF2B5EF4-FFF2-40B4-BE49-F238E27FC236}">
+                <a16:creationId xmlns:a16="http://schemas.microsoft.com/office/drawing/2014/main" id="{10871AD4-3047-44B0-9B64-B99F1884495D}"/>
+              </a:ext>
+            </a:extLst>
+          </p:cNvPr>
+          <p:cNvSpPr/>
+          <p:nvPr/>
+        </p:nvSpPr>
+        <p:spPr bwMode="gray">
+          <a:xfrm>
+            <a:off x="9217396" y="2372420"/>
+            <a:ext cx="1857337" cy="1197304"/>
+          </a:xfrm>
+          <a:prstGeom prst="roundRect">
+            <a:avLst/>
+          </a:prstGeom>
+          <a:solidFill>
+            <a:schemeClr val="tx1">
+              <a:lumMod val="65000"/>
+              <a:lumOff val="35000"/>
+            </a:schemeClr>
+          </a:solidFill>
+          <a:ln>
+            <a:solidFill>
+              <a:schemeClr val="tx1"/>
+            </a:solidFill>
+            <a:headEnd/>
+            <a:tailEnd/>
+          </a:ln>
+          <a:effectLst/>
+        </p:spPr>
+        <p:style>
+          <a:lnRef idx="1">
+            <a:schemeClr val="accent1"/>
+          </a:lnRef>
+          <a:fillRef idx="3">
+            <a:schemeClr val="accent1"/>
+          </a:fillRef>
+          <a:effectRef idx="2">
+            <a:schemeClr val="accent1"/>
+          </a:effectRef>
+          <a:fontRef idx="minor">
+            <a:schemeClr val="lt1"/>
+          </a:fontRef>
+        </p:style>
+        <p:txBody>
+          <a:bodyPr lIns="107138" tIns="85710" rIns="107138" bIns="85710" rtlCol="0" anchor="t" anchorCtr="0"/>
+          <a:lstStyle/>
+          <a:p>
+            <a:pPr algn="ctr" defTabSz="1088558" fontAlgn="base">
+              <a:spcBef>
+                <a:spcPct val="50000"/>
+              </a:spcBef>
+              <a:spcAft>
+                <a:spcPct val="0"/>
+              </a:spcAft>
+              <a:buClr>
+                <a:srgbClr val="F0AB00"/>
+              </a:buClr>
+              <a:buSzPct val="80000"/>
+            </a:pPr>
+            <a:endParaRPr lang="en-US" sz="1800" kern="0" dirty="0">
+              <a:solidFill>
+                <a:srgbClr val="000000"/>
+              </a:solidFill>
+              <a:latin typeface="Arial"/>
+              <a:ea typeface="Arial Unicode MS" pitchFamily="34" charset="-128"/>
+              <a:cs typeface="Arial Unicode MS" pitchFamily="34" charset="-128"/>
+            </a:endParaRPr>
+          </a:p>
+        </p:txBody>
+      </p:sp>
+      <p:sp>
+        <p:nvSpPr>
+          <p:cNvPr id="143" name="Rectangle 142">
+            <a:extLst>
+              <a:ext uri="{FF2B5EF4-FFF2-40B4-BE49-F238E27FC236}">
+                <a16:creationId xmlns:a16="http://schemas.microsoft.com/office/drawing/2014/main" id="{A5C7B809-5BCC-4B55-927F-169A24879163}"/>
+              </a:ext>
+            </a:extLst>
+          </p:cNvPr>
+          <p:cNvSpPr/>
+          <p:nvPr/>
+        </p:nvSpPr>
+        <p:spPr bwMode="gray">
+          <a:xfrm>
+            <a:off x="9469399" y="2592266"/>
+            <a:ext cx="1346561" cy="721906"/>
+          </a:xfrm>
+          <a:prstGeom prst="rect">
+            <a:avLst/>
+          </a:prstGeom>
+          <a:solidFill>
+            <a:schemeClr val="tx1">
+              <a:lumMod val="75000"/>
+              <a:lumOff val="25000"/>
+            </a:schemeClr>
+          </a:solidFill>
+          <a:ln>
+            <a:solidFill>
+              <a:schemeClr val="tx1"/>
+            </a:solidFill>
+            <a:headEnd/>
+            <a:tailEnd/>
+          </a:ln>
+        </p:spPr>
+        <p:style>
+          <a:lnRef idx="2">
+            <a:schemeClr val="accent2"/>
+          </a:lnRef>
+          <a:fillRef idx="1">
+            <a:schemeClr val="lt1"/>
+          </a:fillRef>
+          <a:effectRef idx="0">
+            <a:schemeClr val="accent2"/>
+          </a:effectRef>
+          <a:fontRef idx="minor">
+            <a:schemeClr val="dk1"/>
+          </a:fontRef>
+        </p:style>
+        <p:txBody>
+          <a:bodyPr lIns="90000" tIns="72000" rIns="90000" bIns="72000" rtlCol="0" anchor="ctr"/>
+          <a:lstStyle/>
+          <a:p>
+            <a:pPr marL="0" marR="0" lvl="0" indent="0" algn="ctr" defTabSz="914400" rtl="0" eaLnBrk="1" fontAlgn="base" latinLnBrk="0" hangingPunct="1">
+              <a:lnSpc>
+                <a:spcPct val="100000"/>
+              </a:lnSpc>
+              <a:spcBef>
+                <a:spcPct val="50000"/>
+              </a:spcBef>
+              <a:spcAft>
+                <a:spcPct val="0"/>
+              </a:spcAft>
+              <a:buClr>
+                <a:srgbClr val="F0AB00"/>
+              </a:buClr>
+              <a:buSzPct val="80000"/>
+              <a:buFontTx/>
+              <a:buNone/>
+              <a:tabLst/>
+              <a:defRPr/>
+            </a:pPr>
+            <a:r>
+              <a:rPr lang="de-DE" sz="1400" kern="0" dirty="0" err="1">
+                <a:solidFill>
+                  <a:schemeClr val="bg1"/>
+                </a:solidFill>
+                <a:latin typeface="Arial"/>
+                <a:ea typeface="Arial Unicode MS" pitchFamily="34" charset="-128"/>
+                <a:cs typeface="Arial Unicode MS" pitchFamily="34" charset="-128"/>
+              </a:rPr>
+              <a:t>bulletinboard</a:t>
+            </a:r>
+            <a:r>
+              <a:rPr lang="de-DE" sz="1400" kern="0" dirty="0">
+                <a:solidFill>
+                  <a:schemeClr val="bg1"/>
+                </a:solidFill>
+                <a:latin typeface="Arial"/>
+                <a:ea typeface="Arial Unicode MS" pitchFamily="34" charset="-128"/>
+                <a:cs typeface="Arial Unicode MS" pitchFamily="34" charset="-128"/>
+              </a:rPr>
+              <a:t>-reviews</a:t>
+            </a:r>
+          </a:p>
+        </p:txBody>
+      </p:sp>
+      <p:pic>
+        <p:nvPicPr>
+          <p:cNvPr id="144" name="Picture 143">
+            <a:extLst>
+              <a:ext uri="{FF2B5EF4-FFF2-40B4-BE49-F238E27FC236}">
+                <a16:creationId xmlns:a16="http://schemas.microsoft.com/office/drawing/2014/main" id="{5C39E02B-A06B-404C-9B68-2C0099AF1CB5}"/>
+              </a:ext>
+            </a:extLst>
+          </p:cNvPr>
+          <p:cNvPicPr>
+            <a:picLocks noChangeAspect="1"/>
+          </p:cNvPicPr>
+          <p:nvPr/>
+        </p:nvPicPr>
+        <p:blipFill>
+          <a:blip r:embed="rId6" cstate="print">
+            <a:extLst>
+              <a:ext uri="{28A0092B-C50C-407E-A947-70E740481C1C}">
+                <a14:useLocalDpi xmlns:a14="http://schemas.microsoft.com/office/drawing/2010/main" val="0"/>
+              </a:ext>
+            </a:extLst>
+          </a:blip>
+          <a:stretch>
+            <a:fillRect/>
+          </a:stretch>
+        </p:blipFill>
+        <p:spPr>
+          <a:xfrm>
+            <a:off x="10670321" y="3174426"/>
+            <a:ext cx="292622" cy="292622"/>
+          </a:xfrm>
+          <a:prstGeom prst="rect">
+            <a:avLst/>
+          </a:prstGeom>
+        </p:spPr>
+      </p:pic>
+      <p:sp>
+        <p:nvSpPr>
+          <p:cNvPr id="145" name="TextBox 144">
+            <a:extLst>
+              <a:ext uri="{FF2B5EF4-FFF2-40B4-BE49-F238E27FC236}">
+                <a16:creationId xmlns:a16="http://schemas.microsoft.com/office/drawing/2014/main" id="{6EE7C833-45EC-43EF-A9F0-71B438FD46FF}"/>
+              </a:ext>
+            </a:extLst>
+          </p:cNvPr>
+          <p:cNvSpPr txBox="1"/>
+          <p:nvPr/>
+        </p:nvSpPr>
+        <p:spPr>
+          <a:xfrm>
+            <a:off x="9447148" y="3358504"/>
+            <a:ext cx="1040525" cy="184666"/>
+          </a:xfrm>
+          <a:prstGeom prst="rect">
+            <a:avLst/>
+          </a:prstGeom>
+          <a:noFill/>
+          <a:ln>
+            <a:noFill/>
+          </a:ln>
+        </p:spPr>
+        <p:txBody>
+          <a:bodyPr wrap="square" lIns="0" tIns="0" rIns="0" bIns="0" rtlCol="0">
+            <a:spAutoFit/>
+          </a:bodyPr>
+          <a:lstStyle/>
+          <a:p>
+            <a:pPr fontAlgn="base">
+              <a:spcBef>
+                <a:spcPct val="50000"/>
+              </a:spcBef>
+              <a:spcAft>
+                <a:spcPct val="0"/>
+              </a:spcAft>
+              <a:buClr>
+                <a:srgbClr val="F0AB00"/>
+              </a:buClr>
+              <a:buSzPct val="80000"/>
+            </a:pPr>
+            <a:r>
+              <a:rPr lang="de-DE" sz="1200" kern="0" dirty="0" err="1">
+                <a:solidFill>
+                  <a:schemeClr val="bg1"/>
+                </a:solidFill>
+                <a:ea typeface="Arial Unicode MS" pitchFamily="34" charset="-128"/>
+                <a:cs typeface="Arial Unicode MS" pitchFamily="34" charset="-128"/>
+              </a:rPr>
+              <a:t>pod</a:t>
+            </a:r>
+            <a:endParaRPr lang="de-DE" sz="1200" kern="0" dirty="0">
+              <a:solidFill>
+                <a:schemeClr val="bg1"/>
+              </a:solidFill>
+              <a:ea typeface="Arial Unicode MS" pitchFamily="34" charset="-128"/>
+              <a:cs typeface="Arial Unicode MS" pitchFamily="34" charset="-128"/>
+            </a:endParaRPr>
+          </a:p>
+        </p:txBody>
+      </p:sp>
+      <p:sp>
+        <p:nvSpPr>
+          <p:cNvPr id="223" name="Rounded Rectangle 14">
+            <a:extLst>
+              <a:ext uri="{FF2B5EF4-FFF2-40B4-BE49-F238E27FC236}">
+                <a16:creationId xmlns:a16="http://schemas.microsoft.com/office/drawing/2014/main" id="{0AFE6499-C1E0-4A8F-B0F7-3A2B91D236AB}"/>
+              </a:ext>
+            </a:extLst>
+          </p:cNvPr>
+          <p:cNvSpPr/>
+          <p:nvPr/>
+        </p:nvSpPr>
+        <p:spPr bwMode="gray">
+          <a:xfrm>
+            <a:off x="5550668" y="2353418"/>
+            <a:ext cx="1857337" cy="1197304"/>
+          </a:xfrm>
+          <a:prstGeom prst="roundRect">
+            <a:avLst/>
+          </a:prstGeom>
+          <a:solidFill>
+            <a:schemeClr val="bg1">
+              <a:lumMod val="95000"/>
+            </a:schemeClr>
+          </a:solidFill>
+          <a:ln>
+            <a:solidFill>
+              <a:schemeClr val="tx1"/>
+            </a:solidFill>
+            <a:headEnd/>
+            <a:tailEnd/>
+          </a:ln>
+          <a:effectLst/>
+        </p:spPr>
+        <p:style>
+          <a:lnRef idx="1">
+            <a:schemeClr val="accent1"/>
+          </a:lnRef>
+          <a:fillRef idx="3">
+            <a:schemeClr val="accent1"/>
+          </a:fillRef>
+          <a:effectRef idx="2">
+            <a:schemeClr val="accent1"/>
+          </a:effectRef>
+          <a:fontRef idx="minor">
+            <a:schemeClr val="lt1"/>
+          </a:fontRef>
+        </p:style>
+        <p:txBody>
+          <a:bodyPr lIns="107138" tIns="85710" rIns="107138" bIns="85710" rtlCol="0" anchor="t" anchorCtr="0"/>
+          <a:lstStyle/>
+          <a:p>
+            <a:pPr algn="ctr" defTabSz="1088558" fontAlgn="base">
+              <a:spcBef>
+                <a:spcPct val="50000"/>
+              </a:spcBef>
+              <a:spcAft>
+                <a:spcPct val="0"/>
+              </a:spcAft>
+              <a:buClr>
+                <a:srgbClr val="F0AB00"/>
+              </a:buClr>
+              <a:buSzPct val="80000"/>
+            </a:pPr>
+            <a:endParaRPr lang="en-US" sz="1800" kern="0" dirty="0">
+              <a:solidFill>
+                <a:schemeClr val="bg1"/>
+              </a:solidFill>
+              <a:latin typeface="Arial"/>
+              <a:ea typeface="Arial Unicode MS" pitchFamily="34" charset="-128"/>
+              <a:cs typeface="Arial Unicode MS" pitchFamily="34" charset="-128"/>
+            </a:endParaRPr>
+          </a:p>
+        </p:txBody>
+      </p:sp>
+      <p:sp>
+        <p:nvSpPr>
+          <p:cNvPr id="224" name="Rectangle 223">
+            <a:extLst>
+              <a:ext uri="{FF2B5EF4-FFF2-40B4-BE49-F238E27FC236}">
+                <a16:creationId xmlns:a16="http://schemas.microsoft.com/office/drawing/2014/main" id="{EE884514-E0FF-4F18-8361-AF6C5211A036}"/>
+              </a:ext>
+            </a:extLst>
+          </p:cNvPr>
+          <p:cNvSpPr/>
+          <p:nvPr/>
+        </p:nvSpPr>
+        <p:spPr bwMode="gray">
+          <a:xfrm>
+            <a:off x="5830725" y="2543705"/>
+            <a:ext cx="1346561" cy="736567"/>
+          </a:xfrm>
+          <a:prstGeom prst="rect">
+            <a:avLst/>
+          </a:prstGeom>
+          <a:solidFill>
+            <a:schemeClr val="accent1"/>
+          </a:solidFill>
+          <a:ln>
+            <a:noFill/>
+            <a:headEnd/>
+            <a:tailEnd/>
+          </a:ln>
+        </p:spPr>
+        <p:style>
+          <a:lnRef idx="2">
+            <a:schemeClr val="accent2"/>
+          </a:lnRef>
+          <a:fillRef idx="1">
+            <a:schemeClr val="lt1"/>
+          </a:fillRef>
+          <a:effectRef idx="0">
+            <a:schemeClr val="accent2"/>
+          </a:effectRef>
+          <a:fontRef idx="minor">
+            <a:schemeClr val="dk1"/>
+          </a:fontRef>
+        </p:style>
+        <p:txBody>
+          <a:bodyPr lIns="90000" tIns="72000" rIns="90000" bIns="72000" rtlCol="0" anchor="ctr"/>
+          <a:lstStyle/>
+          <a:p>
+            <a:pPr marL="0" marR="0" lvl="0" indent="0" algn="ctr" defTabSz="914400" rtl="0" eaLnBrk="1" fontAlgn="base" latinLnBrk="0" hangingPunct="1">
+              <a:lnSpc>
+                <a:spcPct val="100000"/>
+              </a:lnSpc>
+              <a:spcBef>
+                <a:spcPct val="50000"/>
+              </a:spcBef>
+              <a:spcAft>
+                <a:spcPct val="0"/>
+              </a:spcAft>
+              <a:buClr>
+                <a:srgbClr val="F0AB00"/>
+              </a:buClr>
+              <a:buSzPct val="80000"/>
+              <a:buFontTx/>
+              <a:buNone/>
+              <a:tabLst/>
+              <a:defRPr/>
+            </a:pPr>
+            <a:r>
+              <a:rPr lang="de-DE" sz="1400" kern="0" dirty="0" err="1">
+                <a:solidFill>
+                  <a:schemeClr val="tx1"/>
+                </a:solidFill>
+                <a:latin typeface="Arial"/>
+                <a:ea typeface="Arial Unicode MS" pitchFamily="34" charset="-128"/>
+                <a:cs typeface="Arial Unicode MS" pitchFamily="34" charset="-128"/>
+              </a:rPr>
+              <a:t>bulletinboard</a:t>
+            </a:r>
+            <a:r>
+              <a:rPr lang="de-DE" sz="1400" kern="0" dirty="0">
+                <a:solidFill>
+                  <a:schemeClr val="tx1"/>
+                </a:solidFill>
+                <a:latin typeface="Arial"/>
+                <a:ea typeface="Arial Unicode MS" pitchFamily="34" charset="-128"/>
+                <a:cs typeface="Arial Unicode MS" pitchFamily="34" charset="-128"/>
+              </a:rPr>
+              <a:t>-</a:t>
+            </a:r>
+            <a:br>
+              <a:rPr lang="de-DE" sz="1400" kern="0" dirty="0">
+                <a:solidFill>
+                  <a:schemeClr val="bg1"/>
+                </a:solidFill>
+                <a:latin typeface="Arial"/>
+                <a:ea typeface="Arial Unicode MS" pitchFamily="34" charset="-128"/>
+                <a:cs typeface="Arial Unicode MS" pitchFamily="34" charset="-128"/>
+              </a:rPr>
+            </a:br>
+            <a:r>
+              <a:rPr lang="de-DE" sz="1400" kern="0" dirty="0" err="1">
+                <a:solidFill>
+                  <a:schemeClr val="tx1"/>
+                </a:solidFill>
+                <a:latin typeface="Arial"/>
+                <a:ea typeface="Arial Unicode MS" pitchFamily="34" charset="-128"/>
+                <a:cs typeface="Arial Unicode MS" pitchFamily="34" charset="-128"/>
+              </a:rPr>
+              <a:t>ads</a:t>
+            </a:r>
+            <a:endParaRPr kumimoji="0" lang="de-DE" sz="1400" i="0" u="none" strike="noStrike" kern="0" cap="none" spc="0" normalizeH="0" baseline="0" noProof="0" dirty="0">
+              <a:ln>
+                <a:noFill/>
+              </a:ln>
+              <a:solidFill>
+                <a:schemeClr val="tx1"/>
+              </a:solidFill>
+              <a:effectLst/>
+              <a:uLnTx/>
+              <a:uFillTx/>
+              <a:latin typeface="Arial"/>
+              <a:ea typeface="Arial Unicode MS" pitchFamily="34" charset="-128"/>
+              <a:cs typeface="Arial Unicode MS" pitchFamily="34" charset="-128"/>
+            </a:endParaRPr>
+          </a:p>
+        </p:txBody>
+      </p:sp>
+      <p:pic>
+        <p:nvPicPr>
+          <p:cNvPr id="225" name="Picture 224">
+            <a:extLst>
+              <a:ext uri="{FF2B5EF4-FFF2-40B4-BE49-F238E27FC236}">
+                <a16:creationId xmlns:a16="http://schemas.microsoft.com/office/drawing/2014/main" id="{6C6FD47D-C257-4FDC-A93A-2FEBE60C14B9}"/>
+              </a:ext>
+            </a:extLst>
+          </p:cNvPr>
+          <p:cNvPicPr>
+            <a:picLocks noChangeAspect="1"/>
+          </p:cNvPicPr>
+          <p:nvPr/>
+        </p:nvPicPr>
+        <p:blipFill>
+          <a:blip r:embed="rId6" cstate="print">
+            <a:extLst>
+              <a:ext uri="{28A0092B-C50C-407E-A947-70E740481C1C}">
+                <a14:useLocalDpi xmlns:a14="http://schemas.microsoft.com/office/drawing/2010/main" val="0"/>
+              </a:ext>
+            </a:extLst>
+          </a:blip>
+          <a:stretch>
+            <a:fillRect/>
+          </a:stretch>
+        </p:blipFill>
+        <p:spPr>
+          <a:xfrm>
+            <a:off x="7041463" y="3106890"/>
+            <a:ext cx="292622" cy="292622"/>
+          </a:xfrm>
+          <a:prstGeom prst="rect">
+            <a:avLst/>
+          </a:prstGeom>
+        </p:spPr>
+      </p:pic>
+      <p:sp>
+        <p:nvSpPr>
+          <p:cNvPr id="226" name="TextBox 225">
+            <a:extLst>
+              <a:ext uri="{FF2B5EF4-FFF2-40B4-BE49-F238E27FC236}">
+                <a16:creationId xmlns:a16="http://schemas.microsoft.com/office/drawing/2014/main" id="{4D50BF50-BA40-4345-9FCE-13EA315F11FB}"/>
+              </a:ext>
+            </a:extLst>
+          </p:cNvPr>
+          <p:cNvSpPr txBox="1"/>
+          <p:nvPr/>
+        </p:nvSpPr>
+        <p:spPr>
+          <a:xfrm>
+            <a:off x="5732799" y="3328971"/>
+            <a:ext cx="1040525" cy="184666"/>
+          </a:xfrm>
+          <a:prstGeom prst="rect">
+            <a:avLst/>
+          </a:prstGeom>
+          <a:noFill/>
+          <a:ln>
+            <a:noFill/>
+          </a:ln>
+        </p:spPr>
+        <p:txBody>
+          <a:bodyPr wrap="square" lIns="0" tIns="0" rIns="0" bIns="0" rtlCol="0">
+            <a:spAutoFit/>
+          </a:bodyPr>
+          <a:lstStyle/>
+          <a:p>
+            <a:pPr fontAlgn="base">
+              <a:spcBef>
+                <a:spcPct val="50000"/>
+              </a:spcBef>
+              <a:spcAft>
+                <a:spcPct val="0"/>
+              </a:spcAft>
+              <a:buClr>
+                <a:srgbClr val="F0AB00"/>
+              </a:buClr>
+              <a:buSzPct val="80000"/>
+            </a:pPr>
+            <a:r>
+              <a:rPr lang="de-DE" sz="1200" kern="0" dirty="0" err="1">
+                <a:ea typeface="Arial Unicode MS" pitchFamily="34" charset="-128"/>
+                <a:cs typeface="Arial Unicode MS" pitchFamily="34" charset="-128"/>
+              </a:rPr>
+              <a:t>pod</a:t>
+            </a:r>
+            <a:endParaRPr lang="de-DE" sz="1200" kern="0" dirty="0">
+              <a:ea typeface="Arial Unicode MS" pitchFamily="34" charset="-128"/>
+              <a:cs typeface="Arial Unicode MS" pitchFamily="34" charset="-128"/>
+            </a:endParaRPr>
+          </a:p>
+        </p:txBody>
+      </p:sp>
+      <p:sp>
+        <p:nvSpPr>
+          <p:cNvPr id="227" name="Rounded Rectangle 14">
+            <a:extLst>
+              <a:ext uri="{FF2B5EF4-FFF2-40B4-BE49-F238E27FC236}">
+                <a16:creationId xmlns:a16="http://schemas.microsoft.com/office/drawing/2014/main" id="{0DF80EEF-A439-4298-8996-1CBD00157FC7}"/>
+              </a:ext>
+            </a:extLst>
+          </p:cNvPr>
+          <p:cNvSpPr/>
+          <p:nvPr/>
+        </p:nvSpPr>
+        <p:spPr bwMode="gray">
+          <a:xfrm>
+            <a:off x="5572141" y="4828405"/>
+            <a:ext cx="1857337" cy="1197304"/>
+          </a:xfrm>
+          <a:prstGeom prst="roundRect">
+            <a:avLst/>
+          </a:prstGeom>
+          <a:solidFill>
+            <a:schemeClr val="bg1">
+              <a:lumMod val="65000"/>
+              <a:lumOff val="35000"/>
+            </a:schemeClr>
+          </a:solidFill>
+          <a:ln>
+            <a:solidFill>
+              <a:schemeClr val="tx1"/>
+            </a:solidFill>
+            <a:headEnd/>
+            <a:tailEnd/>
+          </a:ln>
+          <a:effectLst/>
+        </p:spPr>
+        <p:style>
+          <a:lnRef idx="1">
+            <a:schemeClr val="accent1"/>
+          </a:lnRef>
+          <a:fillRef idx="3">
+            <a:schemeClr val="accent1"/>
+          </a:fillRef>
+          <a:effectRef idx="2">
+            <a:schemeClr val="accent1"/>
+          </a:effectRef>
+          <a:fontRef idx="minor">
+            <a:schemeClr val="lt1"/>
+          </a:fontRef>
+        </p:style>
+        <p:txBody>
+          <a:bodyPr lIns="107138" tIns="85710" rIns="107138" bIns="85710" rtlCol="0" anchor="t" anchorCtr="0"/>
+          <a:lstStyle/>
+          <a:p>
+            <a:pPr algn="ctr" defTabSz="1088558" fontAlgn="base">
+              <a:spcBef>
+                <a:spcPct val="50000"/>
+              </a:spcBef>
+              <a:spcAft>
+                <a:spcPct val="0"/>
+              </a:spcAft>
+              <a:buClr>
+                <a:srgbClr val="F0AB00"/>
+              </a:buClr>
+              <a:buSzPct val="80000"/>
+            </a:pPr>
+            <a:endParaRPr lang="en-US" sz="1800" kern="0" dirty="0">
+              <a:solidFill>
+                <a:srgbClr val="000000"/>
+              </a:solidFill>
+              <a:latin typeface="Arial"/>
+              <a:ea typeface="Arial Unicode MS" pitchFamily="34" charset="-128"/>
+              <a:cs typeface="Arial Unicode MS" pitchFamily="34" charset="-128"/>
+            </a:endParaRPr>
+          </a:p>
+        </p:txBody>
+      </p:sp>
+      <p:sp>
+        <p:nvSpPr>
+          <p:cNvPr id="228" name="Cylinder 227">
+            <a:extLst>
+              <a:ext uri="{FF2B5EF4-FFF2-40B4-BE49-F238E27FC236}">
+                <a16:creationId xmlns:a16="http://schemas.microsoft.com/office/drawing/2014/main" id="{F9817FF4-D322-4F0E-BFF3-C2518FD0977E}"/>
+              </a:ext>
+            </a:extLst>
+          </p:cNvPr>
+          <p:cNvSpPr/>
+          <p:nvPr/>
+        </p:nvSpPr>
+        <p:spPr bwMode="gray">
+          <a:xfrm>
+            <a:off x="5999803" y="4869229"/>
+            <a:ext cx="998220" cy="1004248"/>
+          </a:xfrm>
+          <a:prstGeom prst="can">
+            <a:avLst/>
+          </a:prstGeom>
+          <a:solidFill>
+            <a:schemeClr val="tx2"/>
+          </a:solidFill>
+          <a:ln>
+            <a:solidFill>
+              <a:schemeClr val="tx1"/>
+            </a:solidFill>
+            <a:headEnd/>
+            <a:tailEnd/>
+          </a:ln>
+        </p:spPr>
+        <p:style>
+          <a:lnRef idx="2">
+            <a:schemeClr val="accent2"/>
+          </a:lnRef>
+          <a:fillRef idx="1">
+            <a:schemeClr val="lt1"/>
+          </a:fillRef>
+          <a:effectRef idx="0">
+            <a:schemeClr val="accent2"/>
+          </a:effectRef>
+          <a:fontRef idx="minor">
+            <a:schemeClr val="dk1"/>
+          </a:fontRef>
+        </p:style>
+        <p:txBody>
+          <a:bodyPr lIns="90000" tIns="72000" rIns="90000" bIns="72000" rtlCol="0" anchor="ctr"/>
+          <a:lstStyle/>
+          <a:p>
+            <a:pPr marR="0" algn="ctr" defTabSz="914400" eaLnBrk="1" fontAlgn="base" latinLnBrk="0" hangingPunct="1">
+              <a:lnSpc>
+                <a:spcPct val="100000"/>
+              </a:lnSpc>
+              <a:spcBef>
+                <a:spcPct val="50000"/>
+              </a:spcBef>
+              <a:spcAft>
+                <a:spcPct val="0"/>
+              </a:spcAft>
+              <a:buClr>
+                <a:srgbClr val="F0AB00"/>
+              </a:buClr>
+              <a:buSzPct val="80000"/>
+              <a:tabLst/>
+            </a:pPr>
+            <a:r>
+              <a:rPr kumimoji="0" lang="de-DE" sz="1400" i="0" u="none" strike="noStrike" kern="0" cap="none" spc="0" normalizeH="0" baseline="0" noProof="0" dirty="0" err="1">
+                <a:ln>
+                  <a:noFill/>
+                </a:ln>
+                <a:effectLst/>
+                <a:uLnTx/>
+                <a:uFillTx/>
+                <a:ea typeface="Arial Unicode MS" pitchFamily="34" charset="-128"/>
+                <a:cs typeface="Arial Unicode MS" pitchFamily="34" charset="-128"/>
+              </a:rPr>
+              <a:t>postgresql</a:t>
+            </a:r>
+            <a:endParaRPr kumimoji="0" lang="de-DE" sz="1400" i="0" u="none" strike="noStrike" kern="0" cap="none" spc="0" normalizeH="0" baseline="0" noProof="0" dirty="0">
+              <a:ln>
+                <a:noFill/>
+              </a:ln>
+              <a:effectLst/>
+              <a:uLnTx/>
+              <a:uFillTx/>
+              <a:ea typeface="Arial Unicode MS" pitchFamily="34" charset="-128"/>
+              <a:cs typeface="Arial Unicode MS" pitchFamily="34" charset="-128"/>
+            </a:endParaRPr>
+          </a:p>
+        </p:txBody>
+      </p:sp>
+      <p:pic>
+        <p:nvPicPr>
+          <p:cNvPr id="229" name="Picture 228">
+            <a:extLst>
+              <a:ext uri="{FF2B5EF4-FFF2-40B4-BE49-F238E27FC236}">
+                <a16:creationId xmlns:a16="http://schemas.microsoft.com/office/drawing/2014/main" id="{9DCDAC60-4FFD-44AD-A386-80730AD4DAE1}"/>
+              </a:ext>
+            </a:extLst>
+          </p:cNvPr>
+          <p:cNvPicPr>
+            <a:picLocks noChangeAspect="1"/>
+          </p:cNvPicPr>
+          <p:nvPr/>
+        </p:nvPicPr>
+        <p:blipFill>
+          <a:blip r:embed="rId6" cstate="print">
+            <a:extLst>
+              <a:ext uri="{28A0092B-C50C-407E-A947-70E740481C1C}">
+                <a14:useLocalDpi xmlns:a14="http://schemas.microsoft.com/office/drawing/2010/main" val="0"/>
+              </a:ext>
+            </a:extLst>
+          </a:blip>
+          <a:stretch>
+            <a:fillRect/>
+          </a:stretch>
+        </p:blipFill>
+        <p:spPr>
+          <a:xfrm>
+            <a:off x="6868561" y="5650377"/>
+            <a:ext cx="292622" cy="292622"/>
+          </a:xfrm>
+          <a:prstGeom prst="rect">
+            <a:avLst/>
+          </a:prstGeom>
+        </p:spPr>
+      </p:pic>
+      <p:cxnSp>
+        <p:nvCxnSpPr>
+          <p:cNvPr id="230" name="Straight Connector 229">
+            <a:extLst>
+              <a:ext uri="{FF2B5EF4-FFF2-40B4-BE49-F238E27FC236}">
+                <a16:creationId xmlns:a16="http://schemas.microsoft.com/office/drawing/2014/main" id="{F3FAFB56-11B8-47C3-A86E-914B850B4603}"/>
+              </a:ext>
+            </a:extLst>
+          </p:cNvPr>
+          <p:cNvCxnSpPr>
+            <a:cxnSpLocks/>
+            <a:stCxn id="224" idx="2"/>
+            <a:endCxn id="227" idx="0"/>
+          </p:cNvCxnSpPr>
+          <p:nvPr/>
+        </p:nvCxnSpPr>
+        <p:spPr>
+          <a:xfrm flipH="1">
+            <a:off x="6500810" y="3280272"/>
+            <a:ext cx="3196" cy="1548133"/>
+          </a:xfrm>
+          <a:prstGeom prst="line">
+            <a:avLst/>
+          </a:prstGeom>
+          <a:ln w="38100">
+            <a:solidFill>
+              <a:srgbClr val="E35500"/>
+            </a:solidFill>
+            <a:headEnd type="none" w="med" len="med"/>
+            <a:tailEnd type="none" w="med" len="med"/>
+          </a:ln>
+        </p:spPr>
+        <p:style>
+          <a:lnRef idx="1">
+            <a:schemeClr val="accent1"/>
+          </a:lnRef>
+          <a:fillRef idx="0">
+            <a:schemeClr val="accent1"/>
+          </a:fillRef>
+          <a:effectRef idx="0">
+            <a:schemeClr val="accent1"/>
+          </a:effectRef>
+          <a:fontRef idx="minor">
+            <a:schemeClr val="tx1"/>
+          </a:fontRef>
+        </p:style>
+      </p:cxnSp>
+      <p:sp>
+        <p:nvSpPr>
+          <p:cNvPr id="231" name="TextBox 230">
+            <a:extLst>
+              <a:ext uri="{FF2B5EF4-FFF2-40B4-BE49-F238E27FC236}">
+                <a16:creationId xmlns:a16="http://schemas.microsoft.com/office/drawing/2014/main" id="{CBCA589D-41FE-4BED-9054-5E493DEFBB49}"/>
+              </a:ext>
+            </a:extLst>
+          </p:cNvPr>
+          <p:cNvSpPr txBox="1"/>
+          <p:nvPr/>
+        </p:nvSpPr>
+        <p:spPr>
+          <a:xfrm>
+            <a:off x="5727898" y="5790307"/>
+            <a:ext cx="1040525" cy="184666"/>
+          </a:xfrm>
+          <a:prstGeom prst="rect">
+            <a:avLst/>
+          </a:prstGeom>
+          <a:noFill/>
+          <a:ln>
+            <a:noFill/>
+          </a:ln>
+        </p:spPr>
+        <p:txBody>
+          <a:bodyPr wrap="square" lIns="0" tIns="0" rIns="0" bIns="0" rtlCol="0">
+            <a:spAutoFit/>
+          </a:bodyPr>
+          <a:lstStyle/>
+          <a:p>
+            <a:pPr fontAlgn="base">
+              <a:spcBef>
+                <a:spcPct val="50000"/>
+              </a:spcBef>
+              <a:spcAft>
+                <a:spcPct val="0"/>
+              </a:spcAft>
+              <a:buClr>
+                <a:srgbClr val="F0AB00"/>
+              </a:buClr>
+              <a:buSzPct val="80000"/>
+            </a:pPr>
+            <a:r>
+              <a:rPr lang="de-DE" sz="1200" kern="0" dirty="0" err="1">
+                <a:ea typeface="Arial Unicode MS" pitchFamily="34" charset="-128"/>
+                <a:cs typeface="Arial Unicode MS" pitchFamily="34" charset="-128"/>
+              </a:rPr>
+              <a:t>pod</a:t>
+            </a:r>
+            <a:endParaRPr lang="de-DE" sz="1200" kern="0" dirty="0">
+              <a:ea typeface="Arial Unicode MS" pitchFamily="34" charset="-128"/>
+              <a:cs typeface="Arial Unicode MS" pitchFamily="34" charset="-128"/>
+            </a:endParaRPr>
+          </a:p>
+        </p:txBody>
+      </p:sp>
+      <p:grpSp>
+        <p:nvGrpSpPr>
+          <p:cNvPr id="232" name="Group 231">
+            <a:extLst>
+              <a:ext uri="{FF2B5EF4-FFF2-40B4-BE49-F238E27FC236}">
+                <a16:creationId xmlns:a16="http://schemas.microsoft.com/office/drawing/2014/main" id="{3BAEA0DC-925B-4290-BA34-30AD635E75C4}"/>
+              </a:ext>
+            </a:extLst>
+          </p:cNvPr>
+          <p:cNvGrpSpPr/>
+          <p:nvPr/>
+        </p:nvGrpSpPr>
+        <p:grpSpPr>
+          <a:xfrm>
+            <a:off x="6224498" y="4134249"/>
+            <a:ext cx="599123" cy="513263"/>
+            <a:chOff x="6223707" y="4134249"/>
+            <a:chExt cx="599123" cy="513263"/>
+          </a:xfrm>
+        </p:grpSpPr>
+        <p:sp>
+          <p:nvSpPr>
+            <p:cNvPr id="275" name="Rounded Rectangle 14">
+              <a:extLst>
+                <a:ext uri="{FF2B5EF4-FFF2-40B4-BE49-F238E27FC236}">
+                  <a16:creationId xmlns:a16="http://schemas.microsoft.com/office/drawing/2014/main" id="{18A119F5-4438-413C-8DB3-5BA61FE67253}"/>
+                </a:ext>
+              </a:extLst>
+            </p:cNvPr>
+            <p:cNvSpPr/>
+            <p:nvPr/>
+          </p:nvSpPr>
+          <p:spPr bwMode="gray">
+            <a:xfrm>
+              <a:off x="6223707" y="4182948"/>
+              <a:ext cx="548827" cy="464564"/>
+            </a:xfrm>
+            <a:prstGeom prst="roundRect">
+              <a:avLst/>
+            </a:prstGeom>
+            <a:solidFill>
+              <a:srgbClr val="4FB81C"/>
+            </a:solidFill>
+            <a:ln>
+              <a:solidFill>
+                <a:schemeClr val="tx1"/>
+              </a:solidFill>
+              <a:headEnd/>
+              <a:tailEnd/>
+            </a:ln>
+            <a:effectLst/>
+          </p:spPr>
+          <p:style>
+            <a:lnRef idx="1">
+              <a:schemeClr val="accent1"/>
+            </a:lnRef>
+            <a:fillRef idx="3">
+              <a:schemeClr val="accent1"/>
+            </a:fillRef>
+            <a:effectRef idx="2">
+              <a:schemeClr val="accent1"/>
+            </a:effectRef>
+            <a:fontRef idx="minor">
+              <a:schemeClr val="lt1"/>
+            </a:fontRef>
+          </p:style>
+          <p:txBody>
+            <a:bodyPr lIns="107138" tIns="85710" rIns="107138" bIns="85710" rtlCol="0" anchor="t" anchorCtr="0"/>
+            <a:lstStyle/>
+            <a:p>
+              <a:pPr algn="ctr" defTabSz="1088558" fontAlgn="base">
+                <a:spcBef>
+                  <a:spcPct val="50000"/>
+                </a:spcBef>
+                <a:spcAft>
+                  <a:spcPct val="0"/>
+                </a:spcAft>
+                <a:buClr>
+                  <a:srgbClr val="F0AB00"/>
+                </a:buClr>
+                <a:buSzPct val="80000"/>
+              </a:pPr>
+              <a:r>
+                <a:rPr lang="en-US" sz="1000" kern="0" dirty="0">
+                  <a:solidFill>
+                    <a:srgbClr val="000000"/>
+                  </a:solidFill>
+                  <a:latin typeface="Arial"/>
+                  <a:ea typeface="Arial Unicode MS" pitchFamily="34" charset="-128"/>
+                  <a:cs typeface="Arial Unicode MS" pitchFamily="34" charset="-128"/>
+                </a:rPr>
+                <a:t>svc</a:t>
+              </a:r>
+            </a:p>
+          </p:txBody>
+        </p:sp>
+        <p:pic>
+          <p:nvPicPr>
+            <p:cNvPr id="276" name="Picture 275">
+              <a:extLst>
+                <a:ext uri="{FF2B5EF4-FFF2-40B4-BE49-F238E27FC236}">
+                  <a16:creationId xmlns:a16="http://schemas.microsoft.com/office/drawing/2014/main" id="{30464738-F11D-40DC-A5F6-9D287F567061}"/>
+                </a:ext>
+              </a:extLst>
+            </p:cNvPr>
+            <p:cNvPicPr>
+              <a:picLocks noChangeAspect="1"/>
+            </p:cNvPicPr>
+            <p:nvPr/>
+          </p:nvPicPr>
+          <p:blipFill>
+            <a:blip r:embed="rId3"/>
+            <a:stretch>
+              <a:fillRect/>
+            </a:stretch>
+          </p:blipFill>
+          <p:spPr>
+            <a:xfrm>
+              <a:off x="6672525" y="4134249"/>
+              <a:ext cx="150305" cy="146304"/>
+            </a:xfrm>
+            <a:prstGeom prst="rect">
+              <a:avLst/>
+            </a:prstGeom>
+          </p:spPr>
+        </p:pic>
+      </p:grpSp>
+      <p:sp>
+        <p:nvSpPr>
+          <p:cNvPr id="233" name="Rounded Rectangle 14">
+            <a:extLst>
+              <a:ext uri="{FF2B5EF4-FFF2-40B4-BE49-F238E27FC236}">
+                <a16:creationId xmlns:a16="http://schemas.microsoft.com/office/drawing/2014/main" id="{FCFD48AF-2677-4F3C-BD82-34E9F334F21A}"/>
+              </a:ext>
+            </a:extLst>
+          </p:cNvPr>
+          <p:cNvSpPr/>
+          <p:nvPr/>
+        </p:nvSpPr>
+        <p:spPr bwMode="gray">
+          <a:xfrm>
+            <a:off x="9237039" y="4832048"/>
+            <a:ext cx="1857337" cy="1197304"/>
+          </a:xfrm>
+          <a:prstGeom prst="roundRect">
+            <a:avLst/>
+          </a:prstGeom>
+          <a:solidFill>
+            <a:schemeClr val="tx1">
+              <a:lumMod val="65000"/>
+              <a:lumOff val="35000"/>
+            </a:schemeClr>
+          </a:solidFill>
+          <a:ln>
+            <a:solidFill>
+              <a:schemeClr val="tx1"/>
+            </a:solidFill>
+            <a:headEnd/>
+            <a:tailEnd/>
+          </a:ln>
+          <a:effectLst/>
+        </p:spPr>
+        <p:style>
+          <a:lnRef idx="1">
+            <a:schemeClr val="accent1"/>
+          </a:lnRef>
+          <a:fillRef idx="3">
+            <a:schemeClr val="accent1"/>
+          </a:fillRef>
+          <a:effectRef idx="2">
+            <a:schemeClr val="accent1"/>
+          </a:effectRef>
+          <a:fontRef idx="minor">
+            <a:schemeClr val="lt1"/>
+          </a:fontRef>
+        </p:style>
+        <p:txBody>
+          <a:bodyPr lIns="107138" tIns="85710" rIns="107138" bIns="85710" rtlCol="0" anchor="t" anchorCtr="0"/>
+          <a:lstStyle/>
+          <a:p>
+            <a:pPr algn="ctr" defTabSz="1088558" fontAlgn="base">
+              <a:spcBef>
+                <a:spcPct val="50000"/>
+              </a:spcBef>
+              <a:spcAft>
+                <a:spcPct val="0"/>
+              </a:spcAft>
+              <a:buClr>
+                <a:srgbClr val="F0AB00"/>
+              </a:buClr>
+              <a:buSzPct val="80000"/>
+            </a:pPr>
+            <a:endParaRPr lang="en-US" sz="1800" kern="0" dirty="0">
+              <a:solidFill>
+                <a:schemeClr val="bg1"/>
+              </a:solidFill>
+              <a:latin typeface="Arial"/>
+              <a:ea typeface="Arial Unicode MS" pitchFamily="34" charset="-128"/>
+              <a:cs typeface="Arial Unicode MS" pitchFamily="34" charset="-128"/>
+            </a:endParaRPr>
+          </a:p>
+        </p:txBody>
+      </p:sp>
+      <p:sp>
+        <p:nvSpPr>
+          <p:cNvPr id="234" name="Cylinder 233">
+            <a:extLst>
+              <a:ext uri="{FF2B5EF4-FFF2-40B4-BE49-F238E27FC236}">
+                <a16:creationId xmlns:a16="http://schemas.microsoft.com/office/drawing/2014/main" id="{4A10A458-F488-4A56-9ABE-E8501205BD07}"/>
+              </a:ext>
+            </a:extLst>
+          </p:cNvPr>
+          <p:cNvSpPr/>
+          <p:nvPr/>
+        </p:nvSpPr>
+        <p:spPr bwMode="gray">
+          <a:xfrm>
+            <a:off x="9639000" y="4869229"/>
+            <a:ext cx="998220" cy="1004248"/>
+          </a:xfrm>
+          <a:prstGeom prst="can">
+            <a:avLst/>
+          </a:prstGeom>
+          <a:solidFill>
+            <a:schemeClr val="tx1">
+              <a:lumMod val="75000"/>
+              <a:lumOff val="25000"/>
+            </a:schemeClr>
+          </a:solidFill>
+          <a:ln>
+            <a:solidFill>
+              <a:schemeClr val="tx1"/>
+            </a:solidFill>
+            <a:headEnd/>
+            <a:tailEnd/>
+          </a:ln>
+        </p:spPr>
+        <p:style>
+          <a:lnRef idx="2">
+            <a:schemeClr val="accent2"/>
+          </a:lnRef>
+          <a:fillRef idx="1">
+            <a:schemeClr val="lt1"/>
+          </a:fillRef>
+          <a:effectRef idx="0">
+            <a:schemeClr val="accent2"/>
+          </a:effectRef>
+          <a:fontRef idx="minor">
+            <a:schemeClr val="dk1"/>
+          </a:fontRef>
+        </p:style>
+        <p:txBody>
+          <a:bodyPr lIns="90000" tIns="72000" rIns="90000" bIns="72000" rtlCol="0" anchor="ctr"/>
+          <a:lstStyle/>
+          <a:p>
+            <a:pPr algn="ctr" defTabSz="914400" fontAlgn="base">
+              <a:spcBef>
+                <a:spcPct val="50000"/>
+              </a:spcBef>
+              <a:spcAft>
+                <a:spcPct val="0"/>
+              </a:spcAft>
+              <a:buClr>
+                <a:srgbClr val="F0AB00"/>
+              </a:buClr>
+              <a:buSzPct val="80000"/>
+            </a:pPr>
+            <a:r>
+              <a:rPr lang="de-DE" sz="1400" kern="0" dirty="0" err="1">
+                <a:solidFill>
+                  <a:schemeClr val="bg1"/>
+                </a:solidFill>
+                <a:ea typeface="Arial Unicode MS" pitchFamily="34" charset="-128"/>
+                <a:cs typeface="Arial Unicode MS" pitchFamily="34" charset="-128"/>
+              </a:rPr>
+              <a:t>postgresql</a:t>
+            </a:r>
+            <a:endParaRPr lang="de-DE" sz="1400" kern="0" dirty="0">
+              <a:solidFill>
+                <a:schemeClr val="bg1"/>
+              </a:solidFill>
+              <a:ea typeface="Arial Unicode MS" pitchFamily="34" charset="-128"/>
+              <a:cs typeface="Arial Unicode MS" pitchFamily="34" charset="-128"/>
+            </a:endParaRPr>
+          </a:p>
+        </p:txBody>
+      </p:sp>
+      <p:pic>
+        <p:nvPicPr>
+          <p:cNvPr id="235" name="Picture 234">
+            <a:extLst>
+              <a:ext uri="{FF2B5EF4-FFF2-40B4-BE49-F238E27FC236}">
+                <a16:creationId xmlns:a16="http://schemas.microsoft.com/office/drawing/2014/main" id="{47AC4E03-4171-4A8C-9FE3-7028392D0F9F}"/>
+              </a:ext>
+            </a:extLst>
+          </p:cNvPr>
+          <p:cNvPicPr>
+            <a:picLocks noChangeAspect="1"/>
+          </p:cNvPicPr>
+          <p:nvPr/>
+        </p:nvPicPr>
+        <p:blipFill>
+          <a:blip r:embed="rId6" cstate="print">
+            <a:extLst>
+              <a:ext uri="{28A0092B-C50C-407E-A947-70E740481C1C}">
+                <a14:useLocalDpi xmlns:a14="http://schemas.microsoft.com/office/drawing/2010/main" val="0"/>
+              </a:ext>
+            </a:extLst>
+          </a:blip>
+          <a:stretch>
+            <a:fillRect/>
+          </a:stretch>
+        </p:blipFill>
+        <p:spPr>
+          <a:xfrm>
+            <a:off x="10490909" y="5658271"/>
+            <a:ext cx="292622" cy="292622"/>
+          </a:xfrm>
+          <a:prstGeom prst="rect">
+            <a:avLst/>
+          </a:prstGeom>
+        </p:spPr>
+      </p:pic>
+      <p:cxnSp>
+        <p:nvCxnSpPr>
+          <p:cNvPr id="236" name="Straight Connector 235">
+            <a:extLst>
+              <a:ext uri="{FF2B5EF4-FFF2-40B4-BE49-F238E27FC236}">
+                <a16:creationId xmlns:a16="http://schemas.microsoft.com/office/drawing/2014/main" id="{8D15CE70-8DDD-41D9-8343-1280632B4AFE}"/>
+              </a:ext>
+            </a:extLst>
+          </p:cNvPr>
+          <p:cNvCxnSpPr>
+            <a:cxnSpLocks/>
+            <a:stCxn id="143" idx="2"/>
+          </p:cNvCxnSpPr>
+          <p:nvPr/>
+        </p:nvCxnSpPr>
+        <p:spPr>
+          <a:xfrm>
+            <a:off x="10142680" y="3314172"/>
+            <a:ext cx="0" cy="1514233"/>
+          </a:xfrm>
+          <a:prstGeom prst="line">
+            <a:avLst/>
+          </a:prstGeom>
+          <a:ln w="38100">
+            <a:solidFill>
+              <a:schemeClr val="tx1">
+                <a:lumMod val="75000"/>
+                <a:lumOff val="25000"/>
+              </a:schemeClr>
+            </a:solidFill>
+            <a:headEnd type="none" w="med" len="med"/>
+            <a:tailEnd type="none" w="med" len="med"/>
+          </a:ln>
+        </p:spPr>
+        <p:style>
+          <a:lnRef idx="1">
+            <a:schemeClr val="accent1"/>
+          </a:lnRef>
+          <a:fillRef idx="0">
+            <a:schemeClr val="accent1"/>
+          </a:fillRef>
+          <a:effectRef idx="0">
+            <a:schemeClr val="accent1"/>
+          </a:effectRef>
+          <a:fontRef idx="minor">
+            <a:schemeClr val="tx1"/>
+          </a:fontRef>
+        </p:style>
+      </p:cxnSp>
+      <p:grpSp>
+        <p:nvGrpSpPr>
+          <p:cNvPr id="237" name="Group 236">
+            <a:extLst>
+              <a:ext uri="{FF2B5EF4-FFF2-40B4-BE49-F238E27FC236}">
+                <a16:creationId xmlns:a16="http://schemas.microsoft.com/office/drawing/2014/main" id="{CDE47E1C-0310-4CDF-ABD9-D5497E1ED0E1}"/>
+              </a:ext>
+            </a:extLst>
+          </p:cNvPr>
+          <p:cNvGrpSpPr/>
+          <p:nvPr/>
+        </p:nvGrpSpPr>
+        <p:grpSpPr>
+          <a:xfrm>
+            <a:off x="9880189" y="4134249"/>
+            <a:ext cx="607484" cy="529571"/>
+            <a:chOff x="9879398" y="4134249"/>
+            <a:chExt cx="607484" cy="529571"/>
+          </a:xfrm>
+          <a:solidFill>
+            <a:schemeClr val="bg1">
+              <a:lumMod val="50000"/>
+            </a:schemeClr>
+          </a:solidFill>
+        </p:grpSpPr>
+        <p:sp>
+          <p:nvSpPr>
+            <p:cNvPr id="273" name="Rounded Rectangle 14">
+              <a:extLst>
+                <a:ext uri="{FF2B5EF4-FFF2-40B4-BE49-F238E27FC236}">
+                  <a16:creationId xmlns:a16="http://schemas.microsoft.com/office/drawing/2014/main" id="{1C2FA207-95E8-40AC-8C02-D3DC2C1D8F0E}"/>
+                </a:ext>
+              </a:extLst>
+            </p:cNvPr>
+            <p:cNvSpPr/>
+            <p:nvPr/>
+          </p:nvSpPr>
+          <p:spPr bwMode="gray">
+            <a:xfrm>
+              <a:off x="9879398" y="4199256"/>
+              <a:ext cx="548827" cy="464564"/>
+            </a:xfrm>
+            <a:prstGeom prst="roundRect">
+              <a:avLst/>
+            </a:prstGeom>
+            <a:grpFill/>
+            <a:ln>
+              <a:solidFill>
+                <a:schemeClr val="tx1"/>
+              </a:solidFill>
+              <a:headEnd/>
+              <a:tailEnd/>
+            </a:ln>
+            <a:effectLst/>
+          </p:spPr>
+          <p:style>
+            <a:lnRef idx="1">
+              <a:schemeClr val="accent1"/>
+            </a:lnRef>
+            <a:fillRef idx="3">
+              <a:schemeClr val="accent1"/>
+            </a:fillRef>
+            <a:effectRef idx="2">
+              <a:schemeClr val="accent1"/>
+            </a:effectRef>
+            <a:fontRef idx="minor">
+              <a:schemeClr val="lt1"/>
+            </a:fontRef>
+          </p:style>
+          <p:txBody>
+            <a:bodyPr lIns="107138" tIns="85710" rIns="107138" bIns="85710" rtlCol="0" anchor="t" anchorCtr="0"/>
+            <a:lstStyle/>
+            <a:p>
+              <a:pPr algn="ctr" defTabSz="1088558" fontAlgn="base">
+                <a:spcBef>
+                  <a:spcPct val="50000"/>
+                </a:spcBef>
+                <a:spcAft>
+                  <a:spcPct val="0"/>
+                </a:spcAft>
+                <a:buClr>
+                  <a:srgbClr val="F0AB00"/>
+                </a:buClr>
+                <a:buSzPct val="80000"/>
+              </a:pPr>
+              <a:r>
+                <a:rPr lang="en-US" sz="1000" kern="0" dirty="0">
+                  <a:solidFill>
+                    <a:srgbClr val="000000"/>
+                  </a:solidFill>
+                  <a:latin typeface="Arial"/>
+                  <a:ea typeface="Arial Unicode MS" pitchFamily="34" charset="-128"/>
+                  <a:cs typeface="Arial Unicode MS" pitchFamily="34" charset="-128"/>
+                </a:rPr>
+                <a:t>svc</a:t>
+              </a:r>
+            </a:p>
+          </p:txBody>
+        </p:sp>
+        <p:pic>
+          <p:nvPicPr>
+            <p:cNvPr id="274" name="Picture 273">
+              <a:extLst>
+                <a:ext uri="{FF2B5EF4-FFF2-40B4-BE49-F238E27FC236}">
+                  <a16:creationId xmlns:a16="http://schemas.microsoft.com/office/drawing/2014/main" id="{614CD02F-EE8B-4241-BF0D-9C2C22B72864}"/>
+                </a:ext>
+              </a:extLst>
+            </p:cNvPr>
+            <p:cNvPicPr>
+              <a:picLocks noChangeAspect="1"/>
+            </p:cNvPicPr>
+            <p:nvPr/>
+          </p:nvPicPr>
+          <p:blipFill>
+            <a:blip r:embed="rId3"/>
+            <a:stretch>
+              <a:fillRect/>
+            </a:stretch>
+          </p:blipFill>
+          <p:spPr>
+            <a:xfrm>
+              <a:off x="10336577" y="4134249"/>
+              <a:ext cx="150305" cy="146304"/>
+            </a:xfrm>
+            <a:prstGeom prst="rect">
+              <a:avLst/>
+            </a:prstGeom>
+            <a:noFill/>
+          </p:spPr>
+        </p:pic>
+      </p:grpSp>
+      <p:sp>
+        <p:nvSpPr>
+          <p:cNvPr id="238" name="TextBox 237">
+            <a:extLst>
+              <a:ext uri="{FF2B5EF4-FFF2-40B4-BE49-F238E27FC236}">
+                <a16:creationId xmlns:a16="http://schemas.microsoft.com/office/drawing/2014/main" id="{8E806B30-4FA2-42DD-B8C2-3125B4131EC7}"/>
+              </a:ext>
+            </a:extLst>
+          </p:cNvPr>
+          <p:cNvSpPr txBox="1"/>
+          <p:nvPr/>
+        </p:nvSpPr>
+        <p:spPr>
+          <a:xfrm>
+            <a:off x="9417830" y="5796688"/>
+            <a:ext cx="1040525" cy="184666"/>
+          </a:xfrm>
+          <a:prstGeom prst="rect">
+            <a:avLst/>
+          </a:prstGeom>
+          <a:noFill/>
+          <a:ln>
+            <a:noFill/>
+          </a:ln>
+        </p:spPr>
+        <p:txBody>
+          <a:bodyPr wrap="square" lIns="0" tIns="0" rIns="0" bIns="0" rtlCol="0">
+            <a:spAutoFit/>
+          </a:bodyPr>
+          <a:lstStyle/>
+          <a:p>
+            <a:pPr fontAlgn="base">
+              <a:spcBef>
+                <a:spcPct val="50000"/>
+              </a:spcBef>
+              <a:spcAft>
+                <a:spcPct val="0"/>
+              </a:spcAft>
+              <a:buClr>
+                <a:srgbClr val="F0AB00"/>
+              </a:buClr>
+              <a:buSzPct val="80000"/>
+            </a:pPr>
+            <a:r>
+              <a:rPr lang="de-DE" sz="1200" kern="0" dirty="0" err="1">
+                <a:solidFill>
+                  <a:schemeClr val="bg1"/>
+                </a:solidFill>
+                <a:ea typeface="Arial Unicode MS" pitchFamily="34" charset="-128"/>
+                <a:cs typeface="Arial Unicode MS" pitchFamily="34" charset="-128"/>
+              </a:rPr>
+              <a:t>pod</a:t>
+            </a:r>
+            <a:endParaRPr lang="de-DE" sz="1200" kern="0" dirty="0">
+              <a:solidFill>
+                <a:schemeClr val="bg1"/>
+              </a:solidFill>
+              <a:ea typeface="Arial Unicode MS" pitchFamily="34" charset="-128"/>
+              <a:cs typeface="Arial Unicode MS" pitchFamily="34" charset="-128"/>
+            </a:endParaRPr>
+          </a:p>
+        </p:txBody>
+      </p:sp>
+      <p:grpSp>
+        <p:nvGrpSpPr>
+          <p:cNvPr id="239" name="Group 238">
+            <a:extLst>
+              <a:ext uri="{FF2B5EF4-FFF2-40B4-BE49-F238E27FC236}">
+                <a16:creationId xmlns:a16="http://schemas.microsoft.com/office/drawing/2014/main" id="{827CFB7C-16D4-45FF-AC1A-497B62C97893}"/>
+              </a:ext>
+            </a:extLst>
+          </p:cNvPr>
+          <p:cNvGrpSpPr/>
+          <p:nvPr/>
+        </p:nvGrpSpPr>
+        <p:grpSpPr>
+          <a:xfrm>
+            <a:off x="4667301" y="5454010"/>
+            <a:ext cx="663425" cy="358399"/>
+            <a:chOff x="4675477" y="5680941"/>
+            <a:chExt cx="663425" cy="358399"/>
+          </a:xfrm>
+        </p:grpSpPr>
+        <p:cxnSp>
+          <p:nvCxnSpPr>
+            <p:cNvPr id="270" name="Straight Connector 269">
+              <a:extLst>
+                <a:ext uri="{FF2B5EF4-FFF2-40B4-BE49-F238E27FC236}">
+                  <a16:creationId xmlns:a16="http://schemas.microsoft.com/office/drawing/2014/main" id="{2CE70F80-7312-4A75-9700-1487294234B6}"/>
+                </a:ext>
+              </a:extLst>
+            </p:cNvPr>
+            <p:cNvCxnSpPr>
+              <a:cxnSpLocks/>
+            </p:cNvCxnSpPr>
+            <p:nvPr/>
+          </p:nvCxnSpPr>
+          <p:spPr>
+            <a:xfrm>
+              <a:off x="5218991" y="5881941"/>
+              <a:ext cx="119911" cy="0"/>
+            </a:xfrm>
+            <a:prstGeom prst="line">
+              <a:avLst/>
+            </a:prstGeom>
+            <a:ln w="9525">
+              <a:solidFill>
+                <a:schemeClr val="tx1"/>
+              </a:solidFill>
+              <a:headEnd type="none" w="med" len="med"/>
+              <a:tailEnd type="none" w="med" len="med"/>
+            </a:ln>
+          </p:spPr>
+          <p:style>
+            <a:lnRef idx="1">
+              <a:schemeClr val="accent1"/>
+            </a:lnRef>
+            <a:fillRef idx="0">
+              <a:schemeClr val="accent1"/>
+            </a:fillRef>
+            <a:effectRef idx="0">
+              <a:schemeClr val="accent1"/>
+            </a:effectRef>
+            <a:fontRef idx="minor">
+              <a:schemeClr val="tx1"/>
+            </a:fontRef>
+          </p:style>
+        </p:cxnSp>
+        <p:sp>
+          <p:nvSpPr>
+            <p:cNvPr id="271" name="Rounded Rectangle 14">
+              <a:extLst>
+                <a:ext uri="{FF2B5EF4-FFF2-40B4-BE49-F238E27FC236}">
+                  <a16:creationId xmlns:a16="http://schemas.microsoft.com/office/drawing/2014/main" id="{9738567D-11E5-4F82-A5FD-C933639592DA}"/>
+                </a:ext>
+              </a:extLst>
+            </p:cNvPr>
+            <p:cNvSpPr/>
+            <p:nvPr/>
+          </p:nvSpPr>
+          <p:spPr bwMode="gray">
+            <a:xfrm>
+              <a:off x="4675477" y="5744870"/>
+              <a:ext cx="548827" cy="294470"/>
+            </a:xfrm>
+            <a:prstGeom prst="roundRect">
+              <a:avLst/>
+            </a:prstGeom>
+            <a:solidFill>
+              <a:schemeClr val="accent3">
+                <a:lumMod val="20000"/>
+                <a:lumOff val="80000"/>
+              </a:schemeClr>
+            </a:solidFill>
+            <a:ln>
+              <a:solidFill>
+                <a:schemeClr val="tx1"/>
+              </a:solidFill>
+              <a:headEnd/>
+              <a:tailEnd/>
+            </a:ln>
+            <a:effectLst/>
+          </p:spPr>
+          <p:style>
+            <a:lnRef idx="1">
+              <a:schemeClr val="accent1"/>
+            </a:lnRef>
+            <a:fillRef idx="3">
+              <a:schemeClr val="accent1"/>
+            </a:fillRef>
+            <a:effectRef idx="2">
+              <a:schemeClr val="accent1"/>
+            </a:effectRef>
+            <a:fontRef idx="minor">
+              <a:schemeClr val="lt1"/>
+            </a:fontRef>
+          </p:style>
+          <p:txBody>
+            <a:bodyPr lIns="107138" tIns="85710" rIns="107138" bIns="85710" rtlCol="0" anchor="t" anchorCtr="0"/>
+            <a:lstStyle/>
+            <a:p>
+              <a:pPr algn="ctr" defTabSz="1088558" fontAlgn="base">
+                <a:spcBef>
+                  <a:spcPct val="50000"/>
+                </a:spcBef>
+                <a:spcAft>
+                  <a:spcPct val="0"/>
+                </a:spcAft>
+                <a:buClr>
+                  <a:srgbClr val="F0AB00"/>
+                </a:buClr>
+                <a:buSzPct val="80000"/>
+              </a:pPr>
+              <a:r>
+                <a:rPr lang="en-US" sz="1000" kern="0" dirty="0">
+                  <a:solidFill>
+                    <a:srgbClr val="000000"/>
+                  </a:solidFill>
+                  <a:latin typeface="Arial"/>
+                  <a:ea typeface="Arial Unicode MS" pitchFamily="34" charset="-128"/>
+                  <a:cs typeface="Arial Unicode MS" pitchFamily="34" charset="-128"/>
+                </a:rPr>
+                <a:t>sec</a:t>
+              </a:r>
+            </a:p>
+          </p:txBody>
+        </p:sp>
+        <p:pic>
+          <p:nvPicPr>
+            <p:cNvPr id="272" name="Picture 271">
+              <a:extLst>
+                <a:ext uri="{FF2B5EF4-FFF2-40B4-BE49-F238E27FC236}">
+                  <a16:creationId xmlns:a16="http://schemas.microsoft.com/office/drawing/2014/main" id="{ACEEC1E2-D301-4B7E-9D40-4B0161F716B1}"/>
+                </a:ext>
+              </a:extLst>
+            </p:cNvPr>
+            <p:cNvPicPr>
+              <a:picLocks noChangeAspect="1"/>
+            </p:cNvPicPr>
+            <p:nvPr/>
+          </p:nvPicPr>
+          <p:blipFill>
+            <a:blip r:embed="rId3"/>
+            <a:stretch>
+              <a:fillRect/>
+            </a:stretch>
+          </p:blipFill>
+          <p:spPr>
+            <a:xfrm>
+              <a:off x="5146581" y="5680941"/>
+              <a:ext cx="150305" cy="146304"/>
+            </a:xfrm>
+            <a:prstGeom prst="rect">
+              <a:avLst/>
+            </a:prstGeom>
+          </p:spPr>
+        </p:pic>
+      </p:grpSp>
+      <p:grpSp>
+        <p:nvGrpSpPr>
+          <p:cNvPr id="240" name="Group 239">
+            <a:extLst>
+              <a:ext uri="{FF2B5EF4-FFF2-40B4-BE49-F238E27FC236}">
+                <a16:creationId xmlns:a16="http://schemas.microsoft.com/office/drawing/2014/main" id="{B14C6B27-0B7C-4EC0-8283-082F12AD3110}"/>
+              </a:ext>
+            </a:extLst>
+          </p:cNvPr>
+          <p:cNvGrpSpPr/>
+          <p:nvPr/>
+        </p:nvGrpSpPr>
+        <p:grpSpPr>
+          <a:xfrm>
+            <a:off x="4657454" y="2910728"/>
+            <a:ext cx="682239" cy="344425"/>
+            <a:chOff x="4667108" y="5343683"/>
+            <a:chExt cx="682239" cy="344425"/>
+          </a:xfrm>
+          <a:solidFill>
+            <a:srgbClr val="C3ECFF"/>
+          </a:solidFill>
+        </p:grpSpPr>
+        <p:sp>
+          <p:nvSpPr>
+            <p:cNvPr id="267" name="Rounded Rectangle 14">
+              <a:extLst>
+                <a:ext uri="{FF2B5EF4-FFF2-40B4-BE49-F238E27FC236}">
+                  <a16:creationId xmlns:a16="http://schemas.microsoft.com/office/drawing/2014/main" id="{8CACF8E4-0E22-4DB8-8D9C-1E85CC36F18B}"/>
+                </a:ext>
+              </a:extLst>
+            </p:cNvPr>
+            <p:cNvSpPr/>
+            <p:nvPr/>
+          </p:nvSpPr>
+          <p:spPr bwMode="gray">
+            <a:xfrm>
+              <a:off x="4667108" y="5391906"/>
+              <a:ext cx="548827" cy="296202"/>
+            </a:xfrm>
+            <a:prstGeom prst="roundRect">
+              <a:avLst/>
+            </a:prstGeom>
+            <a:solidFill>
+              <a:srgbClr val="4CC5FF"/>
+            </a:solidFill>
+            <a:ln>
+              <a:solidFill>
+                <a:schemeClr val="tx1"/>
+              </a:solidFill>
+              <a:headEnd/>
+              <a:tailEnd/>
+            </a:ln>
+            <a:effectLst/>
+          </p:spPr>
+          <p:style>
+            <a:lnRef idx="1">
+              <a:schemeClr val="accent1"/>
+            </a:lnRef>
+            <a:fillRef idx="3">
+              <a:schemeClr val="accent1"/>
+            </a:fillRef>
+            <a:effectRef idx="2">
+              <a:schemeClr val="accent1"/>
+            </a:effectRef>
+            <a:fontRef idx="minor">
+              <a:schemeClr val="lt1"/>
+            </a:fontRef>
+          </p:style>
+          <p:txBody>
+            <a:bodyPr lIns="107138" tIns="85710" rIns="107138" bIns="85710" rtlCol="0" anchor="t" anchorCtr="0"/>
+            <a:lstStyle/>
+            <a:p>
+              <a:pPr algn="ctr" defTabSz="1088558" fontAlgn="base">
+                <a:spcBef>
+                  <a:spcPct val="50000"/>
+                </a:spcBef>
+                <a:spcAft>
+                  <a:spcPct val="0"/>
+                </a:spcAft>
+                <a:buClr>
+                  <a:srgbClr val="F0AB00"/>
+                </a:buClr>
+                <a:buSzPct val="80000"/>
+              </a:pPr>
+              <a:r>
+                <a:rPr lang="en-US" sz="1000" kern="0" dirty="0">
+                  <a:solidFill>
+                    <a:srgbClr val="000000"/>
+                  </a:solidFill>
+                  <a:latin typeface="Arial"/>
+                  <a:ea typeface="Arial Unicode MS" pitchFamily="34" charset="-128"/>
+                  <a:cs typeface="Arial Unicode MS" pitchFamily="34" charset="-128"/>
+                </a:rPr>
+                <a:t>cm</a:t>
+              </a:r>
+            </a:p>
+          </p:txBody>
+        </p:sp>
+        <p:pic>
+          <p:nvPicPr>
+            <p:cNvPr id="268" name="Picture 267">
+              <a:extLst>
+                <a:ext uri="{FF2B5EF4-FFF2-40B4-BE49-F238E27FC236}">
+                  <a16:creationId xmlns:a16="http://schemas.microsoft.com/office/drawing/2014/main" id="{BDC3EB5A-B761-4566-967F-6BB646066D20}"/>
+                </a:ext>
+              </a:extLst>
+            </p:cNvPr>
+            <p:cNvPicPr>
+              <a:picLocks noChangeAspect="1"/>
+            </p:cNvPicPr>
+            <p:nvPr/>
+          </p:nvPicPr>
+          <p:blipFill>
+            <a:blip r:embed="rId3"/>
+            <a:stretch>
+              <a:fillRect/>
+            </a:stretch>
+          </p:blipFill>
+          <p:spPr>
+            <a:xfrm>
+              <a:off x="5131580" y="5343683"/>
+              <a:ext cx="150305" cy="146304"/>
+            </a:xfrm>
+            <a:prstGeom prst="rect">
+              <a:avLst/>
+            </a:prstGeom>
+            <a:noFill/>
+          </p:spPr>
+        </p:pic>
+        <p:cxnSp>
+          <p:nvCxnSpPr>
+            <p:cNvPr id="269" name="Straight Connector 268">
+              <a:extLst>
+                <a:ext uri="{FF2B5EF4-FFF2-40B4-BE49-F238E27FC236}">
+                  <a16:creationId xmlns:a16="http://schemas.microsoft.com/office/drawing/2014/main" id="{2D6D41C9-7A00-43A9-899A-3C7241CEE6D4}"/>
+                </a:ext>
+              </a:extLst>
+            </p:cNvPr>
+            <p:cNvCxnSpPr>
+              <a:cxnSpLocks/>
+            </p:cNvCxnSpPr>
+            <p:nvPr/>
+          </p:nvCxnSpPr>
+          <p:spPr>
+            <a:xfrm flipV="1">
+              <a:off x="5219293" y="5550095"/>
+              <a:ext cx="130054" cy="943"/>
+            </a:xfrm>
+            <a:prstGeom prst="line">
+              <a:avLst/>
+            </a:prstGeom>
+            <a:grpFill/>
+            <a:ln w="9525">
+              <a:solidFill>
+                <a:schemeClr val="tx1"/>
+              </a:solidFill>
+              <a:headEnd type="none" w="med" len="med"/>
+              <a:tailEnd type="none" w="med" len="med"/>
+            </a:ln>
+          </p:spPr>
+          <p:style>
+            <a:lnRef idx="1">
+              <a:schemeClr val="accent1"/>
+            </a:lnRef>
+            <a:fillRef idx="0">
+              <a:schemeClr val="accent1"/>
+            </a:fillRef>
+            <a:effectRef idx="0">
+              <a:schemeClr val="accent1"/>
+            </a:effectRef>
+            <a:fontRef idx="minor">
+              <a:schemeClr val="tx1"/>
+            </a:fontRef>
+          </p:style>
+        </p:cxnSp>
+      </p:grpSp>
+      <p:grpSp>
+        <p:nvGrpSpPr>
+          <p:cNvPr id="241" name="Group 240">
+            <a:extLst>
+              <a:ext uri="{FF2B5EF4-FFF2-40B4-BE49-F238E27FC236}">
+                <a16:creationId xmlns:a16="http://schemas.microsoft.com/office/drawing/2014/main" id="{91833C29-765C-42F7-98C9-E1BE21E90241}"/>
+              </a:ext>
+            </a:extLst>
+          </p:cNvPr>
+          <p:cNvGrpSpPr/>
+          <p:nvPr/>
+        </p:nvGrpSpPr>
+        <p:grpSpPr>
+          <a:xfrm>
+            <a:off x="8314844" y="2915338"/>
+            <a:ext cx="664213" cy="344425"/>
+            <a:chOff x="4667108" y="5343683"/>
+            <a:chExt cx="664213" cy="344425"/>
+          </a:xfrm>
+        </p:grpSpPr>
+        <p:sp>
+          <p:nvSpPr>
+            <p:cNvPr id="264" name="Rounded Rectangle 14">
+              <a:extLst>
+                <a:ext uri="{FF2B5EF4-FFF2-40B4-BE49-F238E27FC236}">
+                  <a16:creationId xmlns:a16="http://schemas.microsoft.com/office/drawing/2014/main" id="{DDDC58EE-D4EF-4A53-820E-FD77D377DAEF}"/>
+                </a:ext>
+              </a:extLst>
+            </p:cNvPr>
+            <p:cNvSpPr/>
+            <p:nvPr/>
+          </p:nvSpPr>
+          <p:spPr bwMode="gray">
+            <a:xfrm>
+              <a:off x="4667108" y="5391906"/>
+              <a:ext cx="548827" cy="296202"/>
+            </a:xfrm>
+            <a:prstGeom prst="roundRect">
+              <a:avLst/>
+            </a:prstGeom>
+            <a:solidFill>
+              <a:schemeClr val="tx1">
+                <a:lumMod val="50000"/>
+                <a:lumOff val="50000"/>
+              </a:schemeClr>
+            </a:solidFill>
+            <a:ln>
+              <a:solidFill>
+                <a:schemeClr val="tx1"/>
+              </a:solidFill>
+              <a:headEnd/>
+              <a:tailEnd/>
+            </a:ln>
+            <a:effectLst/>
+          </p:spPr>
+          <p:style>
+            <a:lnRef idx="1">
+              <a:schemeClr val="accent1"/>
+            </a:lnRef>
+            <a:fillRef idx="3">
+              <a:schemeClr val="accent1"/>
+            </a:fillRef>
+            <a:effectRef idx="2">
+              <a:schemeClr val="accent1"/>
+            </a:effectRef>
+            <a:fontRef idx="minor">
+              <a:schemeClr val="lt1"/>
+            </a:fontRef>
+          </p:style>
+          <p:txBody>
+            <a:bodyPr lIns="107138" tIns="85710" rIns="107138" bIns="85710" rtlCol="0" anchor="t" anchorCtr="0"/>
+            <a:lstStyle/>
+            <a:p>
+              <a:pPr algn="ctr" defTabSz="1088558" fontAlgn="base">
+                <a:spcBef>
+                  <a:spcPct val="50000"/>
+                </a:spcBef>
+                <a:spcAft>
+                  <a:spcPct val="0"/>
+                </a:spcAft>
+                <a:buClr>
+                  <a:srgbClr val="F0AB00"/>
+                </a:buClr>
+                <a:buSzPct val="80000"/>
+              </a:pPr>
+              <a:r>
+                <a:rPr lang="en-US" sz="1000" kern="0" dirty="0">
+                  <a:solidFill>
+                    <a:srgbClr val="000000"/>
+                  </a:solidFill>
+                  <a:latin typeface="Arial"/>
+                  <a:ea typeface="Arial Unicode MS" pitchFamily="34" charset="-128"/>
+                  <a:cs typeface="Arial Unicode MS" pitchFamily="34" charset="-128"/>
+                </a:rPr>
+                <a:t>sec</a:t>
+              </a:r>
+            </a:p>
+          </p:txBody>
+        </p:sp>
+        <p:pic>
+          <p:nvPicPr>
+            <p:cNvPr id="265" name="Picture 264">
+              <a:extLst>
+                <a:ext uri="{FF2B5EF4-FFF2-40B4-BE49-F238E27FC236}">
+                  <a16:creationId xmlns:a16="http://schemas.microsoft.com/office/drawing/2014/main" id="{71D865D8-334A-454A-8055-97C954FD6AA3}"/>
+                </a:ext>
+              </a:extLst>
+            </p:cNvPr>
+            <p:cNvPicPr>
+              <a:picLocks noChangeAspect="1"/>
+            </p:cNvPicPr>
+            <p:nvPr/>
+          </p:nvPicPr>
+          <p:blipFill>
+            <a:blip r:embed="rId3"/>
+            <a:stretch>
+              <a:fillRect/>
+            </a:stretch>
+          </p:blipFill>
+          <p:spPr>
+            <a:xfrm>
+              <a:off x="5131580" y="5343683"/>
+              <a:ext cx="150305" cy="146304"/>
+            </a:xfrm>
+            <a:prstGeom prst="rect">
+              <a:avLst/>
+            </a:prstGeom>
+          </p:spPr>
+        </p:pic>
+        <p:cxnSp>
+          <p:nvCxnSpPr>
+            <p:cNvPr id="266" name="Straight Connector 265">
+              <a:extLst>
+                <a:ext uri="{FF2B5EF4-FFF2-40B4-BE49-F238E27FC236}">
+                  <a16:creationId xmlns:a16="http://schemas.microsoft.com/office/drawing/2014/main" id="{52918B02-3E70-49B9-B724-E750C6B90C1D}"/>
+                </a:ext>
+              </a:extLst>
+            </p:cNvPr>
+            <p:cNvCxnSpPr>
+              <a:cxnSpLocks/>
+            </p:cNvCxnSpPr>
+            <p:nvPr/>
+          </p:nvCxnSpPr>
+          <p:spPr>
+            <a:xfrm flipV="1">
+              <a:off x="5219293" y="5551036"/>
+              <a:ext cx="112028" cy="1"/>
+            </a:xfrm>
+            <a:prstGeom prst="line">
+              <a:avLst/>
+            </a:prstGeom>
+            <a:ln w="9525">
+              <a:solidFill>
+                <a:schemeClr val="tx1"/>
+              </a:solidFill>
+              <a:headEnd type="none" w="med" len="med"/>
+              <a:tailEnd type="none" w="med" len="med"/>
+            </a:ln>
+          </p:spPr>
+          <p:style>
+            <a:lnRef idx="1">
+              <a:schemeClr val="accent1"/>
+            </a:lnRef>
+            <a:fillRef idx="0">
+              <a:schemeClr val="accent1"/>
+            </a:fillRef>
+            <a:effectRef idx="0">
+              <a:schemeClr val="accent1"/>
+            </a:effectRef>
+            <a:fontRef idx="minor">
+              <a:schemeClr val="tx1"/>
+            </a:fontRef>
+          </p:style>
+        </p:cxnSp>
+      </p:grpSp>
+      <p:cxnSp>
+        <p:nvCxnSpPr>
+          <p:cNvPr id="243" name="Straight Connector 242">
+            <a:extLst>
+              <a:ext uri="{FF2B5EF4-FFF2-40B4-BE49-F238E27FC236}">
+                <a16:creationId xmlns:a16="http://schemas.microsoft.com/office/drawing/2014/main" id="{BE47A507-0041-4230-AE6D-898F13600A6E}"/>
+              </a:ext>
+            </a:extLst>
+          </p:cNvPr>
+          <p:cNvCxnSpPr>
+            <a:cxnSpLocks/>
+            <a:stCxn id="261" idx="2"/>
+            <a:endCxn id="142" idx="0"/>
+          </p:cNvCxnSpPr>
+          <p:nvPr/>
+        </p:nvCxnSpPr>
+        <p:spPr>
+          <a:xfrm>
+            <a:off x="10146065" y="1736409"/>
+            <a:ext cx="0" cy="636011"/>
+          </a:xfrm>
+          <a:prstGeom prst="line">
+            <a:avLst/>
+          </a:prstGeom>
+          <a:ln w="38100">
+            <a:solidFill>
+              <a:schemeClr val="tx1">
+                <a:lumMod val="75000"/>
+                <a:lumOff val="25000"/>
+              </a:schemeClr>
+            </a:solidFill>
+            <a:headEnd type="none" w="med" len="med"/>
+            <a:tailEnd type="none" w="med" len="med"/>
+          </a:ln>
+        </p:spPr>
+        <p:style>
+          <a:lnRef idx="1">
+            <a:schemeClr val="accent1"/>
+          </a:lnRef>
+          <a:fillRef idx="0">
+            <a:schemeClr val="accent1"/>
+          </a:fillRef>
+          <a:effectRef idx="0">
+            <a:schemeClr val="accent1"/>
+          </a:effectRef>
+          <a:fontRef idx="minor">
+            <a:schemeClr val="tx1"/>
+          </a:fontRef>
+        </p:style>
+      </p:cxnSp>
+      <p:cxnSp>
+        <p:nvCxnSpPr>
+          <p:cNvPr id="244" name="Straight Connector 243">
+            <a:extLst>
+              <a:ext uri="{FF2B5EF4-FFF2-40B4-BE49-F238E27FC236}">
+                <a16:creationId xmlns:a16="http://schemas.microsoft.com/office/drawing/2014/main" id="{5610920A-C466-4029-9AC3-5B623649FCD2}"/>
+              </a:ext>
+            </a:extLst>
+          </p:cNvPr>
+          <p:cNvCxnSpPr>
+            <a:cxnSpLocks/>
+            <a:stCxn id="127" idx="2"/>
+            <a:endCxn id="223" idx="0"/>
+          </p:cNvCxnSpPr>
+          <p:nvPr/>
+        </p:nvCxnSpPr>
+        <p:spPr>
+          <a:xfrm>
+            <a:off x="6478900" y="1719251"/>
+            <a:ext cx="437" cy="634167"/>
+          </a:xfrm>
+          <a:prstGeom prst="line">
+            <a:avLst/>
+          </a:prstGeom>
+          <a:ln w="38100">
+            <a:solidFill>
+              <a:srgbClr val="E35500"/>
+            </a:solidFill>
+            <a:headEnd type="none" w="med" len="med"/>
+            <a:tailEnd type="none" w="med" len="med"/>
+          </a:ln>
+        </p:spPr>
+        <p:style>
+          <a:lnRef idx="1">
+            <a:schemeClr val="accent1"/>
+          </a:lnRef>
+          <a:fillRef idx="0">
+            <a:schemeClr val="accent1"/>
+          </a:fillRef>
+          <a:effectRef idx="0">
+            <a:schemeClr val="accent1"/>
+          </a:effectRef>
+          <a:fontRef idx="minor">
+            <a:schemeClr val="tx1"/>
+          </a:fontRef>
+        </p:style>
+      </p:cxnSp>
+      <p:pic>
+        <p:nvPicPr>
+          <p:cNvPr id="245" name="Picture 244">
+            <a:extLst>
+              <a:ext uri="{FF2B5EF4-FFF2-40B4-BE49-F238E27FC236}">
+                <a16:creationId xmlns:a16="http://schemas.microsoft.com/office/drawing/2014/main" id="{0703B5C1-A422-4E98-9045-896F303A0239}"/>
+              </a:ext>
+            </a:extLst>
+          </p:cNvPr>
+          <p:cNvPicPr>
+            <a:picLocks noChangeAspect="1"/>
+          </p:cNvPicPr>
+          <p:nvPr/>
+        </p:nvPicPr>
+        <p:blipFill>
+          <a:blip r:embed="rId3"/>
+          <a:stretch>
+            <a:fillRect/>
+          </a:stretch>
+        </p:blipFill>
+        <p:spPr>
+          <a:xfrm>
+            <a:off x="7281955" y="4814757"/>
+            <a:ext cx="150305" cy="146304"/>
+          </a:xfrm>
+          <a:prstGeom prst="rect">
+            <a:avLst/>
+          </a:prstGeom>
+        </p:spPr>
+      </p:pic>
+      <p:pic>
+        <p:nvPicPr>
+          <p:cNvPr id="246" name="Picture 245">
+            <a:extLst>
+              <a:ext uri="{FF2B5EF4-FFF2-40B4-BE49-F238E27FC236}">
+                <a16:creationId xmlns:a16="http://schemas.microsoft.com/office/drawing/2014/main" id="{CD253531-EB07-413C-A02C-074B2A2FF819}"/>
+              </a:ext>
+            </a:extLst>
+          </p:cNvPr>
+          <p:cNvPicPr>
+            <a:picLocks noChangeAspect="1"/>
+          </p:cNvPicPr>
+          <p:nvPr/>
+        </p:nvPicPr>
+        <p:blipFill>
+          <a:blip r:embed="rId3"/>
+          <a:stretch>
+            <a:fillRect/>
+          </a:stretch>
+        </p:blipFill>
+        <p:spPr>
+          <a:xfrm>
+            <a:off x="7223229" y="2318379"/>
+            <a:ext cx="150305" cy="146304"/>
+          </a:xfrm>
+          <a:prstGeom prst="rect">
+            <a:avLst/>
+          </a:prstGeom>
+        </p:spPr>
+      </p:pic>
+      <p:pic>
+        <p:nvPicPr>
+          <p:cNvPr id="247" name="Picture 246">
+            <a:extLst>
+              <a:ext uri="{FF2B5EF4-FFF2-40B4-BE49-F238E27FC236}">
+                <a16:creationId xmlns:a16="http://schemas.microsoft.com/office/drawing/2014/main" id="{E964BB4E-4F9F-42CC-BBD0-67A497B4567D}"/>
+              </a:ext>
+            </a:extLst>
+          </p:cNvPr>
+          <p:cNvPicPr>
+            <a:picLocks noChangeAspect="1"/>
+          </p:cNvPicPr>
+          <p:nvPr/>
+        </p:nvPicPr>
+        <p:blipFill>
+          <a:blip r:embed="rId3"/>
+          <a:stretch>
+            <a:fillRect/>
+          </a:stretch>
+        </p:blipFill>
+        <p:spPr>
+          <a:xfrm>
+            <a:off x="10936411" y="2336006"/>
+            <a:ext cx="150305" cy="146304"/>
+          </a:xfrm>
+          <a:prstGeom prst="rect">
+            <a:avLst/>
+          </a:prstGeom>
+        </p:spPr>
+      </p:pic>
+      <p:pic>
+        <p:nvPicPr>
+          <p:cNvPr id="248" name="Picture 247">
+            <a:extLst>
+              <a:ext uri="{FF2B5EF4-FFF2-40B4-BE49-F238E27FC236}">
+                <a16:creationId xmlns:a16="http://schemas.microsoft.com/office/drawing/2014/main" id="{4D530DE6-A77B-4778-81EA-ADECEECBAEF2}"/>
+              </a:ext>
+            </a:extLst>
+          </p:cNvPr>
+          <p:cNvPicPr>
+            <a:picLocks noChangeAspect="1"/>
+          </p:cNvPicPr>
+          <p:nvPr/>
+        </p:nvPicPr>
+        <p:blipFill>
+          <a:blip r:embed="rId3"/>
+          <a:stretch>
+            <a:fillRect/>
+          </a:stretch>
+        </p:blipFill>
+        <p:spPr>
+          <a:xfrm>
+            <a:off x="10953780" y="4810709"/>
+            <a:ext cx="150305" cy="146304"/>
+          </a:xfrm>
+          <a:prstGeom prst="rect">
+            <a:avLst/>
+          </a:prstGeom>
+        </p:spPr>
+      </p:pic>
+      <p:grpSp>
+        <p:nvGrpSpPr>
+          <p:cNvPr id="249" name="Group 248">
+            <a:extLst>
+              <a:ext uri="{FF2B5EF4-FFF2-40B4-BE49-F238E27FC236}">
+                <a16:creationId xmlns:a16="http://schemas.microsoft.com/office/drawing/2014/main" id="{EF8BCFE8-BA7E-4D1C-881A-75EF306BB56C}"/>
+              </a:ext>
+            </a:extLst>
+          </p:cNvPr>
+          <p:cNvGrpSpPr/>
+          <p:nvPr/>
+        </p:nvGrpSpPr>
+        <p:grpSpPr>
+          <a:xfrm>
+            <a:off x="9680464" y="1136427"/>
+            <a:ext cx="806291" cy="599982"/>
+            <a:chOff x="7689132" y="472010"/>
+            <a:chExt cx="806291" cy="599982"/>
+          </a:xfrm>
+        </p:grpSpPr>
+        <p:sp>
+          <p:nvSpPr>
+            <p:cNvPr id="261" name="Rounded Rectangle 14">
+              <a:extLst>
+                <a:ext uri="{FF2B5EF4-FFF2-40B4-BE49-F238E27FC236}">
+                  <a16:creationId xmlns:a16="http://schemas.microsoft.com/office/drawing/2014/main" id="{21AB7429-5EC4-463E-B4BE-D3AEFEB1C59E}"/>
+                </a:ext>
+              </a:extLst>
+            </p:cNvPr>
+            <p:cNvSpPr/>
+            <p:nvPr/>
+          </p:nvSpPr>
+          <p:spPr bwMode="gray">
+            <a:xfrm>
+              <a:off x="7880319" y="768675"/>
+              <a:ext cx="548827" cy="303317"/>
+            </a:xfrm>
+            <a:prstGeom prst="roundRect">
+              <a:avLst/>
+            </a:prstGeom>
+            <a:solidFill>
+              <a:schemeClr val="bg1">
+                <a:lumMod val="50000"/>
+              </a:schemeClr>
+            </a:solidFill>
+            <a:ln>
+              <a:solidFill>
+                <a:schemeClr val="tx1"/>
+              </a:solidFill>
+              <a:headEnd/>
+              <a:tailEnd/>
+            </a:ln>
+            <a:effectLst/>
+          </p:spPr>
+          <p:style>
+            <a:lnRef idx="1">
+              <a:schemeClr val="accent1"/>
+            </a:lnRef>
+            <a:fillRef idx="3">
+              <a:schemeClr val="accent1"/>
+            </a:fillRef>
+            <a:effectRef idx="2">
+              <a:schemeClr val="accent1"/>
+            </a:effectRef>
+            <a:fontRef idx="minor">
+              <a:schemeClr val="lt1"/>
+            </a:fontRef>
+          </p:style>
+          <p:txBody>
+            <a:bodyPr lIns="107138" tIns="85710" rIns="107138" bIns="85710" rtlCol="0" anchor="t" anchorCtr="0"/>
+            <a:lstStyle/>
+            <a:p>
+              <a:pPr algn="ctr" defTabSz="1088558" fontAlgn="base">
+                <a:spcBef>
+                  <a:spcPct val="50000"/>
+                </a:spcBef>
+                <a:spcAft>
+                  <a:spcPct val="0"/>
+                </a:spcAft>
+                <a:buClr>
+                  <a:srgbClr val="F0AB00"/>
+                </a:buClr>
+                <a:buSzPct val="80000"/>
+              </a:pPr>
+              <a:r>
+                <a:rPr lang="en-US" sz="1000" kern="0" dirty="0" err="1">
+                  <a:solidFill>
+                    <a:srgbClr val="000000"/>
+                  </a:solidFill>
+                  <a:latin typeface="Arial"/>
+                  <a:ea typeface="Arial Unicode MS" pitchFamily="34" charset="-128"/>
+                  <a:cs typeface="Arial Unicode MS" pitchFamily="34" charset="-128"/>
+                </a:rPr>
+                <a:t>ingr</a:t>
+              </a:r>
+              <a:endParaRPr lang="en-US" sz="1000" kern="0" dirty="0">
+                <a:solidFill>
+                  <a:srgbClr val="000000"/>
+                </a:solidFill>
+                <a:latin typeface="Arial"/>
+                <a:ea typeface="Arial Unicode MS" pitchFamily="34" charset="-128"/>
+                <a:cs typeface="Arial Unicode MS" pitchFamily="34" charset="-128"/>
+              </a:endParaRPr>
+            </a:p>
+          </p:txBody>
+        </p:sp>
+        <p:pic>
+          <p:nvPicPr>
+            <p:cNvPr id="262" name="Picture 261">
+              <a:extLst>
+                <a:ext uri="{FF2B5EF4-FFF2-40B4-BE49-F238E27FC236}">
+                  <a16:creationId xmlns:a16="http://schemas.microsoft.com/office/drawing/2014/main" id="{673B9A24-F643-4505-B7A1-2B917DF5EF39}"/>
+                </a:ext>
+              </a:extLst>
+            </p:cNvPr>
+            <p:cNvPicPr>
+              <a:picLocks noChangeAspect="1"/>
+            </p:cNvPicPr>
+            <p:nvPr/>
+          </p:nvPicPr>
+          <p:blipFill>
+            <a:blip r:embed="rId3"/>
+            <a:stretch>
+              <a:fillRect/>
+            </a:stretch>
+          </p:blipFill>
+          <p:spPr>
+            <a:xfrm>
+              <a:off x="8345118" y="694332"/>
+              <a:ext cx="150305" cy="146304"/>
+            </a:xfrm>
+            <a:prstGeom prst="rect">
+              <a:avLst/>
+            </a:prstGeom>
+          </p:spPr>
+        </p:pic>
+        <p:pic>
+          <p:nvPicPr>
+            <p:cNvPr id="263" name="Graphic 262" descr="Lock">
+              <a:extLst>
+                <a:ext uri="{FF2B5EF4-FFF2-40B4-BE49-F238E27FC236}">
+                  <a16:creationId xmlns:a16="http://schemas.microsoft.com/office/drawing/2014/main" id="{BD4684F0-3FF6-4FCB-87B1-79D79183AF3E}"/>
+                </a:ext>
+              </a:extLst>
+            </p:cNvPr>
+            <p:cNvPicPr>
+              <a:picLocks noChangeAspect="1"/>
+            </p:cNvPicPr>
+            <p:nvPr/>
+          </p:nvPicPr>
+          <p:blipFill>
+            <a:blip r:embed="rId7">
+              <a:extLst>
+                <a:ext uri="{96DAC541-7B7A-43D3-8B79-37D633B846F1}">
+                  <asvg:svgBlip xmlns:asvg="http://schemas.microsoft.com/office/drawing/2016/SVG/main" r:embed="rId8"/>
+                </a:ext>
+              </a:extLst>
+            </a:blip>
+            <a:stretch>
+              <a:fillRect/>
+            </a:stretch>
+          </p:blipFill>
+          <p:spPr>
+            <a:xfrm>
+              <a:off x="7689132" y="472010"/>
+              <a:ext cx="403319" cy="403319"/>
+            </a:xfrm>
+            <a:prstGeom prst="rect">
+              <a:avLst/>
+            </a:prstGeom>
+          </p:spPr>
+        </p:pic>
+      </p:grpSp>
+      <p:sp>
+        <p:nvSpPr>
+          <p:cNvPr id="250" name="Rectangle 249">
+            <a:extLst>
+              <a:ext uri="{FF2B5EF4-FFF2-40B4-BE49-F238E27FC236}">
+                <a16:creationId xmlns:a16="http://schemas.microsoft.com/office/drawing/2014/main" id="{62E60BFF-35AE-4501-94A2-4A8C1F96A3A8}"/>
+              </a:ext>
+            </a:extLst>
+          </p:cNvPr>
+          <p:cNvSpPr/>
+          <p:nvPr/>
+        </p:nvSpPr>
+        <p:spPr bwMode="gray">
+          <a:xfrm>
+            <a:off x="4532702" y="4047565"/>
+            <a:ext cx="3345866" cy="2366670"/>
+          </a:xfrm>
+          <a:prstGeom prst="rect">
+            <a:avLst/>
+          </a:prstGeom>
+          <a:noFill/>
+          <a:ln w="28575" algn="ctr">
+            <a:solidFill>
+              <a:srgbClr val="4FB81C"/>
+            </a:solidFill>
+            <a:prstDash val="dash"/>
+            <a:miter lim="800000"/>
+            <a:headEnd/>
+            <a:tailEnd/>
+          </a:ln>
+        </p:spPr>
+        <p:txBody>
+          <a:bodyPr lIns="90000" tIns="72000" rIns="90000" bIns="72000" rtlCol="0" anchor="ctr"/>
+          <a:lstStyle/>
+          <a:p>
+            <a:pPr marR="0" algn="ctr" defTabSz="914400" eaLnBrk="1" fontAlgn="base" latinLnBrk="0" hangingPunct="1">
+              <a:lnSpc>
+                <a:spcPct val="100000"/>
+              </a:lnSpc>
+              <a:spcBef>
+                <a:spcPct val="50000"/>
+              </a:spcBef>
+              <a:spcAft>
+                <a:spcPct val="0"/>
+              </a:spcAft>
+              <a:buClr>
+                <a:srgbClr val="F0AB00"/>
+              </a:buClr>
+              <a:buSzPct val="80000"/>
+              <a:tabLst/>
+            </a:pPr>
+            <a:endParaRPr kumimoji="0" lang="de-DE" sz="1800" b="0" i="0" u="none" strike="noStrike" kern="0" cap="none" spc="0" normalizeH="0" baseline="0" noProof="0" dirty="0" err="1">
+              <a:ln>
+                <a:noFill/>
+              </a:ln>
+              <a:effectLst/>
+              <a:uLnTx/>
+              <a:uFillTx/>
+              <a:ea typeface="Arial Unicode MS" pitchFamily="34" charset="-128"/>
+              <a:cs typeface="Arial Unicode MS" pitchFamily="34" charset="-128"/>
+            </a:endParaRPr>
+          </a:p>
+        </p:txBody>
+      </p:sp>
+      <p:sp>
+        <p:nvSpPr>
+          <p:cNvPr id="251" name="Rectangle 250">
+            <a:extLst>
+              <a:ext uri="{FF2B5EF4-FFF2-40B4-BE49-F238E27FC236}">
+                <a16:creationId xmlns:a16="http://schemas.microsoft.com/office/drawing/2014/main" id="{7ADCEF51-56FB-4EB4-9957-3E07501682E4}"/>
+              </a:ext>
+            </a:extLst>
+          </p:cNvPr>
+          <p:cNvSpPr/>
+          <p:nvPr/>
+        </p:nvSpPr>
+        <p:spPr bwMode="gray">
+          <a:xfrm>
+            <a:off x="4533262" y="1482229"/>
+            <a:ext cx="3345866" cy="2424406"/>
+          </a:xfrm>
+          <a:prstGeom prst="rect">
+            <a:avLst/>
+          </a:prstGeom>
+          <a:noFill/>
+          <a:ln w="19050" algn="ctr">
+            <a:solidFill>
+              <a:srgbClr val="FF0000"/>
+            </a:solidFill>
+            <a:prstDash val="dash"/>
+            <a:miter lim="800000"/>
+            <a:headEnd/>
+            <a:tailEnd/>
+          </a:ln>
+        </p:spPr>
+        <p:txBody>
+          <a:bodyPr lIns="90000" tIns="72000" rIns="90000" bIns="72000" rtlCol="0" anchor="ctr"/>
+          <a:lstStyle/>
+          <a:p>
+            <a:pPr marR="0" algn="ctr" defTabSz="914400" eaLnBrk="1" fontAlgn="base" latinLnBrk="0" hangingPunct="1">
+              <a:lnSpc>
+                <a:spcPct val="100000"/>
+              </a:lnSpc>
+              <a:spcBef>
+                <a:spcPct val="50000"/>
+              </a:spcBef>
+              <a:spcAft>
+                <a:spcPct val="0"/>
+              </a:spcAft>
+              <a:buClr>
+                <a:srgbClr val="F0AB00"/>
+              </a:buClr>
+              <a:buSzPct val="80000"/>
+              <a:tabLst/>
+            </a:pPr>
+            <a:endParaRPr kumimoji="0" lang="de-DE" sz="1800" b="0" i="0" u="none" strike="noStrike" kern="0" cap="none" spc="0" normalizeH="0" baseline="0" noProof="0" dirty="0" err="1">
+              <a:ln>
+                <a:noFill/>
+              </a:ln>
+              <a:effectLst/>
+              <a:uLnTx/>
+              <a:uFillTx/>
+              <a:ea typeface="Arial Unicode MS" pitchFamily="34" charset="-128"/>
+              <a:cs typeface="Arial Unicode MS" pitchFamily="34" charset="-128"/>
+            </a:endParaRPr>
+          </a:p>
+        </p:txBody>
+      </p:sp>
+      <p:sp>
+        <p:nvSpPr>
+          <p:cNvPr id="252" name="TextBox 251">
+            <a:extLst>
+              <a:ext uri="{FF2B5EF4-FFF2-40B4-BE49-F238E27FC236}">
+                <a16:creationId xmlns:a16="http://schemas.microsoft.com/office/drawing/2014/main" id="{EC3F38D0-9D0E-430C-B844-E4C51E049031}"/>
+              </a:ext>
+            </a:extLst>
+          </p:cNvPr>
+          <p:cNvSpPr txBox="1"/>
+          <p:nvPr/>
+        </p:nvSpPr>
+        <p:spPr>
+          <a:xfrm>
+            <a:off x="7192534" y="5364733"/>
+            <a:ext cx="543694" cy="1107996"/>
+          </a:xfrm>
+          <a:prstGeom prst="rect">
+            <a:avLst/>
+          </a:prstGeom>
+          <a:noFill/>
+        </p:spPr>
+        <p:txBody>
+          <a:bodyPr wrap="square" lIns="0" tIns="0" rIns="0" bIns="0" rtlCol="0">
+            <a:spAutoFit/>
+          </a:bodyPr>
+          <a:lstStyle/>
+          <a:p>
+            <a:pPr fontAlgn="base">
+              <a:spcBef>
+                <a:spcPct val="50000"/>
+              </a:spcBef>
+              <a:spcAft>
+                <a:spcPct val="0"/>
+              </a:spcAft>
+              <a:buClr>
+                <a:srgbClr val="F0AB00"/>
+              </a:buClr>
+              <a:buSzPct val="80000"/>
+            </a:pPr>
+            <a:r>
+              <a:rPr lang="en-US" sz="7200" kern="0" dirty="0">
+                <a:solidFill>
+                  <a:srgbClr val="00B050"/>
+                </a:solidFill>
+                <a:latin typeface="Wingdings" panose="05000000000000000000" pitchFamily="2" charset="2"/>
+                <a:ea typeface="Arial Unicode MS" pitchFamily="34" charset="-128"/>
+                <a:cs typeface="Arial Unicode MS" pitchFamily="34" charset="-128"/>
+              </a:rPr>
+              <a:t>ü</a:t>
+            </a:r>
+          </a:p>
+        </p:txBody>
+      </p:sp>
+      <p:grpSp>
+        <p:nvGrpSpPr>
+          <p:cNvPr id="253" name="Group 252">
+            <a:extLst>
+              <a:ext uri="{FF2B5EF4-FFF2-40B4-BE49-F238E27FC236}">
+                <a16:creationId xmlns:a16="http://schemas.microsoft.com/office/drawing/2014/main" id="{332DFAD5-8F16-4095-B222-60C56E0EBF5B}"/>
+              </a:ext>
+            </a:extLst>
+          </p:cNvPr>
+          <p:cNvGrpSpPr/>
+          <p:nvPr/>
+        </p:nvGrpSpPr>
+        <p:grpSpPr>
+          <a:xfrm>
+            <a:off x="8339438" y="4674459"/>
+            <a:ext cx="675893" cy="760946"/>
+            <a:chOff x="6338581" y="4010042"/>
+            <a:chExt cx="675893" cy="760946"/>
+          </a:xfrm>
+        </p:grpSpPr>
         <p:grpSp>
           <p:nvGrpSpPr>
-            <p:cNvPr id="118" name="Group 117">
+            <p:cNvPr id="254" name="Group 253">
               <a:extLst>
                 <a:ext uri="{FF2B5EF4-FFF2-40B4-BE49-F238E27FC236}">
-                  <a16:creationId xmlns:a16="http://schemas.microsoft.com/office/drawing/2014/main" id="{89A787E6-D0A2-4281-B426-CF1D858D8CF1}"/>
+                  <a16:creationId xmlns:a16="http://schemas.microsoft.com/office/drawing/2014/main" id="{413787BB-B94D-491C-B915-E54D4C5C083D}"/>
                 </a:ext>
               </a:extLst>
             </p:cNvPr>
@@ -43572,24 +46670,18 @@
           </p:nvGrpSpPr>
           <p:grpSpPr>
             <a:xfrm>
-              <a:off x="2661243" y="3993164"/>
-              <a:ext cx="677593" cy="760946"/>
-              <a:chOff x="4661309" y="4490033"/>
-              <a:chExt cx="677593" cy="760946"/>
+              <a:off x="6338581" y="4010042"/>
+              <a:ext cx="675893" cy="760946"/>
+              <a:chOff x="8336634" y="4490033"/>
+              <a:chExt cx="675893" cy="760946"/>
             </a:xfrm>
-            <a:solidFill>
-              <a:schemeClr val="tx1">
-                <a:lumMod val="50000"/>
-                <a:lumOff val="50000"/>
-              </a:schemeClr>
-            </a:solidFill>
           </p:grpSpPr>
           <p:grpSp>
             <p:nvGrpSpPr>
-              <p:cNvPr id="277" name="Group 276">
+              <p:cNvPr id="256" name="Group 255">
                 <a:extLst>
                   <a:ext uri="{FF2B5EF4-FFF2-40B4-BE49-F238E27FC236}">
-                    <a16:creationId xmlns:a16="http://schemas.microsoft.com/office/drawing/2014/main" id="{B27C7F15-6A42-4BF4-A9F9-E30651BB5B95}"/>
+                    <a16:creationId xmlns:a16="http://schemas.microsoft.com/office/drawing/2014/main" id="{C54925F5-9196-4FAB-86A1-109E16AA3EEF}"/>
                   </a:ext>
                 </a:extLst>
               </p:cNvPr>
@@ -43598,19 +46690,18 @@
             </p:nvGrpSpPr>
             <p:grpSpPr>
               <a:xfrm>
-                <a:off x="4661309" y="4490033"/>
-                <a:ext cx="677593" cy="760946"/>
-                <a:chOff x="4661309" y="4490033"/>
-                <a:chExt cx="677593" cy="760946"/>
+                <a:off x="8336634" y="4490033"/>
+                <a:ext cx="675893" cy="760946"/>
+                <a:chOff x="8336634" y="4490033"/>
+                <a:chExt cx="675893" cy="760946"/>
               </a:xfrm>
-              <a:grpFill/>
             </p:grpSpPr>
             <p:sp>
               <p:nvSpPr>
-                <p:cNvPr id="279" name="Rounded Rectangle 14">
+                <p:cNvPr id="258" name="Rounded Rectangle 14">
                   <a:extLst>
                     <a:ext uri="{FF2B5EF4-FFF2-40B4-BE49-F238E27FC236}">
-                      <a16:creationId xmlns:a16="http://schemas.microsoft.com/office/drawing/2014/main" id="{BD2E3232-F7CE-491A-8642-ABA77E6B14FA}"/>
+                      <a16:creationId xmlns:a16="http://schemas.microsoft.com/office/drawing/2014/main" id="{DA0C0FE6-4B22-4D38-85EB-045C746EC59E}"/>
                     </a:ext>
                   </a:extLst>
                 </p:cNvPr>
@@ -43619,13 +46710,18 @@
               </p:nvSpPr>
               <p:spPr bwMode="gray">
                 <a:xfrm>
-                  <a:off x="4661309" y="4786415"/>
+                  <a:off x="8336634" y="4786415"/>
                   <a:ext cx="548827" cy="464564"/>
                 </a:xfrm>
                 <a:prstGeom prst="roundRect">
                   <a:avLst/>
                 </a:prstGeom>
-                <a:grpFill/>
+                <a:solidFill>
+                  <a:schemeClr val="tx1">
+                    <a:lumMod val="50000"/>
+                    <a:lumOff val="50000"/>
+                  </a:schemeClr>
+                </a:solidFill>
                 <a:ln>
                   <a:solidFill>
                     <a:schemeClr val="tx1"/>
@@ -43687,12 +46783,48 @@
                 </a:p>
               </p:txBody>
             </p:sp>
+            <p:pic>
+              <p:nvPicPr>
+                <p:cNvPr id="259" name="Graphic 258" descr="Fence">
+                  <a:extLst>
+                    <a:ext uri="{FF2B5EF4-FFF2-40B4-BE49-F238E27FC236}">
+                      <a16:creationId xmlns:a16="http://schemas.microsoft.com/office/drawing/2014/main" id="{E9BD5581-8C80-4B8B-B223-A015622D83AA}"/>
+                    </a:ext>
+                  </a:extLst>
+                </p:cNvPr>
+                <p:cNvPicPr>
+                  <a:picLocks noChangeAspect="1"/>
+                </p:cNvPicPr>
+                <p:nvPr/>
+              </p:nvPicPr>
+              <p:blipFill>
+                <a:blip r:embed="rId4">
+                  <a:extLst>
+                    <a:ext uri="{96DAC541-7B7A-43D3-8B79-37D633B846F1}">
+                      <asvg:svgBlip xmlns:asvg="http://schemas.microsoft.com/office/drawing/2016/SVG/main" r:embed="rId9"/>
+                    </a:ext>
+                  </a:extLst>
+                </a:blip>
+                <a:stretch>
+                  <a:fillRect/>
+                </a:stretch>
+              </p:blipFill>
+              <p:spPr>
+                <a:xfrm>
+                  <a:off x="8383165" y="4490033"/>
+                  <a:ext cx="473701" cy="473701"/>
+                </a:xfrm>
+                <a:prstGeom prst="rect">
+                  <a:avLst/>
+                </a:prstGeom>
+              </p:spPr>
+            </p:pic>
             <p:cxnSp>
               <p:nvCxnSpPr>
-                <p:cNvPr id="280" name="Straight Connector 279">
+                <p:cNvPr id="260" name="Straight Connector 259">
                   <a:extLst>
                     <a:ext uri="{FF2B5EF4-FFF2-40B4-BE49-F238E27FC236}">
-                      <a16:creationId xmlns:a16="http://schemas.microsoft.com/office/drawing/2014/main" id="{9221AAA9-45F3-4216-8E34-F02406120B90}"/>
+                      <a16:creationId xmlns:a16="http://schemas.microsoft.com/office/drawing/2014/main" id="{F6CDD39C-1835-41EF-83B8-A28A11B1F01C}"/>
                     </a:ext>
                   </a:extLst>
                 </p:cNvPr>
@@ -43701,17 +46833,14 @@
               </p:nvCxnSpPr>
               <p:spPr>
                 <a:xfrm>
-                  <a:off x="5210136" y="5043625"/>
+                  <a:off x="8883761" y="5037029"/>
                   <a:ext cx="128766" cy="0"/>
                 </a:xfrm>
                 <a:prstGeom prst="line">
                   <a:avLst/>
                 </a:prstGeom>
-                <a:grpFill/>
                 <a:ln w="9525">
-                  <a:solidFill>
-                    <a:schemeClr val="tx1"/>
-                  </a:solidFill>
+                  <a:noFill/>
                   <a:headEnd type="none" w="med" len="med"/>
                   <a:tailEnd type="none" w="med" len="med"/>
                 </a:ln>
@@ -43731,49 +46860,13 @@
                 </a:fontRef>
               </p:style>
             </p:cxnSp>
-            <p:pic>
-              <p:nvPicPr>
-                <p:cNvPr id="281" name="Graphic 280" descr="Fence">
-                  <a:extLst>
-                    <a:ext uri="{FF2B5EF4-FFF2-40B4-BE49-F238E27FC236}">
-                      <a16:creationId xmlns:a16="http://schemas.microsoft.com/office/drawing/2014/main" id="{C396AC25-6C42-4387-840B-CA9270FE75BF}"/>
-                    </a:ext>
-                  </a:extLst>
-                </p:cNvPr>
-                <p:cNvPicPr>
-                  <a:picLocks noChangeAspect="1"/>
-                </p:cNvPicPr>
-                <p:nvPr/>
-              </p:nvPicPr>
-              <p:blipFill>
-                <a:blip r:embed="rId4">
-                  <a:extLst>
-                    <a:ext uri="{96DAC541-7B7A-43D3-8B79-37D633B846F1}">
-                      <asvg:svgBlip xmlns:asvg="http://schemas.microsoft.com/office/drawing/2016/SVG/main" r:embed="rId5"/>
-                    </a:ext>
-                  </a:extLst>
-                </a:blip>
-                <a:stretch>
-                  <a:fillRect/>
-                </a:stretch>
-              </p:blipFill>
-              <p:spPr>
-                <a:xfrm>
-                  <a:off x="4707840" y="4490033"/>
-                  <a:ext cx="473701" cy="473701"/>
-                </a:xfrm>
-                <a:prstGeom prst="rect">
-                  <a:avLst/>
-                </a:prstGeom>
-              </p:spPr>
-            </p:pic>
           </p:grpSp>
           <p:pic>
             <p:nvPicPr>
-              <p:cNvPr id="278" name="Picture 277">
+              <p:cNvPr id="257" name="Picture 256">
                 <a:extLst>
                   <a:ext uri="{FF2B5EF4-FFF2-40B4-BE49-F238E27FC236}">
-                    <a16:creationId xmlns:a16="http://schemas.microsoft.com/office/drawing/2014/main" id="{027D7C5A-7481-431C-B65B-86B771E4F8DD}"/>
+                    <a16:creationId xmlns:a16="http://schemas.microsoft.com/office/drawing/2014/main" id="{F52BD4B3-03F2-416A-8B8C-E4DE109E1BF0}"/>
                   </a:ext>
                 </a:extLst>
               </p:cNvPr>
@@ -43790,367 +46883,39 @@
             </p:blipFill>
             <p:spPr>
               <a:xfrm>
-                <a:off x="5119243" y="4738192"/>
+                <a:off x="8804961" y="4729104"/>
                 <a:ext cx="150305" cy="146304"/>
               </a:xfrm>
               <a:prstGeom prst="rect">
                 <a:avLst/>
               </a:prstGeom>
-              <a:noFill/>
               <a:ln>
                 <a:noFill/>
               </a:ln>
             </p:spPr>
           </p:pic>
         </p:grpSp>
-        <p:sp>
-          <p:nvSpPr>
-            <p:cNvPr id="119" name="Rounded Rectangle 14">
+        <p:cxnSp>
+          <p:nvCxnSpPr>
+            <p:cNvPr id="255" name="Straight Connector 254">
               <a:extLst>
                 <a:ext uri="{FF2B5EF4-FFF2-40B4-BE49-F238E27FC236}">
-                  <a16:creationId xmlns:a16="http://schemas.microsoft.com/office/drawing/2014/main" id="{D57AD9D5-B9CB-40E7-85B0-1ED58500A3F9}"/>
+                  <a16:creationId xmlns:a16="http://schemas.microsoft.com/office/drawing/2014/main" id="{5C496B9A-C68E-4BBD-8CCD-482AD82A74D7}"/>
                 </a:ext>
               </a:extLst>
             </p:cNvPr>
-            <p:cNvSpPr/>
+            <p:cNvCxnSpPr>
+              <a:cxnSpLocks/>
+              <a:stCxn id="258" idx="3"/>
+            </p:cNvCxnSpPr>
             <p:nvPr/>
-          </p:nvSpPr>
-          <p:spPr bwMode="gray">
-            <a:xfrm>
-              <a:off x="3344637" y="1481197"/>
-              <a:ext cx="2306840" cy="1681404"/>
-            </a:xfrm>
-            <a:prstGeom prst="roundRect">
-              <a:avLst/>
-            </a:prstGeom>
-            <a:solidFill>
-              <a:schemeClr val="bg1">
-                <a:lumMod val="85000"/>
-              </a:schemeClr>
-            </a:solidFill>
-            <a:ln>
-              <a:solidFill>
-                <a:schemeClr val="tx1"/>
-              </a:solidFill>
-              <a:headEnd/>
-              <a:tailEnd/>
-            </a:ln>
-            <a:effectLst/>
-          </p:spPr>
-          <p:style>
-            <a:lnRef idx="1">
-              <a:schemeClr val="accent1"/>
-            </a:lnRef>
-            <a:fillRef idx="3">
-              <a:schemeClr val="accent1"/>
-            </a:fillRef>
-            <a:effectRef idx="2">
-              <a:schemeClr val="accent1"/>
-            </a:effectRef>
-            <a:fontRef idx="minor">
-              <a:schemeClr val="lt1"/>
-            </a:fontRef>
-          </p:style>
-          <p:txBody>
-            <a:bodyPr lIns="107138" tIns="85710" rIns="107138" bIns="85710" rtlCol="0" anchor="t" anchorCtr="0"/>
-            <a:lstStyle/>
-            <a:p>
-              <a:pPr algn="ctr" defTabSz="1088558" fontAlgn="base">
-                <a:spcBef>
-                  <a:spcPct val="50000"/>
-                </a:spcBef>
-                <a:spcAft>
-                  <a:spcPct val="0"/>
-                </a:spcAft>
-                <a:buClr>
-                  <a:srgbClr val="F0AB00"/>
-                </a:buClr>
-                <a:buSzPct val="80000"/>
-              </a:pPr>
-              <a:endParaRPr lang="en-US" sz="1800" kern="0" dirty="0">
-                <a:solidFill>
-                  <a:srgbClr val="000000"/>
-                </a:solidFill>
-                <a:latin typeface="Arial"/>
-                <a:ea typeface="Arial Unicode MS" pitchFamily="34" charset="-128"/>
-                <a:cs typeface="Arial Unicode MS" pitchFamily="34" charset="-128"/>
-              </a:endParaRPr>
-            </a:p>
-          </p:txBody>
-        </p:sp>
-        <p:sp>
-          <p:nvSpPr>
-            <p:cNvPr id="120" name="TextBox 119">
-              <a:extLst>
-                <a:ext uri="{FF2B5EF4-FFF2-40B4-BE49-F238E27FC236}">
-                  <a16:creationId xmlns:a16="http://schemas.microsoft.com/office/drawing/2014/main" id="{FAF11D10-B0BD-442B-BC13-3AD1EC6242D8}"/>
-                </a:ext>
-              </a:extLst>
-            </p:cNvPr>
-            <p:cNvSpPr txBox="1"/>
-            <p:nvPr/>
-          </p:nvSpPr>
+          </p:nvCxnSpPr>
           <p:spPr>
             <a:xfrm>
-              <a:off x="3616195" y="2942670"/>
-              <a:ext cx="1040525" cy="184666"/>
+              <a:off x="6887408" y="4538706"/>
+              <a:ext cx="101596" cy="0"/>
             </a:xfrm>
-            <a:prstGeom prst="rect">
-              <a:avLst/>
-            </a:prstGeom>
-            <a:noFill/>
-            <a:ln>
-              <a:noFill/>
-            </a:ln>
-          </p:spPr>
-          <p:txBody>
-            <a:bodyPr wrap="square" lIns="0" tIns="0" rIns="0" bIns="0" rtlCol="0">
-              <a:spAutoFit/>
-            </a:bodyPr>
-            <a:lstStyle/>
-            <a:p>
-              <a:pPr fontAlgn="base">
-                <a:spcBef>
-                  <a:spcPct val="50000"/>
-                </a:spcBef>
-                <a:spcAft>
-                  <a:spcPct val="0"/>
-                </a:spcAft>
-                <a:buClr>
-                  <a:srgbClr val="F0AB00"/>
-                </a:buClr>
-                <a:buSzPct val="80000"/>
-              </a:pPr>
-              <a:r>
-                <a:rPr lang="de-DE" sz="1200" kern="0" dirty="0" err="1">
-                  <a:ea typeface="Arial Unicode MS" pitchFamily="34" charset="-128"/>
-                  <a:cs typeface="Arial Unicode MS" pitchFamily="34" charset="-128"/>
-                </a:rPr>
-                <a:t>deployment</a:t>
-              </a:r>
-              <a:endParaRPr lang="de-DE" sz="1200" kern="0" dirty="0">
-                <a:ea typeface="Arial Unicode MS" pitchFamily="34" charset="-128"/>
-                <a:cs typeface="Arial Unicode MS" pitchFamily="34" charset="-128"/>
-              </a:endParaRPr>
-            </a:p>
-          </p:txBody>
-        </p:sp>
-        <p:pic>
-          <p:nvPicPr>
-            <p:cNvPr id="121" name="Picture 120">
-              <a:extLst>
-                <a:ext uri="{FF2B5EF4-FFF2-40B4-BE49-F238E27FC236}">
-                  <a16:creationId xmlns:a16="http://schemas.microsoft.com/office/drawing/2014/main" id="{14BDAAF9-1018-441B-A8B1-0543F6EEA25C}"/>
-                </a:ext>
-              </a:extLst>
-            </p:cNvPr>
-            <p:cNvPicPr>
-              <a:picLocks noChangeAspect="1"/>
-            </p:cNvPicPr>
-            <p:nvPr/>
-          </p:nvPicPr>
-          <p:blipFill>
-            <a:blip r:embed="rId3"/>
-            <a:stretch>
-              <a:fillRect/>
-            </a:stretch>
-          </p:blipFill>
-          <p:spPr>
-            <a:xfrm>
-              <a:off x="5421944" y="1385321"/>
-              <a:ext cx="250508" cy="243840"/>
-            </a:xfrm>
-            <a:prstGeom prst="rect">
-              <a:avLst/>
-            </a:prstGeom>
-          </p:spPr>
-        </p:pic>
-        <p:sp>
-          <p:nvSpPr>
-            <p:cNvPr id="123" name="Rounded Rectangle 14">
-              <a:extLst>
-                <a:ext uri="{FF2B5EF4-FFF2-40B4-BE49-F238E27FC236}">
-                  <a16:creationId xmlns:a16="http://schemas.microsoft.com/office/drawing/2014/main" id="{D2A83CC6-52D4-472D-85D4-97E8FFE6977F}"/>
-                </a:ext>
-              </a:extLst>
-            </p:cNvPr>
-            <p:cNvSpPr/>
-            <p:nvPr/>
-          </p:nvSpPr>
-          <p:spPr bwMode="gray">
-            <a:xfrm>
-              <a:off x="6983833" y="4041589"/>
-              <a:ext cx="2306840" cy="1567299"/>
-            </a:xfrm>
-            <a:prstGeom prst="roundRect">
-              <a:avLst/>
-            </a:prstGeom>
-            <a:solidFill>
-              <a:schemeClr val="bg1">
-                <a:lumMod val="50000"/>
-              </a:schemeClr>
-            </a:solidFill>
-            <a:ln>
-              <a:solidFill>
-                <a:schemeClr val="tx1"/>
-              </a:solidFill>
-              <a:headEnd/>
-              <a:tailEnd/>
-            </a:ln>
-            <a:effectLst/>
-          </p:spPr>
-          <p:style>
-            <a:lnRef idx="1">
-              <a:schemeClr val="accent1"/>
-            </a:lnRef>
-            <a:fillRef idx="3">
-              <a:schemeClr val="accent1"/>
-            </a:fillRef>
-            <a:effectRef idx="2">
-              <a:schemeClr val="accent1"/>
-            </a:effectRef>
-            <a:fontRef idx="minor">
-              <a:schemeClr val="lt1"/>
-            </a:fontRef>
-          </p:style>
-          <p:txBody>
-            <a:bodyPr lIns="107138" tIns="85710" rIns="107138" bIns="85710" rtlCol="0" anchor="t" anchorCtr="0"/>
-            <a:lstStyle/>
-            <a:p>
-              <a:pPr algn="ctr" defTabSz="1088558" fontAlgn="base">
-                <a:spcBef>
-                  <a:spcPct val="50000"/>
-                </a:spcBef>
-                <a:spcAft>
-                  <a:spcPct val="0"/>
-                </a:spcAft>
-                <a:buClr>
-                  <a:srgbClr val="F0AB00"/>
-                </a:buClr>
-                <a:buSzPct val="80000"/>
-              </a:pPr>
-              <a:endParaRPr lang="en-US" sz="1800" kern="0" dirty="0">
-                <a:solidFill>
-                  <a:srgbClr val="000000"/>
-                </a:solidFill>
-                <a:latin typeface="Arial"/>
-                <a:ea typeface="Arial Unicode MS" pitchFamily="34" charset="-128"/>
-                <a:cs typeface="Arial Unicode MS" pitchFamily="34" charset="-128"/>
-              </a:endParaRPr>
-            </a:p>
-          </p:txBody>
-        </p:sp>
-        <p:sp>
-          <p:nvSpPr>
-            <p:cNvPr id="124" name="TextBox 123">
-              <a:extLst>
-                <a:ext uri="{FF2B5EF4-FFF2-40B4-BE49-F238E27FC236}">
-                  <a16:creationId xmlns:a16="http://schemas.microsoft.com/office/drawing/2014/main" id="{99D805EF-B202-486C-A7E8-3507EE26AFB6}"/>
-                </a:ext>
-              </a:extLst>
-            </p:cNvPr>
-            <p:cNvSpPr txBox="1"/>
-            <p:nvPr/>
-          </p:nvSpPr>
-          <p:spPr>
-            <a:xfrm>
-              <a:off x="7270378" y="5404508"/>
-              <a:ext cx="1040525" cy="184666"/>
-            </a:xfrm>
-            <a:prstGeom prst="rect">
-              <a:avLst/>
-            </a:prstGeom>
-            <a:noFill/>
-            <a:ln>
-              <a:noFill/>
-            </a:ln>
-          </p:spPr>
-          <p:txBody>
-            <a:bodyPr wrap="square" lIns="0" tIns="0" rIns="0" bIns="0" rtlCol="0">
-              <a:spAutoFit/>
-            </a:bodyPr>
-            <a:lstStyle/>
-            <a:p>
-              <a:pPr fontAlgn="base">
-                <a:spcBef>
-                  <a:spcPct val="50000"/>
-                </a:spcBef>
-                <a:spcAft>
-                  <a:spcPct val="0"/>
-                </a:spcAft>
-                <a:buClr>
-                  <a:srgbClr val="F0AB00"/>
-                </a:buClr>
-                <a:buSzPct val="80000"/>
-              </a:pPr>
-              <a:r>
-                <a:rPr lang="de-DE" sz="1200" kern="0" dirty="0" err="1">
-                  <a:solidFill>
-                    <a:schemeClr val="bg1"/>
-                  </a:solidFill>
-                  <a:ea typeface="Arial Unicode MS" pitchFamily="34" charset="-128"/>
-                  <a:cs typeface="Arial Unicode MS" pitchFamily="34" charset="-128"/>
-                </a:rPr>
-                <a:t>statefulset</a:t>
-              </a:r>
-              <a:endParaRPr lang="de-DE" sz="1200" kern="0" dirty="0">
-                <a:solidFill>
-                  <a:schemeClr val="bg1"/>
-                </a:solidFill>
-                <a:ea typeface="Arial Unicode MS" pitchFamily="34" charset="-128"/>
-                <a:cs typeface="Arial Unicode MS" pitchFamily="34" charset="-128"/>
-              </a:endParaRPr>
-            </a:p>
-          </p:txBody>
-        </p:sp>
-        <p:pic>
-          <p:nvPicPr>
-            <p:cNvPr id="126" name="Picture 125">
-              <a:extLst>
-                <a:ext uri="{FF2B5EF4-FFF2-40B4-BE49-F238E27FC236}">
-                  <a16:creationId xmlns:a16="http://schemas.microsoft.com/office/drawing/2014/main" id="{1C62FF52-A5A4-4B78-9E9E-B30B607C9B95}"/>
-                </a:ext>
-              </a:extLst>
-            </p:cNvPr>
-            <p:cNvPicPr>
-              <a:picLocks noChangeAspect="1"/>
-            </p:cNvPicPr>
-            <p:nvPr/>
-          </p:nvPicPr>
-          <p:blipFill>
-            <a:blip r:embed="rId3"/>
-            <a:stretch>
-              <a:fillRect/>
-            </a:stretch>
-          </p:blipFill>
-          <p:spPr>
-            <a:xfrm>
-              <a:off x="9093520" y="3960116"/>
-              <a:ext cx="250508" cy="243840"/>
-            </a:xfrm>
-            <a:prstGeom prst="rect">
-              <a:avLst/>
-            </a:prstGeom>
-          </p:spPr>
-        </p:pic>
-        <p:sp>
-          <p:nvSpPr>
-            <p:cNvPr id="128" name="Rounded Rectangle 14">
-              <a:extLst>
-                <a:ext uri="{FF2B5EF4-FFF2-40B4-BE49-F238E27FC236}">
-                  <a16:creationId xmlns:a16="http://schemas.microsoft.com/office/drawing/2014/main" id="{3531ACA5-806A-4435-8742-E2934F4166E1}"/>
-                </a:ext>
-              </a:extLst>
-            </p:cNvPr>
-            <p:cNvSpPr/>
-            <p:nvPr/>
-          </p:nvSpPr>
-          <p:spPr bwMode="gray">
-            <a:xfrm>
-              <a:off x="6983833" y="1485204"/>
-              <a:ext cx="2306840" cy="1681404"/>
-            </a:xfrm>
-            <a:prstGeom prst="roundRect">
+            <a:prstGeom prst="line">
               <a:avLst/>
             </a:prstGeom>
             <a:solidFill>
@@ -44159,1020 +46924,9 @@
                 <a:lumOff val="50000"/>
               </a:schemeClr>
             </a:solidFill>
-            <a:ln>
+            <a:ln w="9525">
               <a:solidFill>
                 <a:schemeClr val="tx1"/>
-              </a:solidFill>
-              <a:headEnd/>
-              <a:tailEnd/>
-            </a:ln>
-            <a:effectLst/>
-          </p:spPr>
-          <p:style>
-            <a:lnRef idx="1">
-              <a:schemeClr val="accent1"/>
-            </a:lnRef>
-            <a:fillRef idx="3">
-              <a:schemeClr val="accent1"/>
-            </a:fillRef>
-            <a:effectRef idx="2">
-              <a:schemeClr val="accent1"/>
-            </a:effectRef>
-            <a:fontRef idx="minor">
-              <a:schemeClr val="lt1"/>
-            </a:fontRef>
-          </p:style>
-          <p:txBody>
-            <a:bodyPr lIns="107138" tIns="85710" rIns="107138" bIns="85710" rtlCol="0" anchor="t" anchorCtr="0"/>
-            <a:lstStyle/>
-            <a:p>
-              <a:pPr algn="ctr" defTabSz="1088558" fontAlgn="base">
-                <a:spcBef>
-                  <a:spcPct val="50000"/>
-                </a:spcBef>
-                <a:spcAft>
-                  <a:spcPct val="0"/>
-                </a:spcAft>
-                <a:buClr>
-                  <a:srgbClr val="F0AB00"/>
-                </a:buClr>
-                <a:buSzPct val="80000"/>
-              </a:pPr>
-              <a:endParaRPr lang="en-US" sz="1800" kern="0" dirty="0">
-                <a:solidFill>
-                  <a:srgbClr val="000000"/>
-                </a:solidFill>
-                <a:latin typeface="Arial"/>
-                <a:ea typeface="Arial Unicode MS" pitchFamily="34" charset="-128"/>
-                <a:cs typeface="Arial Unicode MS" pitchFamily="34" charset="-128"/>
-              </a:endParaRPr>
-            </a:p>
-          </p:txBody>
-        </p:sp>
-        <p:sp>
-          <p:nvSpPr>
-            <p:cNvPr id="129" name="Rounded Rectangle 14">
-              <a:extLst>
-                <a:ext uri="{FF2B5EF4-FFF2-40B4-BE49-F238E27FC236}">
-                  <a16:creationId xmlns:a16="http://schemas.microsoft.com/office/drawing/2014/main" id="{1AA13A4B-69B8-487A-BDC4-C7DF788C0F69}"/>
-                </a:ext>
-              </a:extLst>
-            </p:cNvPr>
-            <p:cNvSpPr/>
-            <p:nvPr/>
-          </p:nvSpPr>
-          <p:spPr bwMode="gray">
-            <a:xfrm>
-              <a:off x="7274870" y="1635472"/>
-              <a:ext cx="1857337" cy="1197304"/>
-            </a:xfrm>
-            <a:prstGeom prst="roundRect">
-              <a:avLst/>
-            </a:prstGeom>
-            <a:solidFill>
-              <a:schemeClr val="tx1">
-                <a:lumMod val="65000"/>
-                <a:lumOff val="35000"/>
-              </a:schemeClr>
-            </a:solidFill>
-            <a:ln>
-              <a:solidFill>
-                <a:schemeClr val="tx1"/>
-              </a:solidFill>
-              <a:headEnd/>
-              <a:tailEnd/>
-            </a:ln>
-            <a:effectLst/>
-          </p:spPr>
-          <p:style>
-            <a:lnRef idx="1">
-              <a:schemeClr val="accent1"/>
-            </a:lnRef>
-            <a:fillRef idx="3">
-              <a:schemeClr val="accent1"/>
-            </a:fillRef>
-            <a:effectRef idx="2">
-              <a:schemeClr val="accent1"/>
-            </a:effectRef>
-            <a:fontRef idx="minor">
-              <a:schemeClr val="lt1"/>
-            </a:fontRef>
-          </p:style>
-          <p:txBody>
-            <a:bodyPr lIns="107138" tIns="85710" rIns="107138" bIns="85710" rtlCol="0" anchor="t" anchorCtr="0"/>
-            <a:lstStyle/>
-            <a:p>
-              <a:pPr algn="ctr" defTabSz="1088558" fontAlgn="base">
-                <a:spcBef>
-                  <a:spcPct val="50000"/>
-                </a:spcBef>
-                <a:spcAft>
-                  <a:spcPct val="0"/>
-                </a:spcAft>
-                <a:buClr>
-                  <a:srgbClr val="F0AB00"/>
-                </a:buClr>
-                <a:buSzPct val="80000"/>
-              </a:pPr>
-              <a:endParaRPr lang="en-US" sz="1800" kern="0" dirty="0">
-                <a:solidFill>
-                  <a:srgbClr val="000000"/>
-                </a:solidFill>
-                <a:latin typeface="Arial"/>
-                <a:ea typeface="Arial Unicode MS" pitchFamily="34" charset="-128"/>
-                <a:cs typeface="Arial Unicode MS" pitchFamily="34" charset="-128"/>
-              </a:endParaRPr>
-            </a:p>
-          </p:txBody>
-        </p:sp>
-        <p:sp>
-          <p:nvSpPr>
-            <p:cNvPr id="131" name="TextBox 130">
-              <a:extLst>
-                <a:ext uri="{FF2B5EF4-FFF2-40B4-BE49-F238E27FC236}">
-                  <a16:creationId xmlns:a16="http://schemas.microsoft.com/office/drawing/2014/main" id="{513395F4-4940-4888-B826-8E5F19FFE98D}"/>
-                </a:ext>
-              </a:extLst>
-            </p:cNvPr>
-            <p:cNvSpPr txBox="1"/>
-            <p:nvPr/>
-          </p:nvSpPr>
-          <p:spPr>
-            <a:xfrm>
-              <a:off x="7250929" y="2947252"/>
-              <a:ext cx="1040525" cy="184666"/>
-            </a:xfrm>
-            <a:prstGeom prst="rect">
-              <a:avLst/>
-            </a:prstGeom>
-            <a:noFill/>
-            <a:ln>
-              <a:noFill/>
-            </a:ln>
-          </p:spPr>
-          <p:txBody>
-            <a:bodyPr wrap="square" lIns="0" tIns="0" rIns="0" bIns="0" rtlCol="0">
-              <a:spAutoFit/>
-            </a:bodyPr>
-            <a:lstStyle/>
-            <a:p>
-              <a:pPr fontAlgn="base">
-                <a:spcBef>
-                  <a:spcPct val="50000"/>
-                </a:spcBef>
-                <a:spcAft>
-                  <a:spcPct val="0"/>
-                </a:spcAft>
-                <a:buClr>
-                  <a:srgbClr val="F0AB00"/>
-                </a:buClr>
-                <a:buSzPct val="80000"/>
-              </a:pPr>
-              <a:r>
-                <a:rPr lang="de-DE" sz="1200" kern="0" dirty="0" err="1">
-                  <a:solidFill>
-                    <a:schemeClr val="bg1"/>
-                  </a:solidFill>
-                  <a:ea typeface="Arial Unicode MS" pitchFamily="34" charset="-128"/>
-                  <a:cs typeface="Arial Unicode MS" pitchFamily="34" charset="-128"/>
-                </a:rPr>
-                <a:t>deployment</a:t>
-              </a:r>
-              <a:endParaRPr lang="de-DE" sz="1200" kern="0" dirty="0">
-                <a:solidFill>
-                  <a:schemeClr val="bg1"/>
-                </a:solidFill>
-                <a:ea typeface="Arial Unicode MS" pitchFamily="34" charset="-128"/>
-                <a:cs typeface="Arial Unicode MS" pitchFamily="34" charset="-128"/>
-              </a:endParaRPr>
-            </a:p>
-          </p:txBody>
-        </p:sp>
-        <p:pic>
-          <p:nvPicPr>
-            <p:cNvPr id="133" name="Picture 132">
-              <a:extLst>
-                <a:ext uri="{FF2B5EF4-FFF2-40B4-BE49-F238E27FC236}">
-                  <a16:creationId xmlns:a16="http://schemas.microsoft.com/office/drawing/2014/main" id="{CAD7646D-AC07-4C2B-B232-6318B4441752}"/>
-                </a:ext>
-              </a:extLst>
-            </p:cNvPr>
-            <p:cNvPicPr>
-              <a:picLocks noChangeAspect="1"/>
-            </p:cNvPicPr>
-            <p:nvPr/>
-          </p:nvPicPr>
-          <p:blipFill>
-            <a:blip r:embed="rId3"/>
-            <a:stretch>
-              <a:fillRect/>
-            </a:stretch>
-          </p:blipFill>
-          <p:spPr>
-            <a:xfrm>
-              <a:off x="9054185" y="1396083"/>
-              <a:ext cx="250508" cy="243840"/>
-            </a:xfrm>
-            <a:prstGeom prst="rect">
-              <a:avLst/>
-            </a:prstGeom>
-          </p:spPr>
-        </p:pic>
-        <p:sp>
-          <p:nvSpPr>
-            <p:cNvPr id="142" name="Rounded Rectangle 14">
-              <a:extLst>
-                <a:ext uri="{FF2B5EF4-FFF2-40B4-BE49-F238E27FC236}">
-                  <a16:creationId xmlns:a16="http://schemas.microsoft.com/office/drawing/2014/main" id="{10871AD4-3047-44B0-9B64-B99F1884495D}"/>
-                </a:ext>
-              </a:extLst>
-            </p:cNvPr>
-            <p:cNvSpPr/>
-            <p:nvPr/>
-          </p:nvSpPr>
-          <p:spPr bwMode="gray">
-            <a:xfrm>
-              <a:off x="7216539" y="1708003"/>
-              <a:ext cx="1857337" cy="1197304"/>
-            </a:xfrm>
-            <a:prstGeom prst="roundRect">
-              <a:avLst/>
-            </a:prstGeom>
-            <a:solidFill>
-              <a:schemeClr val="tx1">
-                <a:lumMod val="65000"/>
-                <a:lumOff val="35000"/>
-              </a:schemeClr>
-            </a:solidFill>
-            <a:ln>
-              <a:solidFill>
-                <a:schemeClr val="tx1"/>
-              </a:solidFill>
-              <a:headEnd/>
-              <a:tailEnd/>
-            </a:ln>
-            <a:effectLst/>
-          </p:spPr>
-          <p:style>
-            <a:lnRef idx="1">
-              <a:schemeClr val="accent1"/>
-            </a:lnRef>
-            <a:fillRef idx="3">
-              <a:schemeClr val="accent1"/>
-            </a:fillRef>
-            <a:effectRef idx="2">
-              <a:schemeClr val="accent1"/>
-            </a:effectRef>
-            <a:fontRef idx="minor">
-              <a:schemeClr val="lt1"/>
-            </a:fontRef>
-          </p:style>
-          <p:txBody>
-            <a:bodyPr lIns="107138" tIns="85710" rIns="107138" bIns="85710" rtlCol="0" anchor="t" anchorCtr="0"/>
-            <a:lstStyle/>
-            <a:p>
-              <a:pPr algn="ctr" defTabSz="1088558" fontAlgn="base">
-                <a:spcBef>
-                  <a:spcPct val="50000"/>
-                </a:spcBef>
-                <a:spcAft>
-                  <a:spcPct val="0"/>
-                </a:spcAft>
-                <a:buClr>
-                  <a:srgbClr val="F0AB00"/>
-                </a:buClr>
-                <a:buSzPct val="80000"/>
-              </a:pPr>
-              <a:endParaRPr lang="en-US" sz="1800" kern="0" dirty="0">
-                <a:solidFill>
-                  <a:srgbClr val="000000"/>
-                </a:solidFill>
-                <a:latin typeface="Arial"/>
-                <a:ea typeface="Arial Unicode MS" pitchFamily="34" charset="-128"/>
-                <a:cs typeface="Arial Unicode MS" pitchFamily="34" charset="-128"/>
-              </a:endParaRPr>
-            </a:p>
-          </p:txBody>
-        </p:sp>
-        <p:sp>
-          <p:nvSpPr>
-            <p:cNvPr id="143" name="Rectangle 142">
-              <a:extLst>
-                <a:ext uri="{FF2B5EF4-FFF2-40B4-BE49-F238E27FC236}">
-                  <a16:creationId xmlns:a16="http://schemas.microsoft.com/office/drawing/2014/main" id="{A5C7B809-5BCC-4B55-927F-169A24879163}"/>
-                </a:ext>
-              </a:extLst>
-            </p:cNvPr>
-            <p:cNvSpPr/>
-            <p:nvPr/>
-          </p:nvSpPr>
-          <p:spPr bwMode="gray">
-            <a:xfrm>
-              <a:off x="7468542" y="1927849"/>
-              <a:ext cx="1346561" cy="721906"/>
-            </a:xfrm>
-            <a:prstGeom prst="rect">
-              <a:avLst/>
-            </a:prstGeom>
-            <a:solidFill>
-              <a:schemeClr val="tx1">
-                <a:lumMod val="75000"/>
-                <a:lumOff val="25000"/>
-              </a:schemeClr>
-            </a:solidFill>
-            <a:ln>
-              <a:solidFill>
-                <a:schemeClr val="tx1"/>
-              </a:solidFill>
-              <a:headEnd/>
-              <a:tailEnd/>
-            </a:ln>
-          </p:spPr>
-          <p:style>
-            <a:lnRef idx="2">
-              <a:schemeClr val="accent2"/>
-            </a:lnRef>
-            <a:fillRef idx="1">
-              <a:schemeClr val="lt1"/>
-            </a:fillRef>
-            <a:effectRef idx="0">
-              <a:schemeClr val="accent2"/>
-            </a:effectRef>
-            <a:fontRef idx="minor">
-              <a:schemeClr val="dk1"/>
-            </a:fontRef>
-          </p:style>
-          <p:txBody>
-            <a:bodyPr lIns="90000" tIns="72000" rIns="90000" bIns="72000" rtlCol="0" anchor="ctr"/>
-            <a:lstStyle/>
-            <a:p>
-              <a:pPr marL="0" marR="0" lvl="0" indent="0" algn="ctr" defTabSz="914400" rtl="0" eaLnBrk="1" fontAlgn="base" latinLnBrk="0" hangingPunct="1">
-                <a:lnSpc>
-                  <a:spcPct val="100000"/>
-                </a:lnSpc>
-                <a:spcBef>
-                  <a:spcPct val="50000"/>
-                </a:spcBef>
-                <a:spcAft>
-                  <a:spcPct val="0"/>
-                </a:spcAft>
-                <a:buClr>
-                  <a:srgbClr val="F0AB00"/>
-                </a:buClr>
-                <a:buSzPct val="80000"/>
-                <a:buFontTx/>
-                <a:buNone/>
-                <a:tabLst/>
-                <a:defRPr/>
-              </a:pPr>
-              <a:r>
-                <a:rPr lang="de-DE" sz="1400" kern="0" dirty="0" err="1">
-                  <a:solidFill>
-                    <a:schemeClr val="bg1"/>
-                  </a:solidFill>
-                  <a:latin typeface="Arial"/>
-                  <a:ea typeface="Arial Unicode MS" pitchFamily="34" charset="-128"/>
-                  <a:cs typeface="Arial Unicode MS" pitchFamily="34" charset="-128"/>
-                </a:rPr>
-                <a:t>bulletinboard</a:t>
-              </a:r>
-              <a:r>
-                <a:rPr lang="de-DE" sz="1400" kern="0" dirty="0">
-                  <a:solidFill>
-                    <a:schemeClr val="bg1"/>
-                  </a:solidFill>
-                  <a:latin typeface="Arial"/>
-                  <a:ea typeface="Arial Unicode MS" pitchFamily="34" charset="-128"/>
-                  <a:cs typeface="Arial Unicode MS" pitchFamily="34" charset="-128"/>
-                </a:rPr>
-                <a:t>-reviews</a:t>
-              </a:r>
-            </a:p>
-          </p:txBody>
-        </p:sp>
-        <p:pic>
-          <p:nvPicPr>
-            <p:cNvPr id="144" name="Picture 143">
-              <a:extLst>
-                <a:ext uri="{FF2B5EF4-FFF2-40B4-BE49-F238E27FC236}">
-                  <a16:creationId xmlns:a16="http://schemas.microsoft.com/office/drawing/2014/main" id="{5C39E02B-A06B-404C-9B68-2C0099AF1CB5}"/>
-                </a:ext>
-              </a:extLst>
-            </p:cNvPr>
-            <p:cNvPicPr>
-              <a:picLocks noChangeAspect="1"/>
-            </p:cNvPicPr>
-            <p:nvPr/>
-          </p:nvPicPr>
-          <p:blipFill>
-            <a:blip r:embed="rId6" cstate="print">
-              <a:extLst>
-                <a:ext uri="{28A0092B-C50C-407E-A947-70E740481C1C}">
-                  <a14:useLocalDpi xmlns:a14="http://schemas.microsoft.com/office/drawing/2010/main" val="0"/>
-                </a:ext>
-              </a:extLst>
-            </a:blip>
-            <a:stretch>
-              <a:fillRect/>
-            </a:stretch>
-          </p:blipFill>
-          <p:spPr>
-            <a:xfrm>
-              <a:off x="8669464" y="2510009"/>
-              <a:ext cx="292622" cy="292622"/>
-            </a:xfrm>
-            <a:prstGeom prst="rect">
-              <a:avLst/>
-            </a:prstGeom>
-          </p:spPr>
-        </p:pic>
-        <p:sp>
-          <p:nvSpPr>
-            <p:cNvPr id="145" name="TextBox 144">
-              <a:extLst>
-                <a:ext uri="{FF2B5EF4-FFF2-40B4-BE49-F238E27FC236}">
-                  <a16:creationId xmlns:a16="http://schemas.microsoft.com/office/drawing/2014/main" id="{6EE7C833-45EC-43EF-A9F0-71B438FD46FF}"/>
-                </a:ext>
-              </a:extLst>
-            </p:cNvPr>
-            <p:cNvSpPr txBox="1"/>
-            <p:nvPr/>
-          </p:nvSpPr>
-          <p:spPr>
-            <a:xfrm>
-              <a:off x="7446291" y="2694087"/>
-              <a:ext cx="1040525" cy="184666"/>
-            </a:xfrm>
-            <a:prstGeom prst="rect">
-              <a:avLst/>
-            </a:prstGeom>
-            <a:noFill/>
-            <a:ln>
-              <a:noFill/>
-            </a:ln>
-          </p:spPr>
-          <p:txBody>
-            <a:bodyPr wrap="square" lIns="0" tIns="0" rIns="0" bIns="0" rtlCol="0">
-              <a:spAutoFit/>
-            </a:bodyPr>
-            <a:lstStyle/>
-            <a:p>
-              <a:pPr fontAlgn="base">
-                <a:spcBef>
-                  <a:spcPct val="50000"/>
-                </a:spcBef>
-                <a:spcAft>
-                  <a:spcPct val="0"/>
-                </a:spcAft>
-                <a:buClr>
-                  <a:srgbClr val="F0AB00"/>
-                </a:buClr>
-                <a:buSzPct val="80000"/>
-              </a:pPr>
-              <a:r>
-                <a:rPr lang="de-DE" sz="1200" kern="0" dirty="0" err="1">
-                  <a:solidFill>
-                    <a:schemeClr val="bg1"/>
-                  </a:solidFill>
-                  <a:ea typeface="Arial Unicode MS" pitchFamily="34" charset="-128"/>
-                  <a:cs typeface="Arial Unicode MS" pitchFamily="34" charset="-128"/>
-                </a:rPr>
-                <a:t>pod</a:t>
-              </a:r>
-              <a:endParaRPr lang="de-DE" sz="1200" kern="0" dirty="0">
-                <a:solidFill>
-                  <a:schemeClr val="bg1"/>
-                </a:solidFill>
-                <a:ea typeface="Arial Unicode MS" pitchFamily="34" charset="-128"/>
-                <a:cs typeface="Arial Unicode MS" pitchFamily="34" charset="-128"/>
-              </a:endParaRPr>
-            </a:p>
-          </p:txBody>
-        </p:sp>
-        <p:sp>
-          <p:nvSpPr>
-            <p:cNvPr id="223" name="Rounded Rectangle 14">
-              <a:extLst>
-                <a:ext uri="{FF2B5EF4-FFF2-40B4-BE49-F238E27FC236}">
-                  <a16:creationId xmlns:a16="http://schemas.microsoft.com/office/drawing/2014/main" id="{0AFE6499-C1E0-4A8F-B0F7-3A2B91D236AB}"/>
-                </a:ext>
-              </a:extLst>
-            </p:cNvPr>
-            <p:cNvSpPr/>
-            <p:nvPr/>
-          </p:nvSpPr>
-          <p:spPr bwMode="gray">
-            <a:xfrm>
-              <a:off x="3549811" y="1689001"/>
-              <a:ext cx="1857337" cy="1197304"/>
-            </a:xfrm>
-            <a:prstGeom prst="roundRect">
-              <a:avLst/>
-            </a:prstGeom>
-            <a:solidFill>
-              <a:schemeClr val="bg1">
-                <a:lumMod val="95000"/>
-              </a:schemeClr>
-            </a:solidFill>
-            <a:ln>
-              <a:solidFill>
-                <a:schemeClr val="tx1"/>
-              </a:solidFill>
-              <a:headEnd/>
-              <a:tailEnd/>
-            </a:ln>
-            <a:effectLst/>
-          </p:spPr>
-          <p:style>
-            <a:lnRef idx="1">
-              <a:schemeClr val="accent1"/>
-            </a:lnRef>
-            <a:fillRef idx="3">
-              <a:schemeClr val="accent1"/>
-            </a:fillRef>
-            <a:effectRef idx="2">
-              <a:schemeClr val="accent1"/>
-            </a:effectRef>
-            <a:fontRef idx="minor">
-              <a:schemeClr val="lt1"/>
-            </a:fontRef>
-          </p:style>
-          <p:txBody>
-            <a:bodyPr lIns="107138" tIns="85710" rIns="107138" bIns="85710" rtlCol="0" anchor="t" anchorCtr="0"/>
-            <a:lstStyle/>
-            <a:p>
-              <a:pPr algn="ctr" defTabSz="1088558" fontAlgn="base">
-                <a:spcBef>
-                  <a:spcPct val="50000"/>
-                </a:spcBef>
-                <a:spcAft>
-                  <a:spcPct val="0"/>
-                </a:spcAft>
-                <a:buClr>
-                  <a:srgbClr val="F0AB00"/>
-                </a:buClr>
-                <a:buSzPct val="80000"/>
-              </a:pPr>
-              <a:endParaRPr lang="en-US" sz="1800" kern="0" dirty="0">
-                <a:solidFill>
-                  <a:schemeClr val="bg1"/>
-                </a:solidFill>
-                <a:latin typeface="Arial"/>
-                <a:ea typeface="Arial Unicode MS" pitchFamily="34" charset="-128"/>
-                <a:cs typeface="Arial Unicode MS" pitchFamily="34" charset="-128"/>
-              </a:endParaRPr>
-            </a:p>
-          </p:txBody>
-        </p:sp>
-        <p:sp>
-          <p:nvSpPr>
-            <p:cNvPr id="224" name="Rectangle 223">
-              <a:extLst>
-                <a:ext uri="{FF2B5EF4-FFF2-40B4-BE49-F238E27FC236}">
-                  <a16:creationId xmlns:a16="http://schemas.microsoft.com/office/drawing/2014/main" id="{EE884514-E0FF-4F18-8361-AF6C5211A036}"/>
-                </a:ext>
-              </a:extLst>
-            </p:cNvPr>
-            <p:cNvSpPr/>
-            <p:nvPr/>
-          </p:nvSpPr>
-          <p:spPr bwMode="gray">
-            <a:xfrm>
-              <a:off x="3829868" y="1879288"/>
-              <a:ext cx="1346561" cy="736567"/>
-            </a:xfrm>
-            <a:prstGeom prst="rect">
-              <a:avLst/>
-            </a:prstGeom>
-            <a:solidFill>
-              <a:schemeClr val="accent1"/>
-            </a:solidFill>
-            <a:ln>
-              <a:noFill/>
-              <a:headEnd/>
-              <a:tailEnd/>
-            </a:ln>
-          </p:spPr>
-          <p:style>
-            <a:lnRef idx="2">
-              <a:schemeClr val="accent2"/>
-            </a:lnRef>
-            <a:fillRef idx="1">
-              <a:schemeClr val="lt1"/>
-            </a:fillRef>
-            <a:effectRef idx="0">
-              <a:schemeClr val="accent2"/>
-            </a:effectRef>
-            <a:fontRef idx="minor">
-              <a:schemeClr val="dk1"/>
-            </a:fontRef>
-          </p:style>
-          <p:txBody>
-            <a:bodyPr lIns="90000" tIns="72000" rIns="90000" bIns="72000" rtlCol="0" anchor="ctr"/>
-            <a:lstStyle/>
-            <a:p>
-              <a:pPr marL="0" marR="0" lvl="0" indent="0" algn="ctr" defTabSz="914400" rtl="0" eaLnBrk="1" fontAlgn="base" latinLnBrk="0" hangingPunct="1">
-                <a:lnSpc>
-                  <a:spcPct val="100000"/>
-                </a:lnSpc>
-                <a:spcBef>
-                  <a:spcPct val="50000"/>
-                </a:spcBef>
-                <a:spcAft>
-                  <a:spcPct val="0"/>
-                </a:spcAft>
-                <a:buClr>
-                  <a:srgbClr val="F0AB00"/>
-                </a:buClr>
-                <a:buSzPct val="80000"/>
-                <a:buFontTx/>
-                <a:buNone/>
-                <a:tabLst/>
-                <a:defRPr/>
-              </a:pPr>
-              <a:r>
-                <a:rPr lang="de-DE" sz="1400" kern="0" dirty="0" err="1">
-                  <a:solidFill>
-                    <a:schemeClr val="tx1"/>
-                  </a:solidFill>
-                  <a:latin typeface="Arial"/>
-                  <a:ea typeface="Arial Unicode MS" pitchFamily="34" charset="-128"/>
-                  <a:cs typeface="Arial Unicode MS" pitchFamily="34" charset="-128"/>
-                </a:rPr>
-                <a:t>bulletinboard</a:t>
-              </a:r>
-              <a:r>
-                <a:rPr lang="de-DE" sz="1400" kern="0" dirty="0">
-                  <a:solidFill>
-                    <a:schemeClr val="tx1"/>
-                  </a:solidFill>
-                  <a:latin typeface="Arial"/>
-                  <a:ea typeface="Arial Unicode MS" pitchFamily="34" charset="-128"/>
-                  <a:cs typeface="Arial Unicode MS" pitchFamily="34" charset="-128"/>
-                </a:rPr>
-                <a:t>-</a:t>
-              </a:r>
-              <a:br>
-                <a:rPr lang="de-DE" sz="1400" kern="0" dirty="0">
-                  <a:solidFill>
-                    <a:schemeClr val="bg1"/>
-                  </a:solidFill>
-                  <a:latin typeface="Arial"/>
-                  <a:ea typeface="Arial Unicode MS" pitchFamily="34" charset="-128"/>
-                  <a:cs typeface="Arial Unicode MS" pitchFamily="34" charset="-128"/>
-                </a:rPr>
-              </a:br>
-              <a:r>
-                <a:rPr lang="de-DE" sz="1400" kern="0" dirty="0" err="1">
-                  <a:solidFill>
-                    <a:schemeClr val="tx1"/>
-                  </a:solidFill>
-                  <a:latin typeface="Arial"/>
-                  <a:ea typeface="Arial Unicode MS" pitchFamily="34" charset="-128"/>
-                  <a:cs typeface="Arial Unicode MS" pitchFamily="34" charset="-128"/>
-                </a:rPr>
-                <a:t>ads</a:t>
-              </a:r>
-              <a:endParaRPr kumimoji="0" lang="de-DE" sz="1400" i="0" u="none" strike="noStrike" kern="0" cap="none" spc="0" normalizeH="0" baseline="0" noProof="0" dirty="0">
-                <a:ln>
-                  <a:noFill/>
-                </a:ln>
-                <a:solidFill>
-                  <a:schemeClr val="tx1"/>
-                </a:solidFill>
-                <a:effectLst/>
-                <a:uLnTx/>
-                <a:uFillTx/>
-                <a:latin typeface="Arial"/>
-                <a:ea typeface="Arial Unicode MS" pitchFamily="34" charset="-128"/>
-                <a:cs typeface="Arial Unicode MS" pitchFamily="34" charset="-128"/>
-              </a:endParaRPr>
-            </a:p>
-          </p:txBody>
-        </p:sp>
-        <p:pic>
-          <p:nvPicPr>
-            <p:cNvPr id="225" name="Picture 224">
-              <a:extLst>
-                <a:ext uri="{FF2B5EF4-FFF2-40B4-BE49-F238E27FC236}">
-                  <a16:creationId xmlns:a16="http://schemas.microsoft.com/office/drawing/2014/main" id="{6C6FD47D-C257-4FDC-A93A-2FEBE60C14B9}"/>
-                </a:ext>
-              </a:extLst>
-            </p:cNvPr>
-            <p:cNvPicPr>
-              <a:picLocks noChangeAspect="1"/>
-            </p:cNvPicPr>
-            <p:nvPr/>
-          </p:nvPicPr>
-          <p:blipFill>
-            <a:blip r:embed="rId6" cstate="print">
-              <a:extLst>
-                <a:ext uri="{28A0092B-C50C-407E-A947-70E740481C1C}">
-                  <a14:useLocalDpi xmlns:a14="http://schemas.microsoft.com/office/drawing/2010/main" val="0"/>
-                </a:ext>
-              </a:extLst>
-            </a:blip>
-            <a:stretch>
-              <a:fillRect/>
-            </a:stretch>
-          </p:blipFill>
-          <p:spPr>
-            <a:xfrm>
-              <a:off x="5040606" y="2442473"/>
-              <a:ext cx="292622" cy="292622"/>
-            </a:xfrm>
-            <a:prstGeom prst="rect">
-              <a:avLst/>
-            </a:prstGeom>
-          </p:spPr>
-        </p:pic>
-        <p:sp>
-          <p:nvSpPr>
-            <p:cNvPr id="226" name="TextBox 225">
-              <a:extLst>
-                <a:ext uri="{FF2B5EF4-FFF2-40B4-BE49-F238E27FC236}">
-                  <a16:creationId xmlns:a16="http://schemas.microsoft.com/office/drawing/2014/main" id="{4D50BF50-BA40-4345-9FCE-13EA315F11FB}"/>
-                </a:ext>
-              </a:extLst>
-            </p:cNvPr>
-            <p:cNvSpPr txBox="1"/>
-            <p:nvPr/>
-          </p:nvSpPr>
-          <p:spPr>
-            <a:xfrm>
-              <a:off x="3731942" y="2664554"/>
-              <a:ext cx="1040525" cy="184666"/>
-            </a:xfrm>
-            <a:prstGeom prst="rect">
-              <a:avLst/>
-            </a:prstGeom>
-            <a:noFill/>
-            <a:ln>
-              <a:noFill/>
-            </a:ln>
-          </p:spPr>
-          <p:txBody>
-            <a:bodyPr wrap="square" lIns="0" tIns="0" rIns="0" bIns="0" rtlCol="0">
-              <a:spAutoFit/>
-            </a:bodyPr>
-            <a:lstStyle/>
-            <a:p>
-              <a:pPr fontAlgn="base">
-                <a:spcBef>
-                  <a:spcPct val="50000"/>
-                </a:spcBef>
-                <a:spcAft>
-                  <a:spcPct val="0"/>
-                </a:spcAft>
-                <a:buClr>
-                  <a:srgbClr val="F0AB00"/>
-                </a:buClr>
-                <a:buSzPct val="80000"/>
-              </a:pPr>
-              <a:r>
-                <a:rPr lang="de-DE" sz="1200" kern="0" dirty="0" err="1">
-                  <a:ea typeface="Arial Unicode MS" pitchFamily="34" charset="-128"/>
-                  <a:cs typeface="Arial Unicode MS" pitchFamily="34" charset="-128"/>
-                </a:rPr>
-                <a:t>pod</a:t>
-              </a:r>
-              <a:endParaRPr lang="de-DE" sz="1200" kern="0" dirty="0">
-                <a:ea typeface="Arial Unicode MS" pitchFamily="34" charset="-128"/>
-                <a:cs typeface="Arial Unicode MS" pitchFamily="34" charset="-128"/>
-              </a:endParaRPr>
-            </a:p>
-          </p:txBody>
-        </p:sp>
-        <p:sp>
-          <p:nvSpPr>
-            <p:cNvPr id="227" name="Rounded Rectangle 14">
-              <a:extLst>
-                <a:ext uri="{FF2B5EF4-FFF2-40B4-BE49-F238E27FC236}">
-                  <a16:creationId xmlns:a16="http://schemas.microsoft.com/office/drawing/2014/main" id="{0DF80EEF-A439-4298-8996-1CBD00157FC7}"/>
-                </a:ext>
-              </a:extLst>
-            </p:cNvPr>
-            <p:cNvSpPr/>
-            <p:nvPr/>
-          </p:nvSpPr>
-          <p:spPr bwMode="gray">
-            <a:xfrm>
-              <a:off x="3571284" y="4163988"/>
-              <a:ext cx="1857337" cy="1197304"/>
-            </a:xfrm>
-            <a:prstGeom prst="roundRect">
-              <a:avLst/>
-            </a:prstGeom>
-            <a:solidFill>
-              <a:schemeClr val="bg1">
-                <a:lumMod val="65000"/>
-                <a:lumOff val="35000"/>
-              </a:schemeClr>
-            </a:solidFill>
-            <a:ln>
-              <a:solidFill>
-                <a:schemeClr val="tx1"/>
-              </a:solidFill>
-              <a:headEnd/>
-              <a:tailEnd/>
-            </a:ln>
-            <a:effectLst/>
-          </p:spPr>
-          <p:style>
-            <a:lnRef idx="1">
-              <a:schemeClr val="accent1"/>
-            </a:lnRef>
-            <a:fillRef idx="3">
-              <a:schemeClr val="accent1"/>
-            </a:fillRef>
-            <a:effectRef idx="2">
-              <a:schemeClr val="accent1"/>
-            </a:effectRef>
-            <a:fontRef idx="minor">
-              <a:schemeClr val="lt1"/>
-            </a:fontRef>
-          </p:style>
-          <p:txBody>
-            <a:bodyPr lIns="107138" tIns="85710" rIns="107138" bIns="85710" rtlCol="0" anchor="t" anchorCtr="0"/>
-            <a:lstStyle/>
-            <a:p>
-              <a:pPr algn="ctr" defTabSz="1088558" fontAlgn="base">
-                <a:spcBef>
-                  <a:spcPct val="50000"/>
-                </a:spcBef>
-                <a:spcAft>
-                  <a:spcPct val="0"/>
-                </a:spcAft>
-                <a:buClr>
-                  <a:srgbClr val="F0AB00"/>
-                </a:buClr>
-                <a:buSzPct val="80000"/>
-              </a:pPr>
-              <a:endParaRPr lang="en-US" sz="1800" kern="0" dirty="0">
-                <a:solidFill>
-                  <a:srgbClr val="000000"/>
-                </a:solidFill>
-                <a:latin typeface="Arial"/>
-                <a:ea typeface="Arial Unicode MS" pitchFamily="34" charset="-128"/>
-                <a:cs typeface="Arial Unicode MS" pitchFamily="34" charset="-128"/>
-              </a:endParaRPr>
-            </a:p>
-          </p:txBody>
-        </p:sp>
-        <p:sp>
-          <p:nvSpPr>
-            <p:cNvPr id="228" name="Cylinder 227">
-              <a:extLst>
-                <a:ext uri="{FF2B5EF4-FFF2-40B4-BE49-F238E27FC236}">
-                  <a16:creationId xmlns:a16="http://schemas.microsoft.com/office/drawing/2014/main" id="{F9817FF4-D322-4F0E-BFF3-C2518FD0977E}"/>
-                </a:ext>
-              </a:extLst>
-            </p:cNvPr>
-            <p:cNvSpPr/>
-            <p:nvPr/>
-          </p:nvSpPr>
-          <p:spPr bwMode="gray">
-            <a:xfrm>
-              <a:off x="3998946" y="4204812"/>
-              <a:ext cx="998220" cy="1004248"/>
-            </a:xfrm>
-            <a:prstGeom prst="can">
-              <a:avLst/>
-            </a:prstGeom>
-            <a:solidFill>
-              <a:schemeClr val="tx2"/>
-            </a:solidFill>
-            <a:ln>
-              <a:solidFill>
-                <a:schemeClr val="tx1"/>
-              </a:solidFill>
-              <a:headEnd/>
-              <a:tailEnd/>
-            </a:ln>
-          </p:spPr>
-          <p:style>
-            <a:lnRef idx="2">
-              <a:schemeClr val="accent2"/>
-            </a:lnRef>
-            <a:fillRef idx="1">
-              <a:schemeClr val="lt1"/>
-            </a:fillRef>
-            <a:effectRef idx="0">
-              <a:schemeClr val="accent2"/>
-            </a:effectRef>
-            <a:fontRef idx="minor">
-              <a:schemeClr val="dk1"/>
-            </a:fontRef>
-          </p:style>
-          <p:txBody>
-            <a:bodyPr lIns="90000" tIns="72000" rIns="90000" bIns="72000" rtlCol="0" anchor="ctr"/>
-            <a:lstStyle/>
-            <a:p>
-              <a:pPr marR="0" algn="ctr" defTabSz="914400" eaLnBrk="1" fontAlgn="base" latinLnBrk="0" hangingPunct="1">
-                <a:lnSpc>
-                  <a:spcPct val="100000"/>
-                </a:lnSpc>
-                <a:spcBef>
-                  <a:spcPct val="50000"/>
-                </a:spcBef>
-                <a:spcAft>
-                  <a:spcPct val="0"/>
-                </a:spcAft>
-                <a:buClr>
-                  <a:srgbClr val="F0AB00"/>
-                </a:buClr>
-                <a:buSzPct val="80000"/>
-                <a:tabLst/>
-              </a:pPr>
-              <a:r>
-                <a:rPr kumimoji="0" lang="de-DE" sz="1400" i="0" u="none" strike="noStrike" kern="0" cap="none" spc="0" normalizeH="0" baseline="0" noProof="0" dirty="0" err="1">
-                  <a:ln>
-                    <a:noFill/>
-                  </a:ln>
-                  <a:effectLst/>
-                  <a:uLnTx/>
-                  <a:uFillTx/>
-                  <a:ea typeface="Arial Unicode MS" pitchFamily="34" charset="-128"/>
-                  <a:cs typeface="Arial Unicode MS" pitchFamily="34" charset="-128"/>
-                </a:rPr>
-                <a:t>postgresql</a:t>
-              </a:r>
-              <a:endParaRPr kumimoji="0" lang="de-DE" sz="1400" i="0" u="none" strike="noStrike" kern="0" cap="none" spc="0" normalizeH="0" baseline="0" noProof="0" dirty="0">
-                <a:ln>
-                  <a:noFill/>
-                </a:ln>
-                <a:effectLst/>
-                <a:uLnTx/>
-                <a:uFillTx/>
-                <a:ea typeface="Arial Unicode MS" pitchFamily="34" charset="-128"/>
-                <a:cs typeface="Arial Unicode MS" pitchFamily="34" charset="-128"/>
-              </a:endParaRPr>
-            </a:p>
-          </p:txBody>
-        </p:sp>
-        <p:pic>
-          <p:nvPicPr>
-            <p:cNvPr id="229" name="Picture 228">
-              <a:extLst>
-                <a:ext uri="{FF2B5EF4-FFF2-40B4-BE49-F238E27FC236}">
-                  <a16:creationId xmlns:a16="http://schemas.microsoft.com/office/drawing/2014/main" id="{9DCDAC60-4FFD-44AD-A386-80730AD4DAE1}"/>
-                </a:ext>
-              </a:extLst>
-            </p:cNvPr>
-            <p:cNvPicPr>
-              <a:picLocks noChangeAspect="1"/>
-            </p:cNvPicPr>
-            <p:nvPr/>
-          </p:nvPicPr>
-          <p:blipFill>
-            <a:blip r:embed="rId6" cstate="print">
-              <a:extLst>
-                <a:ext uri="{28A0092B-C50C-407E-A947-70E740481C1C}">
-                  <a14:useLocalDpi xmlns:a14="http://schemas.microsoft.com/office/drawing/2010/main" val="0"/>
-                </a:ext>
-              </a:extLst>
-            </a:blip>
-            <a:stretch>
-              <a:fillRect/>
-            </a:stretch>
-          </p:blipFill>
-          <p:spPr>
-            <a:xfrm>
-              <a:off x="4867704" y="4985960"/>
-              <a:ext cx="292622" cy="292622"/>
-            </a:xfrm>
-            <a:prstGeom prst="rect">
-              <a:avLst/>
-            </a:prstGeom>
-          </p:spPr>
-        </p:pic>
-        <p:cxnSp>
-          <p:nvCxnSpPr>
-            <p:cNvPr id="230" name="Straight Connector 229">
-              <a:extLst>
-                <a:ext uri="{FF2B5EF4-FFF2-40B4-BE49-F238E27FC236}">
-                  <a16:creationId xmlns:a16="http://schemas.microsoft.com/office/drawing/2014/main" id="{F3FAFB56-11B8-47C3-A86E-914B850B4603}"/>
-                </a:ext>
-              </a:extLst>
-            </p:cNvPr>
-            <p:cNvCxnSpPr>
-              <a:cxnSpLocks/>
-              <a:stCxn id="224" idx="2"/>
-              <a:endCxn id="227" idx="0"/>
-            </p:cNvCxnSpPr>
-            <p:nvPr/>
-          </p:nvCxnSpPr>
-          <p:spPr>
-            <a:xfrm flipH="1">
-              <a:off x="4499953" y="2615855"/>
-              <a:ext cx="3196" cy="1548133"/>
-            </a:xfrm>
-            <a:prstGeom prst="line">
-              <a:avLst/>
-            </a:prstGeom>
-            <a:ln w="38100">
-              <a:solidFill>
-                <a:srgbClr val="E35500"/>
               </a:solidFill>
               <a:headEnd type="none" w="med" len="med"/>
               <a:tailEnd type="none" w="med" len="med"/>
@@ -45193,2077 +46947,6 @@
             </a:fontRef>
           </p:style>
         </p:cxnSp>
-        <p:sp>
-          <p:nvSpPr>
-            <p:cNvPr id="231" name="TextBox 230">
-              <a:extLst>
-                <a:ext uri="{FF2B5EF4-FFF2-40B4-BE49-F238E27FC236}">
-                  <a16:creationId xmlns:a16="http://schemas.microsoft.com/office/drawing/2014/main" id="{CBCA589D-41FE-4BED-9054-5E493DEFBB49}"/>
-                </a:ext>
-              </a:extLst>
-            </p:cNvPr>
-            <p:cNvSpPr txBox="1"/>
-            <p:nvPr/>
-          </p:nvSpPr>
-          <p:spPr>
-            <a:xfrm>
-              <a:off x="3727041" y="5125890"/>
-              <a:ext cx="1040525" cy="184666"/>
-            </a:xfrm>
-            <a:prstGeom prst="rect">
-              <a:avLst/>
-            </a:prstGeom>
-            <a:noFill/>
-            <a:ln>
-              <a:noFill/>
-            </a:ln>
-          </p:spPr>
-          <p:txBody>
-            <a:bodyPr wrap="square" lIns="0" tIns="0" rIns="0" bIns="0" rtlCol="0">
-              <a:spAutoFit/>
-            </a:bodyPr>
-            <a:lstStyle/>
-            <a:p>
-              <a:pPr fontAlgn="base">
-                <a:spcBef>
-                  <a:spcPct val="50000"/>
-                </a:spcBef>
-                <a:spcAft>
-                  <a:spcPct val="0"/>
-                </a:spcAft>
-                <a:buClr>
-                  <a:srgbClr val="F0AB00"/>
-                </a:buClr>
-                <a:buSzPct val="80000"/>
-              </a:pPr>
-              <a:r>
-                <a:rPr lang="de-DE" sz="1200" kern="0" dirty="0" err="1">
-                  <a:ea typeface="Arial Unicode MS" pitchFamily="34" charset="-128"/>
-                  <a:cs typeface="Arial Unicode MS" pitchFamily="34" charset="-128"/>
-                </a:rPr>
-                <a:t>pod</a:t>
-              </a:r>
-              <a:endParaRPr lang="de-DE" sz="1200" kern="0" dirty="0">
-                <a:ea typeface="Arial Unicode MS" pitchFamily="34" charset="-128"/>
-                <a:cs typeface="Arial Unicode MS" pitchFamily="34" charset="-128"/>
-              </a:endParaRPr>
-            </a:p>
-          </p:txBody>
-        </p:sp>
-        <p:grpSp>
-          <p:nvGrpSpPr>
-            <p:cNvPr id="232" name="Group 231">
-              <a:extLst>
-                <a:ext uri="{FF2B5EF4-FFF2-40B4-BE49-F238E27FC236}">
-                  <a16:creationId xmlns:a16="http://schemas.microsoft.com/office/drawing/2014/main" id="{3BAEA0DC-925B-4290-BA34-30AD635E75C4}"/>
-                </a:ext>
-              </a:extLst>
-            </p:cNvPr>
-            <p:cNvGrpSpPr/>
-            <p:nvPr/>
-          </p:nvGrpSpPr>
-          <p:grpSpPr>
-            <a:xfrm>
-              <a:off x="4223641" y="3469832"/>
-              <a:ext cx="599123" cy="513263"/>
-              <a:chOff x="6223707" y="4134249"/>
-              <a:chExt cx="599123" cy="513263"/>
-            </a:xfrm>
-          </p:grpSpPr>
-          <p:sp>
-            <p:nvSpPr>
-              <p:cNvPr id="275" name="Rounded Rectangle 14">
-                <a:extLst>
-                  <a:ext uri="{FF2B5EF4-FFF2-40B4-BE49-F238E27FC236}">
-                    <a16:creationId xmlns:a16="http://schemas.microsoft.com/office/drawing/2014/main" id="{18A119F5-4438-413C-8DB3-5BA61FE67253}"/>
-                  </a:ext>
-                </a:extLst>
-              </p:cNvPr>
-              <p:cNvSpPr/>
-              <p:nvPr/>
-            </p:nvSpPr>
-            <p:spPr bwMode="gray">
-              <a:xfrm>
-                <a:off x="6223707" y="4182948"/>
-                <a:ext cx="548827" cy="464564"/>
-              </a:xfrm>
-              <a:prstGeom prst="roundRect">
-                <a:avLst/>
-              </a:prstGeom>
-              <a:solidFill>
-                <a:srgbClr val="4FB81C"/>
-              </a:solidFill>
-              <a:ln>
-                <a:solidFill>
-                  <a:schemeClr val="tx1"/>
-                </a:solidFill>
-                <a:headEnd/>
-                <a:tailEnd/>
-              </a:ln>
-              <a:effectLst/>
-            </p:spPr>
-            <p:style>
-              <a:lnRef idx="1">
-                <a:schemeClr val="accent1"/>
-              </a:lnRef>
-              <a:fillRef idx="3">
-                <a:schemeClr val="accent1"/>
-              </a:fillRef>
-              <a:effectRef idx="2">
-                <a:schemeClr val="accent1"/>
-              </a:effectRef>
-              <a:fontRef idx="minor">
-                <a:schemeClr val="lt1"/>
-              </a:fontRef>
-            </p:style>
-            <p:txBody>
-              <a:bodyPr lIns="107138" tIns="85710" rIns="107138" bIns="85710" rtlCol="0" anchor="t" anchorCtr="0"/>
-              <a:lstStyle/>
-              <a:p>
-                <a:pPr algn="ctr" defTabSz="1088558" fontAlgn="base">
-                  <a:spcBef>
-                    <a:spcPct val="50000"/>
-                  </a:spcBef>
-                  <a:spcAft>
-                    <a:spcPct val="0"/>
-                  </a:spcAft>
-                  <a:buClr>
-                    <a:srgbClr val="F0AB00"/>
-                  </a:buClr>
-                  <a:buSzPct val="80000"/>
-                </a:pPr>
-                <a:r>
-                  <a:rPr lang="en-US" sz="1000" kern="0" dirty="0">
-                    <a:solidFill>
-                      <a:srgbClr val="000000"/>
-                    </a:solidFill>
-                    <a:latin typeface="Arial"/>
-                    <a:ea typeface="Arial Unicode MS" pitchFamily="34" charset="-128"/>
-                    <a:cs typeface="Arial Unicode MS" pitchFamily="34" charset="-128"/>
-                  </a:rPr>
-                  <a:t>svc</a:t>
-                </a:r>
-              </a:p>
-            </p:txBody>
-          </p:sp>
-          <p:pic>
-            <p:nvPicPr>
-              <p:cNvPr id="276" name="Picture 275">
-                <a:extLst>
-                  <a:ext uri="{FF2B5EF4-FFF2-40B4-BE49-F238E27FC236}">
-                    <a16:creationId xmlns:a16="http://schemas.microsoft.com/office/drawing/2014/main" id="{30464738-F11D-40DC-A5F6-9D287F567061}"/>
-                  </a:ext>
-                </a:extLst>
-              </p:cNvPr>
-              <p:cNvPicPr>
-                <a:picLocks noChangeAspect="1"/>
-              </p:cNvPicPr>
-              <p:nvPr/>
-            </p:nvPicPr>
-            <p:blipFill>
-              <a:blip r:embed="rId3"/>
-              <a:stretch>
-                <a:fillRect/>
-              </a:stretch>
-            </p:blipFill>
-            <p:spPr>
-              <a:xfrm>
-                <a:off x="6672525" y="4134249"/>
-                <a:ext cx="150305" cy="146304"/>
-              </a:xfrm>
-              <a:prstGeom prst="rect">
-                <a:avLst/>
-              </a:prstGeom>
-            </p:spPr>
-          </p:pic>
-        </p:grpSp>
-        <p:sp>
-          <p:nvSpPr>
-            <p:cNvPr id="233" name="Rounded Rectangle 14">
-              <a:extLst>
-                <a:ext uri="{FF2B5EF4-FFF2-40B4-BE49-F238E27FC236}">
-                  <a16:creationId xmlns:a16="http://schemas.microsoft.com/office/drawing/2014/main" id="{FCFD48AF-2677-4F3C-BD82-34E9F334F21A}"/>
-                </a:ext>
-              </a:extLst>
-            </p:cNvPr>
-            <p:cNvSpPr/>
-            <p:nvPr/>
-          </p:nvSpPr>
-          <p:spPr bwMode="gray">
-            <a:xfrm>
-              <a:off x="7236182" y="4167631"/>
-              <a:ext cx="1857337" cy="1197304"/>
-            </a:xfrm>
-            <a:prstGeom prst="roundRect">
-              <a:avLst/>
-            </a:prstGeom>
-            <a:solidFill>
-              <a:schemeClr val="tx1">
-                <a:lumMod val="65000"/>
-                <a:lumOff val="35000"/>
-              </a:schemeClr>
-            </a:solidFill>
-            <a:ln>
-              <a:solidFill>
-                <a:schemeClr val="tx1"/>
-              </a:solidFill>
-              <a:headEnd/>
-              <a:tailEnd/>
-            </a:ln>
-            <a:effectLst/>
-          </p:spPr>
-          <p:style>
-            <a:lnRef idx="1">
-              <a:schemeClr val="accent1"/>
-            </a:lnRef>
-            <a:fillRef idx="3">
-              <a:schemeClr val="accent1"/>
-            </a:fillRef>
-            <a:effectRef idx="2">
-              <a:schemeClr val="accent1"/>
-            </a:effectRef>
-            <a:fontRef idx="minor">
-              <a:schemeClr val="lt1"/>
-            </a:fontRef>
-          </p:style>
-          <p:txBody>
-            <a:bodyPr lIns="107138" tIns="85710" rIns="107138" bIns="85710" rtlCol="0" anchor="t" anchorCtr="0"/>
-            <a:lstStyle/>
-            <a:p>
-              <a:pPr algn="ctr" defTabSz="1088558" fontAlgn="base">
-                <a:spcBef>
-                  <a:spcPct val="50000"/>
-                </a:spcBef>
-                <a:spcAft>
-                  <a:spcPct val="0"/>
-                </a:spcAft>
-                <a:buClr>
-                  <a:srgbClr val="F0AB00"/>
-                </a:buClr>
-                <a:buSzPct val="80000"/>
-              </a:pPr>
-              <a:endParaRPr lang="en-US" sz="1800" kern="0" dirty="0">
-                <a:solidFill>
-                  <a:schemeClr val="bg1"/>
-                </a:solidFill>
-                <a:latin typeface="Arial"/>
-                <a:ea typeface="Arial Unicode MS" pitchFamily="34" charset="-128"/>
-                <a:cs typeface="Arial Unicode MS" pitchFamily="34" charset="-128"/>
-              </a:endParaRPr>
-            </a:p>
-          </p:txBody>
-        </p:sp>
-        <p:sp>
-          <p:nvSpPr>
-            <p:cNvPr id="234" name="Cylinder 233">
-              <a:extLst>
-                <a:ext uri="{FF2B5EF4-FFF2-40B4-BE49-F238E27FC236}">
-                  <a16:creationId xmlns:a16="http://schemas.microsoft.com/office/drawing/2014/main" id="{4A10A458-F488-4A56-9ABE-E8501205BD07}"/>
-                </a:ext>
-              </a:extLst>
-            </p:cNvPr>
-            <p:cNvSpPr/>
-            <p:nvPr/>
-          </p:nvSpPr>
-          <p:spPr bwMode="gray">
-            <a:xfrm>
-              <a:off x="7638143" y="4204812"/>
-              <a:ext cx="998220" cy="1004248"/>
-            </a:xfrm>
-            <a:prstGeom prst="can">
-              <a:avLst/>
-            </a:prstGeom>
-            <a:solidFill>
-              <a:schemeClr val="tx1">
-                <a:lumMod val="75000"/>
-                <a:lumOff val="25000"/>
-              </a:schemeClr>
-            </a:solidFill>
-            <a:ln>
-              <a:solidFill>
-                <a:schemeClr val="tx1"/>
-              </a:solidFill>
-              <a:headEnd/>
-              <a:tailEnd/>
-            </a:ln>
-          </p:spPr>
-          <p:style>
-            <a:lnRef idx="2">
-              <a:schemeClr val="accent2"/>
-            </a:lnRef>
-            <a:fillRef idx="1">
-              <a:schemeClr val="lt1"/>
-            </a:fillRef>
-            <a:effectRef idx="0">
-              <a:schemeClr val="accent2"/>
-            </a:effectRef>
-            <a:fontRef idx="minor">
-              <a:schemeClr val="dk1"/>
-            </a:fontRef>
-          </p:style>
-          <p:txBody>
-            <a:bodyPr lIns="90000" tIns="72000" rIns="90000" bIns="72000" rtlCol="0" anchor="ctr"/>
-            <a:lstStyle/>
-            <a:p>
-              <a:pPr algn="ctr" defTabSz="914400" fontAlgn="base">
-                <a:spcBef>
-                  <a:spcPct val="50000"/>
-                </a:spcBef>
-                <a:spcAft>
-                  <a:spcPct val="0"/>
-                </a:spcAft>
-                <a:buClr>
-                  <a:srgbClr val="F0AB00"/>
-                </a:buClr>
-                <a:buSzPct val="80000"/>
-              </a:pPr>
-              <a:r>
-                <a:rPr lang="de-DE" sz="1400" kern="0" dirty="0" err="1">
-                  <a:solidFill>
-                    <a:schemeClr val="bg1"/>
-                  </a:solidFill>
-                  <a:ea typeface="Arial Unicode MS" pitchFamily="34" charset="-128"/>
-                  <a:cs typeface="Arial Unicode MS" pitchFamily="34" charset="-128"/>
-                </a:rPr>
-                <a:t>postgresql</a:t>
-              </a:r>
-              <a:endParaRPr lang="de-DE" sz="1400" kern="0" dirty="0">
-                <a:solidFill>
-                  <a:schemeClr val="bg1"/>
-                </a:solidFill>
-                <a:ea typeface="Arial Unicode MS" pitchFamily="34" charset="-128"/>
-                <a:cs typeface="Arial Unicode MS" pitchFamily="34" charset="-128"/>
-              </a:endParaRPr>
-            </a:p>
-          </p:txBody>
-        </p:sp>
-        <p:pic>
-          <p:nvPicPr>
-            <p:cNvPr id="235" name="Picture 234">
-              <a:extLst>
-                <a:ext uri="{FF2B5EF4-FFF2-40B4-BE49-F238E27FC236}">
-                  <a16:creationId xmlns:a16="http://schemas.microsoft.com/office/drawing/2014/main" id="{47AC4E03-4171-4A8C-9FE3-7028392D0F9F}"/>
-                </a:ext>
-              </a:extLst>
-            </p:cNvPr>
-            <p:cNvPicPr>
-              <a:picLocks noChangeAspect="1"/>
-            </p:cNvPicPr>
-            <p:nvPr/>
-          </p:nvPicPr>
-          <p:blipFill>
-            <a:blip r:embed="rId6" cstate="print">
-              <a:extLst>
-                <a:ext uri="{28A0092B-C50C-407E-A947-70E740481C1C}">
-                  <a14:useLocalDpi xmlns:a14="http://schemas.microsoft.com/office/drawing/2010/main" val="0"/>
-                </a:ext>
-              </a:extLst>
-            </a:blip>
-            <a:stretch>
-              <a:fillRect/>
-            </a:stretch>
-          </p:blipFill>
-          <p:spPr>
-            <a:xfrm>
-              <a:off x="8490052" y="4993854"/>
-              <a:ext cx="292622" cy="292622"/>
-            </a:xfrm>
-            <a:prstGeom prst="rect">
-              <a:avLst/>
-            </a:prstGeom>
-          </p:spPr>
-        </p:pic>
-        <p:cxnSp>
-          <p:nvCxnSpPr>
-            <p:cNvPr id="236" name="Straight Connector 235">
-              <a:extLst>
-                <a:ext uri="{FF2B5EF4-FFF2-40B4-BE49-F238E27FC236}">
-                  <a16:creationId xmlns:a16="http://schemas.microsoft.com/office/drawing/2014/main" id="{8D15CE70-8DDD-41D9-8343-1280632B4AFE}"/>
-                </a:ext>
-              </a:extLst>
-            </p:cNvPr>
-            <p:cNvCxnSpPr>
-              <a:cxnSpLocks/>
-              <a:stCxn id="143" idx="2"/>
-            </p:cNvCxnSpPr>
-            <p:nvPr/>
-          </p:nvCxnSpPr>
-          <p:spPr>
-            <a:xfrm>
-              <a:off x="8141823" y="2649755"/>
-              <a:ext cx="0" cy="1514233"/>
-            </a:xfrm>
-            <a:prstGeom prst="line">
-              <a:avLst/>
-            </a:prstGeom>
-            <a:ln w="38100">
-              <a:solidFill>
-                <a:schemeClr val="tx1">
-                  <a:lumMod val="75000"/>
-                  <a:lumOff val="25000"/>
-                </a:schemeClr>
-              </a:solidFill>
-              <a:headEnd type="none" w="med" len="med"/>
-              <a:tailEnd type="none" w="med" len="med"/>
-            </a:ln>
-          </p:spPr>
-          <p:style>
-            <a:lnRef idx="1">
-              <a:schemeClr val="accent1"/>
-            </a:lnRef>
-            <a:fillRef idx="0">
-              <a:schemeClr val="accent1"/>
-            </a:fillRef>
-            <a:effectRef idx="0">
-              <a:schemeClr val="accent1"/>
-            </a:effectRef>
-            <a:fontRef idx="minor">
-              <a:schemeClr val="tx1"/>
-            </a:fontRef>
-          </p:style>
-        </p:cxnSp>
-        <p:grpSp>
-          <p:nvGrpSpPr>
-            <p:cNvPr id="237" name="Group 236">
-              <a:extLst>
-                <a:ext uri="{FF2B5EF4-FFF2-40B4-BE49-F238E27FC236}">
-                  <a16:creationId xmlns:a16="http://schemas.microsoft.com/office/drawing/2014/main" id="{CDE47E1C-0310-4CDF-ABD9-D5497E1ED0E1}"/>
-                </a:ext>
-              </a:extLst>
-            </p:cNvPr>
-            <p:cNvGrpSpPr/>
-            <p:nvPr/>
-          </p:nvGrpSpPr>
-          <p:grpSpPr>
-            <a:xfrm>
-              <a:off x="7879332" y="3469832"/>
-              <a:ext cx="607484" cy="529571"/>
-              <a:chOff x="9879398" y="4134249"/>
-              <a:chExt cx="607484" cy="529571"/>
-            </a:xfrm>
-            <a:solidFill>
-              <a:schemeClr val="bg1">
-                <a:lumMod val="50000"/>
-              </a:schemeClr>
-            </a:solidFill>
-          </p:grpSpPr>
-          <p:sp>
-            <p:nvSpPr>
-              <p:cNvPr id="273" name="Rounded Rectangle 14">
-                <a:extLst>
-                  <a:ext uri="{FF2B5EF4-FFF2-40B4-BE49-F238E27FC236}">
-                    <a16:creationId xmlns:a16="http://schemas.microsoft.com/office/drawing/2014/main" id="{1C2FA207-95E8-40AC-8C02-D3DC2C1D8F0E}"/>
-                  </a:ext>
-                </a:extLst>
-              </p:cNvPr>
-              <p:cNvSpPr/>
-              <p:nvPr/>
-            </p:nvSpPr>
-            <p:spPr bwMode="gray">
-              <a:xfrm>
-                <a:off x="9879398" y="4199256"/>
-                <a:ext cx="548827" cy="464564"/>
-              </a:xfrm>
-              <a:prstGeom prst="roundRect">
-                <a:avLst/>
-              </a:prstGeom>
-              <a:grpFill/>
-              <a:ln>
-                <a:solidFill>
-                  <a:schemeClr val="tx1"/>
-                </a:solidFill>
-                <a:headEnd/>
-                <a:tailEnd/>
-              </a:ln>
-              <a:effectLst/>
-            </p:spPr>
-            <p:style>
-              <a:lnRef idx="1">
-                <a:schemeClr val="accent1"/>
-              </a:lnRef>
-              <a:fillRef idx="3">
-                <a:schemeClr val="accent1"/>
-              </a:fillRef>
-              <a:effectRef idx="2">
-                <a:schemeClr val="accent1"/>
-              </a:effectRef>
-              <a:fontRef idx="minor">
-                <a:schemeClr val="lt1"/>
-              </a:fontRef>
-            </p:style>
-            <p:txBody>
-              <a:bodyPr lIns="107138" tIns="85710" rIns="107138" bIns="85710" rtlCol="0" anchor="t" anchorCtr="0"/>
-              <a:lstStyle/>
-              <a:p>
-                <a:pPr algn="ctr" defTabSz="1088558" fontAlgn="base">
-                  <a:spcBef>
-                    <a:spcPct val="50000"/>
-                  </a:spcBef>
-                  <a:spcAft>
-                    <a:spcPct val="0"/>
-                  </a:spcAft>
-                  <a:buClr>
-                    <a:srgbClr val="F0AB00"/>
-                  </a:buClr>
-                  <a:buSzPct val="80000"/>
-                </a:pPr>
-                <a:r>
-                  <a:rPr lang="en-US" sz="1000" kern="0" dirty="0">
-                    <a:solidFill>
-                      <a:srgbClr val="000000"/>
-                    </a:solidFill>
-                    <a:latin typeface="Arial"/>
-                    <a:ea typeface="Arial Unicode MS" pitchFamily="34" charset="-128"/>
-                    <a:cs typeface="Arial Unicode MS" pitchFamily="34" charset="-128"/>
-                  </a:rPr>
-                  <a:t>svc</a:t>
-                </a:r>
-              </a:p>
-            </p:txBody>
-          </p:sp>
-          <p:pic>
-            <p:nvPicPr>
-              <p:cNvPr id="274" name="Picture 273">
-                <a:extLst>
-                  <a:ext uri="{FF2B5EF4-FFF2-40B4-BE49-F238E27FC236}">
-                    <a16:creationId xmlns:a16="http://schemas.microsoft.com/office/drawing/2014/main" id="{614CD02F-EE8B-4241-BF0D-9C2C22B72864}"/>
-                  </a:ext>
-                </a:extLst>
-              </p:cNvPr>
-              <p:cNvPicPr>
-                <a:picLocks noChangeAspect="1"/>
-              </p:cNvPicPr>
-              <p:nvPr/>
-            </p:nvPicPr>
-            <p:blipFill>
-              <a:blip r:embed="rId3"/>
-              <a:stretch>
-                <a:fillRect/>
-              </a:stretch>
-            </p:blipFill>
-            <p:spPr>
-              <a:xfrm>
-                <a:off x="10336577" y="4134249"/>
-                <a:ext cx="150305" cy="146304"/>
-              </a:xfrm>
-              <a:prstGeom prst="rect">
-                <a:avLst/>
-              </a:prstGeom>
-              <a:noFill/>
-            </p:spPr>
-          </p:pic>
-        </p:grpSp>
-        <p:sp>
-          <p:nvSpPr>
-            <p:cNvPr id="238" name="TextBox 237">
-              <a:extLst>
-                <a:ext uri="{FF2B5EF4-FFF2-40B4-BE49-F238E27FC236}">
-                  <a16:creationId xmlns:a16="http://schemas.microsoft.com/office/drawing/2014/main" id="{8E806B30-4FA2-42DD-B8C2-3125B4131EC7}"/>
-                </a:ext>
-              </a:extLst>
-            </p:cNvPr>
-            <p:cNvSpPr txBox="1"/>
-            <p:nvPr/>
-          </p:nvSpPr>
-          <p:spPr>
-            <a:xfrm>
-              <a:off x="7416973" y="5132271"/>
-              <a:ext cx="1040525" cy="184666"/>
-            </a:xfrm>
-            <a:prstGeom prst="rect">
-              <a:avLst/>
-            </a:prstGeom>
-            <a:noFill/>
-            <a:ln>
-              <a:noFill/>
-            </a:ln>
-          </p:spPr>
-          <p:txBody>
-            <a:bodyPr wrap="square" lIns="0" tIns="0" rIns="0" bIns="0" rtlCol="0">
-              <a:spAutoFit/>
-            </a:bodyPr>
-            <a:lstStyle/>
-            <a:p>
-              <a:pPr fontAlgn="base">
-                <a:spcBef>
-                  <a:spcPct val="50000"/>
-                </a:spcBef>
-                <a:spcAft>
-                  <a:spcPct val="0"/>
-                </a:spcAft>
-                <a:buClr>
-                  <a:srgbClr val="F0AB00"/>
-                </a:buClr>
-                <a:buSzPct val="80000"/>
-              </a:pPr>
-              <a:r>
-                <a:rPr lang="de-DE" sz="1200" kern="0" dirty="0" err="1">
-                  <a:solidFill>
-                    <a:schemeClr val="bg1"/>
-                  </a:solidFill>
-                  <a:ea typeface="Arial Unicode MS" pitchFamily="34" charset="-128"/>
-                  <a:cs typeface="Arial Unicode MS" pitchFamily="34" charset="-128"/>
-                </a:rPr>
-                <a:t>pod</a:t>
-              </a:r>
-              <a:endParaRPr lang="de-DE" sz="1200" kern="0" dirty="0">
-                <a:solidFill>
-                  <a:schemeClr val="bg1"/>
-                </a:solidFill>
-                <a:ea typeface="Arial Unicode MS" pitchFamily="34" charset="-128"/>
-                <a:cs typeface="Arial Unicode MS" pitchFamily="34" charset="-128"/>
-              </a:endParaRPr>
-            </a:p>
-          </p:txBody>
-        </p:sp>
-        <p:grpSp>
-          <p:nvGrpSpPr>
-            <p:cNvPr id="239" name="Group 238">
-              <a:extLst>
-                <a:ext uri="{FF2B5EF4-FFF2-40B4-BE49-F238E27FC236}">
-                  <a16:creationId xmlns:a16="http://schemas.microsoft.com/office/drawing/2014/main" id="{827CFB7C-16D4-45FF-AC1A-497B62C97893}"/>
-                </a:ext>
-              </a:extLst>
-            </p:cNvPr>
-            <p:cNvGrpSpPr/>
-            <p:nvPr/>
-          </p:nvGrpSpPr>
-          <p:grpSpPr>
-            <a:xfrm>
-              <a:off x="2666444" y="4789593"/>
-              <a:ext cx="663425" cy="358399"/>
-              <a:chOff x="4675477" y="5680941"/>
-              <a:chExt cx="663425" cy="358399"/>
-            </a:xfrm>
-          </p:grpSpPr>
-          <p:cxnSp>
-            <p:nvCxnSpPr>
-              <p:cNvPr id="270" name="Straight Connector 269">
-                <a:extLst>
-                  <a:ext uri="{FF2B5EF4-FFF2-40B4-BE49-F238E27FC236}">
-                    <a16:creationId xmlns:a16="http://schemas.microsoft.com/office/drawing/2014/main" id="{2CE70F80-7312-4A75-9700-1487294234B6}"/>
-                  </a:ext>
-                </a:extLst>
-              </p:cNvPr>
-              <p:cNvCxnSpPr>
-                <a:cxnSpLocks/>
-              </p:cNvCxnSpPr>
-              <p:nvPr/>
-            </p:nvCxnSpPr>
-            <p:spPr>
-              <a:xfrm>
-                <a:off x="5218991" y="5881941"/>
-                <a:ext cx="119911" cy="0"/>
-              </a:xfrm>
-              <a:prstGeom prst="line">
-                <a:avLst/>
-              </a:prstGeom>
-              <a:ln w="9525">
-                <a:solidFill>
-                  <a:schemeClr val="tx1"/>
-                </a:solidFill>
-                <a:headEnd type="none" w="med" len="med"/>
-                <a:tailEnd type="none" w="med" len="med"/>
-              </a:ln>
-            </p:spPr>
-            <p:style>
-              <a:lnRef idx="1">
-                <a:schemeClr val="accent1"/>
-              </a:lnRef>
-              <a:fillRef idx="0">
-                <a:schemeClr val="accent1"/>
-              </a:fillRef>
-              <a:effectRef idx="0">
-                <a:schemeClr val="accent1"/>
-              </a:effectRef>
-              <a:fontRef idx="minor">
-                <a:schemeClr val="tx1"/>
-              </a:fontRef>
-            </p:style>
-          </p:cxnSp>
-          <p:sp>
-            <p:nvSpPr>
-              <p:cNvPr id="271" name="Rounded Rectangle 14">
-                <a:extLst>
-                  <a:ext uri="{FF2B5EF4-FFF2-40B4-BE49-F238E27FC236}">
-                    <a16:creationId xmlns:a16="http://schemas.microsoft.com/office/drawing/2014/main" id="{9738567D-11E5-4F82-A5FD-C933639592DA}"/>
-                  </a:ext>
-                </a:extLst>
-              </p:cNvPr>
-              <p:cNvSpPr/>
-              <p:nvPr/>
-            </p:nvSpPr>
-            <p:spPr bwMode="gray">
-              <a:xfrm>
-                <a:off x="4675477" y="5744870"/>
-                <a:ext cx="548827" cy="294470"/>
-              </a:xfrm>
-              <a:prstGeom prst="roundRect">
-                <a:avLst/>
-              </a:prstGeom>
-              <a:solidFill>
-                <a:schemeClr val="accent3">
-                  <a:lumMod val="20000"/>
-                  <a:lumOff val="80000"/>
-                </a:schemeClr>
-              </a:solidFill>
-              <a:ln>
-                <a:solidFill>
-                  <a:schemeClr val="tx1"/>
-                </a:solidFill>
-                <a:headEnd/>
-                <a:tailEnd/>
-              </a:ln>
-              <a:effectLst/>
-            </p:spPr>
-            <p:style>
-              <a:lnRef idx="1">
-                <a:schemeClr val="accent1"/>
-              </a:lnRef>
-              <a:fillRef idx="3">
-                <a:schemeClr val="accent1"/>
-              </a:fillRef>
-              <a:effectRef idx="2">
-                <a:schemeClr val="accent1"/>
-              </a:effectRef>
-              <a:fontRef idx="minor">
-                <a:schemeClr val="lt1"/>
-              </a:fontRef>
-            </p:style>
-            <p:txBody>
-              <a:bodyPr lIns="107138" tIns="85710" rIns="107138" bIns="85710" rtlCol="0" anchor="t" anchorCtr="0"/>
-              <a:lstStyle/>
-              <a:p>
-                <a:pPr algn="ctr" defTabSz="1088558" fontAlgn="base">
-                  <a:spcBef>
-                    <a:spcPct val="50000"/>
-                  </a:spcBef>
-                  <a:spcAft>
-                    <a:spcPct val="0"/>
-                  </a:spcAft>
-                  <a:buClr>
-                    <a:srgbClr val="F0AB00"/>
-                  </a:buClr>
-                  <a:buSzPct val="80000"/>
-                </a:pPr>
-                <a:r>
-                  <a:rPr lang="en-US" sz="1000" kern="0" dirty="0">
-                    <a:solidFill>
-                      <a:srgbClr val="000000"/>
-                    </a:solidFill>
-                    <a:latin typeface="Arial"/>
-                    <a:ea typeface="Arial Unicode MS" pitchFamily="34" charset="-128"/>
-                    <a:cs typeface="Arial Unicode MS" pitchFamily="34" charset="-128"/>
-                  </a:rPr>
-                  <a:t>sec</a:t>
-                </a:r>
-              </a:p>
-            </p:txBody>
-          </p:sp>
-          <p:pic>
-            <p:nvPicPr>
-              <p:cNvPr id="272" name="Picture 271">
-                <a:extLst>
-                  <a:ext uri="{FF2B5EF4-FFF2-40B4-BE49-F238E27FC236}">
-                    <a16:creationId xmlns:a16="http://schemas.microsoft.com/office/drawing/2014/main" id="{ACEEC1E2-D301-4B7E-9D40-4B0161F716B1}"/>
-                  </a:ext>
-                </a:extLst>
-              </p:cNvPr>
-              <p:cNvPicPr>
-                <a:picLocks noChangeAspect="1"/>
-              </p:cNvPicPr>
-              <p:nvPr/>
-            </p:nvPicPr>
-            <p:blipFill>
-              <a:blip r:embed="rId3"/>
-              <a:stretch>
-                <a:fillRect/>
-              </a:stretch>
-            </p:blipFill>
-            <p:spPr>
-              <a:xfrm>
-                <a:off x="5146581" y="5680941"/>
-                <a:ext cx="150305" cy="146304"/>
-              </a:xfrm>
-              <a:prstGeom prst="rect">
-                <a:avLst/>
-              </a:prstGeom>
-            </p:spPr>
-          </p:pic>
-        </p:grpSp>
-        <p:grpSp>
-          <p:nvGrpSpPr>
-            <p:cNvPr id="240" name="Group 239">
-              <a:extLst>
-                <a:ext uri="{FF2B5EF4-FFF2-40B4-BE49-F238E27FC236}">
-                  <a16:creationId xmlns:a16="http://schemas.microsoft.com/office/drawing/2014/main" id="{B14C6B27-0B7C-4EC0-8283-082F12AD3110}"/>
-                </a:ext>
-              </a:extLst>
-            </p:cNvPr>
-            <p:cNvGrpSpPr/>
-            <p:nvPr/>
-          </p:nvGrpSpPr>
-          <p:grpSpPr>
-            <a:xfrm>
-              <a:off x="2656597" y="2246311"/>
-              <a:ext cx="682239" cy="344425"/>
-              <a:chOff x="4667108" y="5343683"/>
-              <a:chExt cx="682239" cy="344425"/>
-            </a:xfrm>
-            <a:solidFill>
-              <a:srgbClr val="C3ECFF"/>
-            </a:solidFill>
-          </p:grpSpPr>
-          <p:sp>
-            <p:nvSpPr>
-              <p:cNvPr id="267" name="Rounded Rectangle 14">
-                <a:extLst>
-                  <a:ext uri="{FF2B5EF4-FFF2-40B4-BE49-F238E27FC236}">
-                    <a16:creationId xmlns:a16="http://schemas.microsoft.com/office/drawing/2014/main" id="{8CACF8E4-0E22-4DB8-8D9C-1E85CC36F18B}"/>
-                  </a:ext>
-                </a:extLst>
-              </p:cNvPr>
-              <p:cNvSpPr/>
-              <p:nvPr/>
-            </p:nvSpPr>
-            <p:spPr bwMode="gray">
-              <a:xfrm>
-                <a:off x="4667108" y="5391906"/>
-                <a:ext cx="548827" cy="296202"/>
-              </a:xfrm>
-              <a:prstGeom prst="roundRect">
-                <a:avLst/>
-              </a:prstGeom>
-              <a:solidFill>
-                <a:srgbClr val="4CC5FF"/>
-              </a:solidFill>
-              <a:ln>
-                <a:solidFill>
-                  <a:schemeClr val="tx1"/>
-                </a:solidFill>
-                <a:headEnd/>
-                <a:tailEnd/>
-              </a:ln>
-              <a:effectLst/>
-            </p:spPr>
-            <p:style>
-              <a:lnRef idx="1">
-                <a:schemeClr val="accent1"/>
-              </a:lnRef>
-              <a:fillRef idx="3">
-                <a:schemeClr val="accent1"/>
-              </a:fillRef>
-              <a:effectRef idx="2">
-                <a:schemeClr val="accent1"/>
-              </a:effectRef>
-              <a:fontRef idx="minor">
-                <a:schemeClr val="lt1"/>
-              </a:fontRef>
-            </p:style>
-            <p:txBody>
-              <a:bodyPr lIns="107138" tIns="85710" rIns="107138" bIns="85710" rtlCol="0" anchor="t" anchorCtr="0"/>
-              <a:lstStyle/>
-              <a:p>
-                <a:pPr algn="ctr" defTabSz="1088558" fontAlgn="base">
-                  <a:spcBef>
-                    <a:spcPct val="50000"/>
-                  </a:spcBef>
-                  <a:spcAft>
-                    <a:spcPct val="0"/>
-                  </a:spcAft>
-                  <a:buClr>
-                    <a:srgbClr val="F0AB00"/>
-                  </a:buClr>
-                  <a:buSzPct val="80000"/>
-                </a:pPr>
-                <a:r>
-                  <a:rPr lang="en-US" sz="1000" kern="0" dirty="0">
-                    <a:solidFill>
-                      <a:srgbClr val="000000"/>
-                    </a:solidFill>
-                    <a:latin typeface="Arial"/>
-                    <a:ea typeface="Arial Unicode MS" pitchFamily="34" charset="-128"/>
-                    <a:cs typeface="Arial Unicode MS" pitchFamily="34" charset="-128"/>
-                  </a:rPr>
-                  <a:t>cm</a:t>
-                </a:r>
-              </a:p>
-            </p:txBody>
-          </p:sp>
-          <p:pic>
-            <p:nvPicPr>
-              <p:cNvPr id="268" name="Picture 267">
-                <a:extLst>
-                  <a:ext uri="{FF2B5EF4-FFF2-40B4-BE49-F238E27FC236}">
-                    <a16:creationId xmlns:a16="http://schemas.microsoft.com/office/drawing/2014/main" id="{BDC3EB5A-B761-4566-967F-6BB646066D20}"/>
-                  </a:ext>
-                </a:extLst>
-              </p:cNvPr>
-              <p:cNvPicPr>
-                <a:picLocks noChangeAspect="1"/>
-              </p:cNvPicPr>
-              <p:nvPr/>
-            </p:nvPicPr>
-            <p:blipFill>
-              <a:blip r:embed="rId3"/>
-              <a:stretch>
-                <a:fillRect/>
-              </a:stretch>
-            </p:blipFill>
-            <p:spPr>
-              <a:xfrm>
-                <a:off x="5131580" y="5343683"/>
-                <a:ext cx="150305" cy="146304"/>
-              </a:xfrm>
-              <a:prstGeom prst="rect">
-                <a:avLst/>
-              </a:prstGeom>
-              <a:noFill/>
-            </p:spPr>
-          </p:pic>
-          <p:cxnSp>
-            <p:nvCxnSpPr>
-              <p:cNvPr id="269" name="Straight Connector 268">
-                <a:extLst>
-                  <a:ext uri="{FF2B5EF4-FFF2-40B4-BE49-F238E27FC236}">
-                    <a16:creationId xmlns:a16="http://schemas.microsoft.com/office/drawing/2014/main" id="{2D6D41C9-7A00-43A9-899A-3C7241CEE6D4}"/>
-                  </a:ext>
-                </a:extLst>
-              </p:cNvPr>
-              <p:cNvCxnSpPr>
-                <a:cxnSpLocks/>
-              </p:cNvCxnSpPr>
-              <p:nvPr/>
-            </p:nvCxnSpPr>
-            <p:spPr>
-              <a:xfrm flipV="1">
-                <a:off x="5219293" y="5550095"/>
-                <a:ext cx="130054" cy="943"/>
-              </a:xfrm>
-              <a:prstGeom prst="line">
-                <a:avLst/>
-              </a:prstGeom>
-              <a:grpFill/>
-              <a:ln w="9525">
-                <a:solidFill>
-                  <a:schemeClr val="tx1"/>
-                </a:solidFill>
-                <a:headEnd type="none" w="med" len="med"/>
-                <a:tailEnd type="none" w="med" len="med"/>
-              </a:ln>
-            </p:spPr>
-            <p:style>
-              <a:lnRef idx="1">
-                <a:schemeClr val="accent1"/>
-              </a:lnRef>
-              <a:fillRef idx="0">
-                <a:schemeClr val="accent1"/>
-              </a:fillRef>
-              <a:effectRef idx="0">
-                <a:schemeClr val="accent1"/>
-              </a:effectRef>
-              <a:fontRef idx="minor">
-                <a:schemeClr val="tx1"/>
-              </a:fontRef>
-            </p:style>
-          </p:cxnSp>
-        </p:grpSp>
-        <p:grpSp>
-          <p:nvGrpSpPr>
-            <p:cNvPr id="241" name="Group 240">
-              <a:extLst>
-                <a:ext uri="{FF2B5EF4-FFF2-40B4-BE49-F238E27FC236}">
-                  <a16:creationId xmlns:a16="http://schemas.microsoft.com/office/drawing/2014/main" id="{91833C29-765C-42F7-98C9-E1BE21E90241}"/>
-                </a:ext>
-              </a:extLst>
-            </p:cNvPr>
-            <p:cNvGrpSpPr/>
-            <p:nvPr/>
-          </p:nvGrpSpPr>
-          <p:grpSpPr>
-            <a:xfrm>
-              <a:off x="6313987" y="2250921"/>
-              <a:ext cx="664213" cy="344425"/>
-              <a:chOff x="4667108" y="5343683"/>
-              <a:chExt cx="664213" cy="344425"/>
-            </a:xfrm>
-          </p:grpSpPr>
-          <p:sp>
-            <p:nvSpPr>
-              <p:cNvPr id="264" name="Rounded Rectangle 14">
-                <a:extLst>
-                  <a:ext uri="{FF2B5EF4-FFF2-40B4-BE49-F238E27FC236}">
-                    <a16:creationId xmlns:a16="http://schemas.microsoft.com/office/drawing/2014/main" id="{DDDC58EE-D4EF-4A53-820E-FD77D377DAEF}"/>
-                  </a:ext>
-                </a:extLst>
-              </p:cNvPr>
-              <p:cNvSpPr/>
-              <p:nvPr/>
-            </p:nvSpPr>
-            <p:spPr bwMode="gray">
-              <a:xfrm>
-                <a:off x="4667108" y="5391906"/>
-                <a:ext cx="548827" cy="296202"/>
-              </a:xfrm>
-              <a:prstGeom prst="roundRect">
-                <a:avLst/>
-              </a:prstGeom>
-              <a:solidFill>
-                <a:schemeClr val="tx1">
-                  <a:lumMod val="50000"/>
-                  <a:lumOff val="50000"/>
-                </a:schemeClr>
-              </a:solidFill>
-              <a:ln>
-                <a:solidFill>
-                  <a:schemeClr val="tx1"/>
-                </a:solidFill>
-                <a:headEnd/>
-                <a:tailEnd/>
-              </a:ln>
-              <a:effectLst/>
-            </p:spPr>
-            <p:style>
-              <a:lnRef idx="1">
-                <a:schemeClr val="accent1"/>
-              </a:lnRef>
-              <a:fillRef idx="3">
-                <a:schemeClr val="accent1"/>
-              </a:fillRef>
-              <a:effectRef idx="2">
-                <a:schemeClr val="accent1"/>
-              </a:effectRef>
-              <a:fontRef idx="minor">
-                <a:schemeClr val="lt1"/>
-              </a:fontRef>
-            </p:style>
-            <p:txBody>
-              <a:bodyPr lIns="107138" tIns="85710" rIns="107138" bIns="85710" rtlCol="0" anchor="t" anchorCtr="0"/>
-              <a:lstStyle/>
-              <a:p>
-                <a:pPr algn="ctr" defTabSz="1088558" fontAlgn="base">
-                  <a:spcBef>
-                    <a:spcPct val="50000"/>
-                  </a:spcBef>
-                  <a:spcAft>
-                    <a:spcPct val="0"/>
-                  </a:spcAft>
-                  <a:buClr>
-                    <a:srgbClr val="F0AB00"/>
-                  </a:buClr>
-                  <a:buSzPct val="80000"/>
-                </a:pPr>
-                <a:r>
-                  <a:rPr lang="en-US" sz="1000" kern="0" dirty="0">
-                    <a:solidFill>
-                      <a:srgbClr val="000000"/>
-                    </a:solidFill>
-                    <a:latin typeface="Arial"/>
-                    <a:ea typeface="Arial Unicode MS" pitchFamily="34" charset="-128"/>
-                    <a:cs typeface="Arial Unicode MS" pitchFamily="34" charset="-128"/>
-                  </a:rPr>
-                  <a:t>sec</a:t>
-                </a:r>
-              </a:p>
-            </p:txBody>
-          </p:sp>
-          <p:pic>
-            <p:nvPicPr>
-              <p:cNvPr id="265" name="Picture 264">
-                <a:extLst>
-                  <a:ext uri="{FF2B5EF4-FFF2-40B4-BE49-F238E27FC236}">
-                    <a16:creationId xmlns:a16="http://schemas.microsoft.com/office/drawing/2014/main" id="{71D865D8-334A-454A-8055-97C954FD6AA3}"/>
-                  </a:ext>
-                </a:extLst>
-              </p:cNvPr>
-              <p:cNvPicPr>
-                <a:picLocks noChangeAspect="1"/>
-              </p:cNvPicPr>
-              <p:nvPr/>
-            </p:nvPicPr>
-            <p:blipFill>
-              <a:blip r:embed="rId3"/>
-              <a:stretch>
-                <a:fillRect/>
-              </a:stretch>
-            </p:blipFill>
-            <p:spPr>
-              <a:xfrm>
-                <a:off x="5131580" y="5343683"/>
-                <a:ext cx="150305" cy="146304"/>
-              </a:xfrm>
-              <a:prstGeom prst="rect">
-                <a:avLst/>
-              </a:prstGeom>
-            </p:spPr>
-          </p:pic>
-          <p:cxnSp>
-            <p:nvCxnSpPr>
-              <p:cNvPr id="266" name="Straight Connector 265">
-                <a:extLst>
-                  <a:ext uri="{FF2B5EF4-FFF2-40B4-BE49-F238E27FC236}">
-                    <a16:creationId xmlns:a16="http://schemas.microsoft.com/office/drawing/2014/main" id="{52918B02-3E70-49B9-B724-E750C6B90C1D}"/>
-                  </a:ext>
-                </a:extLst>
-              </p:cNvPr>
-              <p:cNvCxnSpPr>
-                <a:cxnSpLocks/>
-              </p:cNvCxnSpPr>
-              <p:nvPr/>
-            </p:nvCxnSpPr>
-            <p:spPr>
-              <a:xfrm flipV="1">
-                <a:off x="5219293" y="5551036"/>
-                <a:ext cx="112028" cy="1"/>
-              </a:xfrm>
-              <a:prstGeom prst="line">
-                <a:avLst/>
-              </a:prstGeom>
-              <a:ln w="9525">
-                <a:solidFill>
-                  <a:schemeClr val="tx1"/>
-                </a:solidFill>
-                <a:headEnd type="none" w="med" len="med"/>
-                <a:tailEnd type="none" w="med" len="med"/>
-              </a:ln>
-            </p:spPr>
-            <p:style>
-              <a:lnRef idx="1">
-                <a:schemeClr val="accent1"/>
-              </a:lnRef>
-              <a:fillRef idx="0">
-                <a:schemeClr val="accent1"/>
-              </a:fillRef>
-              <a:effectRef idx="0">
-                <a:schemeClr val="accent1"/>
-              </a:effectRef>
-              <a:fontRef idx="minor">
-                <a:schemeClr val="tx1"/>
-              </a:fontRef>
-            </p:style>
-          </p:cxnSp>
-        </p:grpSp>
-        <p:pic>
-          <p:nvPicPr>
-            <p:cNvPr id="242" name="Graphic 241" descr="Lock">
-              <a:extLst>
-                <a:ext uri="{FF2B5EF4-FFF2-40B4-BE49-F238E27FC236}">
-                  <a16:creationId xmlns:a16="http://schemas.microsoft.com/office/drawing/2014/main" id="{BFF3AD8B-9362-4B16-A8C3-B5807D68295A}"/>
-                </a:ext>
-              </a:extLst>
-            </p:cNvPr>
-            <p:cNvPicPr>
-              <a:picLocks noChangeAspect="1"/>
-            </p:cNvPicPr>
-            <p:nvPr/>
-          </p:nvPicPr>
-          <p:blipFill>
-            <a:blip r:embed="rId7">
-              <a:extLst>
-                <a:ext uri="{96DAC541-7B7A-43D3-8B79-37D633B846F1}">
-                  <asvg:svgBlip xmlns:asvg="http://schemas.microsoft.com/office/drawing/2016/SVG/main" r:embed="rId8"/>
-                </a:ext>
-              </a:extLst>
-            </a:blip>
-            <a:stretch>
-              <a:fillRect/>
-            </a:stretch>
-          </p:blipFill>
-          <p:spPr>
-            <a:xfrm>
-              <a:off x="4019984" y="668346"/>
-              <a:ext cx="403319" cy="403319"/>
-            </a:xfrm>
-            <a:prstGeom prst="rect">
-              <a:avLst/>
-            </a:prstGeom>
-          </p:spPr>
-        </p:pic>
-        <p:cxnSp>
-          <p:nvCxnSpPr>
-            <p:cNvPr id="243" name="Straight Connector 242">
-              <a:extLst>
-                <a:ext uri="{FF2B5EF4-FFF2-40B4-BE49-F238E27FC236}">
-                  <a16:creationId xmlns:a16="http://schemas.microsoft.com/office/drawing/2014/main" id="{BE47A507-0041-4230-AE6D-898F13600A6E}"/>
-                </a:ext>
-              </a:extLst>
-            </p:cNvPr>
-            <p:cNvCxnSpPr>
-              <a:cxnSpLocks/>
-              <a:stCxn id="261" idx="2"/>
-              <a:endCxn id="142" idx="0"/>
-            </p:cNvCxnSpPr>
-            <p:nvPr/>
-          </p:nvCxnSpPr>
-          <p:spPr>
-            <a:xfrm>
-              <a:off x="8144221" y="1384897"/>
-              <a:ext cx="987" cy="323106"/>
-            </a:xfrm>
-            <a:prstGeom prst="line">
-              <a:avLst/>
-            </a:prstGeom>
-            <a:ln w="38100">
-              <a:solidFill>
-                <a:schemeClr val="tx1">
-                  <a:lumMod val="75000"/>
-                  <a:lumOff val="25000"/>
-                </a:schemeClr>
-              </a:solidFill>
-              <a:headEnd type="none" w="med" len="med"/>
-              <a:tailEnd type="none" w="med" len="med"/>
-            </a:ln>
-          </p:spPr>
-          <p:style>
-            <a:lnRef idx="1">
-              <a:schemeClr val="accent1"/>
-            </a:lnRef>
-            <a:fillRef idx="0">
-              <a:schemeClr val="accent1"/>
-            </a:fillRef>
-            <a:effectRef idx="0">
-              <a:schemeClr val="accent1"/>
-            </a:effectRef>
-            <a:fontRef idx="minor">
-              <a:schemeClr val="tx1"/>
-            </a:fontRef>
-          </p:style>
-        </p:cxnSp>
-        <p:cxnSp>
-          <p:nvCxnSpPr>
-            <p:cNvPr id="244" name="Straight Connector 243">
-              <a:extLst>
-                <a:ext uri="{FF2B5EF4-FFF2-40B4-BE49-F238E27FC236}">
-                  <a16:creationId xmlns:a16="http://schemas.microsoft.com/office/drawing/2014/main" id="{5610920A-C466-4029-9AC3-5B623649FCD2}"/>
-                </a:ext>
-              </a:extLst>
-            </p:cNvPr>
-            <p:cNvCxnSpPr>
-              <a:cxnSpLocks/>
-            </p:cNvCxnSpPr>
-            <p:nvPr/>
-          </p:nvCxnSpPr>
-          <p:spPr>
-            <a:xfrm>
-              <a:off x="4498056" y="1388028"/>
-              <a:ext cx="0" cy="300973"/>
-            </a:xfrm>
-            <a:prstGeom prst="line">
-              <a:avLst/>
-            </a:prstGeom>
-            <a:ln w="38100">
-              <a:solidFill>
-                <a:srgbClr val="E35500"/>
-              </a:solidFill>
-              <a:headEnd type="none" w="med" len="med"/>
-              <a:tailEnd type="none" w="med" len="med"/>
-            </a:ln>
-          </p:spPr>
-          <p:style>
-            <a:lnRef idx="1">
-              <a:schemeClr val="accent1"/>
-            </a:lnRef>
-            <a:fillRef idx="0">
-              <a:schemeClr val="accent1"/>
-            </a:fillRef>
-            <a:effectRef idx="0">
-              <a:schemeClr val="accent1"/>
-            </a:effectRef>
-            <a:fontRef idx="minor">
-              <a:schemeClr val="tx1"/>
-            </a:fontRef>
-          </p:style>
-        </p:cxnSp>
-        <p:pic>
-          <p:nvPicPr>
-            <p:cNvPr id="245" name="Picture 244">
-              <a:extLst>
-                <a:ext uri="{FF2B5EF4-FFF2-40B4-BE49-F238E27FC236}">
-                  <a16:creationId xmlns:a16="http://schemas.microsoft.com/office/drawing/2014/main" id="{0703B5C1-A422-4E98-9045-896F303A0239}"/>
-                </a:ext>
-              </a:extLst>
-            </p:cNvPr>
-            <p:cNvPicPr>
-              <a:picLocks noChangeAspect="1"/>
-            </p:cNvPicPr>
-            <p:nvPr/>
-          </p:nvPicPr>
-          <p:blipFill>
-            <a:blip r:embed="rId3"/>
-            <a:stretch>
-              <a:fillRect/>
-            </a:stretch>
-          </p:blipFill>
-          <p:spPr>
-            <a:xfrm>
-              <a:off x="5281098" y="4150340"/>
-              <a:ext cx="150305" cy="146304"/>
-            </a:xfrm>
-            <a:prstGeom prst="rect">
-              <a:avLst/>
-            </a:prstGeom>
-          </p:spPr>
-        </p:pic>
-        <p:pic>
-          <p:nvPicPr>
-            <p:cNvPr id="246" name="Picture 245">
-              <a:extLst>
-                <a:ext uri="{FF2B5EF4-FFF2-40B4-BE49-F238E27FC236}">
-                  <a16:creationId xmlns:a16="http://schemas.microsoft.com/office/drawing/2014/main" id="{CD253531-EB07-413C-A02C-074B2A2FF819}"/>
-                </a:ext>
-              </a:extLst>
-            </p:cNvPr>
-            <p:cNvPicPr>
-              <a:picLocks noChangeAspect="1"/>
-            </p:cNvPicPr>
-            <p:nvPr/>
-          </p:nvPicPr>
-          <p:blipFill>
-            <a:blip r:embed="rId3"/>
-            <a:stretch>
-              <a:fillRect/>
-            </a:stretch>
-          </p:blipFill>
-          <p:spPr>
-            <a:xfrm>
-              <a:off x="5222372" y="1653962"/>
-              <a:ext cx="150305" cy="146304"/>
-            </a:xfrm>
-            <a:prstGeom prst="rect">
-              <a:avLst/>
-            </a:prstGeom>
-          </p:spPr>
-        </p:pic>
-        <p:pic>
-          <p:nvPicPr>
-            <p:cNvPr id="247" name="Picture 246">
-              <a:extLst>
-                <a:ext uri="{FF2B5EF4-FFF2-40B4-BE49-F238E27FC236}">
-                  <a16:creationId xmlns:a16="http://schemas.microsoft.com/office/drawing/2014/main" id="{E964BB4E-4F9F-42CC-BBD0-67A497B4567D}"/>
-                </a:ext>
-              </a:extLst>
-            </p:cNvPr>
-            <p:cNvPicPr>
-              <a:picLocks noChangeAspect="1"/>
-            </p:cNvPicPr>
-            <p:nvPr/>
-          </p:nvPicPr>
-          <p:blipFill>
-            <a:blip r:embed="rId3"/>
-            <a:stretch>
-              <a:fillRect/>
-            </a:stretch>
-          </p:blipFill>
-          <p:spPr>
-            <a:xfrm>
-              <a:off x="8935554" y="1671589"/>
-              <a:ext cx="150305" cy="146304"/>
-            </a:xfrm>
-            <a:prstGeom prst="rect">
-              <a:avLst/>
-            </a:prstGeom>
-          </p:spPr>
-        </p:pic>
-        <p:pic>
-          <p:nvPicPr>
-            <p:cNvPr id="248" name="Picture 247">
-              <a:extLst>
-                <a:ext uri="{FF2B5EF4-FFF2-40B4-BE49-F238E27FC236}">
-                  <a16:creationId xmlns:a16="http://schemas.microsoft.com/office/drawing/2014/main" id="{4D530DE6-A77B-4778-81EA-ADECEECBAEF2}"/>
-                </a:ext>
-              </a:extLst>
-            </p:cNvPr>
-            <p:cNvPicPr>
-              <a:picLocks noChangeAspect="1"/>
-            </p:cNvPicPr>
-            <p:nvPr/>
-          </p:nvPicPr>
-          <p:blipFill>
-            <a:blip r:embed="rId3"/>
-            <a:stretch>
-              <a:fillRect/>
-            </a:stretch>
-          </p:blipFill>
-          <p:spPr>
-            <a:xfrm>
-              <a:off x="8952923" y="4146292"/>
-              <a:ext cx="150305" cy="146304"/>
-            </a:xfrm>
-            <a:prstGeom prst="rect">
-              <a:avLst/>
-            </a:prstGeom>
-          </p:spPr>
-        </p:pic>
-        <p:grpSp>
-          <p:nvGrpSpPr>
-            <p:cNvPr id="249" name="Group 248">
-              <a:extLst>
-                <a:ext uri="{FF2B5EF4-FFF2-40B4-BE49-F238E27FC236}">
-                  <a16:creationId xmlns:a16="http://schemas.microsoft.com/office/drawing/2014/main" id="{EF8BCFE8-BA7E-4D1C-881A-75EF306BB56C}"/>
-                </a:ext>
-              </a:extLst>
-            </p:cNvPr>
-            <p:cNvGrpSpPr/>
-            <p:nvPr/>
-          </p:nvGrpSpPr>
-          <p:grpSpPr>
-            <a:xfrm>
-              <a:off x="7654207" y="662510"/>
-              <a:ext cx="806291" cy="722387"/>
-              <a:chOff x="7663732" y="662510"/>
-              <a:chExt cx="806291" cy="722387"/>
-            </a:xfrm>
-          </p:grpSpPr>
-          <p:sp>
-            <p:nvSpPr>
-              <p:cNvPr id="261" name="Rounded Rectangle 14">
-                <a:extLst>
-                  <a:ext uri="{FF2B5EF4-FFF2-40B4-BE49-F238E27FC236}">
-                    <a16:creationId xmlns:a16="http://schemas.microsoft.com/office/drawing/2014/main" id="{21AB7429-5EC4-463E-B4BE-D3AEFEB1C59E}"/>
-                  </a:ext>
-                </a:extLst>
-              </p:cNvPr>
-              <p:cNvSpPr/>
-              <p:nvPr/>
-            </p:nvSpPr>
-            <p:spPr bwMode="gray">
-              <a:xfrm>
-                <a:off x="7879332" y="920333"/>
-                <a:ext cx="548827" cy="464564"/>
-              </a:xfrm>
-              <a:prstGeom prst="roundRect">
-                <a:avLst/>
-              </a:prstGeom>
-              <a:solidFill>
-                <a:schemeClr val="bg1">
-                  <a:lumMod val="50000"/>
-                </a:schemeClr>
-              </a:solidFill>
-              <a:ln>
-                <a:solidFill>
-                  <a:schemeClr val="tx1"/>
-                </a:solidFill>
-                <a:headEnd/>
-                <a:tailEnd/>
-              </a:ln>
-              <a:effectLst/>
-            </p:spPr>
-            <p:style>
-              <a:lnRef idx="1">
-                <a:schemeClr val="accent1"/>
-              </a:lnRef>
-              <a:fillRef idx="3">
-                <a:schemeClr val="accent1"/>
-              </a:fillRef>
-              <a:effectRef idx="2">
-                <a:schemeClr val="accent1"/>
-              </a:effectRef>
-              <a:fontRef idx="minor">
-                <a:schemeClr val="lt1"/>
-              </a:fontRef>
-            </p:style>
-            <p:txBody>
-              <a:bodyPr lIns="107138" tIns="85710" rIns="107138" bIns="85710" rtlCol="0" anchor="t" anchorCtr="0"/>
-              <a:lstStyle/>
-              <a:p>
-                <a:pPr algn="ctr" defTabSz="1088558" fontAlgn="base">
-                  <a:spcBef>
-                    <a:spcPct val="50000"/>
-                  </a:spcBef>
-                  <a:spcAft>
-                    <a:spcPct val="0"/>
-                  </a:spcAft>
-                  <a:buClr>
-                    <a:srgbClr val="F0AB00"/>
-                  </a:buClr>
-                  <a:buSzPct val="80000"/>
-                </a:pPr>
-                <a:r>
-                  <a:rPr lang="en-US" sz="1000" kern="0" dirty="0" err="1">
-                    <a:solidFill>
-                      <a:srgbClr val="000000"/>
-                    </a:solidFill>
-                    <a:latin typeface="Arial"/>
-                    <a:ea typeface="Arial Unicode MS" pitchFamily="34" charset="-128"/>
-                    <a:cs typeface="Arial Unicode MS" pitchFamily="34" charset="-128"/>
-                  </a:rPr>
-                  <a:t>ingr</a:t>
-                </a:r>
-                <a:r>
-                  <a:rPr lang="en-US" sz="1000" kern="0" dirty="0">
-                    <a:solidFill>
-                      <a:srgbClr val="000000"/>
-                    </a:solidFill>
-                    <a:latin typeface="Arial"/>
-                    <a:ea typeface="Arial Unicode MS" pitchFamily="34" charset="-128"/>
-                    <a:cs typeface="Arial Unicode MS" pitchFamily="34" charset="-128"/>
-                  </a:rPr>
-                  <a:t>/svc</a:t>
-                </a:r>
-              </a:p>
-            </p:txBody>
-          </p:sp>
-          <p:pic>
-            <p:nvPicPr>
-              <p:cNvPr id="262" name="Picture 261">
-                <a:extLst>
-                  <a:ext uri="{FF2B5EF4-FFF2-40B4-BE49-F238E27FC236}">
-                    <a16:creationId xmlns:a16="http://schemas.microsoft.com/office/drawing/2014/main" id="{673B9A24-F643-4505-B7A1-2B917DF5EF39}"/>
-                  </a:ext>
-                </a:extLst>
-              </p:cNvPr>
-              <p:cNvPicPr>
-                <a:picLocks noChangeAspect="1"/>
-              </p:cNvPicPr>
-              <p:nvPr/>
-            </p:nvPicPr>
-            <p:blipFill>
-              <a:blip r:embed="rId3"/>
-              <a:stretch>
-                <a:fillRect/>
-              </a:stretch>
-            </p:blipFill>
-            <p:spPr>
-              <a:xfrm>
-                <a:off x="8319718" y="846732"/>
-                <a:ext cx="150305" cy="146304"/>
-              </a:xfrm>
-              <a:prstGeom prst="rect">
-                <a:avLst/>
-              </a:prstGeom>
-            </p:spPr>
-          </p:pic>
-          <p:pic>
-            <p:nvPicPr>
-              <p:cNvPr id="263" name="Graphic 262" descr="Lock">
-                <a:extLst>
-                  <a:ext uri="{FF2B5EF4-FFF2-40B4-BE49-F238E27FC236}">
-                    <a16:creationId xmlns:a16="http://schemas.microsoft.com/office/drawing/2014/main" id="{BD4684F0-3FF6-4FCB-87B1-79D79183AF3E}"/>
-                  </a:ext>
-                </a:extLst>
-              </p:cNvPr>
-              <p:cNvPicPr>
-                <a:picLocks noChangeAspect="1"/>
-              </p:cNvPicPr>
-              <p:nvPr/>
-            </p:nvPicPr>
-            <p:blipFill>
-              <a:blip r:embed="rId7">
-                <a:extLst>
-                  <a:ext uri="{96DAC541-7B7A-43D3-8B79-37D633B846F1}">
-                    <asvg:svgBlip xmlns:asvg="http://schemas.microsoft.com/office/drawing/2016/SVG/main" r:embed="rId8"/>
-                  </a:ext>
-                </a:extLst>
-              </a:blip>
-              <a:stretch>
-                <a:fillRect/>
-              </a:stretch>
-            </p:blipFill>
-            <p:spPr>
-              <a:xfrm>
-                <a:off x="7663732" y="662510"/>
-                <a:ext cx="403319" cy="403319"/>
-              </a:xfrm>
-              <a:prstGeom prst="rect">
-                <a:avLst/>
-              </a:prstGeom>
-            </p:spPr>
-          </p:pic>
-        </p:grpSp>
-        <p:sp>
-          <p:nvSpPr>
-            <p:cNvPr id="250" name="Rectangle 249">
-              <a:extLst>
-                <a:ext uri="{FF2B5EF4-FFF2-40B4-BE49-F238E27FC236}">
-                  <a16:creationId xmlns:a16="http://schemas.microsoft.com/office/drawing/2014/main" id="{62E60BFF-35AE-4501-94A2-4A8C1F96A3A8}"/>
-                </a:ext>
-              </a:extLst>
-            </p:cNvPr>
-            <p:cNvSpPr/>
-            <p:nvPr/>
-          </p:nvSpPr>
-          <p:spPr bwMode="gray">
-            <a:xfrm>
-              <a:off x="2531845" y="3383148"/>
-              <a:ext cx="3345866" cy="2366670"/>
-            </a:xfrm>
-            <a:prstGeom prst="rect">
-              <a:avLst/>
-            </a:prstGeom>
-            <a:noFill/>
-            <a:ln w="28575" algn="ctr">
-              <a:solidFill>
-                <a:srgbClr val="4FB81C"/>
-              </a:solidFill>
-              <a:prstDash val="dash"/>
-              <a:miter lim="800000"/>
-              <a:headEnd/>
-              <a:tailEnd/>
-            </a:ln>
-          </p:spPr>
-          <p:txBody>
-            <a:bodyPr lIns="90000" tIns="72000" rIns="90000" bIns="72000" rtlCol="0" anchor="ctr"/>
-            <a:lstStyle/>
-            <a:p>
-              <a:pPr marR="0" algn="ctr" defTabSz="914400" eaLnBrk="1" fontAlgn="base" latinLnBrk="0" hangingPunct="1">
-                <a:lnSpc>
-                  <a:spcPct val="100000"/>
-                </a:lnSpc>
-                <a:spcBef>
-                  <a:spcPct val="50000"/>
-                </a:spcBef>
-                <a:spcAft>
-                  <a:spcPct val="0"/>
-                </a:spcAft>
-                <a:buClr>
-                  <a:srgbClr val="F0AB00"/>
-                </a:buClr>
-                <a:buSzPct val="80000"/>
-                <a:tabLst/>
-              </a:pPr>
-              <a:endParaRPr kumimoji="0" lang="de-DE" sz="1800" b="0" i="0" u="none" strike="noStrike" kern="0" cap="none" spc="0" normalizeH="0" baseline="0" noProof="0" dirty="0" err="1">
-                <a:ln>
-                  <a:noFill/>
-                </a:ln>
-                <a:effectLst/>
-                <a:uLnTx/>
-                <a:uFillTx/>
-                <a:ea typeface="Arial Unicode MS" pitchFamily="34" charset="-128"/>
-                <a:cs typeface="Arial Unicode MS" pitchFamily="34" charset="-128"/>
-              </a:endParaRPr>
-            </a:p>
-          </p:txBody>
-        </p:sp>
-        <p:sp>
-          <p:nvSpPr>
-            <p:cNvPr id="251" name="Rectangle 250">
-              <a:extLst>
-                <a:ext uri="{FF2B5EF4-FFF2-40B4-BE49-F238E27FC236}">
-                  <a16:creationId xmlns:a16="http://schemas.microsoft.com/office/drawing/2014/main" id="{7ADCEF51-56FB-4EB4-9957-3E07501682E4}"/>
-                </a:ext>
-              </a:extLst>
-            </p:cNvPr>
-            <p:cNvSpPr/>
-            <p:nvPr/>
-          </p:nvSpPr>
-          <p:spPr bwMode="gray">
-            <a:xfrm>
-              <a:off x="2532405" y="817812"/>
-              <a:ext cx="3345866" cy="2424406"/>
-            </a:xfrm>
-            <a:prstGeom prst="rect">
-              <a:avLst/>
-            </a:prstGeom>
-            <a:noFill/>
-            <a:ln w="19050" algn="ctr">
-              <a:solidFill>
-                <a:srgbClr val="FF0000"/>
-              </a:solidFill>
-              <a:prstDash val="dash"/>
-              <a:miter lim="800000"/>
-              <a:headEnd/>
-              <a:tailEnd/>
-            </a:ln>
-          </p:spPr>
-          <p:txBody>
-            <a:bodyPr lIns="90000" tIns="72000" rIns="90000" bIns="72000" rtlCol="0" anchor="ctr"/>
-            <a:lstStyle/>
-            <a:p>
-              <a:pPr marR="0" algn="ctr" defTabSz="914400" eaLnBrk="1" fontAlgn="base" latinLnBrk="0" hangingPunct="1">
-                <a:lnSpc>
-                  <a:spcPct val="100000"/>
-                </a:lnSpc>
-                <a:spcBef>
-                  <a:spcPct val="50000"/>
-                </a:spcBef>
-                <a:spcAft>
-                  <a:spcPct val="0"/>
-                </a:spcAft>
-                <a:buClr>
-                  <a:srgbClr val="F0AB00"/>
-                </a:buClr>
-                <a:buSzPct val="80000"/>
-                <a:tabLst/>
-              </a:pPr>
-              <a:endParaRPr kumimoji="0" lang="de-DE" sz="1800" b="0" i="0" u="none" strike="noStrike" kern="0" cap="none" spc="0" normalizeH="0" baseline="0" noProof="0" dirty="0" err="1">
-                <a:ln>
-                  <a:noFill/>
-                </a:ln>
-                <a:effectLst/>
-                <a:uLnTx/>
-                <a:uFillTx/>
-                <a:ea typeface="Arial Unicode MS" pitchFamily="34" charset="-128"/>
-                <a:cs typeface="Arial Unicode MS" pitchFamily="34" charset="-128"/>
-              </a:endParaRPr>
-            </a:p>
-          </p:txBody>
-        </p:sp>
-        <p:sp>
-          <p:nvSpPr>
-            <p:cNvPr id="252" name="TextBox 251">
-              <a:extLst>
-                <a:ext uri="{FF2B5EF4-FFF2-40B4-BE49-F238E27FC236}">
-                  <a16:creationId xmlns:a16="http://schemas.microsoft.com/office/drawing/2014/main" id="{EC3F38D0-9D0E-430C-B844-E4C51E049031}"/>
-                </a:ext>
-              </a:extLst>
-            </p:cNvPr>
-            <p:cNvSpPr txBox="1"/>
-            <p:nvPr/>
-          </p:nvSpPr>
-          <p:spPr>
-            <a:xfrm>
-              <a:off x="5191677" y="4700316"/>
-              <a:ext cx="543694" cy="1107996"/>
-            </a:xfrm>
-            <a:prstGeom prst="rect">
-              <a:avLst/>
-            </a:prstGeom>
-            <a:noFill/>
-          </p:spPr>
-          <p:txBody>
-            <a:bodyPr wrap="square" lIns="0" tIns="0" rIns="0" bIns="0" rtlCol="0">
-              <a:spAutoFit/>
-            </a:bodyPr>
-            <a:lstStyle/>
-            <a:p>
-              <a:pPr fontAlgn="base">
-                <a:spcBef>
-                  <a:spcPct val="50000"/>
-                </a:spcBef>
-                <a:spcAft>
-                  <a:spcPct val="0"/>
-                </a:spcAft>
-                <a:buClr>
-                  <a:srgbClr val="F0AB00"/>
-                </a:buClr>
-                <a:buSzPct val="80000"/>
-              </a:pPr>
-              <a:r>
-                <a:rPr lang="en-US" sz="7200" kern="0" dirty="0">
-                  <a:solidFill>
-                    <a:srgbClr val="00B050"/>
-                  </a:solidFill>
-                  <a:latin typeface="Wingdings" panose="05000000000000000000" pitchFamily="2" charset="2"/>
-                  <a:ea typeface="Arial Unicode MS" pitchFamily="34" charset="-128"/>
-                  <a:cs typeface="Arial Unicode MS" pitchFamily="34" charset="-128"/>
-                </a:rPr>
-                <a:t>ü</a:t>
-              </a:r>
-            </a:p>
-          </p:txBody>
-        </p:sp>
-        <p:grpSp>
-          <p:nvGrpSpPr>
-            <p:cNvPr id="253" name="Group 252">
-              <a:extLst>
-                <a:ext uri="{FF2B5EF4-FFF2-40B4-BE49-F238E27FC236}">
-                  <a16:creationId xmlns:a16="http://schemas.microsoft.com/office/drawing/2014/main" id="{332DFAD5-8F16-4095-B222-60C56E0EBF5B}"/>
-                </a:ext>
-              </a:extLst>
-            </p:cNvPr>
-            <p:cNvGrpSpPr/>
-            <p:nvPr/>
-          </p:nvGrpSpPr>
-          <p:grpSpPr>
-            <a:xfrm>
-              <a:off x="6338581" y="4010042"/>
-              <a:ext cx="675893" cy="760946"/>
-              <a:chOff x="6338581" y="4010042"/>
-              <a:chExt cx="675893" cy="760946"/>
-            </a:xfrm>
-          </p:grpSpPr>
-          <p:grpSp>
-            <p:nvGrpSpPr>
-              <p:cNvPr id="254" name="Group 253">
-                <a:extLst>
-                  <a:ext uri="{FF2B5EF4-FFF2-40B4-BE49-F238E27FC236}">
-                    <a16:creationId xmlns:a16="http://schemas.microsoft.com/office/drawing/2014/main" id="{413787BB-B94D-491C-B915-E54D4C5C083D}"/>
-                  </a:ext>
-                </a:extLst>
-              </p:cNvPr>
-              <p:cNvGrpSpPr/>
-              <p:nvPr/>
-            </p:nvGrpSpPr>
-            <p:grpSpPr>
-              <a:xfrm>
-                <a:off x="6338581" y="4010042"/>
-                <a:ext cx="675893" cy="760946"/>
-                <a:chOff x="8336634" y="4490033"/>
-                <a:chExt cx="675893" cy="760946"/>
-              </a:xfrm>
-            </p:grpSpPr>
-            <p:grpSp>
-              <p:nvGrpSpPr>
-                <p:cNvPr id="256" name="Group 255">
-                  <a:extLst>
-                    <a:ext uri="{FF2B5EF4-FFF2-40B4-BE49-F238E27FC236}">
-                      <a16:creationId xmlns:a16="http://schemas.microsoft.com/office/drawing/2014/main" id="{C54925F5-9196-4FAB-86A1-109E16AA3EEF}"/>
-                    </a:ext>
-                  </a:extLst>
-                </p:cNvPr>
-                <p:cNvGrpSpPr/>
-                <p:nvPr/>
-              </p:nvGrpSpPr>
-              <p:grpSpPr>
-                <a:xfrm>
-                  <a:off x="8336634" y="4490033"/>
-                  <a:ext cx="675893" cy="760946"/>
-                  <a:chOff x="8336634" y="4490033"/>
-                  <a:chExt cx="675893" cy="760946"/>
-                </a:xfrm>
-              </p:grpSpPr>
-              <p:sp>
-                <p:nvSpPr>
-                  <p:cNvPr id="258" name="Rounded Rectangle 14">
-                    <a:extLst>
-                      <a:ext uri="{FF2B5EF4-FFF2-40B4-BE49-F238E27FC236}">
-                        <a16:creationId xmlns:a16="http://schemas.microsoft.com/office/drawing/2014/main" id="{DA0C0FE6-4B22-4D38-85EB-045C746EC59E}"/>
-                      </a:ext>
-                    </a:extLst>
-                  </p:cNvPr>
-                  <p:cNvSpPr/>
-                  <p:nvPr/>
-                </p:nvSpPr>
-                <p:spPr bwMode="gray">
-                  <a:xfrm>
-                    <a:off x="8336634" y="4786415"/>
-                    <a:ext cx="548827" cy="464564"/>
-                  </a:xfrm>
-                  <a:prstGeom prst="roundRect">
-                    <a:avLst/>
-                  </a:prstGeom>
-                  <a:solidFill>
-                    <a:schemeClr val="tx1">
-                      <a:lumMod val="50000"/>
-                      <a:lumOff val="50000"/>
-                    </a:schemeClr>
-                  </a:solidFill>
-                  <a:ln>
-                    <a:solidFill>
-                      <a:schemeClr val="tx1"/>
-                    </a:solidFill>
-                    <a:headEnd/>
-                    <a:tailEnd/>
-                  </a:ln>
-                  <a:effectLst/>
-                </p:spPr>
-                <p:style>
-                  <a:lnRef idx="1">
-                    <a:schemeClr val="accent1"/>
-                  </a:lnRef>
-                  <a:fillRef idx="3">
-                    <a:schemeClr val="accent1"/>
-                  </a:fillRef>
-                  <a:effectRef idx="2">
-                    <a:schemeClr val="accent1"/>
-                  </a:effectRef>
-                  <a:fontRef idx="minor">
-                    <a:schemeClr val="lt1"/>
-                  </a:fontRef>
-                </p:style>
-                <p:txBody>
-                  <a:bodyPr lIns="107138" tIns="85710" rIns="107138" bIns="85710" rtlCol="0" anchor="t" anchorCtr="0"/>
-                  <a:lstStyle/>
-                  <a:p>
-                    <a:pPr algn="ctr" defTabSz="1088558" fontAlgn="base">
-                      <a:spcBef>
-                        <a:spcPct val="50000"/>
-                      </a:spcBef>
-                      <a:spcAft>
-                        <a:spcPct val="0"/>
-                      </a:spcAft>
-                      <a:buClr>
-                        <a:srgbClr val="F0AB00"/>
-                      </a:buClr>
-                      <a:buSzPct val="80000"/>
-                    </a:pPr>
-                    <a:r>
-                      <a:rPr lang="en-US" sz="1000" kern="0" dirty="0" err="1">
-                        <a:solidFill>
-                          <a:srgbClr val="000000"/>
-                        </a:solidFill>
-                        <a:latin typeface="Arial"/>
-                        <a:ea typeface="Arial Unicode MS" pitchFamily="34" charset="-128"/>
-                        <a:cs typeface="Arial Unicode MS" pitchFamily="34" charset="-128"/>
-                      </a:rPr>
-                      <a:t>nwp</a:t>
-                    </a:r>
-                    <a:endParaRPr lang="en-US" sz="1000" kern="0" dirty="0">
-                      <a:solidFill>
-                        <a:srgbClr val="000000"/>
-                      </a:solidFill>
-                      <a:latin typeface="Arial"/>
-                      <a:ea typeface="Arial Unicode MS" pitchFamily="34" charset="-128"/>
-                      <a:cs typeface="Arial Unicode MS" pitchFamily="34" charset="-128"/>
-                    </a:endParaRPr>
-                  </a:p>
-                </p:txBody>
-              </p:sp>
-              <p:pic>
-                <p:nvPicPr>
-                  <p:cNvPr id="259" name="Graphic 258" descr="Fence">
-                    <a:extLst>
-                      <a:ext uri="{FF2B5EF4-FFF2-40B4-BE49-F238E27FC236}">
-                        <a16:creationId xmlns:a16="http://schemas.microsoft.com/office/drawing/2014/main" id="{E9BD5581-8C80-4B8B-B223-A015622D83AA}"/>
-                      </a:ext>
-                    </a:extLst>
-                  </p:cNvPr>
-                  <p:cNvPicPr>
-                    <a:picLocks noChangeAspect="1"/>
-                  </p:cNvPicPr>
-                  <p:nvPr/>
-                </p:nvPicPr>
-                <p:blipFill>
-                  <a:blip r:embed="rId4">
-                    <a:extLst>
-                      <a:ext uri="{96DAC541-7B7A-43D3-8B79-37D633B846F1}">
-                        <asvg:svgBlip xmlns:asvg="http://schemas.microsoft.com/office/drawing/2016/SVG/main" r:embed="rId9"/>
-                      </a:ext>
-                    </a:extLst>
-                  </a:blip>
-                  <a:stretch>
-                    <a:fillRect/>
-                  </a:stretch>
-                </p:blipFill>
-                <p:spPr>
-                  <a:xfrm>
-                    <a:off x="8383165" y="4490033"/>
-                    <a:ext cx="473701" cy="473701"/>
-                  </a:xfrm>
-                  <a:prstGeom prst="rect">
-                    <a:avLst/>
-                  </a:prstGeom>
-                </p:spPr>
-              </p:pic>
-              <p:cxnSp>
-                <p:nvCxnSpPr>
-                  <p:cNvPr id="260" name="Straight Connector 259">
-                    <a:extLst>
-                      <a:ext uri="{FF2B5EF4-FFF2-40B4-BE49-F238E27FC236}">
-                        <a16:creationId xmlns:a16="http://schemas.microsoft.com/office/drawing/2014/main" id="{F6CDD39C-1835-41EF-83B8-A28A11B1F01C}"/>
-                      </a:ext>
-                    </a:extLst>
-                  </p:cNvPr>
-                  <p:cNvCxnSpPr/>
-                  <p:nvPr/>
-                </p:nvCxnSpPr>
-                <p:spPr>
-                  <a:xfrm>
-                    <a:off x="8883761" y="5037029"/>
-                    <a:ext cx="128766" cy="0"/>
-                  </a:xfrm>
-                  <a:prstGeom prst="line">
-                    <a:avLst/>
-                  </a:prstGeom>
-                  <a:ln w="9525">
-                    <a:noFill/>
-                    <a:headEnd type="none" w="med" len="med"/>
-                    <a:tailEnd type="none" w="med" len="med"/>
-                  </a:ln>
-                </p:spPr>
-                <p:style>
-                  <a:lnRef idx="1">
-                    <a:schemeClr val="accent1"/>
-                  </a:lnRef>
-                  <a:fillRef idx="0">
-                    <a:schemeClr val="accent1"/>
-                  </a:fillRef>
-                  <a:effectRef idx="0">
-                    <a:schemeClr val="accent1"/>
-                  </a:effectRef>
-                  <a:fontRef idx="minor">
-                    <a:schemeClr val="tx1"/>
-                  </a:fontRef>
-                </p:style>
-              </p:cxnSp>
-            </p:grpSp>
-            <p:pic>
-              <p:nvPicPr>
-                <p:cNvPr id="257" name="Picture 256">
-                  <a:extLst>
-                    <a:ext uri="{FF2B5EF4-FFF2-40B4-BE49-F238E27FC236}">
-                      <a16:creationId xmlns:a16="http://schemas.microsoft.com/office/drawing/2014/main" id="{F52BD4B3-03F2-416A-8B8C-E4DE109E1BF0}"/>
-                    </a:ext>
-                  </a:extLst>
-                </p:cNvPr>
-                <p:cNvPicPr>
-                  <a:picLocks noChangeAspect="1"/>
-                </p:cNvPicPr>
-                <p:nvPr/>
-              </p:nvPicPr>
-              <p:blipFill>
-                <a:blip r:embed="rId3"/>
-                <a:stretch>
-                  <a:fillRect/>
-                </a:stretch>
-              </p:blipFill>
-              <p:spPr>
-                <a:xfrm>
-                  <a:off x="8804961" y="4729104"/>
-                  <a:ext cx="150305" cy="146304"/>
-                </a:xfrm>
-                <a:prstGeom prst="rect">
-                  <a:avLst/>
-                </a:prstGeom>
-                <a:ln>
-                  <a:noFill/>
-                </a:ln>
-              </p:spPr>
-            </p:pic>
-          </p:grpSp>
-          <p:cxnSp>
-            <p:nvCxnSpPr>
-              <p:cNvPr id="255" name="Straight Connector 254">
-                <a:extLst>
-                  <a:ext uri="{FF2B5EF4-FFF2-40B4-BE49-F238E27FC236}">
-                    <a16:creationId xmlns:a16="http://schemas.microsoft.com/office/drawing/2014/main" id="{5C496B9A-C68E-4BBD-8CCD-482AD82A74D7}"/>
-                  </a:ext>
-                </a:extLst>
-              </p:cNvPr>
-              <p:cNvCxnSpPr>
-                <a:cxnSpLocks/>
-                <a:stCxn id="258" idx="3"/>
-              </p:cNvCxnSpPr>
-              <p:nvPr/>
-            </p:nvCxnSpPr>
-            <p:spPr>
-              <a:xfrm>
-                <a:off x="6887408" y="4538706"/>
-                <a:ext cx="101596" cy="0"/>
-              </a:xfrm>
-              <a:prstGeom prst="line">
-                <a:avLst/>
-              </a:prstGeom>
-              <a:solidFill>
-                <a:schemeClr val="tx1">
-                  <a:lumMod val="50000"/>
-                  <a:lumOff val="50000"/>
-                </a:schemeClr>
-              </a:solidFill>
-              <a:ln w="9525">
-                <a:solidFill>
-                  <a:schemeClr val="tx1"/>
-                </a:solidFill>
-                <a:headEnd type="none" w="med" len="med"/>
-                <a:tailEnd type="none" w="med" len="med"/>
-              </a:ln>
-            </p:spPr>
-            <p:style>
-              <a:lnRef idx="1">
-                <a:schemeClr val="accent1"/>
-              </a:lnRef>
-              <a:fillRef idx="0">
-                <a:schemeClr val="accent1"/>
-              </a:fillRef>
-              <a:effectRef idx="0">
-                <a:schemeClr val="accent1"/>
-              </a:effectRef>
-              <a:fontRef idx="minor">
-                <a:schemeClr val="tx1"/>
-              </a:fontRef>
-            </p:style>
-          </p:cxnSp>
-        </p:grpSp>
       </p:grpSp>
       <p:sp>
         <p:nvSpPr>
@@ -47388,10 +47071,10 @@
           </p:nvGrpSpPr>
           <p:grpSpPr>
             <a:xfrm>
-              <a:off x="2939177" y="1799765"/>
-              <a:ext cx="3284530" cy="844018"/>
-              <a:chOff x="2939177" y="1799765"/>
-              <a:chExt cx="3284530" cy="844018"/>
+              <a:off x="2939177" y="1571602"/>
+              <a:ext cx="3265309" cy="1072181"/>
+              <a:chOff x="2939177" y="1571602"/>
+              <a:chExt cx="3265309" cy="1072181"/>
             </a:xfrm>
           </p:grpSpPr>
           <p:sp>
@@ -47461,14 +47144,16 @@
                 </a:extLst>
               </p:cNvPr>
               <p:cNvCxnSpPr>
+                <a:cxnSpLocks/>
                 <a:stCxn id="2" idx="3"/>
+                <a:endCxn id="127" idx="1"/>
               </p:cNvCxnSpPr>
               <p:nvPr/>
             </p:nvCxnSpPr>
             <p:spPr>
               <a:xfrm flipV="1">
-                <a:off x="2939177" y="1799765"/>
-                <a:ext cx="3284530" cy="795374"/>
+                <a:off x="2939177" y="1571602"/>
+                <a:ext cx="3265309" cy="1023537"/>
               </a:xfrm>
               <a:prstGeom prst="bentConnector3">
                 <a:avLst/>
@@ -47607,13 +47292,14 @@
             </p:cNvPr>
             <p:cNvCxnSpPr>
               <a:cxnSpLocks/>
+              <a:endCxn id="261" idx="0"/>
             </p:cNvCxnSpPr>
             <p:nvPr/>
           </p:nvCxnSpPr>
           <p:spPr>
             <a:xfrm>
               <a:off x="10145078" y="1054100"/>
-              <a:ext cx="0" cy="530650"/>
+              <a:ext cx="987" cy="378992"/>
             </a:xfrm>
             <a:prstGeom prst="straightConnector1">
               <a:avLst/>
@@ -47948,18 +47634,20 @@
           </p:cNvPr>
           <p:cNvCxnSpPr>
             <a:cxnSpLocks/>
-            <a:stCxn id="290" idx="3"/>
-            <a:endCxn id="261" idx="1"/>
+            <a:stCxn id="224" idx="3"/>
+            <a:endCxn id="136" idx="1"/>
           </p:cNvCxnSpPr>
           <p:nvPr/>
         </p:nvCxnSpPr>
         <p:spPr>
-          <a:xfrm>
-            <a:off x="6778711" y="1816583"/>
-            <a:ext cx="3091953" cy="449"/>
+          <a:xfrm flipV="1">
+            <a:off x="7177286" y="1933259"/>
+            <a:ext cx="2706078" cy="978730"/>
           </a:xfrm>
-          <a:prstGeom prst="straightConnector1">
-            <a:avLst/>
+          <a:prstGeom prst="bentConnector3">
+            <a:avLst>
+              <a:gd name="adj1" fmla="val 34982"/>
+            </a:avLst>
           </a:prstGeom>
           <a:ln w="44450">
             <a:solidFill>
@@ -48001,7 +47689,7 @@
         </p:nvSpPr>
         <p:spPr>
           <a:xfrm>
-            <a:off x="7170821" y="750771"/>
+            <a:off x="7357092" y="801571"/>
             <a:ext cx="1905802" cy="215444"/>
           </a:xfrm>
           <a:prstGeom prst="rect">
@@ -48051,7 +47739,7 @@
         </p:nvSpPr>
         <p:spPr>
           <a:xfrm>
-            <a:off x="7063337" y="1567313"/>
+            <a:off x="7342737" y="1681613"/>
             <a:ext cx="3110565" cy="215444"/>
           </a:xfrm>
           <a:prstGeom prst="rect">
@@ -48087,6 +47775,390 @@
           </a:p>
         </p:txBody>
       </p:sp>
+      <p:sp>
+        <p:nvSpPr>
+          <p:cNvPr id="127" name="Rounded Rectangle 14">
+            <a:extLst>
+              <a:ext uri="{FF2B5EF4-FFF2-40B4-BE49-F238E27FC236}">
+                <a16:creationId xmlns:a16="http://schemas.microsoft.com/office/drawing/2014/main" id="{E128BE2D-1309-4374-BD14-03DEBB7DF756}"/>
+              </a:ext>
+            </a:extLst>
+          </p:cNvPr>
+          <p:cNvSpPr/>
+          <p:nvPr/>
+        </p:nvSpPr>
+        <p:spPr bwMode="gray">
+          <a:xfrm>
+            <a:off x="6204486" y="1423952"/>
+            <a:ext cx="548827" cy="295299"/>
+          </a:xfrm>
+          <a:prstGeom prst="roundRect">
+            <a:avLst/>
+          </a:prstGeom>
+          <a:solidFill>
+            <a:srgbClr val="4FB81C"/>
+          </a:solidFill>
+          <a:ln>
+            <a:solidFill>
+              <a:schemeClr val="tx1"/>
+            </a:solidFill>
+            <a:headEnd/>
+            <a:tailEnd/>
+          </a:ln>
+          <a:effectLst/>
+        </p:spPr>
+        <p:style>
+          <a:lnRef idx="1">
+            <a:schemeClr val="accent1"/>
+          </a:lnRef>
+          <a:fillRef idx="3">
+            <a:schemeClr val="accent1"/>
+          </a:fillRef>
+          <a:effectRef idx="2">
+            <a:schemeClr val="accent1"/>
+          </a:effectRef>
+          <a:fontRef idx="minor">
+            <a:schemeClr val="lt1"/>
+          </a:fontRef>
+        </p:style>
+        <p:txBody>
+          <a:bodyPr lIns="107138" tIns="85710" rIns="107138" bIns="85710" rtlCol="0" anchor="t" anchorCtr="0"/>
+          <a:lstStyle/>
+          <a:p>
+            <a:pPr algn="ctr" defTabSz="1088558" fontAlgn="base">
+              <a:spcBef>
+                <a:spcPct val="50000"/>
+              </a:spcBef>
+              <a:spcAft>
+                <a:spcPct val="0"/>
+              </a:spcAft>
+              <a:buClr>
+                <a:srgbClr val="F0AB00"/>
+              </a:buClr>
+              <a:buSzPct val="80000"/>
+            </a:pPr>
+            <a:r>
+              <a:rPr lang="en-US" sz="1000" kern="0" dirty="0" err="1">
+                <a:solidFill>
+                  <a:srgbClr val="000000"/>
+                </a:solidFill>
+                <a:latin typeface="Arial"/>
+                <a:ea typeface="Arial Unicode MS" pitchFamily="34" charset="-128"/>
+                <a:cs typeface="Arial Unicode MS" pitchFamily="34" charset="-128"/>
+              </a:rPr>
+              <a:t>ingr</a:t>
+            </a:r>
+            <a:endParaRPr lang="en-US" sz="1000" kern="0" dirty="0">
+              <a:solidFill>
+                <a:srgbClr val="000000"/>
+              </a:solidFill>
+              <a:latin typeface="Arial"/>
+              <a:ea typeface="Arial Unicode MS" pitchFamily="34" charset="-128"/>
+              <a:cs typeface="Arial Unicode MS" pitchFamily="34" charset="-128"/>
+            </a:endParaRPr>
+          </a:p>
+        </p:txBody>
+      </p:sp>
+      <p:pic>
+        <p:nvPicPr>
+          <p:cNvPr id="130" name="Picture 129">
+            <a:extLst>
+              <a:ext uri="{FF2B5EF4-FFF2-40B4-BE49-F238E27FC236}">
+                <a16:creationId xmlns:a16="http://schemas.microsoft.com/office/drawing/2014/main" id="{89A3C613-8894-4C18-911A-3AB2B6AC9919}"/>
+              </a:ext>
+            </a:extLst>
+          </p:cNvPr>
+          <p:cNvPicPr>
+            <a:picLocks noChangeAspect="1"/>
+          </p:cNvPicPr>
+          <p:nvPr/>
+        </p:nvPicPr>
+        <p:blipFill>
+          <a:blip r:embed="rId3"/>
+          <a:stretch>
+            <a:fillRect/>
+          </a:stretch>
+        </p:blipFill>
+        <p:spPr>
+          <a:xfrm>
+            <a:off x="6710872" y="1356622"/>
+            <a:ext cx="150305" cy="146304"/>
+          </a:xfrm>
+          <a:prstGeom prst="rect">
+            <a:avLst/>
+          </a:prstGeom>
+          <a:noFill/>
+        </p:spPr>
+      </p:pic>
+      <p:pic>
+        <p:nvPicPr>
+          <p:cNvPr id="134" name="Graphic 133" descr="Lock">
+            <a:extLst>
+              <a:ext uri="{FF2B5EF4-FFF2-40B4-BE49-F238E27FC236}">
+                <a16:creationId xmlns:a16="http://schemas.microsoft.com/office/drawing/2014/main" id="{29D2A320-A98B-494F-AB2A-8FF800922E17}"/>
+              </a:ext>
+            </a:extLst>
+          </p:cNvPr>
+          <p:cNvPicPr>
+            <a:picLocks noChangeAspect="1"/>
+          </p:cNvPicPr>
+          <p:nvPr/>
+        </p:nvPicPr>
+        <p:blipFill>
+          <a:blip r:embed="rId7">
+            <a:extLst>
+              <a:ext uri="{96DAC541-7B7A-43D3-8B79-37D633B846F1}">
+                <asvg:svgBlip xmlns:asvg="http://schemas.microsoft.com/office/drawing/2016/SVG/main" r:embed="rId8"/>
+              </a:ext>
+            </a:extLst>
+          </a:blip>
+          <a:stretch>
+            <a:fillRect/>
+          </a:stretch>
+        </p:blipFill>
+        <p:spPr>
+          <a:xfrm>
+            <a:off x="6046241" y="1129563"/>
+            <a:ext cx="403319" cy="403319"/>
+          </a:xfrm>
+          <a:prstGeom prst="rect">
+            <a:avLst/>
+          </a:prstGeom>
+        </p:spPr>
+      </p:pic>
+      <p:grpSp>
+        <p:nvGrpSpPr>
+          <p:cNvPr id="135" name="Group 134">
+            <a:extLst>
+              <a:ext uri="{FF2B5EF4-FFF2-40B4-BE49-F238E27FC236}">
+                <a16:creationId xmlns:a16="http://schemas.microsoft.com/office/drawing/2014/main" id="{7700FED2-356E-4D6E-8041-AB7239DB0B0F}"/>
+              </a:ext>
+            </a:extLst>
+          </p:cNvPr>
+          <p:cNvGrpSpPr/>
+          <p:nvPr/>
+        </p:nvGrpSpPr>
+        <p:grpSpPr>
+          <a:xfrm>
+            <a:off x="9883364" y="1714349"/>
+            <a:ext cx="590691" cy="364218"/>
+            <a:chOff x="7879332" y="846732"/>
+            <a:chExt cx="590691" cy="364218"/>
+          </a:xfrm>
+        </p:grpSpPr>
+        <p:sp>
+          <p:nvSpPr>
+            <p:cNvPr id="136" name="Rounded Rectangle 14">
+              <a:extLst>
+                <a:ext uri="{FF2B5EF4-FFF2-40B4-BE49-F238E27FC236}">
+                  <a16:creationId xmlns:a16="http://schemas.microsoft.com/office/drawing/2014/main" id="{0BFF7188-A6CE-4525-8E3B-8018FBEA2897}"/>
+                </a:ext>
+              </a:extLst>
+            </p:cNvPr>
+            <p:cNvSpPr/>
+            <p:nvPr/>
+          </p:nvSpPr>
+          <p:spPr bwMode="gray">
+            <a:xfrm>
+              <a:off x="7879332" y="920333"/>
+              <a:ext cx="548827" cy="290617"/>
+            </a:xfrm>
+            <a:prstGeom prst="roundRect">
+              <a:avLst/>
+            </a:prstGeom>
+            <a:solidFill>
+              <a:schemeClr val="bg1">
+                <a:lumMod val="50000"/>
+              </a:schemeClr>
+            </a:solidFill>
+            <a:ln>
+              <a:solidFill>
+                <a:schemeClr val="tx1"/>
+              </a:solidFill>
+              <a:headEnd/>
+              <a:tailEnd/>
+            </a:ln>
+            <a:effectLst/>
+          </p:spPr>
+          <p:style>
+            <a:lnRef idx="1">
+              <a:schemeClr val="accent1"/>
+            </a:lnRef>
+            <a:fillRef idx="3">
+              <a:schemeClr val="accent1"/>
+            </a:fillRef>
+            <a:effectRef idx="2">
+              <a:schemeClr val="accent1"/>
+            </a:effectRef>
+            <a:fontRef idx="minor">
+              <a:schemeClr val="lt1"/>
+            </a:fontRef>
+          </p:style>
+          <p:txBody>
+            <a:bodyPr lIns="107138" tIns="85710" rIns="107138" bIns="85710" rtlCol="0" anchor="t" anchorCtr="0"/>
+            <a:lstStyle/>
+            <a:p>
+              <a:pPr algn="ctr" defTabSz="1088558" fontAlgn="base">
+                <a:spcBef>
+                  <a:spcPct val="50000"/>
+                </a:spcBef>
+                <a:spcAft>
+                  <a:spcPct val="0"/>
+                </a:spcAft>
+                <a:buClr>
+                  <a:srgbClr val="F0AB00"/>
+                </a:buClr>
+                <a:buSzPct val="80000"/>
+              </a:pPr>
+              <a:r>
+                <a:rPr lang="en-US" sz="1000" kern="0" dirty="0">
+                  <a:solidFill>
+                    <a:srgbClr val="000000"/>
+                  </a:solidFill>
+                  <a:latin typeface="Arial"/>
+                  <a:ea typeface="Arial Unicode MS" pitchFamily="34" charset="-128"/>
+                  <a:cs typeface="Arial Unicode MS" pitchFamily="34" charset="-128"/>
+                </a:rPr>
+                <a:t>svc</a:t>
+              </a:r>
+            </a:p>
+          </p:txBody>
+        </p:sp>
+        <p:pic>
+          <p:nvPicPr>
+            <p:cNvPr id="137" name="Picture 136">
+              <a:extLst>
+                <a:ext uri="{FF2B5EF4-FFF2-40B4-BE49-F238E27FC236}">
+                  <a16:creationId xmlns:a16="http://schemas.microsoft.com/office/drawing/2014/main" id="{A3B2493A-1F74-4BA4-A28E-F1D5CE31F891}"/>
+                </a:ext>
+              </a:extLst>
+            </p:cNvPr>
+            <p:cNvPicPr>
+              <a:picLocks noChangeAspect="1"/>
+            </p:cNvPicPr>
+            <p:nvPr/>
+          </p:nvPicPr>
+          <p:blipFill>
+            <a:blip r:embed="rId3"/>
+            <a:stretch>
+              <a:fillRect/>
+            </a:stretch>
+          </p:blipFill>
+          <p:spPr>
+            <a:xfrm>
+              <a:off x="8319718" y="846732"/>
+              <a:ext cx="150305" cy="146304"/>
+            </a:xfrm>
+            <a:prstGeom prst="rect">
+              <a:avLst/>
+            </a:prstGeom>
+          </p:spPr>
+        </p:pic>
+      </p:grpSp>
+      <p:sp>
+        <p:nvSpPr>
+          <p:cNvPr id="290" name="Rounded Rectangle 14">
+            <a:extLst>
+              <a:ext uri="{FF2B5EF4-FFF2-40B4-BE49-F238E27FC236}">
+                <a16:creationId xmlns:a16="http://schemas.microsoft.com/office/drawing/2014/main" id="{8CB5D465-ABD6-4981-8676-618A002BBA62}"/>
+              </a:ext>
+            </a:extLst>
+          </p:cNvPr>
+          <p:cNvSpPr/>
+          <p:nvPr/>
+        </p:nvSpPr>
+        <p:spPr bwMode="gray">
+          <a:xfrm>
+            <a:off x="6204485" y="1803401"/>
+            <a:ext cx="548827" cy="296265"/>
+          </a:xfrm>
+          <a:prstGeom prst="roundRect">
+            <a:avLst/>
+          </a:prstGeom>
+          <a:solidFill>
+            <a:srgbClr val="4FB81C"/>
+          </a:solidFill>
+          <a:ln>
+            <a:solidFill>
+              <a:schemeClr val="tx1"/>
+            </a:solidFill>
+            <a:headEnd/>
+            <a:tailEnd/>
+          </a:ln>
+          <a:effectLst/>
+        </p:spPr>
+        <p:style>
+          <a:lnRef idx="1">
+            <a:schemeClr val="accent1"/>
+          </a:lnRef>
+          <a:fillRef idx="3">
+            <a:schemeClr val="accent1"/>
+          </a:fillRef>
+          <a:effectRef idx="2">
+            <a:schemeClr val="accent1"/>
+          </a:effectRef>
+          <a:fontRef idx="minor">
+            <a:schemeClr val="lt1"/>
+          </a:fontRef>
+        </p:style>
+        <p:txBody>
+          <a:bodyPr lIns="107138" tIns="85710" rIns="107138" bIns="85710" rtlCol="0" anchor="t" anchorCtr="0"/>
+          <a:lstStyle/>
+          <a:p>
+            <a:pPr algn="ctr" defTabSz="1088558" fontAlgn="base">
+              <a:spcAft>
+                <a:spcPct val="0"/>
+              </a:spcAft>
+              <a:buClr>
+                <a:srgbClr val="F0AB00"/>
+              </a:buClr>
+              <a:buSzPct val="80000"/>
+            </a:pPr>
+            <a:r>
+              <a:rPr lang="en-US" sz="1000" kern="0" dirty="0">
+                <a:solidFill>
+                  <a:srgbClr val="000000"/>
+                </a:solidFill>
+                <a:latin typeface="Arial"/>
+                <a:ea typeface="Arial Unicode MS" pitchFamily="34" charset="-128"/>
+                <a:cs typeface="Arial Unicode MS" pitchFamily="34" charset="-128"/>
+              </a:rPr>
+              <a:t>svc</a:t>
+            </a:r>
+          </a:p>
+        </p:txBody>
+      </p:sp>
+      <p:pic>
+        <p:nvPicPr>
+          <p:cNvPr id="132" name="Picture 131">
+            <a:extLst>
+              <a:ext uri="{FF2B5EF4-FFF2-40B4-BE49-F238E27FC236}">
+                <a16:creationId xmlns:a16="http://schemas.microsoft.com/office/drawing/2014/main" id="{822880C9-ACB9-44D5-AB1C-46A0EFF8D2FE}"/>
+              </a:ext>
+            </a:extLst>
+          </p:cNvPr>
+          <p:cNvPicPr>
+            <a:picLocks noChangeAspect="1"/>
+          </p:cNvPicPr>
+          <p:nvPr/>
+        </p:nvPicPr>
+        <p:blipFill>
+          <a:blip r:embed="rId3"/>
+          <a:stretch>
+            <a:fillRect/>
+          </a:stretch>
+        </p:blipFill>
+        <p:spPr>
+          <a:xfrm>
+            <a:off x="6685472" y="1737622"/>
+            <a:ext cx="150305" cy="146304"/>
+          </a:xfrm>
+          <a:prstGeom prst="rect">
+            <a:avLst/>
+          </a:prstGeom>
+          <a:noFill/>
+        </p:spPr>
+      </p:pic>
     </p:spTree>
     <p:extLst>
       <p:ext uri="{BB962C8B-B14F-4D97-AF65-F5344CB8AC3E}">

--- a/sample-app/bulletinboard-in-k8s_exercises.pptx
+++ b/sample-app/bulletinboard-in-k8s_exercises.pptx
@@ -50194,17 +50194,6 @@
                 <a:buSzPct val="80000"/>
               </a:pPr>
               <a:r>
-                <a:rPr lang="en-US" sz="1000" kern="0" dirty="0" err="1">
-                  <a:solidFill>
-                    <a:srgbClr val="000000"/>
-                  </a:solidFill>
-                  <a:latin typeface="Arial"/>
-                  <a:ea typeface="Arial Unicode MS" pitchFamily="34" charset="-128"/>
-                  <a:cs typeface="Arial Unicode MS" pitchFamily="34" charset="-128"/>
-                </a:rPr>
-                <a:t>configmap</a:t>
-              </a:r>
-              <a:r>
                 <a:rPr lang="en-US" sz="1000" kern="0" dirty="0">
                   <a:solidFill>
                     <a:srgbClr val="000000"/>
@@ -50213,7 +50202,7 @@
                   <a:ea typeface="Arial Unicode MS" pitchFamily="34" charset="-128"/>
                   <a:cs typeface="Arial Unicode MS" pitchFamily="34" charset="-128"/>
                 </a:rPr>
-                <a:t>:</a:t>
+                <a:t>secret:</a:t>
               </a:r>
               <a:br>
                 <a:rPr lang="en-US" sz="1000" kern="0" dirty="0">

--- a/sample-app/bulletinboard-in-k8s_exercises.pptx
+++ b/sample-app/bulletinboard-in-k8s_exercises.pptx
@@ -15498,7 +15498,7 @@
                   <a:schemeClr val="tx1"/>
                 </a:solidFill>
               </a:rPr>
-              <a:t>2018 SAP SE or an SAP affiliate company. All rights reserved.  </a:t>
+              <a:t>2020 SAP SE or an SAP affiliate company. All rights reserved.  </a:t>
             </a:r>
             <a:r>
               <a:rPr kumimoji="0" lang="en-US" sz="600" b="0" i="0" u="none" kern="0" baseline="0" dirty="0">
@@ -21808,6 +21808,55 @@
           </p:spPr>
         </p:pic>
       </p:grpSp>
+      <p:cxnSp>
+        <p:nvCxnSpPr>
+          <p:cNvPr id="116" name="Connector: Elbow 115">
+            <a:extLst>
+              <a:ext uri="{FF2B5EF4-FFF2-40B4-BE49-F238E27FC236}">
+                <a16:creationId xmlns:a16="http://schemas.microsoft.com/office/drawing/2014/main" id="{66B30BE7-6875-4BDC-A497-8B0622C4D795}"/>
+              </a:ext>
+            </a:extLst>
+          </p:cNvPr>
+          <p:cNvCxnSpPr>
+            <a:cxnSpLocks/>
+            <a:endCxn id="195" idx="1"/>
+          </p:cNvCxnSpPr>
+          <p:nvPr/>
+        </p:nvCxnSpPr>
+        <p:spPr>
+          <a:xfrm flipV="1">
+            <a:off x="7177286" y="1793525"/>
+            <a:ext cx="2712095" cy="1118464"/>
+          </a:xfrm>
+          <a:prstGeom prst="bentConnector3">
+            <a:avLst>
+              <a:gd name="adj1" fmla="val 37051"/>
+            </a:avLst>
+          </a:prstGeom>
+          <a:grpFill/>
+          <a:ln w="38100">
+            <a:solidFill>
+              <a:schemeClr val="accent1"/>
+            </a:solidFill>
+            <a:headEnd type="none" w="med" len="med"/>
+            <a:tailEnd type="triangle" w="med" len="med"/>
+          </a:ln>
+        </p:spPr>
+        <p:style>
+          <a:lnRef idx="1">
+            <a:schemeClr val="accent1"/>
+          </a:lnRef>
+          <a:fillRef idx="0">
+            <a:schemeClr val="accent1"/>
+          </a:fillRef>
+          <a:effectRef idx="0">
+            <a:schemeClr val="accent1"/>
+          </a:effectRef>
+          <a:fontRef idx="minor">
+            <a:schemeClr val="tx1"/>
+          </a:fontRef>
+        </p:style>
+      </p:cxnSp>
     </p:spTree>
     <p:extLst>
       <p:ext uri="{BB962C8B-B14F-4D97-AF65-F5344CB8AC3E}">
@@ -28032,6 +28081,55 @@
           </p:spPr>
         </p:pic>
       </p:grpSp>
+      <p:cxnSp>
+        <p:nvCxnSpPr>
+          <p:cNvPr id="127" name="Connector: Elbow 126">
+            <a:extLst>
+              <a:ext uri="{FF2B5EF4-FFF2-40B4-BE49-F238E27FC236}">
+                <a16:creationId xmlns:a16="http://schemas.microsoft.com/office/drawing/2014/main" id="{B7BF7669-4DB5-4B5C-B8B5-EB7564F2AAF8}"/>
+              </a:ext>
+            </a:extLst>
+          </p:cNvPr>
+          <p:cNvCxnSpPr>
+            <a:cxnSpLocks/>
+            <a:endCxn id="273" idx="1"/>
+          </p:cNvCxnSpPr>
+          <p:nvPr/>
+        </p:nvCxnSpPr>
+        <p:spPr>
+          <a:xfrm flipV="1">
+            <a:off x="7177286" y="1788330"/>
+            <a:ext cx="2712707" cy="1123660"/>
+          </a:xfrm>
+          <a:prstGeom prst="bentConnector3">
+            <a:avLst>
+              <a:gd name="adj1" fmla="val 38031"/>
+            </a:avLst>
+          </a:prstGeom>
+          <a:grpFill/>
+          <a:ln w="38100">
+            <a:solidFill>
+              <a:schemeClr val="accent1"/>
+            </a:solidFill>
+            <a:headEnd type="none" w="med" len="med"/>
+            <a:tailEnd type="triangle" w="med" len="med"/>
+          </a:ln>
+        </p:spPr>
+        <p:style>
+          <a:lnRef idx="1">
+            <a:schemeClr val="accent1"/>
+          </a:lnRef>
+          <a:fillRef idx="0">
+            <a:schemeClr val="accent1"/>
+          </a:fillRef>
+          <a:effectRef idx="0">
+            <a:schemeClr val="accent1"/>
+          </a:effectRef>
+          <a:fontRef idx="minor">
+            <a:schemeClr val="tx1"/>
+          </a:fontRef>
+        </p:style>
+      </p:cxnSp>
     </p:spTree>
     <p:extLst>
       <p:ext uri="{BB962C8B-B14F-4D97-AF65-F5344CB8AC3E}">
@@ -39722,6 +39820,58 @@
           </p:spPr>
         </p:pic>
       </p:grpSp>
+      <p:cxnSp>
+        <p:nvCxnSpPr>
+          <p:cNvPr id="133" name="Connector: Elbow 132">
+            <a:extLst>
+              <a:ext uri="{FF2B5EF4-FFF2-40B4-BE49-F238E27FC236}">
+                <a16:creationId xmlns:a16="http://schemas.microsoft.com/office/drawing/2014/main" id="{69FF3169-B19C-4571-9C13-4C81F9FE3BF0}"/>
+              </a:ext>
+            </a:extLst>
+          </p:cNvPr>
+          <p:cNvCxnSpPr>
+            <a:cxnSpLocks/>
+            <a:stCxn id="155" idx="3"/>
+            <a:endCxn id="190" idx="1"/>
+          </p:cNvCxnSpPr>
+          <p:nvPr/>
+        </p:nvCxnSpPr>
+        <p:spPr>
+          <a:xfrm flipV="1">
+            <a:off x="7206260" y="1800100"/>
+            <a:ext cx="2693378" cy="1111889"/>
+          </a:xfrm>
+          <a:prstGeom prst="bentConnector3">
+            <a:avLst>
+              <a:gd name="adj1" fmla="val 36223"/>
+            </a:avLst>
+          </a:prstGeom>
+          <a:ln w="44450">
+            <a:solidFill>
+              <a:schemeClr val="tx1">
+                <a:lumMod val="65000"/>
+                <a:lumOff val="35000"/>
+              </a:schemeClr>
+            </a:solidFill>
+            <a:headEnd type="none" w="med" len="med"/>
+            <a:tailEnd type="triangle"/>
+          </a:ln>
+        </p:spPr>
+        <p:style>
+          <a:lnRef idx="1">
+            <a:schemeClr val="accent1"/>
+          </a:lnRef>
+          <a:fillRef idx="0">
+            <a:schemeClr val="accent1"/>
+          </a:fillRef>
+          <a:effectRef idx="0">
+            <a:schemeClr val="accent1"/>
+          </a:effectRef>
+          <a:fontRef idx="minor">
+            <a:schemeClr val="tx1"/>
+          </a:fontRef>
+        </p:style>
+      </p:cxnSp>
     </p:spTree>
     <p:extLst>
       <p:ext uri="{BB962C8B-B14F-4D97-AF65-F5344CB8AC3E}">
